--- a/poster.pptx
+++ b/poster.pptx
@@ -243,7 +243,7 @@
           <a:p>
             <a:fld id="{73EE89F4-C31D-45E3-BFAA-D8E8790DFB86}" type="datetimeFigureOut">
               <a:rPr lang="en-US" smtClean="0"/>
-              <a:t>5/20/2022</a:t>
+              <a:t>5/22/2022</a:t>
             </a:fld>
             <a:endParaRPr lang="en-US"/>
           </a:p>
@@ -413,7 +413,7 @@
           <a:p>
             <a:fld id="{73EE89F4-C31D-45E3-BFAA-D8E8790DFB86}" type="datetimeFigureOut">
               <a:rPr lang="en-US" smtClean="0"/>
-              <a:t>5/20/2022</a:t>
+              <a:t>5/22/2022</a:t>
             </a:fld>
             <a:endParaRPr lang="en-US"/>
           </a:p>
@@ -593,7 +593,7 @@
           <a:p>
             <a:fld id="{73EE89F4-C31D-45E3-BFAA-D8E8790DFB86}" type="datetimeFigureOut">
               <a:rPr lang="en-US" smtClean="0"/>
-              <a:t>5/20/2022</a:t>
+              <a:t>5/22/2022</a:t>
             </a:fld>
             <a:endParaRPr lang="en-US"/>
           </a:p>
@@ -763,7 +763,7 @@
           <a:p>
             <a:fld id="{73EE89F4-C31D-45E3-BFAA-D8E8790DFB86}" type="datetimeFigureOut">
               <a:rPr lang="en-US" smtClean="0"/>
-              <a:t>5/20/2022</a:t>
+              <a:t>5/22/2022</a:t>
             </a:fld>
             <a:endParaRPr lang="en-US"/>
           </a:p>
@@ -1007,7 +1007,7 @@
           <a:p>
             <a:fld id="{73EE89F4-C31D-45E3-BFAA-D8E8790DFB86}" type="datetimeFigureOut">
               <a:rPr lang="en-US" smtClean="0"/>
-              <a:t>5/20/2022</a:t>
+              <a:t>5/22/2022</a:t>
             </a:fld>
             <a:endParaRPr lang="en-US"/>
           </a:p>
@@ -1239,7 +1239,7 @@
           <a:p>
             <a:fld id="{73EE89F4-C31D-45E3-BFAA-D8E8790DFB86}" type="datetimeFigureOut">
               <a:rPr lang="en-US" smtClean="0"/>
-              <a:t>5/20/2022</a:t>
+              <a:t>5/22/2022</a:t>
             </a:fld>
             <a:endParaRPr lang="en-US"/>
           </a:p>
@@ -1606,7 +1606,7 @@
           <a:p>
             <a:fld id="{73EE89F4-C31D-45E3-BFAA-D8E8790DFB86}" type="datetimeFigureOut">
               <a:rPr lang="en-US" smtClean="0"/>
-              <a:t>5/20/2022</a:t>
+              <a:t>5/22/2022</a:t>
             </a:fld>
             <a:endParaRPr lang="en-US"/>
           </a:p>
@@ -1724,7 +1724,7 @@
           <a:p>
             <a:fld id="{73EE89F4-C31D-45E3-BFAA-D8E8790DFB86}" type="datetimeFigureOut">
               <a:rPr lang="en-US" smtClean="0"/>
-              <a:t>5/20/2022</a:t>
+              <a:t>5/22/2022</a:t>
             </a:fld>
             <a:endParaRPr lang="en-US"/>
           </a:p>
@@ -1819,7 +1819,7 @@
           <a:p>
             <a:fld id="{73EE89F4-C31D-45E3-BFAA-D8E8790DFB86}" type="datetimeFigureOut">
               <a:rPr lang="en-US" smtClean="0"/>
-              <a:t>5/20/2022</a:t>
+              <a:t>5/22/2022</a:t>
             </a:fld>
             <a:endParaRPr lang="en-US"/>
           </a:p>
@@ -2096,7 +2096,7 @@
           <a:p>
             <a:fld id="{73EE89F4-C31D-45E3-BFAA-D8E8790DFB86}" type="datetimeFigureOut">
               <a:rPr lang="en-US" smtClean="0"/>
-              <a:t>5/20/2022</a:t>
+              <a:t>5/22/2022</a:t>
             </a:fld>
             <a:endParaRPr lang="en-US"/>
           </a:p>
@@ -2353,7 +2353,7 @@
           <a:p>
             <a:fld id="{73EE89F4-C31D-45E3-BFAA-D8E8790DFB86}" type="datetimeFigureOut">
               <a:rPr lang="en-US" smtClean="0"/>
-              <a:t>5/20/2022</a:t>
+              <a:t>5/22/2022</a:t>
             </a:fld>
             <a:endParaRPr lang="en-US"/>
           </a:p>
@@ -2566,7 +2566,7 @@
           <a:p>
             <a:fld id="{73EE89F4-C31D-45E3-BFAA-D8E8790DFB86}" type="datetimeFigureOut">
               <a:rPr lang="en-US" smtClean="0"/>
-              <a:t>5/20/2022</a:t>
+              <a:t>5/22/2022</a:t>
             </a:fld>
             <a:endParaRPr lang="en-US"/>
           </a:p>
@@ -3004,7 +3004,7 @@
         </p:style>
         <p:txBody>
           <a:bodyPr>
-            <a:normAutofit fontScale="92500" lnSpcReduction="10000"/>
+            <a:normAutofit/>
           </a:bodyPr>
           <a:lstStyle/>
           <a:p>
@@ -3088,43 +3088,7 @@
                 </a:solidFill>
                 <a:cs typeface="Arial"/>
               </a:rPr>
-              <a:t>, </a:t>
-            </a:r>
-            <a:r>
-              <a:rPr lang="en-US" sz="1307" b="1" dirty="0" err="1">
-                <a:solidFill>
-                  <a:schemeClr val="tx1"/>
-                </a:solidFill>
-                <a:cs typeface="Arial"/>
-              </a:rPr>
-              <a:t>Itay</a:t>
-            </a:r>
-            <a:r>
-              <a:rPr lang="en-US" sz="1307" b="1" dirty="0">
-                <a:solidFill>
-                  <a:schemeClr val="tx1"/>
-                </a:solidFill>
-                <a:cs typeface="Arial"/>
-              </a:rPr>
-              <a:t> </a:t>
-            </a:r>
-            <a:r>
-              <a:rPr lang="en-US" sz="1307" b="1" dirty="0" err="1">
-                <a:solidFill>
-                  <a:schemeClr val="tx1"/>
-                </a:solidFill>
-                <a:cs typeface="Arial"/>
-              </a:rPr>
-              <a:t>Rafee</a:t>
-            </a:r>
-            <a:r>
-              <a:rPr lang="en-US" sz="1307" b="1" dirty="0">
-                <a:solidFill>
-                  <a:schemeClr val="tx1"/>
-                </a:solidFill>
-                <a:cs typeface="Arial"/>
-              </a:rPr>
-              <a:t> and Neta Roth</a:t>
+              <a:t>, Itay Rafee and Neta Roth</a:t>
             </a:r>
             <a:br>
               <a:rPr lang="en-US" sz="1307" b="1" dirty="0">
@@ -3151,25 +3115,6 @@
                 <a:cs typeface="Arial"/>
               </a:rPr>
               <a:t>Itzkovich</a:t>
-            </a:r>
-            <a:endParaRPr lang="he-IL" sz="1307" b="1" dirty="0">
-              <a:solidFill>
-                <a:schemeClr val="tx1"/>
-              </a:solidFill>
-              <a:cs typeface="Arial"/>
-            </a:endParaRPr>
-          </a:p>
-          <a:p>
-            <a:pPr defTabSz="951583"/>
-            <a:r>
-              <a:rPr lang="he-IL" sz="1307" b="1" dirty="0">
-                <a:solidFill>
-                  <a:srgbClr val="FF0000"/>
-                </a:solidFill>
-                <a:latin typeface="Calibri"/>
-                <a:cs typeface="Arial"/>
-              </a:rPr>
-              <a:t>לא לשכוח להוסיף ששיתפנו פעולה עם ארנון</a:t>
             </a:r>
             <a:br>
               <a:rPr lang="en-US" sz="1307" b="1" dirty="0">
@@ -3324,18 +3269,18 @@
               <a:defRPr/>
             </a:pPr>
             <a:r>
-              <a:rPr lang="he-IL" sz="900" b="1" dirty="0"/>
+              <a:rPr lang="he-IL" sz="800" b="1" dirty="0"/>
               <a:t>3</a:t>
             </a:r>
             <a:r>
-              <a:rPr lang="en-US" sz="900" b="1" dirty="0"/>
+              <a:rPr lang="en-US" sz="800" b="1" dirty="0"/>
               <a:t>. Methods/algorithms/Alternatives or</a:t>
             </a:r>
             <a:br>
-              <a:rPr lang="en-US" sz="900" b="1" dirty="0"/>
+              <a:rPr lang="en-US" sz="800" b="1" dirty="0"/>
             </a:br>
             <a:r>
-              <a:rPr lang="en-US" sz="900" b="1" dirty="0"/>
+              <a:rPr lang="en-US" sz="800" b="1" dirty="0"/>
               <a:t>     Design Considerations</a:t>
             </a:r>
           </a:p>
@@ -3344,7 +3289,7 @@
               <a:defRPr/>
             </a:pPr>
             <a:r>
-              <a:rPr lang="en-US" sz="900" dirty="0"/>
+              <a:rPr lang="en-US" sz="800" dirty="0"/>
               <a:t>In the project, we implemented 3 models: </a:t>
             </a:r>
           </a:p>
@@ -3354,8 +3299,8 @@
               <a:defRPr/>
             </a:pPr>
             <a:r>
-              <a:rPr lang="en-US" sz="900" dirty="0"/>
-              <a:t>The Ross Model: Predicts the rate of sick people using 2 key parameters – new infected people and people who have recovered. The model also predicts the rate of infected mosquitoes using 2 key parameters - new infected mosquitoes and mosquito mortality. </a:t>
+              <a:rPr lang="en-US" sz="800" dirty="0"/>
+              <a:t>The Ross Model: Predicts the rate of infected humans using 2 primary parameters – newly infected humans and recovering. The model also predicts the rate of infected mosquitoes using 2 primary parameters - newly infected mosquitoes and mosquito mortality. </a:t>
             </a:r>
           </a:p>
           <a:p>
@@ -3364,8 +3309,8 @@
               <a:defRPr/>
             </a:pPr>
             <a:r>
-              <a:rPr lang="en-US" sz="900" dirty="0"/>
-              <a:t>MacDonald model: Extends the Ross model to predict the proportion of infected humans and the proportion of infected mosquitoes using the mosquito incubation period parameter. It also adds an equation to predict the percentage of mosquitoes exposed.</a:t>
+              <a:rPr lang="en-US" sz="800" dirty="0"/>
+              <a:t>MacDonald model: Extends the Ross model to predict the proportion of infected humans and the proportion of infected mosquitoes using the mosquito incubation period parameter. It also adds an equation to predict the percentage of exposed mosquitoes.</a:t>
             </a:r>
           </a:p>
           <a:p>
@@ -3374,8 +3319,12 @@
               <a:defRPr/>
             </a:pPr>
             <a:r>
+              <a:rPr lang="en-US" sz="800" dirty="0"/>
+              <a:t>Anderson-May model: Extends the McDonald model. It adds an equation to predict the percentage of exposed people given the human incubation period parameter</a:t>
+            </a:r>
+            <a:r>
               <a:rPr lang="en-US" sz="900" dirty="0"/>
-              <a:t>Anderson-May model: Extends the McDonald model. It adds an equation to predict the percentage of people exposed given the human incubation period parameter.</a:t>
+              <a:t>.</a:t>
             </a:r>
             <a:br>
               <a:rPr lang="en-US" sz="900" dirty="0"/>
@@ -3428,19 +3377,32 @@
           <a:bodyPr rtlCol="1" anchor="t"/>
           <a:lstStyle/>
           <a:p>
-            <a:pPr algn="l">
+            <a:pPr algn="ctr">
               <a:defRPr/>
             </a:pPr>
             <a:r>
-              <a:rPr lang="en-US" sz="1200" dirty="0">
-                <a:solidFill>
-                  <a:prstClr val="black"/>
-                </a:solidFill>
-                <a:latin typeface="Arial" pitchFamily="34" charset="0"/>
-                <a:ea typeface="Tahoma" pitchFamily="34" charset="0"/>
-                <a:cs typeface="Arial" pitchFamily="34" charset="0"/>
-              </a:rPr>
+              <a:rPr lang="en-US" sz="800" b="1" dirty="0"/>
               <a:t>4. Selected Approach</a:t>
+            </a:r>
+            <a:endParaRPr lang="he-IL" sz="800" b="1" dirty="0"/>
+          </a:p>
+          <a:p>
+            <a:pPr algn="ctr">
+              <a:defRPr/>
+            </a:pPr>
+            <a:r>
+              <a:rPr lang="en-US" sz="800" dirty="0"/>
+              <a:t>We have developed an equation for predicting the ratio of live mosquitoes with the help of several main parameters that affect their growth rate: Probability of death, Time of egg development for an adult mosquito, Duration of pregnancy, Number of swamps available, Possible capacity in each swamp.</a:t>
+            </a:r>
+            <a:endParaRPr lang="he-IL" sz="800" dirty="0"/>
+          </a:p>
+          <a:p>
+            <a:pPr algn="ctr">
+              <a:defRPr/>
+            </a:pPr>
+            <a:r>
+              <a:rPr lang="en-US" sz="800" dirty="0"/>
+              <a:t>We assumed that when a mosquito completes the period of pregnancy it gets pregnant again immediately, in addition, we assumed that any mosquito that is into adulthood gets pregnant immediately. We "diluted" the number of mosquitoes in the swamps (if it bypassed the possible capacity) equally.</a:t>
             </a:r>
           </a:p>
         </p:txBody>
@@ -3479,110 +3441,43 @@
           <a:bodyPr rtlCol="1" anchor="t"/>
           <a:lstStyle/>
           <a:p>
+            <a:pPr algn="ctr">
+              <a:defRPr/>
+            </a:pPr>
+            <a:r>
+              <a:rPr lang="en-US" sz="1000" b="1" dirty="0"/>
+              <a:t>5. Solution Description (Algorithms, Modulation, Patterns, Infrastructure, UI,   </a:t>
+            </a:r>
+            <a:br>
+              <a:rPr lang="en-US" sz="1000" b="1" dirty="0"/>
+            </a:br>
+            <a:r>
+              <a:rPr lang="en-US" sz="1000" b="1" dirty="0"/>
+              <a:t>     Functionality)</a:t>
+            </a:r>
+            <a:endParaRPr lang="he-IL" sz="1000" b="1" dirty="0"/>
+          </a:p>
+          <a:p>
             <a:pPr rtl="1">
               <a:defRPr/>
             </a:pPr>
-            <a:r>
-              <a:rPr lang="en-US" sz="1200" dirty="0">
-                <a:solidFill>
-                  <a:prstClr val="black"/>
-                </a:solidFill>
-                <a:latin typeface="Arial" pitchFamily="34" charset="0"/>
-                <a:ea typeface="Tahoma" pitchFamily="34" charset="0"/>
-                <a:cs typeface="Arial" pitchFamily="34" charset="0"/>
-              </a:rPr>
-              <a:t>5. Solution Description (Algorithms, Modulation, Patterns, Infrastructure, UI</a:t>
-            </a:r>
-            <a:r>
-              <a:rPr lang="en-US" sz="1200">
-                <a:solidFill>
-                  <a:prstClr val="black"/>
-                </a:solidFill>
-                <a:latin typeface="Arial" pitchFamily="34" charset="0"/>
-                <a:ea typeface="Tahoma" pitchFamily="34" charset="0"/>
-                <a:cs typeface="Arial" pitchFamily="34" charset="0"/>
-              </a:rPr>
-              <a:t>,   </a:t>
-            </a:r>
-            <a:br>
-              <a:rPr lang="en-US" sz="1200">
-                <a:solidFill>
-                  <a:prstClr val="black"/>
-                </a:solidFill>
-                <a:latin typeface="Arial" pitchFamily="34" charset="0"/>
-                <a:ea typeface="Tahoma" pitchFamily="34" charset="0"/>
-                <a:cs typeface="Arial" pitchFamily="34" charset="0"/>
-              </a:rPr>
-            </a:br>
-            <a:r>
-              <a:rPr lang="en-US" sz="1200">
-                <a:solidFill>
-                  <a:prstClr val="black"/>
-                </a:solidFill>
-                <a:latin typeface="Arial" pitchFamily="34" charset="0"/>
-                <a:ea typeface="Tahoma" pitchFamily="34" charset="0"/>
-                <a:cs typeface="Arial" pitchFamily="34" charset="0"/>
-              </a:rPr>
-              <a:t>     Functionality</a:t>
-            </a:r>
-            <a:r>
-              <a:rPr lang="en-US" sz="1200" dirty="0">
-                <a:solidFill>
-                  <a:prstClr val="black"/>
-                </a:solidFill>
-                <a:latin typeface="Arial" pitchFamily="34" charset="0"/>
-                <a:ea typeface="Tahoma" pitchFamily="34" charset="0"/>
-                <a:cs typeface="Arial" pitchFamily="34" charset="0"/>
-              </a:rPr>
-              <a:t>)</a:t>
-            </a:r>
+            <a:endParaRPr lang="en-IL" sz="1200" dirty="0">
+              <a:effectLst/>
+              <a:latin typeface="Calibri" panose="020F0502020204030204" pitchFamily="34" charset="0"/>
+              <a:ea typeface="Calibri" panose="020F0502020204030204" pitchFamily="34" charset="0"/>
+              <a:cs typeface="Arial" panose="020B0604020202020204" pitchFamily="34" charset="0"/>
+            </a:endParaRPr>
+          </a:p>
+          <a:p>
+            <a:pPr rtl="1">
+              <a:defRPr/>
+            </a:pPr>
             <a:endParaRPr lang="he-IL" sz="1200" dirty="0">
               <a:solidFill>
                 <a:prstClr val="black"/>
               </a:solidFill>
               <a:latin typeface="Arial" pitchFamily="34" charset="0"/>
               <a:ea typeface="Tahoma" pitchFamily="34" charset="0"/>
-              <a:cs typeface="Arial" pitchFamily="34" charset="0"/>
-            </a:endParaRPr>
-          </a:p>
-        </p:txBody>
-      </p:sp>
-      <p:sp>
-        <p:nvSpPr>
-          <p:cNvPr id="13" name="TextBox 12"/>
-          <p:cNvSpPr txBox="1"/>
-          <p:nvPr/>
-        </p:nvSpPr>
-        <p:spPr>
-          <a:xfrm>
-            <a:off x="5556292" y="9124806"/>
-            <a:ext cx="750659" cy="209609"/>
-          </a:xfrm>
-          <a:prstGeom prst="rect">
-            <a:avLst/>
-          </a:prstGeom>
-          <a:solidFill>
-            <a:srgbClr val="FFFFFF">
-              <a:alpha val="50196"/>
-            </a:srgbClr>
-          </a:solidFill>
-        </p:spPr>
-        <p:txBody>
-          <a:bodyPr wrap="square" rtlCol="1">
-            <a:spAutoFit/>
-          </a:bodyPr>
-          <a:lstStyle/>
-          <a:p>
-            <a:pPr algn="ctr"/>
-            <a:r>
-              <a:rPr lang="en-US" sz="762" dirty="0">
-                <a:latin typeface="Arial" pitchFamily="34" charset="0"/>
-                <a:cs typeface="Arial" pitchFamily="34" charset="0"/>
-              </a:rPr>
-              <a:t>Visit Us</a:t>
-            </a:r>
-            <a:endParaRPr lang="he-IL" sz="762" dirty="0">
-              <a:latin typeface="Arial" pitchFamily="34" charset="0"/>
               <a:cs typeface="Arial" pitchFamily="34" charset="0"/>
             </a:endParaRPr>
           </a:p>
@@ -3898,7 +3793,7 @@
               <a:defRPr/>
             </a:pPr>
             <a:r>
-              <a:rPr lang="en-US" sz="1050" b="1" dirty="0"/>
+              <a:rPr lang="en-US" sz="800" b="1" dirty="0"/>
               <a:t> Contribution/project goal</a:t>
             </a:r>
           </a:p>
@@ -3907,150 +3802,56 @@
               <a:defRPr/>
             </a:pPr>
             <a:r>
-              <a:rPr lang="en-US" sz="1050" dirty="0"/>
+              <a:rPr lang="en-US" sz="800" dirty="0"/>
               <a:t>The project aims to implement standard prediction models for malaria disease</a:t>
             </a:r>
             <a:r>
-              <a:rPr lang="he-IL" sz="1050" dirty="0"/>
+              <a:rPr lang="he-IL" sz="800" dirty="0"/>
               <a:t> .</a:t>
             </a:r>
             <a:r>
-              <a:rPr lang="en-US" sz="1050" dirty="0"/>
-              <a:t>It also seeks to evaluate the mosquito population measure more accurately since this measure in such models is fixed.</a:t>
+              <a:rPr lang="en-US" sz="800" dirty="0"/>
+              <a:t>It also seeks to evaluate the mosquito population measure more accurately since this measure in such models is fixed. We collaborated with the </a:t>
+            </a:r>
+            <a:r>
+              <a:rPr lang="en-US" sz="800" b="0" i="0" dirty="0" err="1">
+                <a:solidFill>
+                  <a:srgbClr val="333333"/>
+                </a:solidFill>
+                <a:effectLst/>
+                <a:latin typeface="Droid Serif"/>
+              </a:rPr>
+              <a:t>ZzappMalaria</a:t>
+            </a:r>
+            <a:r>
+              <a:rPr lang="en-US" sz="800" b="0" i="0" dirty="0">
+                <a:solidFill>
+                  <a:srgbClr val="333333"/>
+                </a:solidFill>
+                <a:effectLst/>
+                <a:latin typeface="Droid Serif"/>
+              </a:rPr>
+              <a:t> company, the developer of a mobile-app and managerial dashboard that helps eliminate malaria that </a:t>
+            </a:r>
+            <a:r>
+              <a:rPr lang="en-US" sz="800" dirty="0"/>
+              <a:t>have won IBM Watson AI XPRIZE Competition in 2022.</a:t>
             </a:r>
           </a:p>
           <a:p>
             <a:pPr algn="ctr">
               <a:defRPr/>
             </a:pPr>
-            <a:endParaRPr lang="he-IL" sz="1050" dirty="0"/>
-          </a:p>
-        </p:txBody>
-      </p:sp>
-      <p:cxnSp>
-        <p:nvCxnSpPr>
-          <p:cNvPr id="7" name="Straight Arrow Connector 6">
-            <a:extLst>
-              <a:ext uri="{FF2B5EF4-FFF2-40B4-BE49-F238E27FC236}">
-                <a16:creationId xmlns:a16="http://schemas.microsoft.com/office/drawing/2014/main" id="{9C49D1D0-6211-48F5-B887-977D5BA10AE3}"/>
-              </a:ext>
-            </a:extLst>
-          </p:cNvPr>
-          <p:cNvCxnSpPr>
-            <a:cxnSpLocks/>
-          </p:cNvCxnSpPr>
-          <p:nvPr/>
-        </p:nvCxnSpPr>
-        <p:spPr>
-          <a:xfrm>
-            <a:off x="5219312" y="9513911"/>
-            <a:ext cx="437261" cy="0"/>
-          </a:xfrm>
-          <a:prstGeom prst="straightConnector1">
-            <a:avLst/>
-          </a:prstGeom>
-          <a:ln>
-            <a:tailEnd type="triangle"/>
-          </a:ln>
-        </p:spPr>
-        <p:style>
-          <a:lnRef idx="1">
-            <a:schemeClr val="dk1"/>
-          </a:lnRef>
-          <a:fillRef idx="0">
-            <a:schemeClr val="dk1"/>
-          </a:fillRef>
-          <a:effectRef idx="0">
-            <a:schemeClr val="dk1"/>
-          </a:effectRef>
-          <a:fontRef idx="minor">
-            <a:schemeClr val="tx1"/>
-          </a:fontRef>
-        </p:style>
-      </p:cxnSp>
-      <p:sp>
-        <p:nvSpPr>
-          <p:cNvPr id="9" name="TextBox 8">
-            <a:extLst>
-              <a:ext uri="{FF2B5EF4-FFF2-40B4-BE49-F238E27FC236}">
-                <a16:creationId xmlns:a16="http://schemas.microsoft.com/office/drawing/2014/main" id="{EF3F334E-0FC7-49AB-A5E6-5E33276B81C9}"/>
-              </a:ext>
-            </a:extLst>
-          </p:cNvPr>
-          <p:cNvSpPr txBox="1"/>
-          <p:nvPr/>
-        </p:nvSpPr>
-        <p:spPr>
-          <a:xfrm>
-            <a:off x="2680469" y="9383106"/>
-            <a:ext cx="2515432" cy="261610"/>
-          </a:xfrm>
-          <a:prstGeom prst="rect">
-            <a:avLst/>
-          </a:prstGeom>
-          <a:noFill/>
-        </p:spPr>
-        <p:txBody>
-          <a:bodyPr wrap="none" rtlCol="0">
-            <a:spAutoFit/>
-          </a:bodyPr>
-          <a:lstStyle/>
-          <a:p>
-            <a:pPr algn="r" rtl="1"/>
-            <a:r>
-              <a:rPr lang="en-US" sz="1100" dirty="0"/>
-              <a:t>Scan </a:t>
-            </a:r>
-            <a:r>
-              <a:rPr lang="en-US" sz="1100" dirty="0" err="1"/>
-              <a:t>QRCode</a:t>
-            </a:r>
-            <a:r>
-              <a:rPr lang="en-US" sz="1100" dirty="0"/>
-              <a:t> for full Instructions(</a:t>
-            </a:r>
-            <a:r>
-              <a:rPr lang="en-US" sz="1100" dirty="0" err="1"/>
-              <a:t>github</a:t>
-            </a:r>
-            <a:r>
-              <a:rPr lang="en-US" sz="1100"/>
-              <a:t>)</a:t>
-            </a:r>
-            <a:endParaRPr lang="en-US" sz="1100" dirty="0"/>
-          </a:p>
-        </p:txBody>
-      </p:sp>
-      <p:pic>
-        <p:nvPicPr>
-          <p:cNvPr id="11" name="Picture 10">
-            <a:extLst>
-              <a:ext uri="{FF2B5EF4-FFF2-40B4-BE49-F238E27FC236}">
-                <a16:creationId xmlns:a16="http://schemas.microsoft.com/office/drawing/2014/main" id="{D64C4E1C-6FAC-4FBD-8F18-F52604BE0CA8}"/>
-              </a:ext>
-            </a:extLst>
-          </p:cNvPr>
-          <p:cNvPicPr>
-            <a:picLocks noChangeAspect="1"/>
-          </p:cNvPicPr>
-          <p:nvPr/>
-        </p:nvPicPr>
-        <p:blipFill>
-          <a:blip r:embed="rId2"/>
-          <a:stretch>
-            <a:fillRect/>
-          </a:stretch>
-        </p:blipFill>
-        <p:spPr>
-          <a:xfrm>
-            <a:off x="5703396" y="9279979"/>
-            <a:ext cx="456453" cy="467864"/>
-          </a:xfrm>
-          <a:prstGeom prst="rect">
-            <a:avLst/>
-          </a:prstGeom>
-        </p:spPr>
-      </p:pic>
+            <a:endParaRPr lang="en-US" sz="800" dirty="0"/>
+          </a:p>
+          <a:p>
+            <a:pPr algn="ctr">
+              <a:defRPr/>
+            </a:pPr>
+            <a:endParaRPr lang="he-IL" sz="800" dirty="0"/>
+          </a:p>
+        </p:txBody>
+      </p:sp>
       <p:sp>
         <p:nvSpPr>
           <p:cNvPr id="2" name="Rectangle 1">
@@ -4116,7 +3917,7 @@
           <p:nvPr/>
         </p:nvPicPr>
         <p:blipFill>
-          <a:blip r:embed="rId3"/>
+          <a:blip r:embed="rId2"/>
           <a:stretch>
             <a:fillRect/>
           </a:stretch>
@@ -4125,6 +3926,1159 @@
           <a:xfrm>
             <a:off x="6159849" y="28159"/>
             <a:ext cx="425549" cy="338007"/>
+          </a:xfrm>
+          <a:prstGeom prst="rect">
+            <a:avLst/>
+          </a:prstGeom>
+        </p:spPr>
+      </p:pic>
+      <p:sp>
+        <p:nvSpPr>
+          <p:cNvPr id="4" name="Rectangle 1">
+            <a:extLst>
+              <a:ext uri="{FF2B5EF4-FFF2-40B4-BE49-F238E27FC236}">
+                <a16:creationId xmlns:a16="http://schemas.microsoft.com/office/drawing/2014/main" id="{9E8AFAD1-9C8E-AA66-1E90-8E0F2038E740}"/>
+              </a:ext>
+            </a:extLst>
+          </p:cNvPr>
+          <p:cNvSpPr>
+            <a:spLocks noChangeArrowheads="1"/>
+          </p:cNvSpPr>
+          <p:nvPr/>
+        </p:nvSpPr>
+        <p:spPr bwMode="auto">
+          <a:xfrm>
+            <a:off x="0" y="217052"/>
+            <a:ext cx="11222" cy="23095"/>
+          </a:xfrm>
+          <a:prstGeom prst="rect">
+            <a:avLst/>
+          </a:prstGeom>
+          <a:solidFill>
+            <a:srgbClr val="303134"/>
+          </a:solidFill>
+          <a:ln>
+            <a:noFill/>
+          </a:ln>
+          <a:effectLst/>
+          <a:extLst>
+            <a:ext uri="{91240B29-F687-4F45-9708-019B960494DF}">
+              <a14:hiddenLine xmlns:a14="http://schemas.microsoft.com/office/drawing/2010/main" w="9525">
+                <a:solidFill>
+                  <a:schemeClr val="tx1"/>
+                </a:solidFill>
+                <a:miter lim="800000"/>
+                <a:headEnd/>
+                <a:tailEnd/>
+              </a14:hiddenLine>
+            </a:ext>
+            <a:ext uri="{AF507438-7753-43E0-B8FC-AC1667EBCBE1}">
+              <a14:hiddenEffects xmlns:a14="http://schemas.microsoft.com/office/drawing/2010/main">
+                <a:effectLst>
+                  <a:outerShdw dist="35921" dir="2700000" algn="ctr" rotWithShape="0">
+                    <a:schemeClr val="bg2"/>
+                  </a:outerShdw>
+                </a:effectLst>
+              </a14:hiddenEffects>
+            </a:ext>
+          </a:extLst>
+        </p:spPr>
+        <p:txBody>
+          <a:bodyPr vert="horz" wrap="none" lIns="0" tIns="-19044" rIns="0" bIns="-19044" numCol="1" anchor="ctr" anchorCtr="0" compatLnSpc="1">
+            <a:prstTxWarp prst="textNoShape">
+              <a:avLst/>
+            </a:prstTxWarp>
+            <a:spAutoFit/>
+          </a:bodyPr>
+          <a:lstStyle/>
+          <a:p>
+            <a:pPr marL="0" marR="0" lvl="0" indent="0" algn="l" defTabSz="914400" rtl="0" eaLnBrk="0" fontAlgn="base" latinLnBrk="0" hangingPunct="0">
+              <a:lnSpc>
+                <a:spcPct val="100000"/>
+              </a:lnSpc>
+              <a:spcBef>
+                <a:spcPct val="0"/>
+              </a:spcBef>
+              <a:spcAft>
+                <a:spcPct val="0"/>
+              </a:spcAft>
+              <a:buClrTx/>
+              <a:buSzTx/>
+              <a:buFontTx/>
+              <a:buNone/>
+              <a:tabLst/>
+            </a:pPr>
+            <a:r>
+              <a:rPr kumimoji="0" lang="LID4096" altLang="LID4096" sz="400" b="0" i="0" u="none" strike="noStrike" cap="none" normalizeH="0" baseline="0" dirty="0">
+                <a:ln>
+                  <a:noFill/>
+                </a:ln>
+                <a:solidFill>
+                  <a:schemeClr val="tx1"/>
+                </a:solidFill>
+                <a:effectLst/>
+              </a:rPr>
+              <a:t> </a:t>
+            </a:r>
+            <a:endParaRPr kumimoji="0" lang="LID4096" altLang="LID4096" sz="1800" b="0" i="0" u="none" strike="noStrike" cap="none" normalizeH="0" baseline="0" dirty="0">
+              <a:ln>
+                <a:noFill/>
+              </a:ln>
+              <a:solidFill>
+                <a:schemeClr val="tx1"/>
+              </a:solidFill>
+              <a:effectLst/>
+              <a:latin typeface="Arial" panose="020B0604020202020204" pitchFamily="34" charset="0"/>
+            </a:endParaRPr>
+          </a:p>
+        </p:txBody>
+      </p:sp>
+      <p:cxnSp>
+        <p:nvCxnSpPr>
+          <p:cNvPr id="33" name="Straight Connector 32">
+            <a:extLst>
+              <a:ext uri="{FF2B5EF4-FFF2-40B4-BE49-F238E27FC236}">
+                <a16:creationId xmlns:a16="http://schemas.microsoft.com/office/drawing/2014/main" id="{3D92D26A-D65C-8065-A9DC-36661625DCE5}"/>
+              </a:ext>
+            </a:extLst>
+          </p:cNvPr>
+          <p:cNvCxnSpPr>
+            <a:cxnSpLocks/>
+          </p:cNvCxnSpPr>
+          <p:nvPr/>
+        </p:nvCxnSpPr>
+        <p:spPr>
+          <a:xfrm>
+            <a:off x="3843234" y="6373300"/>
+            <a:ext cx="0" cy="2536944"/>
+          </a:xfrm>
+          <a:prstGeom prst="line">
+            <a:avLst/>
+          </a:prstGeom>
+        </p:spPr>
+        <p:style>
+          <a:lnRef idx="1">
+            <a:schemeClr val="dk1"/>
+          </a:lnRef>
+          <a:fillRef idx="0">
+            <a:schemeClr val="dk1"/>
+          </a:fillRef>
+          <a:effectRef idx="0">
+            <a:schemeClr val="dk1"/>
+          </a:effectRef>
+          <a:fontRef idx="minor">
+            <a:schemeClr val="tx1"/>
+          </a:fontRef>
+        </p:style>
+      </p:cxnSp>
+      <mc:AlternateContent xmlns:mc="http://schemas.openxmlformats.org/markup-compatibility/2006" xmlns:a14="http://schemas.microsoft.com/office/drawing/2010/main">
+        <mc:Choice Requires="a14">
+          <p:sp>
+            <p:nvSpPr>
+              <p:cNvPr id="37" name="TextBox 36">
+                <a:extLst>
+                  <a:ext uri="{FF2B5EF4-FFF2-40B4-BE49-F238E27FC236}">
+                    <a16:creationId xmlns:a16="http://schemas.microsoft.com/office/drawing/2014/main" id="{8E5D6BE8-9AC7-0EF4-3B3F-1A141661F792}"/>
+                  </a:ext>
+                </a:extLst>
+              </p:cNvPr>
+              <p:cNvSpPr txBox="1"/>
+              <p:nvPr/>
+            </p:nvSpPr>
+            <p:spPr>
+              <a:xfrm>
+                <a:off x="3915974" y="6375844"/>
+                <a:ext cx="2669424" cy="2466829"/>
+              </a:xfrm>
+              <a:prstGeom prst="rect">
+                <a:avLst/>
+              </a:prstGeom>
+              <a:noFill/>
+            </p:spPr>
+            <p:txBody>
+              <a:bodyPr wrap="square" rtlCol="0">
+                <a:spAutoFit/>
+              </a:bodyPr>
+              <a:lstStyle/>
+              <a:p>
+                <a:pPr>
+                  <a:lnSpc>
+                    <a:spcPct val="107000"/>
+                  </a:lnSpc>
+                </a:pPr>
+                <a14:m>
+                  <m:oMath xmlns:m="http://schemas.openxmlformats.org/officeDocument/2006/math">
+                    <m:sSub>
+                      <m:sSubPr>
+                        <m:ctrlPr>
+                          <a:rPr lang="en-IL" sz="800" i="1">
+                            <a:solidFill>
+                              <a:srgbClr val="92D050"/>
+                            </a:solidFill>
+                            <a:latin typeface="Cambria Math" panose="02040503050406030204" pitchFamily="18" charset="0"/>
+                            <a:ea typeface="Times New Roman" panose="02020603050405020304" pitchFamily="18" charset="0"/>
+                            <a:cs typeface="David" panose="020E0502060401010101" pitchFamily="34" charset="-79"/>
+                          </a:rPr>
+                        </m:ctrlPr>
+                      </m:sSubPr>
+                      <m:e>
+                        <m:r>
+                          <a:rPr lang="en-US" sz="800" i="1">
+                            <a:solidFill>
+                              <a:srgbClr val="92D050"/>
+                            </a:solidFill>
+                            <a:latin typeface="Cambria Math" panose="02040503050406030204" pitchFamily="18" charset="0"/>
+                            <a:ea typeface="Times New Roman" panose="02020603050405020304" pitchFamily="18" charset="0"/>
+                            <a:cs typeface="David" panose="020E0502060401010101" pitchFamily="34" charset="-79"/>
+                          </a:rPr>
+                          <m:t>𝑑</m:t>
+                        </m:r>
+                      </m:e>
+                      <m:sub>
+                        <m:r>
+                          <a:rPr lang="en-US" sz="800" i="1">
+                            <a:solidFill>
+                              <a:srgbClr val="92D050"/>
+                            </a:solidFill>
+                            <a:latin typeface="Cambria Math" panose="02040503050406030204" pitchFamily="18" charset="0"/>
+                            <a:ea typeface="Times New Roman" panose="02020603050405020304" pitchFamily="18" charset="0"/>
+                            <a:cs typeface="David" panose="020E0502060401010101" pitchFamily="34" charset="-79"/>
+                          </a:rPr>
+                          <m:t>𝑚</m:t>
+                        </m:r>
+                      </m:sub>
+                    </m:sSub>
+                  </m:oMath>
+                </a14:m>
+                <a:r>
+                  <a:rPr lang="en-US" sz="800" dirty="0">
+                    <a:solidFill>
+                      <a:srgbClr val="2E2E2E"/>
+                    </a:solidFill>
+                    <a:latin typeface="Georgia" panose="02040502050405020303" pitchFamily="18" charset="0"/>
+                    <a:ea typeface="Times New Roman" panose="02020603050405020304" pitchFamily="18" charset="0"/>
+                    <a:cs typeface="Arial" panose="020B0604020202020204" pitchFamily="34" charset="0"/>
+                  </a:rPr>
+                  <a:t>- Probability of a mosquito death on a given day.</a:t>
+                </a:r>
+                <a:endParaRPr lang="en-IL" sz="800" dirty="0">
+                  <a:latin typeface="Calibri" panose="020F0502020204030204" pitchFamily="34" charset="0"/>
+                  <a:ea typeface="Calibri" panose="020F0502020204030204" pitchFamily="34" charset="0"/>
+                  <a:cs typeface="Arial" panose="020B0604020202020204" pitchFamily="34" charset="0"/>
+                </a:endParaRPr>
+              </a:p>
+              <a:p>
+                <a:pPr>
+                  <a:lnSpc>
+                    <a:spcPct val="107000"/>
+                  </a:lnSpc>
+                </a:pPr>
+                <a14:m>
+                  <m:oMath xmlns:m="http://schemas.openxmlformats.org/officeDocument/2006/math">
+                    <m:sSub>
+                      <m:sSubPr>
+                        <m:ctrlPr>
+                          <a:rPr lang="en-IL" sz="800" i="1">
+                            <a:solidFill>
+                              <a:srgbClr val="0070C0"/>
+                            </a:solidFill>
+                            <a:latin typeface="Cambria Math" panose="02040503050406030204" pitchFamily="18" charset="0"/>
+                            <a:ea typeface="Times New Roman" panose="02020603050405020304" pitchFamily="18" charset="0"/>
+                            <a:cs typeface="David" panose="020E0502060401010101" pitchFamily="34" charset="-79"/>
+                          </a:rPr>
+                        </m:ctrlPr>
+                      </m:sSubPr>
+                      <m:e>
+                        <m:r>
+                          <a:rPr lang="en-US" sz="800" i="1">
+                            <a:solidFill>
+                              <a:srgbClr val="0070C0"/>
+                            </a:solidFill>
+                            <a:latin typeface="Cambria Math" panose="02040503050406030204" pitchFamily="18" charset="0"/>
+                            <a:ea typeface="Times New Roman" panose="02020603050405020304" pitchFamily="18" charset="0"/>
+                            <a:cs typeface="David" panose="020E0502060401010101" pitchFamily="34" charset="-79"/>
+                          </a:rPr>
+                          <m:t>𝜂</m:t>
+                        </m:r>
+                      </m:e>
+                      <m:sub>
+                        <m:r>
+                          <a:rPr lang="en-US" sz="800" i="1">
+                            <a:solidFill>
+                              <a:srgbClr val="0070C0"/>
+                            </a:solidFill>
+                            <a:latin typeface="Cambria Math" panose="02040503050406030204" pitchFamily="18" charset="0"/>
+                            <a:ea typeface="Times New Roman" panose="02020603050405020304" pitchFamily="18" charset="0"/>
+                            <a:cs typeface="David" panose="020E0502060401010101" pitchFamily="34" charset="-79"/>
+                          </a:rPr>
+                          <m:t>𝑚</m:t>
+                        </m:r>
+                      </m:sub>
+                    </m:sSub>
+                  </m:oMath>
+                </a14:m>
+                <a:r>
+                  <a:rPr lang="en-US" sz="800" dirty="0">
+                    <a:solidFill>
+                      <a:srgbClr val="2E2E2E"/>
+                    </a:solidFill>
+                    <a:latin typeface="Georgia" panose="02040502050405020303" pitchFamily="18" charset="0"/>
+                    <a:ea typeface="Times New Roman" panose="02020603050405020304" pitchFamily="18" charset="0"/>
+                    <a:cs typeface="Arial" panose="020B0604020202020204" pitchFamily="34" charset="0"/>
+                  </a:rPr>
+                  <a:t>- Period taken for an</a:t>
+                </a:r>
+                <a:r>
+                  <a:rPr lang="en-US" sz="800" dirty="0">
+                    <a:solidFill>
+                      <a:srgbClr val="2E2E2E"/>
+                    </a:solidFill>
+                    <a:latin typeface="Georgia" panose="02040502050405020303" pitchFamily="18" charset="0"/>
+                    <a:ea typeface="Calibri" panose="020F0502020204030204" pitchFamily="34" charset="0"/>
+                    <a:cs typeface="Arial" panose="020B0604020202020204" pitchFamily="34" charset="0"/>
+                  </a:rPr>
+                  <a:t> egg to become an adult.</a:t>
+                </a:r>
+                <a:endParaRPr lang="en-IL" sz="800" dirty="0">
+                  <a:latin typeface="Calibri" panose="020F0502020204030204" pitchFamily="34" charset="0"/>
+                  <a:ea typeface="Calibri" panose="020F0502020204030204" pitchFamily="34" charset="0"/>
+                  <a:cs typeface="Arial" panose="020B0604020202020204" pitchFamily="34" charset="0"/>
+                </a:endParaRPr>
+              </a:p>
+              <a:p>
+                <a:pPr>
+                  <a:lnSpc>
+                    <a:spcPct val="107000"/>
+                  </a:lnSpc>
+                </a:pPr>
+                <a14:m>
+                  <m:oMath xmlns:m="http://schemas.openxmlformats.org/officeDocument/2006/math">
+                    <m:sSub>
+                      <m:sSubPr>
+                        <m:ctrlPr>
+                          <a:rPr lang="en-IL" sz="800" i="1">
+                            <a:solidFill>
+                              <a:srgbClr val="1F4E79"/>
+                            </a:solidFill>
+                            <a:latin typeface="Cambria Math" panose="02040503050406030204" pitchFamily="18" charset="0"/>
+                            <a:ea typeface="Times New Roman" panose="02020603050405020304" pitchFamily="18" charset="0"/>
+                            <a:cs typeface="David" panose="020E0502060401010101" pitchFamily="34" charset="-79"/>
+                          </a:rPr>
+                        </m:ctrlPr>
+                      </m:sSubPr>
+                      <m:e>
+                        <m:r>
+                          <a:rPr lang="en-US" sz="800" i="1">
+                            <a:solidFill>
+                              <a:srgbClr val="1F4E79"/>
+                            </a:solidFill>
+                            <a:latin typeface="Cambria Math" panose="02040503050406030204" pitchFamily="18" charset="0"/>
+                            <a:ea typeface="Times New Roman" panose="02020603050405020304" pitchFamily="18" charset="0"/>
+                            <a:cs typeface="David" panose="020E0502060401010101" pitchFamily="34" charset="-79"/>
+                          </a:rPr>
+                          <m:t>𝜂</m:t>
+                        </m:r>
+                      </m:e>
+                      <m:sub>
+                        <m:r>
+                          <a:rPr lang="en-US" sz="800" i="1">
+                            <a:solidFill>
+                              <a:srgbClr val="1F4E79"/>
+                            </a:solidFill>
+                            <a:latin typeface="Cambria Math" panose="02040503050406030204" pitchFamily="18" charset="0"/>
+                            <a:ea typeface="Times New Roman" panose="02020603050405020304" pitchFamily="18" charset="0"/>
+                            <a:cs typeface="David" panose="020E0502060401010101" pitchFamily="34" charset="-79"/>
+                          </a:rPr>
+                          <m:t>𝑝</m:t>
+                        </m:r>
+                      </m:sub>
+                    </m:sSub>
+                  </m:oMath>
+                </a14:m>
+                <a:r>
+                  <a:rPr lang="fr-FR" sz="800" dirty="0">
+                    <a:solidFill>
+                      <a:srgbClr val="2E2E2E"/>
+                    </a:solidFill>
+                    <a:latin typeface="Georgia" panose="02040502050405020303" pitchFamily="18" charset="0"/>
+                    <a:ea typeface="Times New Roman" panose="02020603050405020304" pitchFamily="18" charset="0"/>
+                    <a:cs typeface="Arial" panose="020B0604020202020204" pitchFamily="34" charset="0"/>
+                  </a:rPr>
+                  <a:t>- </a:t>
+                </a:r>
+                <a:r>
+                  <a:rPr lang="fr-FR" sz="800" dirty="0" err="1">
+                    <a:solidFill>
+                      <a:srgbClr val="2E2E2E"/>
+                    </a:solidFill>
+                    <a:latin typeface="Georgia" panose="02040502050405020303" pitchFamily="18" charset="0"/>
+                    <a:ea typeface="Times New Roman" panose="02020603050405020304" pitchFamily="18" charset="0"/>
+                    <a:cs typeface="Arial" panose="020B0604020202020204" pitchFamily="34" charset="0"/>
+                  </a:rPr>
+                  <a:t>Pregnancy</a:t>
+                </a:r>
+                <a:r>
+                  <a:rPr lang="fr-FR" sz="800" dirty="0">
+                    <a:solidFill>
+                      <a:srgbClr val="2E2E2E"/>
+                    </a:solidFill>
+                    <a:latin typeface="Georgia" panose="02040502050405020303" pitchFamily="18" charset="0"/>
+                    <a:ea typeface="Times New Roman" panose="02020603050405020304" pitchFamily="18" charset="0"/>
+                    <a:cs typeface="Arial" panose="020B0604020202020204" pitchFamily="34" charset="0"/>
+                  </a:rPr>
+                  <a:t> duration.</a:t>
+                </a:r>
+                <a:endParaRPr lang="en-IL" sz="800" dirty="0">
+                  <a:latin typeface="Calibri" panose="020F0502020204030204" pitchFamily="34" charset="0"/>
+                  <a:ea typeface="Calibri" panose="020F0502020204030204" pitchFamily="34" charset="0"/>
+                  <a:cs typeface="Arial" panose="020B0604020202020204" pitchFamily="34" charset="0"/>
+                </a:endParaRPr>
+              </a:p>
+              <a:p>
+                <a:pPr>
+                  <a:lnSpc>
+                    <a:spcPct val="107000"/>
+                  </a:lnSpc>
+                </a:pPr>
+                <a14:m>
+                  <m:oMath xmlns:m="http://schemas.openxmlformats.org/officeDocument/2006/math">
+                    <m:sSub>
+                      <m:sSubPr>
+                        <m:ctrlPr>
+                          <a:rPr lang="en-IL" sz="800" i="1">
+                            <a:solidFill>
+                              <a:srgbClr val="00FF99"/>
+                            </a:solidFill>
+                            <a:latin typeface="Cambria Math" panose="02040503050406030204" pitchFamily="18" charset="0"/>
+                            <a:ea typeface="Times New Roman" panose="02020603050405020304" pitchFamily="18" charset="0"/>
+                            <a:cs typeface="David" panose="020E0502060401010101" pitchFamily="34" charset="-79"/>
+                          </a:rPr>
+                        </m:ctrlPr>
+                      </m:sSubPr>
+                      <m:e>
+                        <m:r>
+                          <a:rPr lang="en-US" sz="800" i="1">
+                            <a:solidFill>
+                              <a:srgbClr val="00FF99"/>
+                            </a:solidFill>
+                            <a:latin typeface="Cambria Math" panose="02040503050406030204" pitchFamily="18" charset="0"/>
+                            <a:ea typeface="Times New Roman" panose="02020603050405020304" pitchFamily="18" charset="0"/>
+                            <a:cs typeface="David" panose="020E0502060401010101" pitchFamily="34" charset="-79"/>
+                          </a:rPr>
+                          <m:t>𝑛</m:t>
+                        </m:r>
+                      </m:e>
+                      <m:sub>
+                        <m:r>
+                          <a:rPr lang="en-US" sz="800" i="1">
+                            <a:solidFill>
+                              <a:srgbClr val="00FF99"/>
+                            </a:solidFill>
+                            <a:latin typeface="Cambria Math" panose="02040503050406030204" pitchFamily="18" charset="0"/>
+                            <a:ea typeface="Times New Roman" panose="02020603050405020304" pitchFamily="18" charset="0"/>
+                            <a:cs typeface="David" panose="020E0502060401010101" pitchFamily="34" charset="-79"/>
+                          </a:rPr>
+                          <m:t>𝑚</m:t>
+                        </m:r>
+                      </m:sub>
+                    </m:sSub>
+                  </m:oMath>
+                </a14:m>
+                <a:r>
+                  <a:rPr lang="en-US" sz="800" dirty="0">
+                    <a:solidFill>
+                      <a:srgbClr val="2E2E2E"/>
+                    </a:solidFill>
+                    <a:latin typeface="Georgia" panose="02040502050405020303" pitchFamily="18" charset="0"/>
+                    <a:ea typeface="Times New Roman" panose="02020603050405020304" pitchFamily="18" charset="0"/>
+                    <a:cs typeface="Arial" panose="020B0604020202020204" pitchFamily="34" charset="0"/>
+                  </a:rPr>
+                  <a:t>- Number of female mosquitoes born </a:t>
+                </a:r>
+                <a:r>
+                  <a:rPr lang="en-US" sz="800" dirty="0">
+                    <a:solidFill>
+                      <a:srgbClr val="2E2E2E"/>
+                    </a:solidFill>
+                    <a:latin typeface="Georgia" panose="02040502050405020303" pitchFamily="18" charset="0"/>
+                    <a:ea typeface="Calibri" panose="020F0502020204030204" pitchFamily="34" charset="0"/>
+                    <a:cs typeface="Arial" panose="020B0604020202020204" pitchFamily="34" charset="0"/>
+                  </a:rPr>
+                  <a:t>per pregnancy.</a:t>
+                </a:r>
+                <a:endParaRPr lang="en-IL" sz="800" dirty="0">
+                  <a:latin typeface="Calibri" panose="020F0502020204030204" pitchFamily="34" charset="0"/>
+                  <a:ea typeface="Calibri" panose="020F0502020204030204" pitchFamily="34" charset="0"/>
+                  <a:cs typeface="Arial" panose="020B0604020202020204" pitchFamily="34" charset="0"/>
+                </a:endParaRPr>
+              </a:p>
+              <a:p>
+                <a:pPr>
+                  <a:lnSpc>
+                    <a:spcPct val="107000"/>
+                  </a:lnSpc>
+                </a:pPr>
+                <a14:m>
+                  <m:oMath xmlns:m="http://schemas.openxmlformats.org/officeDocument/2006/math">
+                    <m:r>
+                      <a:rPr lang="en-US" sz="800" i="1">
+                        <a:solidFill>
+                          <a:srgbClr val="008080"/>
+                        </a:solidFill>
+                        <a:latin typeface="Cambria Math" panose="02040503050406030204" pitchFamily="18" charset="0"/>
+                        <a:ea typeface="Times New Roman" panose="02020603050405020304" pitchFamily="18" charset="0"/>
+                        <a:cs typeface="Arial" panose="020B0604020202020204" pitchFamily="34" charset="0"/>
+                      </a:rPr>
+                      <m:t>𝑠</m:t>
+                    </m:r>
+                  </m:oMath>
+                </a14:m>
+                <a:r>
+                  <a:rPr lang="en-US" sz="800" dirty="0">
+                    <a:solidFill>
+                      <a:srgbClr val="2E2E2E"/>
+                    </a:solidFill>
+                    <a:latin typeface="Georgia" panose="02040502050405020303" pitchFamily="18" charset="0"/>
+                    <a:ea typeface="Times New Roman" panose="02020603050405020304" pitchFamily="18" charset="0"/>
+                    <a:cs typeface="Arial" panose="020B0604020202020204" pitchFamily="34" charset="0"/>
+                  </a:rPr>
+                  <a:t>- Number of swamps.</a:t>
+                </a:r>
+                <a:endParaRPr lang="en-IL" sz="800" dirty="0">
+                  <a:latin typeface="Calibri" panose="020F0502020204030204" pitchFamily="34" charset="0"/>
+                  <a:ea typeface="Calibri" panose="020F0502020204030204" pitchFamily="34" charset="0"/>
+                  <a:cs typeface="Arial" panose="020B0604020202020204" pitchFamily="34" charset="0"/>
+                </a:endParaRPr>
+              </a:p>
+              <a:p>
+                <a:pPr>
+                  <a:lnSpc>
+                    <a:spcPct val="107000"/>
+                  </a:lnSpc>
+                </a:pPr>
+                <a14:m>
+                  <m:oMath xmlns:m="http://schemas.openxmlformats.org/officeDocument/2006/math">
+                    <m:sSub>
+                      <m:sSubPr>
+                        <m:ctrlPr>
+                          <a:rPr lang="en-IL" sz="800" i="1">
+                            <a:solidFill>
+                              <a:srgbClr val="FF6699"/>
+                            </a:solidFill>
+                            <a:latin typeface="Cambria Math" panose="02040503050406030204" pitchFamily="18" charset="0"/>
+                            <a:ea typeface="Times New Roman" panose="02020603050405020304" pitchFamily="18" charset="0"/>
+                            <a:cs typeface="Arial" panose="020B0604020202020204" pitchFamily="34" charset="0"/>
+                          </a:rPr>
+                        </m:ctrlPr>
+                      </m:sSubPr>
+                      <m:e>
+                        <m:r>
+                          <a:rPr lang="en-US" sz="800" i="1">
+                            <a:solidFill>
+                              <a:srgbClr val="FF6699"/>
+                            </a:solidFill>
+                            <a:latin typeface="Cambria Math" panose="02040503050406030204" pitchFamily="18" charset="0"/>
+                            <a:ea typeface="Times New Roman" panose="02020603050405020304" pitchFamily="18" charset="0"/>
+                            <a:cs typeface="Arial" panose="020B0604020202020204" pitchFamily="34" charset="0"/>
+                          </a:rPr>
+                          <m:t>𝑐</m:t>
+                        </m:r>
+                      </m:e>
+                      <m:sub>
+                        <m:r>
+                          <a:rPr lang="en-US" sz="800" i="1">
+                            <a:solidFill>
+                              <a:srgbClr val="FF6699"/>
+                            </a:solidFill>
+                            <a:latin typeface="Cambria Math" panose="02040503050406030204" pitchFamily="18" charset="0"/>
+                            <a:ea typeface="Times New Roman" panose="02020603050405020304" pitchFamily="18" charset="0"/>
+                            <a:cs typeface="Arial" panose="020B0604020202020204" pitchFamily="34" charset="0"/>
+                          </a:rPr>
+                          <m:t>𝑆</m:t>
+                        </m:r>
+                      </m:sub>
+                    </m:sSub>
+                  </m:oMath>
+                </a14:m>
+                <a:r>
+                  <a:rPr lang="en-US" sz="800" dirty="0">
+                    <a:solidFill>
+                      <a:srgbClr val="2E2E2E"/>
+                    </a:solidFill>
+                    <a:latin typeface="Georgia" panose="02040502050405020303" pitchFamily="18" charset="0"/>
+                    <a:ea typeface="Times New Roman" panose="02020603050405020304" pitchFamily="18" charset="0"/>
+                    <a:cs typeface="Arial" panose="020B0604020202020204" pitchFamily="34" charset="0"/>
+                  </a:rPr>
+                  <a:t>- Capacity of mosquitoes per swamp.</a:t>
+                </a:r>
+                <a:endParaRPr lang="en-IL" sz="800" dirty="0">
+                  <a:latin typeface="Calibri" panose="020F0502020204030204" pitchFamily="34" charset="0"/>
+                  <a:ea typeface="Calibri" panose="020F0502020204030204" pitchFamily="34" charset="0"/>
+                  <a:cs typeface="Arial" panose="020B0604020202020204" pitchFamily="34" charset="0"/>
+                </a:endParaRPr>
+              </a:p>
+              <a:p>
+                <a:pPr>
+                  <a:lnSpc>
+                    <a:spcPct val="107000"/>
+                  </a:lnSpc>
+                </a:pPr>
+                <a14:m>
+                  <m:oMath xmlns:m="http://schemas.openxmlformats.org/officeDocument/2006/math">
+                    <m:sSub>
+                      <m:sSubPr>
+                        <m:ctrlPr>
+                          <a:rPr lang="en-IL" sz="800" i="1">
+                            <a:solidFill>
+                              <a:srgbClr val="0000FF"/>
+                            </a:solidFill>
+                            <a:latin typeface="Cambria Math" panose="02040503050406030204" pitchFamily="18" charset="0"/>
+                            <a:ea typeface="Times New Roman" panose="02020603050405020304" pitchFamily="18" charset="0"/>
+                            <a:cs typeface="Arial" panose="020B0604020202020204" pitchFamily="34" charset="0"/>
+                          </a:rPr>
+                        </m:ctrlPr>
+                      </m:sSubPr>
+                      <m:e>
+                        <m:r>
+                          <a:rPr lang="en-US" sz="800" i="1">
+                            <a:solidFill>
+                              <a:srgbClr val="0000FF"/>
+                            </a:solidFill>
+                            <a:latin typeface="Cambria Math" panose="02040503050406030204" pitchFamily="18" charset="0"/>
+                            <a:ea typeface="Times New Roman" panose="02020603050405020304" pitchFamily="18" charset="0"/>
+                            <a:cs typeface="Arial" panose="020B0604020202020204" pitchFamily="34" charset="0"/>
+                          </a:rPr>
+                          <m:t>𝑐</m:t>
+                        </m:r>
+                      </m:e>
+                      <m:sub>
+                        <m:r>
+                          <a:rPr lang="en-US" sz="800" i="1">
+                            <a:solidFill>
+                              <a:srgbClr val="0000FF"/>
+                            </a:solidFill>
+                            <a:latin typeface="Cambria Math" panose="02040503050406030204" pitchFamily="18" charset="0"/>
+                            <a:ea typeface="Times New Roman" panose="02020603050405020304" pitchFamily="18" charset="0"/>
+                            <a:cs typeface="Arial" panose="020B0604020202020204" pitchFamily="34" charset="0"/>
+                          </a:rPr>
+                          <m:t>𝑡𝑜𝑡</m:t>
+                        </m:r>
+                      </m:sub>
+                    </m:sSub>
+                  </m:oMath>
+                </a14:m>
+                <a:r>
+                  <a:rPr lang="en-US" sz="800" dirty="0">
+                    <a:solidFill>
+                      <a:srgbClr val="2E2E2E"/>
+                    </a:solidFill>
+                    <a:latin typeface="Georgia" panose="02040502050405020303" pitchFamily="18" charset="0"/>
+                    <a:ea typeface="Times New Roman" panose="02020603050405020304" pitchFamily="18" charset="0"/>
+                    <a:cs typeface="Arial" panose="020B0604020202020204" pitchFamily="34" charset="0"/>
+                  </a:rPr>
+                  <a:t>- Capacity of all mosquitoes at all swamps.</a:t>
+                </a:r>
+                <a:endParaRPr lang="en-IL" sz="800" dirty="0">
+                  <a:latin typeface="Calibri" panose="020F0502020204030204" pitchFamily="34" charset="0"/>
+                  <a:ea typeface="Calibri" panose="020F0502020204030204" pitchFamily="34" charset="0"/>
+                  <a:cs typeface="Arial" panose="020B0604020202020204" pitchFamily="34" charset="0"/>
+                </a:endParaRPr>
+              </a:p>
+              <a:p>
+                <a:pPr>
+                  <a:lnSpc>
+                    <a:spcPct val="107000"/>
+                  </a:lnSpc>
+                </a:pPr>
+                <a14:m>
+                  <m:oMath xmlns:m="http://schemas.openxmlformats.org/officeDocument/2006/math">
+                    <m:r>
+                      <a:rPr lang="en-US" sz="800" i="1">
+                        <a:solidFill>
+                          <a:srgbClr val="FF00FF"/>
+                        </a:solidFill>
+                        <a:latin typeface="Cambria Math" panose="02040503050406030204" pitchFamily="18" charset="0"/>
+                        <a:ea typeface="Times New Roman" panose="02020603050405020304" pitchFamily="18" charset="0"/>
+                        <a:cs typeface="David" panose="020E0502060401010101" pitchFamily="34" charset="-79"/>
+                      </a:rPr>
+                      <m:t>𝑘</m:t>
+                    </m:r>
+                  </m:oMath>
+                </a14:m>
+                <a:r>
+                  <a:rPr lang="en-US" sz="800" dirty="0">
+                    <a:solidFill>
+                      <a:srgbClr val="2E2E2E"/>
+                    </a:solidFill>
+                    <a:latin typeface="Georgia" panose="02040502050405020303" pitchFamily="18" charset="0"/>
+                    <a:ea typeface="Times New Roman" panose="02020603050405020304" pitchFamily="18" charset="0"/>
+                    <a:cs typeface="Arial" panose="020B0604020202020204" pitchFamily="34" charset="0"/>
+                  </a:rPr>
+                  <a:t>- Number of female mosquitoes born on a given day per female </a:t>
+                </a:r>
+                <a:r>
+                  <a:rPr lang="en-IL" sz="800" dirty="0">
+                    <a:solidFill>
+                      <a:srgbClr val="2E2E2E"/>
+                    </a:solidFill>
+                    <a:latin typeface="Georgia" panose="02040502050405020303" pitchFamily="18" charset="0"/>
+                    <a:ea typeface="Calibri" panose="020F0502020204030204" pitchFamily="34" charset="0"/>
+                    <a:cs typeface="Arial" panose="020B0604020202020204" pitchFamily="34" charset="0"/>
+                  </a:rPr>
+                  <a:t>mosquito</a:t>
+                </a:r>
+                <a:r>
+                  <a:rPr lang="en-US" sz="800" dirty="0">
+                    <a:solidFill>
+                      <a:srgbClr val="2E2E2E"/>
+                    </a:solidFill>
+                    <a:latin typeface="Georgia" panose="02040502050405020303" pitchFamily="18" charset="0"/>
+                    <a:ea typeface="Calibri" panose="020F0502020204030204" pitchFamily="34" charset="0"/>
+                    <a:cs typeface="Arial" panose="020B0604020202020204" pitchFamily="34" charset="0"/>
+                  </a:rPr>
+                  <a:t>.</a:t>
+                </a:r>
+                <a:endParaRPr lang="en-IL" sz="800" dirty="0">
+                  <a:latin typeface="Calibri" panose="020F0502020204030204" pitchFamily="34" charset="0"/>
+                  <a:ea typeface="Calibri" panose="020F0502020204030204" pitchFamily="34" charset="0"/>
+                  <a:cs typeface="Arial" panose="020B0604020202020204" pitchFamily="34" charset="0"/>
+                </a:endParaRPr>
+              </a:p>
+              <a:p>
+                <a:pPr>
+                  <a:lnSpc>
+                    <a:spcPct val="107000"/>
+                  </a:lnSpc>
+                </a:pPr>
+                <a14:m>
+                  <m:oMath xmlns:m="http://schemas.openxmlformats.org/officeDocument/2006/math">
+                    <m:r>
+                      <a:rPr lang="en-US" sz="800" i="1">
+                        <a:solidFill>
+                          <a:srgbClr val="538135"/>
+                        </a:solidFill>
+                        <a:latin typeface="Cambria Math" panose="02040503050406030204" pitchFamily="18" charset="0"/>
+                        <a:ea typeface="Times New Roman" panose="02020603050405020304" pitchFamily="18" charset="0"/>
+                        <a:cs typeface="David" panose="020E0502060401010101" pitchFamily="34" charset="-79"/>
+                      </a:rPr>
+                      <m:t>𝑔</m:t>
+                    </m:r>
+                    <m:r>
+                      <a:rPr lang="en-US" sz="800" i="1">
+                        <a:solidFill>
+                          <a:srgbClr val="538135"/>
+                        </a:solidFill>
+                        <a:latin typeface="Cambria Math" panose="02040503050406030204" pitchFamily="18" charset="0"/>
+                        <a:ea typeface="Times New Roman" panose="02020603050405020304" pitchFamily="18" charset="0"/>
+                        <a:cs typeface="David" panose="020E0502060401010101" pitchFamily="34" charset="-79"/>
+                      </a:rPr>
+                      <m:t>(</m:t>
+                    </m:r>
+                    <m:r>
+                      <a:rPr lang="en-US" sz="800" i="1">
+                        <a:solidFill>
+                          <a:srgbClr val="538135"/>
+                        </a:solidFill>
+                        <a:latin typeface="Cambria Math" panose="02040503050406030204" pitchFamily="18" charset="0"/>
+                        <a:ea typeface="Times New Roman" panose="02020603050405020304" pitchFamily="18" charset="0"/>
+                        <a:cs typeface="David" panose="020E0502060401010101" pitchFamily="34" charset="-79"/>
+                      </a:rPr>
+                      <m:t>𝑡</m:t>
+                    </m:r>
+                    <m:r>
+                      <a:rPr lang="en-US" sz="800" i="1">
+                        <a:solidFill>
+                          <a:srgbClr val="538135"/>
+                        </a:solidFill>
+                        <a:latin typeface="Cambria Math" panose="02040503050406030204" pitchFamily="18" charset="0"/>
+                        <a:ea typeface="Times New Roman" panose="02020603050405020304" pitchFamily="18" charset="0"/>
+                        <a:cs typeface="David" panose="020E0502060401010101" pitchFamily="34" charset="-79"/>
+                      </a:rPr>
+                      <m:t>)</m:t>
+                    </m:r>
+                  </m:oMath>
+                </a14:m>
+                <a:r>
+                  <a:rPr lang="en-US" sz="800" dirty="0">
+                    <a:solidFill>
+                      <a:srgbClr val="2E2E2E"/>
+                    </a:solidFill>
+                    <a:latin typeface="Georgia" panose="02040502050405020303" pitchFamily="18" charset="0"/>
+                    <a:ea typeface="Times New Roman" panose="02020603050405020304" pitchFamily="18" charset="0"/>
+                    <a:cs typeface="Arial" panose="020B0604020202020204" pitchFamily="34" charset="0"/>
+                  </a:rPr>
+                  <a:t>- Number of female mosquitoes being laid in a swamp on a given day before dilution.</a:t>
+                </a:r>
+                <a:endParaRPr lang="en-IL" sz="800" dirty="0">
+                  <a:latin typeface="Calibri" panose="020F0502020204030204" pitchFamily="34" charset="0"/>
+                  <a:ea typeface="Calibri" panose="020F0502020204030204" pitchFamily="34" charset="0"/>
+                  <a:cs typeface="Arial" panose="020B0604020202020204" pitchFamily="34" charset="0"/>
+                </a:endParaRPr>
+              </a:p>
+              <a:p>
+                <a:pPr>
+                  <a:lnSpc>
+                    <a:spcPct val="107000"/>
+                  </a:lnSpc>
+                </a:pPr>
+                <a14:m>
+                  <m:oMath xmlns:m="http://schemas.openxmlformats.org/officeDocument/2006/math">
+                    <m:r>
+                      <a:rPr lang="en-US" sz="800" i="1">
+                        <a:solidFill>
+                          <a:srgbClr val="BF8F00"/>
+                        </a:solidFill>
+                        <a:latin typeface="Cambria Math" panose="02040503050406030204" pitchFamily="18" charset="0"/>
+                        <a:ea typeface="Times New Roman" panose="02020603050405020304" pitchFamily="18" charset="0"/>
+                        <a:cs typeface="David" panose="020E0502060401010101" pitchFamily="34" charset="-79"/>
+                      </a:rPr>
+                      <m:t>𝑡𝑜𝑡</m:t>
+                    </m:r>
+                  </m:oMath>
+                </a14:m>
+                <a:r>
+                  <a:rPr lang="en-US" sz="800" dirty="0">
+                    <a:solidFill>
+                      <a:srgbClr val="2E2E2E"/>
+                    </a:solidFill>
+                    <a:latin typeface="Georgia" panose="02040502050405020303" pitchFamily="18" charset="0"/>
+                    <a:ea typeface="Times New Roman" panose="02020603050405020304" pitchFamily="18" charset="0"/>
+                    <a:cs typeface="Arial" panose="020B0604020202020204" pitchFamily="34" charset="0"/>
+                  </a:rPr>
+                  <a:t>- Number of female mosquitoes in the swamps before dilution.</a:t>
+                </a:r>
+                <a:endParaRPr lang="en-IL" sz="800" dirty="0">
+                  <a:latin typeface="Calibri" panose="020F0502020204030204" pitchFamily="34" charset="0"/>
+                  <a:ea typeface="Calibri" panose="020F0502020204030204" pitchFamily="34" charset="0"/>
+                  <a:cs typeface="Arial" panose="020B0604020202020204" pitchFamily="34" charset="0"/>
+                </a:endParaRPr>
+              </a:p>
+              <a:p>
+                <a:pPr>
+                  <a:lnSpc>
+                    <a:spcPct val="107000"/>
+                  </a:lnSpc>
+                </a:pPr>
+                <a14:m>
+                  <m:oMath xmlns:m="http://schemas.openxmlformats.org/officeDocument/2006/math">
+                    <m:r>
+                      <a:rPr lang="en-US" sz="800" i="1">
+                        <a:solidFill>
+                          <a:srgbClr val="C45911"/>
+                        </a:solidFill>
+                        <a:latin typeface="Cambria Math" panose="02040503050406030204" pitchFamily="18" charset="0"/>
+                        <a:ea typeface="Times New Roman" panose="02020603050405020304" pitchFamily="18" charset="0"/>
+                        <a:cs typeface="David" panose="020E0502060401010101" pitchFamily="34" charset="-79"/>
+                      </a:rPr>
+                      <m:t>𝑝</m:t>
+                    </m:r>
+                  </m:oMath>
+                </a14:m>
+                <a:r>
+                  <a:rPr lang="en-US" sz="800" dirty="0">
+                    <a:solidFill>
+                      <a:srgbClr val="2E2E2E"/>
+                    </a:solidFill>
+                    <a:latin typeface="Georgia" panose="02040502050405020303" pitchFamily="18" charset="0"/>
+                    <a:ea typeface="Times New Roman" panose="02020603050405020304" pitchFamily="18" charset="0"/>
+                    <a:cs typeface="Arial" panose="020B0604020202020204" pitchFamily="34" charset="0"/>
+                  </a:rPr>
+                  <a:t>- Number of female mosquitoes that</a:t>
+                </a:r>
+                <a:r>
+                  <a:rPr lang="en-US" sz="800" dirty="0">
+                    <a:solidFill>
+                      <a:srgbClr val="2E2E2E"/>
+                    </a:solidFill>
+                    <a:latin typeface="Arial" panose="020B0604020202020204" pitchFamily="34" charset="0"/>
+                    <a:ea typeface="Times New Roman" panose="02020603050405020304" pitchFamily="18" charset="0"/>
+                    <a:cs typeface="Arial" panose="020B0604020202020204" pitchFamily="34" charset="0"/>
+                  </a:rPr>
+                  <a:t> </a:t>
+                </a:r>
+                <a:r>
+                  <a:rPr lang="en-US" sz="800" dirty="0">
+                    <a:solidFill>
+                      <a:srgbClr val="2E2E2E"/>
+                    </a:solidFill>
+                    <a:latin typeface="Georgia" panose="02040502050405020303" pitchFamily="18" charset="0"/>
+                    <a:ea typeface="Times New Roman" panose="02020603050405020304" pitchFamily="18" charset="0"/>
+                    <a:cs typeface="Arial" panose="020B0604020202020204" pitchFamily="34" charset="0"/>
+                  </a:rPr>
+                  <a:t>needed to be diluted in each day.</a:t>
+                </a:r>
+                <a:endParaRPr lang="en-IL" sz="800" dirty="0">
+                  <a:latin typeface="Calibri" panose="020F0502020204030204" pitchFamily="34" charset="0"/>
+                  <a:ea typeface="Calibri" panose="020F0502020204030204" pitchFamily="34" charset="0"/>
+                  <a:cs typeface="Arial" panose="020B0604020202020204" pitchFamily="34" charset="0"/>
+                </a:endParaRPr>
+              </a:p>
+              <a:p>
+                <a:pPr>
+                  <a:lnSpc>
+                    <a:spcPct val="107000"/>
+                  </a:lnSpc>
+                </a:pPr>
+                <a14:m>
+                  <m:oMath xmlns:m="http://schemas.openxmlformats.org/officeDocument/2006/math">
+                    <m:r>
+                      <a:rPr lang="en-US" sz="800" i="1">
+                        <a:solidFill>
+                          <a:srgbClr val="7030A0"/>
+                        </a:solidFill>
+                        <a:latin typeface="Cambria Math" panose="02040503050406030204" pitchFamily="18" charset="0"/>
+                        <a:ea typeface="Times New Roman" panose="02020603050405020304" pitchFamily="18" charset="0"/>
+                        <a:cs typeface="David" panose="020E0502060401010101" pitchFamily="34" charset="-79"/>
+                      </a:rPr>
+                      <m:t>𝑓</m:t>
+                    </m:r>
+                    <m:r>
+                      <a:rPr lang="en-US" sz="800" i="1">
+                        <a:solidFill>
+                          <a:srgbClr val="7030A0"/>
+                        </a:solidFill>
+                        <a:latin typeface="Cambria Math" panose="02040503050406030204" pitchFamily="18" charset="0"/>
+                        <a:ea typeface="Times New Roman" panose="02020603050405020304" pitchFamily="18" charset="0"/>
+                        <a:cs typeface="David" panose="020E0502060401010101" pitchFamily="34" charset="-79"/>
+                      </a:rPr>
+                      <m:t>(</m:t>
+                    </m:r>
+                    <m:r>
+                      <a:rPr lang="en-US" sz="800" i="1">
+                        <a:solidFill>
+                          <a:srgbClr val="7030A0"/>
+                        </a:solidFill>
+                        <a:latin typeface="Cambria Math" panose="02040503050406030204" pitchFamily="18" charset="0"/>
+                        <a:ea typeface="Times New Roman" panose="02020603050405020304" pitchFamily="18" charset="0"/>
+                        <a:cs typeface="David" panose="020E0502060401010101" pitchFamily="34" charset="-79"/>
+                      </a:rPr>
+                      <m:t>𝑡</m:t>
+                    </m:r>
+                    <m:r>
+                      <a:rPr lang="en-US" sz="800" i="1">
+                        <a:solidFill>
+                          <a:srgbClr val="7030A0"/>
+                        </a:solidFill>
+                        <a:latin typeface="Cambria Math" panose="02040503050406030204" pitchFamily="18" charset="0"/>
+                        <a:ea typeface="Times New Roman" panose="02020603050405020304" pitchFamily="18" charset="0"/>
+                        <a:cs typeface="David" panose="020E0502060401010101" pitchFamily="34" charset="-79"/>
+                      </a:rPr>
+                      <m:t>)</m:t>
+                    </m:r>
+                  </m:oMath>
+                </a14:m>
+                <a:r>
+                  <a:rPr lang="en-US" sz="800" dirty="0">
+                    <a:solidFill>
+                      <a:srgbClr val="2E2E2E"/>
+                    </a:solidFill>
+                    <a:latin typeface="Georgia" panose="02040502050405020303" pitchFamily="18" charset="0"/>
+                    <a:ea typeface="Times New Roman" panose="02020603050405020304" pitchFamily="18" charset="0"/>
+                    <a:cs typeface="Arial" panose="020B0604020202020204" pitchFamily="34" charset="0"/>
+                  </a:rPr>
+                  <a:t>- Number of female mosquitoes being laid in a swamp on a given day after dilution.</a:t>
+                </a:r>
+                <a:endParaRPr lang="en-IL" sz="800" dirty="0">
+                  <a:latin typeface="Calibri" panose="020F0502020204030204" pitchFamily="34" charset="0"/>
+                  <a:ea typeface="Calibri" panose="020F0502020204030204" pitchFamily="34" charset="0"/>
+                  <a:cs typeface="Arial" panose="020B0604020202020204" pitchFamily="34" charset="0"/>
+                </a:endParaRPr>
+              </a:p>
+              <a:p>
+                <a:pPr>
+                  <a:lnSpc>
+                    <a:spcPct val="107000"/>
+                  </a:lnSpc>
+                </a:pPr>
+                <a14:m>
+                  <m:oMath xmlns:m="http://schemas.openxmlformats.org/officeDocument/2006/math">
+                    <m:r>
+                      <a:rPr lang="en-US" sz="800" i="1">
+                        <a:solidFill>
+                          <a:srgbClr val="C00000"/>
+                        </a:solidFill>
+                        <a:latin typeface="Cambria Math" panose="02040503050406030204" pitchFamily="18" charset="0"/>
+                        <a:ea typeface="Times New Roman" panose="02020603050405020304" pitchFamily="18" charset="0"/>
+                        <a:cs typeface="David" panose="020E0502060401010101" pitchFamily="34" charset="-79"/>
+                      </a:rPr>
+                      <m:t>𝑚</m:t>
+                    </m:r>
+                    <m:r>
+                      <a:rPr lang="en-US" sz="800" i="1">
+                        <a:solidFill>
+                          <a:srgbClr val="C00000"/>
+                        </a:solidFill>
+                        <a:latin typeface="Cambria Math" panose="02040503050406030204" pitchFamily="18" charset="0"/>
+                        <a:ea typeface="Times New Roman" panose="02020603050405020304" pitchFamily="18" charset="0"/>
+                        <a:cs typeface="David" panose="020E0502060401010101" pitchFamily="34" charset="-79"/>
+                      </a:rPr>
+                      <m:t>(</m:t>
+                    </m:r>
+                    <m:r>
+                      <a:rPr lang="en-US" sz="800" i="1">
+                        <a:solidFill>
+                          <a:srgbClr val="C00000"/>
+                        </a:solidFill>
+                        <a:latin typeface="Cambria Math" panose="02040503050406030204" pitchFamily="18" charset="0"/>
+                        <a:ea typeface="Times New Roman" panose="02020603050405020304" pitchFamily="18" charset="0"/>
+                        <a:cs typeface="David" panose="020E0502060401010101" pitchFamily="34" charset="-79"/>
+                      </a:rPr>
+                      <m:t>𝑡</m:t>
+                    </m:r>
+                    <m:r>
+                      <a:rPr lang="en-US" sz="800" i="1">
+                        <a:solidFill>
+                          <a:srgbClr val="C00000"/>
+                        </a:solidFill>
+                        <a:latin typeface="Cambria Math" panose="02040503050406030204" pitchFamily="18" charset="0"/>
+                        <a:ea typeface="Times New Roman" panose="02020603050405020304" pitchFamily="18" charset="0"/>
+                        <a:cs typeface="David" panose="020E0502060401010101" pitchFamily="34" charset="-79"/>
+                      </a:rPr>
+                      <m:t>)</m:t>
+                    </m:r>
+                  </m:oMath>
+                </a14:m>
+                <a:r>
+                  <a:rPr lang="en-US" sz="800" dirty="0">
+                    <a:solidFill>
+                      <a:srgbClr val="2E2E2E"/>
+                    </a:solidFill>
+                    <a:latin typeface="Georgia" panose="02040502050405020303" pitchFamily="18" charset="0"/>
+                    <a:ea typeface="Times New Roman" panose="02020603050405020304" pitchFamily="18" charset="0"/>
+                    <a:cs typeface="Arial" panose="020B0604020202020204" pitchFamily="34" charset="0"/>
+                  </a:rPr>
+                  <a:t>- </a:t>
+                </a:r>
+                <a:r>
+                  <a:rPr lang="en-US" sz="800" b="1" dirty="0">
+                    <a:solidFill>
+                      <a:srgbClr val="2E2E2E"/>
+                    </a:solidFill>
+                    <a:latin typeface="Georgia" panose="02040502050405020303" pitchFamily="18" charset="0"/>
+                    <a:ea typeface="Times New Roman" panose="02020603050405020304" pitchFamily="18" charset="0"/>
+                    <a:cs typeface="Arial" panose="020B0604020202020204" pitchFamily="34" charset="0"/>
+                  </a:rPr>
+                  <a:t>Number</a:t>
+                </a:r>
+                <a:r>
+                  <a:rPr lang="en-US" sz="800" dirty="0">
+                    <a:solidFill>
+                      <a:srgbClr val="2E2E2E"/>
+                    </a:solidFill>
+                    <a:latin typeface="Georgia" panose="02040502050405020303" pitchFamily="18" charset="0"/>
+                    <a:ea typeface="Times New Roman" panose="02020603050405020304" pitchFamily="18" charset="0"/>
+                    <a:cs typeface="Arial" panose="020B0604020202020204" pitchFamily="34" charset="0"/>
+                  </a:rPr>
+                  <a:t> of mosquitoes on a given day.</a:t>
+                </a:r>
+                <a:endParaRPr lang="en-IL" sz="800" dirty="0">
+                  <a:latin typeface="Calibri" panose="020F0502020204030204" pitchFamily="34" charset="0"/>
+                  <a:ea typeface="Calibri" panose="020F0502020204030204" pitchFamily="34" charset="0"/>
+                  <a:cs typeface="Arial" panose="020B0604020202020204" pitchFamily="34" charset="0"/>
+                </a:endParaRPr>
+              </a:p>
+            </p:txBody>
+          </p:sp>
+        </mc:Choice>
+        <mc:Fallback xmlns="">
+          <p:sp>
+            <p:nvSpPr>
+              <p:cNvPr id="37" name="TextBox 36">
+                <a:extLst>
+                  <a:ext uri="{FF2B5EF4-FFF2-40B4-BE49-F238E27FC236}">
+                    <a16:creationId xmlns:a16="http://schemas.microsoft.com/office/drawing/2014/main" id="{8E5D6BE8-9AC7-0EF4-3B3F-1A141661F792}"/>
+                  </a:ext>
+                </a:extLst>
+              </p:cNvPr>
+              <p:cNvSpPr txBox="1">
+                <a:spLocks noRot="1" noChangeAspect="1" noMove="1" noResize="1" noEditPoints="1" noAdjustHandles="1" noChangeArrowheads="1" noChangeShapeType="1" noTextEdit="1"/>
+              </p:cNvSpPr>
+              <p:nvPr/>
+            </p:nvSpPr>
+            <p:spPr>
+              <a:xfrm>
+                <a:off x="3915974" y="6375844"/>
+                <a:ext cx="2669424" cy="2466829"/>
+              </a:xfrm>
+              <a:prstGeom prst="rect">
+                <a:avLst/>
+              </a:prstGeom>
+              <a:blipFill>
+                <a:blip r:embed="rId3"/>
+                <a:stretch>
+                  <a:fillRect/>
+                </a:stretch>
+              </a:blipFill>
+            </p:spPr>
+            <p:txBody>
+              <a:bodyPr/>
+              <a:lstStyle/>
+              <a:p>
+                <a:r>
+                  <a:rPr lang="en-IL">
+                    <a:noFill/>
+                  </a:rPr>
+                  <a:t> </a:t>
+                </a:r>
+              </a:p>
+            </p:txBody>
+          </p:sp>
+        </mc:Fallback>
+      </mc:AlternateContent>
+      <p:pic>
+        <p:nvPicPr>
+          <p:cNvPr id="41" name="Picture 40">
+            <a:extLst>
+              <a:ext uri="{FF2B5EF4-FFF2-40B4-BE49-F238E27FC236}">
+                <a16:creationId xmlns:a16="http://schemas.microsoft.com/office/drawing/2014/main" id="{0EA84B3F-A427-C1C0-D6DB-DEBFC2348CB3}"/>
+              </a:ext>
+            </a:extLst>
+          </p:cNvPr>
+          <p:cNvPicPr>
+            <a:picLocks noChangeAspect="1"/>
+          </p:cNvPicPr>
+          <p:nvPr/>
+        </p:nvPicPr>
+        <p:blipFill>
+          <a:blip r:embed="rId4"/>
+          <a:stretch>
+            <a:fillRect/>
+          </a:stretch>
+        </p:blipFill>
+        <p:spPr>
+          <a:xfrm>
+            <a:off x="275007" y="6313878"/>
+            <a:ext cx="3070959" cy="2092007"/>
+          </a:xfrm>
+          <a:prstGeom prst="rect">
+            <a:avLst/>
+          </a:prstGeom>
+        </p:spPr>
+      </p:pic>
+      <p:pic>
+        <p:nvPicPr>
+          <p:cNvPr id="8" name="Picture 7">
+            <a:extLst>
+              <a:ext uri="{FF2B5EF4-FFF2-40B4-BE49-F238E27FC236}">
+                <a16:creationId xmlns:a16="http://schemas.microsoft.com/office/drawing/2014/main" id="{E93823F5-B5CB-722E-96CD-CAB542504A74}"/>
+              </a:ext>
+            </a:extLst>
+          </p:cNvPr>
+          <p:cNvPicPr>
+            <a:picLocks noChangeAspect="1"/>
+          </p:cNvPicPr>
+          <p:nvPr/>
+        </p:nvPicPr>
+        <p:blipFill>
+          <a:blip r:embed="rId5"/>
+          <a:stretch>
+            <a:fillRect/>
+          </a:stretch>
+        </p:blipFill>
+        <p:spPr>
+          <a:xfrm>
+            <a:off x="1644818" y="8169023"/>
+            <a:ext cx="2168038" cy="1641869"/>
           </a:xfrm>
           <a:prstGeom prst="rect">
             <a:avLst/>

--- a/poster.pptx
+++ b/poster.pptx
@@ -243,7 +243,7 @@
           <a:p>
             <a:fld id="{73EE89F4-C31D-45E3-BFAA-D8E8790DFB86}" type="datetimeFigureOut">
               <a:rPr lang="en-US" smtClean="0"/>
-              <a:t>5/22/2022</a:t>
+              <a:t>5/25/2022</a:t>
             </a:fld>
             <a:endParaRPr lang="en-US"/>
           </a:p>
@@ -413,7 +413,7 @@
           <a:p>
             <a:fld id="{73EE89F4-C31D-45E3-BFAA-D8E8790DFB86}" type="datetimeFigureOut">
               <a:rPr lang="en-US" smtClean="0"/>
-              <a:t>5/22/2022</a:t>
+              <a:t>5/25/2022</a:t>
             </a:fld>
             <a:endParaRPr lang="en-US"/>
           </a:p>
@@ -593,7 +593,7 @@
           <a:p>
             <a:fld id="{73EE89F4-C31D-45E3-BFAA-D8E8790DFB86}" type="datetimeFigureOut">
               <a:rPr lang="en-US" smtClean="0"/>
-              <a:t>5/22/2022</a:t>
+              <a:t>5/25/2022</a:t>
             </a:fld>
             <a:endParaRPr lang="en-US"/>
           </a:p>
@@ -763,7 +763,7 @@
           <a:p>
             <a:fld id="{73EE89F4-C31D-45E3-BFAA-D8E8790DFB86}" type="datetimeFigureOut">
               <a:rPr lang="en-US" smtClean="0"/>
-              <a:t>5/22/2022</a:t>
+              <a:t>5/25/2022</a:t>
             </a:fld>
             <a:endParaRPr lang="en-US"/>
           </a:p>
@@ -1007,7 +1007,7 @@
           <a:p>
             <a:fld id="{73EE89F4-C31D-45E3-BFAA-D8E8790DFB86}" type="datetimeFigureOut">
               <a:rPr lang="en-US" smtClean="0"/>
-              <a:t>5/22/2022</a:t>
+              <a:t>5/25/2022</a:t>
             </a:fld>
             <a:endParaRPr lang="en-US"/>
           </a:p>
@@ -1239,7 +1239,7 @@
           <a:p>
             <a:fld id="{73EE89F4-C31D-45E3-BFAA-D8E8790DFB86}" type="datetimeFigureOut">
               <a:rPr lang="en-US" smtClean="0"/>
-              <a:t>5/22/2022</a:t>
+              <a:t>5/25/2022</a:t>
             </a:fld>
             <a:endParaRPr lang="en-US"/>
           </a:p>
@@ -1606,7 +1606,7 @@
           <a:p>
             <a:fld id="{73EE89F4-C31D-45E3-BFAA-D8E8790DFB86}" type="datetimeFigureOut">
               <a:rPr lang="en-US" smtClean="0"/>
-              <a:t>5/22/2022</a:t>
+              <a:t>5/25/2022</a:t>
             </a:fld>
             <a:endParaRPr lang="en-US"/>
           </a:p>
@@ -1724,7 +1724,7 @@
           <a:p>
             <a:fld id="{73EE89F4-C31D-45E3-BFAA-D8E8790DFB86}" type="datetimeFigureOut">
               <a:rPr lang="en-US" smtClean="0"/>
-              <a:t>5/22/2022</a:t>
+              <a:t>5/25/2022</a:t>
             </a:fld>
             <a:endParaRPr lang="en-US"/>
           </a:p>
@@ -1819,7 +1819,7 @@
           <a:p>
             <a:fld id="{73EE89F4-C31D-45E3-BFAA-D8E8790DFB86}" type="datetimeFigureOut">
               <a:rPr lang="en-US" smtClean="0"/>
-              <a:t>5/22/2022</a:t>
+              <a:t>5/25/2022</a:t>
             </a:fld>
             <a:endParaRPr lang="en-US"/>
           </a:p>
@@ -2096,7 +2096,7 @@
           <a:p>
             <a:fld id="{73EE89F4-C31D-45E3-BFAA-D8E8790DFB86}" type="datetimeFigureOut">
               <a:rPr lang="en-US" smtClean="0"/>
-              <a:t>5/22/2022</a:t>
+              <a:t>5/25/2022</a:t>
             </a:fld>
             <a:endParaRPr lang="en-US"/>
           </a:p>
@@ -2353,7 +2353,7 @@
           <a:p>
             <a:fld id="{73EE89F4-C31D-45E3-BFAA-D8E8790DFB86}" type="datetimeFigureOut">
               <a:rPr lang="en-US" smtClean="0"/>
-              <a:t>5/22/2022</a:t>
+              <a:t>5/25/2022</a:t>
             </a:fld>
             <a:endParaRPr lang="en-US"/>
           </a:p>
@@ -2566,7 +2566,7 @@
           <a:p>
             <a:fld id="{73EE89F4-C31D-45E3-BFAA-D8E8790DFB86}" type="datetimeFigureOut">
               <a:rPr lang="en-US" smtClean="0"/>
-              <a:t>5/22/2022</a:t>
+              <a:t>5/25/2022</a:t>
             </a:fld>
             <a:endParaRPr lang="en-US"/>
           </a:p>
@@ -3055,40 +3055,13 @@
               </a:rPr>
             </a:br>
             <a:r>
-              <a:rPr lang="en-US" sz="1307" b="1" dirty="0" err="1">
-                <a:solidFill>
-                  <a:schemeClr val="tx1"/>
-                </a:solidFill>
-                <a:cs typeface="Arial"/>
-              </a:rPr>
-              <a:t>Almog</a:t>
-            </a:r>
-            <a:r>
               <a:rPr lang="en-US" sz="1307" b="1" dirty="0">
                 <a:solidFill>
                   <a:schemeClr val="tx1"/>
                 </a:solidFill>
                 <a:cs typeface="Arial"/>
               </a:rPr>
-              <a:t> </a:t>
-            </a:r>
-            <a:r>
-              <a:rPr lang="en-US" sz="1307" b="1" dirty="0" err="1">
-                <a:solidFill>
-                  <a:schemeClr val="tx1"/>
-                </a:solidFill>
-                <a:cs typeface="Arial"/>
-              </a:rPr>
-              <a:t>Jakov</a:t>
-            </a:r>
-            <a:r>
-              <a:rPr lang="en-US" sz="1307" b="1" dirty="0">
-                <a:solidFill>
-                  <a:schemeClr val="tx1"/>
-                </a:solidFill>
-                <a:cs typeface="Arial"/>
-              </a:rPr>
-              <a:t>, Itay Rafee and Neta Roth</a:t>
+              <a:t>Almog Jakov, Itay Rafee and Neta Roth</a:t>
             </a:r>
             <a:br>
               <a:rPr lang="en-US" sz="1307" b="1" dirty="0">
@@ -3105,16 +3078,7 @@
                 </a:solidFill>
                 <a:cs typeface="Arial"/>
               </a:rPr>
-              <a:t>Elizabeth </a:t>
-            </a:r>
-            <a:r>
-              <a:rPr lang="en-US" sz="1307" b="1" dirty="0" err="1">
-                <a:solidFill>
-                  <a:schemeClr val="tx1"/>
-                </a:solidFill>
-                <a:cs typeface="Arial"/>
-              </a:rPr>
-              <a:t>Itzkovich</a:t>
+              <a:t>Elizabeth Itzkovich</a:t>
             </a:r>
             <a:br>
               <a:rPr lang="en-US" sz="1307" b="1" dirty="0">
@@ -3143,8 +3107,8 @@
         </p:nvSpPr>
         <p:spPr>
           <a:xfrm>
-            <a:off x="3539366" y="1502750"/>
-            <a:ext cx="3152036" cy="2349321"/>
+            <a:off x="3539366" y="1502751"/>
+            <a:ext cx="3152036" cy="1718588"/>
           </a:xfrm>
           <a:prstGeom prst="roundRect">
             <a:avLst/>
@@ -3172,14 +3136,14 @@
           </a:fontRef>
         </p:style>
         <p:txBody>
-          <a:bodyPr rtlCol="1" anchor="t"/>
+          <a:bodyPr lIns="36000" tIns="0" rIns="36000" bIns="0" rtlCol="1" anchor="t"/>
           <a:lstStyle/>
           <a:p>
             <a:pPr algn="ctr">
               <a:defRPr/>
             </a:pPr>
             <a:r>
-              <a:rPr lang="en-US" sz="1000" b="1" dirty="0"/>
+              <a:rPr lang="en-US" sz="900" b="1" dirty="0"/>
               <a:t>2. Introduction</a:t>
             </a:r>
           </a:p>
@@ -3188,31 +3152,31 @@
               <a:defRPr/>
             </a:pPr>
             <a:r>
-              <a:rPr lang="en-US" sz="1000" dirty="0"/>
+              <a:rPr lang="en-US" sz="900" dirty="0"/>
               <a:t>Malaria is a tropical infectious disease caused by Plasmodium parasites. It is one of the leading causes of death in the world, especially among children.</a:t>
             </a:r>
             <a:r>
-              <a:rPr lang="he-IL" sz="1000" dirty="0"/>
+              <a:rPr lang="he-IL" sz="900" dirty="0"/>
               <a:t> </a:t>
             </a:r>
             <a:r>
-              <a:rPr lang="en-US" sz="1000" dirty="0"/>
+              <a:rPr lang="en-US" sz="900" dirty="0"/>
               <a:t>One of the treatment methods available today is an attempt to predict the spread of the disease using mathematical models.</a:t>
             </a:r>
             <a:r>
-              <a:rPr lang="he-IL" sz="1000" dirty="0"/>
+              <a:rPr lang="he-IL" sz="900" dirty="0"/>
               <a:t> </a:t>
             </a:r>
             <a:r>
-              <a:rPr lang="en-US" sz="1000" dirty="0"/>
+              <a:rPr lang="en-US" sz="900" dirty="0"/>
               <a:t>The mathematical models that predict malaria today are among others the Ross model, the McDonald model, the Anderson-May model, and more.</a:t>
             </a:r>
             <a:r>
-              <a:rPr lang="he-IL" sz="1000" dirty="0"/>
+              <a:rPr lang="he-IL" sz="900" dirty="0"/>
               <a:t> </a:t>
             </a:r>
             <a:r>
-              <a:rPr lang="en-US" sz="1000" dirty="0"/>
+              <a:rPr lang="en-US" sz="900" dirty="0"/>
               <a:t>The main problem with such models is that they do not take into account the change in the Plasmodium parasite population whose growth rate is affected by many factors.</a:t>
             </a:r>
           </a:p>
@@ -3239,8 +3203,8 @@
         </p:nvSpPr>
         <p:spPr>
           <a:xfrm>
-            <a:off x="166596" y="2841385"/>
-            <a:ext cx="2944178" cy="2624578"/>
+            <a:off x="166596" y="2803451"/>
+            <a:ext cx="2944178" cy="2189577"/>
           </a:xfrm>
           <a:prstGeom prst="roundRect">
             <a:avLst/>
@@ -3262,7 +3226,7 @@
           </a:fontRef>
         </p:style>
         <p:txBody>
-          <a:bodyPr rtlCol="1" anchor="t"/>
+          <a:bodyPr lIns="36000" tIns="0" rIns="36000" bIns="0" rtlCol="1" anchor="t"/>
           <a:lstStyle/>
           <a:p>
             <a:pPr algn="ctr">
@@ -3345,8 +3309,8 @@
         </p:nvSpPr>
         <p:spPr>
           <a:xfrm>
-            <a:off x="3575954" y="4065750"/>
-            <a:ext cx="3115448" cy="1466925"/>
+            <a:off x="3586678" y="3439216"/>
+            <a:ext cx="3115448" cy="1511020"/>
           </a:xfrm>
           <a:prstGeom prst="roundRect">
             <a:avLst/>
@@ -3374,7 +3338,7 @@
           </a:fontRef>
         </p:style>
         <p:txBody>
-          <a:bodyPr rtlCol="1" anchor="t"/>
+          <a:bodyPr lIns="36000" tIns="0" rIns="36000" bIns="0" rtlCol="1" anchor="t"/>
           <a:lstStyle/>
           <a:p>
             <a:pPr algn="ctr">
@@ -3415,8 +3379,8 @@
         </p:nvSpPr>
         <p:spPr>
           <a:xfrm>
-            <a:off x="166597" y="5746355"/>
-            <a:ext cx="6524805" cy="4123403"/>
+            <a:off x="177321" y="5219733"/>
+            <a:ext cx="6524805" cy="2971767"/>
           </a:xfrm>
           <a:prstGeom prst="roundRect">
             <a:avLst/>
@@ -3438,7 +3402,7 @@
           </a:fontRef>
         </p:style>
         <p:txBody>
-          <a:bodyPr rtlCol="1" anchor="t"/>
+          <a:bodyPr lIns="36000" tIns="0" rIns="36000" bIns="0" rtlCol="1" anchor="t"/>
           <a:lstStyle/>
           <a:p>
             <a:pPr algn="ctr">
@@ -3446,7 +3410,7 @@
             </a:pPr>
             <a:r>
               <a:rPr lang="en-US" sz="1000" b="1" dirty="0"/>
-              <a:t>5. Solution Description (Algorithms, Modulation, Patterns, Infrastructure, UI,   </a:t>
+              <a:t>6. Solution Description (Algorithms, Modulation, Patterns, Infrastructure, UI,   </a:t>
             </a:r>
             <a:br>
               <a:rPr lang="en-US" sz="1000" b="1" dirty="0"/>
@@ -3480,66 +3444,6 @@
               <a:ea typeface="Tahoma" pitchFamily="34" charset="0"/>
               <a:cs typeface="Arial" pitchFamily="34" charset="0"/>
             </a:endParaRPr>
-          </a:p>
-        </p:txBody>
-      </p:sp>
-      <p:sp>
-        <p:nvSpPr>
-          <p:cNvPr id="5" name="Rectangle 4">
-            <a:extLst>
-              <a:ext uri="{FF2B5EF4-FFF2-40B4-BE49-F238E27FC236}">
-                <a16:creationId xmlns:a16="http://schemas.microsoft.com/office/drawing/2014/main" id="{01EE06C4-1B62-4427-98E9-3F44949EBC0B}"/>
-              </a:ext>
-            </a:extLst>
-          </p:cNvPr>
-          <p:cNvSpPr/>
-          <p:nvPr/>
-        </p:nvSpPr>
-        <p:spPr>
-          <a:xfrm>
-            <a:off x="196848" y="210867"/>
-            <a:ext cx="930543" cy="862014"/>
-          </a:xfrm>
-          <a:prstGeom prst="rect">
-            <a:avLst/>
-          </a:prstGeom>
-          <a:solidFill>
-            <a:schemeClr val="tx2">
-              <a:lumMod val="20000"/>
-              <a:lumOff val="80000"/>
-            </a:schemeClr>
-          </a:solidFill>
-        </p:spPr>
-        <p:style>
-          <a:lnRef idx="2">
-            <a:schemeClr val="accent1">
-              <a:shade val="50000"/>
-            </a:schemeClr>
-          </a:lnRef>
-          <a:fillRef idx="1">
-            <a:schemeClr val="accent1"/>
-          </a:fillRef>
-          <a:effectRef idx="0">
-            <a:schemeClr val="accent1"/>
-          </a:effectRef>
-          <a:fontRef idx="minor">
-            <a:schemeClr val="lt1"/>
-          </a:fontRef>
-        </p:style>
-        <p:txBody>
-          <a:bodyPr rot="0" spcFirstLastPara="0" vertOverflow="overflow" horzOverflow="overflow" vert="horz" wrap="square" lIns="24882" tIns="12440" rIns="24882" bIns="12440" numCol="1" spcCol="0" rtlCol="0" fromWordArt="0" anchor="ctr" anchorCtr="0" forceAA="0" compatLnSpc="1">
-            <a:prstTxWarp prst="textNoShape">
-              <a:avLst/>
-            </a:prstTxWarp>
-            <a:noAutofit/>
-          </a:bodyPr>
-          <a:lstStyle/>
-          <a:p>
-            <a:pPr algn="ctr"/>
-            <a:r>
-              <a:rPr lang="en-US" sz="2800" dirty="0"/>
-              <a:t>Logo</a:t>
-            </a:r>
           </a:p>
         </p:txBody>
       </p:sp>
@@ -3608,7 +3512,7 @@
         </p:nvSpPr>
         <p:spPr>
           <a:xfrm rot="10800000">
-            <a:off x="3141382" y="3221338"/>
+            <a:off x="3110774" y="2817082"/>
             <a:ext cx="397984" cy="241727"/>
           </a:xfrm>
           <a:prstGeom prst="rightArrow">
@@ -3659,7 +3563,7 @@
         </p:nvSpPr>
         <p:spPr>
           <a:xfrm rot="10800000">
-            <a:off x="3126077" y="4436621"/>
+            <a:off x="3147732" y="3471806"/>
             <a:ext cx="434574" cy="241728"/>
           </a:xfrm>
           <a:prstGeom prst="leftArrow">
@@ -3698,57 +3602,6 @@
       </p:sp>
       <p:sp>
         <p:nvSpPr>
-          <p:cNvPr id="16" name="Arrow: Down 15">
-            <a:extLst>
-              <a:ext uri="{FF2B5EF4-FFF2-40B4-BE49-F238E27FC236}">
-                <a16:creationId xmlns:a16="http://schemas.microsoft.com/office/drawing/2014/main" id="{934A1CC8-3731-4427-9E37-E524BEB70E91}"/>
-              </a:ext>
-            </a:extLst>
-          </p:cNvPr>
-          <p:cNvSpPr/>
-          <p:nvPr/>
-        </p:nvSpPr>
-        <p:spPr>
-          <a:xfrm>
-            <a:off x="1701800" y="5446552"/>
-            <a:ext cx="236752" cy="299810"/>
-          </a:xfrm>
-          <a:prstGeom prst="downArrow">
-            <a:avLst/>
-          </a:prstGeom>
-        </p:spPr>
-        <p:style>
-          <a:lnRef idx="2">
-            <a:schemeClr val="accent1">
-              <a:shade val="50000"/>
-            </a:schemeClr>
-          </a:lnRef>
-          <a:fillRef idx="1">
-            <a:schemeClr val="accent1"/>
-          </a:fillRef>
-          <a:effectRef idx="0">
-            <a:schemeClr val="accent1"/>
-          </a:effectRef>
-          <a:fontRef idx="minor">
-            <a:schemeClr val="lt1"/>
-          </a:fontRef>
-        </p:style>
-        <p:txBody>
-          <a:bodyPr rot="0" spcFirstLastPara="0" vertOverflow="overflow" horzOverflow="overflow" vert="horz" wrap="square" lIns="24882" tIns="12440" rIns="24882" bIns="12440" numCol="1" spcCol="0" rtlCol="0" fromWordArt="0" anchor="ctr" anchorCtr="0" forceAA="0" compatLnSpc="1">
-            <a:prstTxWarp prst="textNoShape">
-              <a:avLst/>
-            </a:prstTxWarp>
-            <a:noAutofit/>
-          </a:bodyPr>
-          <a:lstStyle/>
-          <a:p>
-            <a:pPr algn="r" rtl="1"/>
-            <a:endParaRPr lang="en-US" sz="490"/>
-          </a:p>
-        </p:txBody>
-      </p:sp>
-      <p:sp>
-        <p:nvSpPr>
           <p:cNvPr id="18" name="Rounded Rectangle 6">
             <a:extLst>
               <a:ext uri="{FF2B5EF4-FFF2-40B4-BE49-F238E27FC236}">
@@ -3762,7 +3615,7 @@
         <p:spPr>
           <a:xfrm>
             <a:off x="166597" y="1502750"/>
-            <a:ext cx="2944177" cy="1105544"/>
+            <a:ext cx="2944177" cy="1081700"/>
           </a:xfrm>
           <a:prstGeom prst="roundRect">
             <a:avLst/>
@@ -3784,7 +3637,7 @@
           </a:fontRef>
         </p:style>
         <p:txBody>
-          <a:bodyPr rtlCol="1" anchor="t"/>
+          <a:bodyPr lIns="36000" tIns="0" rIns="36000" bIns="0" rtlCol="1" anchor="t"/>
           <a:lstStyle/>
           <a:p>
             <a:pPr algn="ctr">
@@ -3867,11 +3720,23 @@
         <p:spPr>
           <a:xfrm>
             <a:off x="5906531" y="223953"/>
-            <a:ext cx="784872" cy="848928"/>
+            <a:ext cx="838800" cy="838800"/>
           </a:xfrm>
           <a:prstGeom prst="rect">
             <a:avLst/>
           </a:prstGeom>
+          <a:solidFill>
+            <a:schemeClr val="accent1">
+              <a:lumMod val="50000"/>
+            </a:schemeClr>
+          </a:solidFill>
+          <a:ln>
+            <a:solidFill>
+              <a:schemeClr val="accent1">
+                <a:lumMod val="50000"/>
+              </a:schemeClr>
+            </a:solidFill>
+          </a:ln>
         </p:spPr>
         <p:style>
           <a:lnRef idx="2">
@@ -4049,8 +3914,8 @@
         </p:nvCxnSpPr>
         <p:spPr>
           <a:xfrm>
-            <a:off x="3843234" y="6373300"/>
-            <a:ext cx="0" cy="2536944"/>
+            <a:off x="3652734" y="5738300"/>
+            <a:ext cx="0" cy="2211900"/>
           </a:xfrm>
           <a:prstGeom prst="line">
             <a:avLst/>
@@ -4071,8 +3936,8 @@
           </a:fontRef>
         </p:style>
       </p:cxnSp>
-      <mc:AlternateContent xmlns:mc="http://schemas.openxmlformats.org/markup-compatibility/2006" xmlns:a14="http://schemas.microsoft.com/office/drawing/2010/main">
-        <mc:Choice Requires="a14">
+      <mc:AlternateContent xmlns:mc="http://schemas.openxmlformats.org/markup-compatibility/2006">
+        <mc:Choice xmlns:a14="http://schemas.microsoft.com/office/drawing/2010/main" Requires="a14">
           <p:sp>
             <p:nvSpPr>
               <p:cNvPr id="37" name="TextBox 36">
@@ -4087,7 +3952,7 @@
             </p:nvSpPr>
             <p:spPr>
               <a:xfrm>
-                <a:off x="3915974" y="6375844"/>
+                <a:off x="3763574" y="5639244"/>
                 <a:ext cx="2669424" cy="2466829"/>
               </a:xfrm>
               <a:prstGeom prst="rect">
@@ -4111,7 +3976,7 @@
                     <m:sSub>
                       <m:sSubPr>
                         <m:ctrlPr>
-                          <a:rPr lang="en-IL" sz="800" i="1">
+                          <a:rPr lang="en-IL" sz="800" i="1" smtClean="0">
                             <a:solidFill>
                               <a:srgbClr val="92D050"/>
                             </a:solidFill>
@@ -4159,7 +4024,7 @@
                     <a:ea typeface="Times New Roman" panose="02020603050405020304" pitchFamily="18" charset="0"/>
                     <a:cs typeface="Arial" panose="020B0604020202020204" pitchFamily="34" charset="0"/>
                   </a:rPr>
-                  <a:t>- Probability of a mosquito death on a given day.</a:t>
+                  <a:t> - Probability of a mosquito death on a given day.</a:t>
                 </a:r>
                 <a:endParaRPr lang="en-IL" sz="800" dirty="0">
                   <a:latin typeface="Calibri" panose="020F0502020204030204" pitchFamily="34" charset="0"/>
@@ -4226,7 +4091,7 @@
                     <a:ea typeface="Times New Roman" panose="02020603050405020304" pitchFamily="18" charset="0"/>
                     <a:cs typeface="Arial" panose="020B0604020202020204" pitchFamily="34" charset="0"/>
                   </a:rPr>
-                  <a:t>- Period taken for an</a:t>
+                  <a:t> - Period taken for an</a:t>
                 </a:r>
                 <a:r>
                   <a:rPr lang="en-US" sz="800" dirty="0">
@@ -4304,29 +4169,7 @@
                     <a:ea typeface="Times New Roman" panose="02020603050405020304" pitchFamily="18" charset="0"/>
                     <a:cs typeface="Arial" panose="020B0604020202020204" pitchFamily="34" charset="0"/>
                   </a:rPr>
-                  <a:t>- </a:t>
-                </a:r>
-                <a:r>
-                  <a:rPr lang="fr-FR" sz="800" dirty="0" err="1">
-                    <a:solidFill>
-                      <a:srgbClr val="2E2E2E"/>
-                    </a:solidFill>
-                    <a:latin typeface="Georgia" panose="02040502050405020303" pitchFamily="18" charset="0"/>
-                    <a:ea typeface="Times New Roman" panose="02020603050405020304" pitchFamily="18" charset="0"/>
-                    <a:cs typeface="Arial" panose="020B0604020202020204" pitchFamily="34" charset="0"/>
-                  </a:rPr>
-                  <a:t>Pregnancy</a:t>
-                </a:r>
-                <a:r>
-                  <a:rPr lang="fr-FR" sz="800" dirty="0">
-                    <a:solidFill>
-                      <a:srgbClr val="2E2E2E"/>
-                    </a:solidFill>
-                    <a:latin typeface="Georgia" panose="02040502050405020303" pitchFamily="18" charset="0"/>
-                    <a:ea typeface="Times New Roman" panose="02020603050405020304" pitchFamily="18" charset="0"/>
-                    <a:cs typeface="Arial" panose="020B0604020202020204" pitchFamily="34" charset="0"/>
-                  </a:rPr>
-                  <a:t> duration.</a:t>
+                  <a:t> - Pregnancy duration.</a:t>
                 </a:r>
                 <a:endParaRPr lang="en-IL" sz="800" dirty="0">
                   <a:latin typeface="Calibri" panose="020F0502020204030204" pitchFamily="34" charset="0"/>
@@ -4393,7 +4236,7 @@
                     <a:ea typeface="Times New Roman" panose="02020603050405020304" pitchFamily="18" charset="0"/>
                     <a:cs typeface="Arial" panose="020B0604020202020204" pitchFamily="34" charset="0"/>
                   </a:rPr>
-                  <a:t>- Number of female mosquitoes born </a:t>
+                  <a:t> - Number of female mosquitoes born </a:t>
                 </a:r>
                 <a:r>
                   <a:rPr lang="en-US" sz="800" dirty="0">
@@ -4404,7 +4247,7 @@
                     <a:ea typeface="Calibri" panose="020F0502020204030204" pitchFamily="34" charset="0"/>
                     <a:cs typeface="Arial" panose="020B0604020202020204" pitchFamily="34" charset="0"/>
                   </a:rPr>
-                  <a:t>per pregnancy.</a:t>
+                  <a:t>per pregnancy</a:t>
                 </a:r>
                 <a:endParaRPr lang="en-IL" sz="800" dirty="0">
                   <a:latin typeface="Calibri" panose="020F0502020204030204" pitchFamily="34" charset="0"/>
@@ -4430,6 +4273,17 @@
                         <a:cs typeface="Arial" panose="020B0604020202020204" pitchFamily="34" charset="0"/>
                       </a:rPr>
                       <m:t>𝑠</m:t>
+                    </m:r>
+                    <m:r>
+                      <a:rPr lang="en-US" sz="800" b="0" i="1" smtClean="0">
+                        <a:solidFill>
+                          <a:srgbClr val="008080"/>
+                        </a:solidFill>
+                        <a:latin typeface="Cambria Math" panose="02040503050406030204" pitchFamily="18" charset="0"/>
+                        <a:ea typeface="Times New Roman" panose="02020603050405020304" pitchFamily="18" charset="0"/>
+                        <a:cs typeface="Arial" panose="020B0604020202020204" pitchFamily="34" charset="0"/>
+                      </a:rPr>
+                      <m:t> </m:t>
                     </m:r>
                   </m:oMath>
                 </a14:m>
@@ -4509,7 +4363,7 @@
                     <a:ea typeface="Times New Roman" panose="02020603050405020304" pitchFamily="18" charset="0"/>
                     <a:cs typeface="Arial" panose="020B0604020202020204" pitchFamily="34" charset="0"/>
                   </a:rPr>
-                  <a:t>- Capacity of mosquitoes per swamp.</a:t>
+                  <a:t> - Capacity of mosquitoes per swamp.</a:t>
                 </a:r>
                 <a:endParaRPr lang="en-IL" sz="800" dirty="0">
                   <a:latin typeface="Calibri" panose="020F0502020204030204" pitchFamily="34" charset="0"/>
@@ -4576,7 +4430,7 @@
                     <a:ea typeface="Times New Roman" panose="02020603050405020304" pitchFamily="18" charset="0"/>
                     <a:cs typeface="Arial" panose="020B0604020202020204" pitchFamily="34" charset="0"/>
                   </a:rPr>
-                  <a:t>- Capacity of all mosquitoes at all swamps.</a:t>
+                  <a:t> - Capacity of all mosquitoes at all swamps.</a:t>
                 </a:r>
                 <a:endParaRPr lang="en-IL" sz="800" dirty="0">
                   <a:latin typeface="Calibri" panose="020F0502020204030204" pitchFamily="34" charset="0"/>
@@ -4614,7 +4468,25 @@
                     <a:ea typeface="Times New Roman" panose="02020603050405020304" pitchFamily="18" charset="0"/>
                     <a:cs typeface="Arial" panose="020B0604020202020204" pitchFamily="34" charset="0"/>
                   </a:rPr>
-                  <a:t>- Number of female mosquitoes born on a given day per female </a:t>
+                  <a:t> - Number of female mosquitoes born on a given day </a:t>
+                </a:r>
+              </a:p>
+              <a:p>
+                <a:pPr>
+                  <a:lnSpc>
+                    <a:spcPct val="107000"/>
+                  </a:lnSpc>
+                </a:pPr>
+                <a:r>
+                  <a:rPr lang="en-US" sz="800" dirty="0">
+                    <a:solidFill>
+                      <a:srgbClr val="2E2E2E"/>
+                    </a:solidFill>
+                    <a:latin typeface="Georgia" panose="02040502050405020303" pitchFamily="18" charset="0"/>
+                    <a:ea typeface="Times New Roman" panose="02020603050405020304" pitchFamily="18" charset="0"/>
+                    <a:cs typeface="Arial" panose="020B0604020202020204" pitchFamily="34" charset="0"/>
+                  </a:rPr>
+                  <a:t>      per female </a:t>
                 </a:r>
                 <a:r>
                   <a:rPr lang="en-IL" sz="800" dirty="0">
@@ -4663,8 +4535,35 @@
                       </a:rPr>
                       <m:t>𝑔</m:t>
                     </m:r>
+                    <m:d>
+                      <m:dPr>
+                        <m:ctrlPr>
+                          <a:rPr lang="en-US" sz="800" i="1">
+                            <a:solidFill>
+                              <a:srgbClr val="538135"/>
+                            </a:solidFill>
+                            <a:latin typeface="Cambria Math" panose="02040503050406030204" pitchFamily="18" charset="0"/>
+                            <a:ea typeface="Times New Roman" panose="02020603050405020304" pitchFamily="18" charset="0"/>
+                            <a:cs typeface="David" panose="020E0502060401010101" pitchFamily="34" charset="-79"/>
+                          </a:rPr>
+                        </m:ctrlPr>
+                      </m:dPr>
+                      <m:e>
+                        <m:r>
+                          <a:rPr lang="en-US" sz="800" i="1">
+                            <a:solidFill>
+                              <a:srgbClr val="538135"/>
+                            </a:solidFill>
+                            <a:latin typeface="Cambria Math" panose="02040503050406030204" pitchFamily="18" charset="0"/>
+                            <a:ea typeface="Times New Roman" panose="02020603050405020304" pitchFamily="18" charset="0"/>
+                            <a:cs typeface="David" panose="020E0502060401010101" pitchFamily="34" charset="-79"/>
+                          </a:rPr>
+                          <m:t>𝑡</m:t>
+                        </m:r>
+                      </m:e>
+                    </m:d>
                     <m:r>
-                      <a:rPr lang="en-US" sz="800" i="1">
+                      <a:rPr lang="en-US" sz="800" b="0" i="1" smtClean="0">
                         <a:solidFill>
                           <a:srgbClr val="538135"/>
                         </a:solidFill>
@@ -4672,29 +4571,7 @@
                         <a:ea typeface="Times New Roman" panose="02020603050405020304" pitchFamily="18" charset="0"/>
                         <a:cs typeface="David" panose="020E0502060401010101" pitchFamily="34" charset="-79"/>
                       </a:rPr>
-                      <m:t>(</m:t>
-                    </m:r>
-                    <m:r>
-                      <a:rPr lang="en-US" sz="800" i="1">
-                        <a:solidFill>
-                          <a:srgbClr val="538135"/>
-                        </a:solidFill>
-                        <a:latin typeface="Cambria Math" panose="02040503050406030204" pitchFamily="18" charset="0"/>
-                        <a:ea typeface="Times New Roman" panose="02020603050405020304" pitchFamily="18" charset="0"/>
-                        <a:cs typeface="David" panose="020E0502060401010101" pitchFamily="34" charset="-79"/>
-                      </a:rPr>
-                      <m:t>𝑡</m:t>
-                    </m:r>
-                    <m:r>
-                      <a:rPr lang="en-US" sz="800" i="1">
-                        <a:solidFill>
-                          <a:srgbClr val="538135"/>
-                        </a:solidFill>
-                        <a:latin typeface="Cambria Math" panose="02040503050406030204" pitchFamily="18" charset="0"/>
-                        <a:ea typeface="Times New Roman" panose="02020603050405020304" pitchFamily="18" charset="0"/>
-                        <a:cs typeface="David" panose="020E0502060401010101" pitchFamily="34" charset="-79"/>
-                      </a:rPr>
-                      <m:t>)</m:t>
+                      <m:t> </m:t>
                     </m:r>
                   </m:oMath>
                 </a14:m>
@@ -4707,7 +4584,25 @@
                     <a:ea typeface="Times New Roman" panose="02020603050405020304" pitchFamily="18" charset="0"/>
                     <a:cs typeface="Arial" panose="020B0604020202020204" pitchFamily="34" charset="0"/>
                   </a:rPr>
-                  <a:t>- Number of female mosquitoes being laid in a swamp on a given day before dilution.</a:t>
+                  <a:t>- Number of female mosquitoes being laid in a </a:t>
+                </a:r>
+              </a:p>
+              <a:p>
+                <a:pPr>
+                  <a:lnSpc>
+                    <a:spcPct val="107000"/>
+                  </a:lnSpc>
+                </a:pPr>
+                <a:r>
+                  <a:rPr lang="en-US" sz="800" dirty="0">
+                    <a:solidFill>
+                      <a:srgbClr val="2E2E2E"/>
+                    </a:solidFill>
+                    <a:latin typeface="Georgia" panose="02040502050405020303" pitchFamily="18" charset="0"/>
+                    <a:ea typeface="Times New Roman" panose="02020603050405020304" pitchFamily="18" charset="0"/>
+                    <a:cs typeface="Arial" panose="020B0604020202020204" pitchFamily="34" charset="0"/>
+                  </a:rPr>
+                  <a:t>            swamp on a given day before dilution.</a:t>
                 </a:r>
                 <a:endParaRPr lang="en-IL" sz="800" dirty="0">
                   <a:latin typeface="Calibri" panose="020F0502020204030204" pitchFamily="34" charset="0"/>
@@ -4734,6 +4629,17 @@
                       </a:rPr>
                       <m:t>𝑡𝑜𝑡</m:t>
                     </m:r>
+                    <m:r>
+                      <a:rPr lang="en-US" sz="800" b="0" i="1" smtClean="0">
+                        <a:solidFill>
+                          <a:srgbClr val="BF8F00"/>
+                        </a:solidFill>
+                        <a:latin typeface="Cambria Math" panose="02040503050406030204" pitchFamily="18" charset="0"/>
+                        <a:ea typeface="Times New Roman" panose="02020603050405020304" pitchFamily="18" charset="0"/>
+                        <a:cs typeface="David" panose="020E0502060401010101" pitchFamily="34" charset="-79"/>
+                      </a:rPr>
+                      <m:t> </m:t>
+                    </m:r>
                   </m:oMath>
                 </a14:m>
                 <a:r>
@@ -4745,7 +4651,25 @@
                     <a:ea typeface="Times New Roman" panose="02020603050405020304" pitchFamily="18" charset="0"/>
                     <a:cs typeface="Arial" panose="020B0604020202020204" pitchFamily="34" charset="0"/>
                   </a:rPr>
-                  <a:t>- Number of female mosquitoes in the swamps before dilution.</a:t>
+                  <a:t>- Number of female mosquitoes in the swamps </a:t>
+                </a:r>
+              </a:p>
+              <a:p>
+                <a:pPr>
+                  <a:lnSpc>
+                    <a:spcPct val="107000"/>
+                  </a:lnSpc>
+                </a:pPr>
+                <a:r>
+                  <a:rPr lang="en-US" sz="800" dirty="0">
+                    <a:solidFill>
+                      <a:srgbClr val="2E2E2E"/>
+                    </a:solidFill>
+                    <a:latin typeface="Georgia" panose="02040502050405020303" pitchFamily="18" charset="0"/>
+                    <a:ea typeface="Times New Roman" panose="02020603050405020304" pitchFamily="18" charset="0"/>
+                    <a:cs typeface="Arial" panose="020B0604020202020204" pitchFamily="34" charset="0"/>
+                  </a:rPr>
+                  <a:t>          before dilution.</a:t>
                 </a:r>
                 <a:endParaRPr lang="en-IL" sz="800" dirty="0">
                   <a:latin typeface="Calibri" panose="020F0502020204030204" pitchFamily="34" charset="0"/>
@@ -4783,7 +4707,7 @@
                     <a:ea typeface="Times New Roman" panose="02020603050405020304" pitchFamily="18" charset="0"/>
                     <a:cs typeface="Arial" panose="020B0604020202020204" pitchFamily="34" charset="0"/>
                   </a:rPr>
-                  <a:t>- Number of female mosquitoes that</a:t>
+                  <a:t> - Number of female mosquitoes that</a:t>
                 </a:r>
                 <a:r>
                   <a:rPr lang="en-US" sz="800" dirty="0">
@@ -4805,7 +4729,25 @@
                     <a:ea typeface="Times New Roman" panose="02020603050405020304" pitchFamily="18" charset="0"/>
                     <a:cs typeface="Arial" panose="020B0604020202020204" pitchFamily="34" charset="0"/>
                   </a:rPr>
-                  <a:t>needed to be diluted in each day.</a:t>
+                  <a:t>needed to be </a:t>
+                </a:r>
+              </a:p>
+              <a:p>
+                <a:pPr>
+                  <a:lnSpc>
+                    <a:spcPct val="107000"/>
+                  </a:lnSpc>
+                </a:pPr>
+                <a:r>
+                  <a:rPr lang="en-US" sz="800" dirty="0">
+                    <a:solidFill>
+                      <a:srgbClr val="2E2E2E"/>
+                    </a:solidFill>
+                    <a:latin typeface="Georgia" panose="02040502050405020303" pitchFamily="18" charset="0"/>
+                    <a:ea typeface="Times New Roman" panose="02020603050405020304" pitchFamily="18" charset="0"/>
+                    <a:cs typeface="Arial" panose="020B0604020202020204" pitchFamily="34" charset="0"/>
+                  </a:rPr>
+                  <a:t>      diluted in each day.</a:t>
                 </a:r>
                 <a:endParaRPr lang="en-IL" sz="800" dirty="0">
                   <a:latin typeface="Calibri" panose="020F0502020204030204" pitchFamily="34" charset="0"/>
@@ -4876,7 +4818,25 @@
                     <a:ea typeface="Times New Roman" panose="02020603050405020304" pitchFamily="18" charset="0"/>
                     <a:cs typeface="Arial" panose="020B0604020202020204" pitchFamily="34" charset="0"/>
                   </a:rPr>
-                  <a:t>- Number of female mosquitoes being laid in a swamp on a given day after dilution.</a:t>
+                  <a:t> - Number of female mosquitoes being laid in a </a:t>
+                </a:r>
+              </a:p>
+              <a:p>
+                <a:pPr>
+                  <a:lnSpc>
+                    <a:spcPct val="107000"/>
+                  </a:lnSpc>
+                </a:pPr>
+                <a:r>
+                  <a:rPr lang="en-US" sz="800" dirty="0">
+                    <a:solidFill>
+                      <a:srgbClr val="2E2E2E"/>
+                    </a:solidFill>
+                    <a:latin typeface="Georgia" panose="02040502050405020303" pitchFamily="18" charset="0"/>
+                    <a:ea typeface="Times New Roman" panose="02020603050405020304" pitchFamily="18" charset="0"/>
+                    <a:cs typeface="Arial" panose="020B0604020202020204" pitchFamily="34" charset="0"/>
+                  </a:rPr>
+                  <a:t>            swamp on a given day after dilution.</a:t>
                 </a:r>
                 <a:endParaRPr lang="en-IL" sz="800" dirty="0">
                   <a:latin typeface="Calibri" panose="020F0502020204030204" pitchFamily="34" charset="0"/>
@@ -4980,7 +4940,7 @@
             </p:txBody>
           </p:sp>
         </mc:Choice>
-        <mc:Fallback xmlns="">
+        <mc:Fallback>
           <p:sp>
             <p:nvSpPr>
               <p:cNvPr id="37" name="TextBox 36">
@@ -4997,7 +4957,7 @@
             </p:nvSpPr>
             <p:spPr>
               <a:xfrm>
-                <a:off x="3915974" y="6375844"/>
+                <a:off x="3763574" y="5639244"/>
                 <a:ext cx="2669424" cy="2466829"/>
               </a:xfrm>
               <a:prstGeom prst="rect">
@@ -5015,7 +4975,7 @@
               <a:lstStyle/>
               <a:p>
                 <a:r>
-                  <a:rPr lang="en-IL">
+                  <a:rPr lang="he-IL">
                     <a:noFill/>
                   </a:rPr>
                   <a:t> </a:t>
@@ -5047,7 +5007,7 @@
         </p:blipFill>
         <p:spPr>
           <a:xfrm>
-            <a:off x="275007" y="6313878"/>
+            <a:off x="452807" y="5774128"/>
             <a:ext cx="3070959" cy="2092007"/>
           </a:xfrm>
           <a:prstGeom prst="rect">
@@ -5055,12 +5015,69 @@
           </a:prstGeom>
         </p:spPr>
       </p:pic>
+      <p:sp>
+        <p:nvSpPr>
+          <p:cNvPr id="26" name="Rounded Rectangle 6">
+            <a:extLst>
+              <a:ext uri="{FF2B5EF4-FFF2-40B4-BE49-F238E27FC236}">
+                <a16:creationId xmlns:a16="http://schemas.microsoft.com/office/drawing/2014/main" id="{4638677C-D19F-4A63-BBD0-8415A31799E0}"/>
+              </a:ext>
+            </a:extLst>
+          </p:cNvPr>
+          <p:cNvSpPr/>
+          <p:nvPr/>
+        </p:nvSpPr>
+        <p:spPr>
+          <a:xfrm>
+            <a:off x="196848" y="8351497"/>
+            <a:ext cx="3115448" cy="1511020"/>
+          </a:xfrm>
+          <a:prstGeom prst="roundRect">
+            <a:avLst/>
+          </a:prstGeom>
+          <a:ln w="38100">
+            <a:solidFill>
+              <a:schemeClr val="accent1">
+                <a:lumMod val="75000"/>
+              </a:schemeClr>
+            </a:solidFill>
+          </a:ln>
+        </p:spPr>
+        <p:style>
+          <a:lnRef idx="2">
+            <a:schemeClr val="accent2"/>
+          </a:lnRef>
+          <a:fillRef idx="1">
+            <a:schemeClr val="lt1"/>
+          </a:fillRef>
+          <a:effectRef idx="0">
+            <a:schemeClr val="accent2"/>
+          </a:effectRef>
+          <a:fontRef idx="minor">
+            <a:schemeClr val="dk1"/>
+          </a:fontRef>
+        </p:style>
+        <p:txBody>
+          <a:bodyPr lIns="36000" tIns="0" rIns="36000" bIns="0" rtlCol="1" anchor="t"/>
+          <a:lstStyle/>
+          <a:p>
+            <a:pPr algn="ctr">
+              <a:defRPr/>
+            </a:pPr>
+            <a:r>
+              <a:rPr lang="en-US" sz="800" b="1" dirty="0"/>
+              <a:t>7. Plotted Graph</a:t>
+            </a:r>
+            <a:endParaRPr lang="he-IL" sz="800" b="1" dirty="0"/>
+          </a:p>
+        </p:txBody>
+      </p:sp>
       <p:pic>
         <p:nvPicPr>
-          <p:cNvPr id="8" name="Picture 7">
+          <p:cNvPr id="27" name="Picture 7">
             <a:extLst>
               <a:ext uri="{FF2B5EF4-FFF2-40B4-BE49-F238E27FC236}">
-                <a16:creationId xmlns:a16="http://schemas.microsoft.com/office/drawing/2014/main" id="{E93823F5-B5CB-722E-96CD-CAB542504A74}"/>
+                <a16:creationId xmlns:a16="http://schemas.microsoft.com/office/drawing/2014/main" id="{61E79949-44D5-41AB-97C4-4CE3D01A80C3}"/>
               </a:ext>
             </a:extLst>
           </p:cNvPr>
@@ -5077,12 +5094,113 @@
         </p:blipFill>
         <p:spPr>
           <a:xfrm>
-            <a:off x="1644818" y="8169023"/>
-            <a:ext cx="2168038" cy="1641869"/>
+            <a:off x="889381" y="8525249"/>
+            <a:ext cx="1732280" cy="1311867"/>
           </a:xfrm>
           <a:prstGeom prst="rect">
             <a:avLst/>
           </a:prstGeom>
+        </p:spPr>
+      </p:pic>
+      <p:sp>
+        <p:nvSpPr>
+          <p:cNvPr id="28" name="Rounded Rectangle 6">
+            <a:extLst>
+              <a:ext uri="{FF2B5EF4-FFF2-40B4-BE49-F238E27FC236}">
+                <a16:creationId xmlns:a16="http://schemas.microsoft.com/office/drawing/2014/main" id="{9D6D7849-B5F7-4BCE-8CAB-7F5A5193F889}"/>
+              </a:ext>
+            </a:extLst>
+          </p:cNvPr>
+          <p:cNvSpPr/>
+          <p:nvPr/>
+        </p:nvSpPr>
+        <p:spPr>
+          <a:xfrm>
+            <a:off x="3567628" y="8351497"/>
+            <a:ext cx="3115448" cy="1511020"/>
+          </a:xfrm>
+          <a:prstGeom prst="roundRect">
+            <a:avLst/>
+          </a:prstGeom>
+          <a:ln w="38100">
+            <a:solidFill>
+              <a:schemeClr val="accent1">
+                <a:lumMod val="75000"/>
+              </a:schemeClr>
+            </a:solidFill>
+          </a:ln>
+        </p:spPr>
+        <p:style>
+          <a:lnRef idx="2">
+            <a:schemeClr val="accent2"/>
+          </a:lnRef>
+          <a:fillRef idx="1">
+            <a:schemeClr val="lt1"/>
+          </a:fillRef>
+          <a:effectRef idx="0">
+            <a:schemeClr val="accent2"/>
+          </a:effectRef>
+          <a:fontRef idx="minor">
+            <a:schemeClr val="dk1"/>
+          </a:fontRef>
+        </p:style>
+        <p:txBody>
+          <a:bodyPr lIns="36000" tIns="0" rIns="36000" bIns="0" rtlCol="1" anchor="t"/>
+          <a:lstStyle/>
+          <a:p>
+            <a:pPr algn="ctr">
+              <a:defRPr/>
+            </a:pPr>
+            <a:r>
+              <a:rPr lang="en-US" sz="800" b="1" dirty="0"/>
+              <a:t>8. GitHub</a:t>
+            </a:r>
+            <a:endParaRPr lang="he-IL" sz="800" b="1" dirty="0"/>
+          </a:p>
+        </p:txBody>
+      </p:sp>
+      <p:pic>
+        <p:nvPicPr>
+          <p:cNvPr id="11" name="תמונה 10">
+            <a:extLst>
+              <a:ext uri="{FF2B5EF4-FFF2-40B4-BE49-F238E27FC236}">
+                <a16:creationId xmlns:a16="http://schemas.microsoft.com/office/drawing/2014/main" id="{9EFAE8E0-3100-46D0-BEED-5162214438B6}"/>
+              </a:ext>
+            </a:extLst>
+          </p:cNvPr>
+          <p:cNvPicPr>
+            <a:picLocks noChangeAspect="1"/>
+          </p:cNvPicPr>
+          <p:nvPr/>
+        </p:nvPicPr>
+        <p:blipFill>
+          <a:blip r:embed="rId6">
+            <a:extLst>
+              <a:ext uri="{28A0092B-C50C-407E-A947-70E740481C1C}">
+                <a14:useLocalDpi xmlns:a14="http://schemas.microsoft.com/office/drawing/2010/main" val="0"/>
+              </a:ext>
+            </a:extLst>
+          </a:blip>
+          <a:stretch>
+            <a:fillRect/>
+          </a:stretch>
+        </p:blipFill>
+        <p:spPr>
+          <a:xfrm>
+            <a:off x="239819" y="218108"/>
+            <a:ext cx="839681" cy="839681"/>
+          </a:xfrm>
+          <a:prstGeom prst="rect">
+            <a:avLst/>
+          </a:prstGeom>
+          <a:ln w="12700">
+            <a:solidFill>
+              <a:schemeClr val="accent1">
+                <a:shade val="50000"/>
+                <a:alpha val="46000"/>
+              </a:schemeClr>
+            </a:solidFill>
+          </a:ln>
         </p:spPr>
       </p:pic>
     </p:spTree>

--- a/poster.pptx
+++ b/poster.pptx
@@ -2986,7 +2986,11 @@
             <a:off x="1" y="0"/>
             <a:ext cx="6857999" cy="1283749"/>
           </a:xfrm>
-          <a:ln/>
+          <a:ln>
+            <a:solidFill>
+              <a:srgbClr val="FF0000"/>
+            </a:solidFill>
+          </a:ln>
         </p:spPr>
         <p:style>
           <a:lnRef idx="2">
@@ -3029,7 +3033,7 @@
               </a:rPr>
             </a:br>
             <a:br>
-              <a:rPr lang="en-US" sz="1307" b="1" dirty="0">
+              <a:rPr lang="en-US" sz="1000" b="1" dirty="0">
                 <a:solidFill>
                   <a:schemeClr val="tx1"/>
                 </a:solidFill>
@@ -3038,16 +3042,16 @@
               </a:rPr>
             </a:br>
             <a:r>
-              <a:rPr lang="en-US" sz="1307" b="1" dirty="0">
+              <a:rPr lang="en-US" b="1" u="sng" dirty="0">
                 <a:solidFill>
                   <a:schemeClr val="tx1"/>
                 </a:solidFill>
                 <a:cs typeface="Arial"/>
               </a:rPr>
-              <a:t>Malaria prediction model</a:t>
+              <a:t>Malaria Prediction Model</a:t>
             </a:r>
             <a:br>
-              <a:rPr lang="en-US" sz="1307" b="1" dirty="0">
+              <a:rPr lang="en-US" sz="100" b="1" dirty="0">
                 <a:solidFill>
                   <a:schemeClr val="tx1"/>
                 </a:solidFill>
@@ -3055,7 +3059,7 @@
               </a:rPr>
             </a:br>
             <a:r>
-              <a:rPr lang="en-US" sz="1307" b="1" dirty="0">
+              <a:rPr lang="en-US" sz="1100" b="1" dirty="0">
                 <a:solidFill>
                   <a:schemeClr val="tx1"/>
                 </a:solidFill>
@@ -3064,7 +3068,7 @@
               <a:t>Almog Jakov, Itay Rafee and Neta Roth</a:t>
             </a:r>
             <a:br>
-              <a:rPr lang="en-US" sz="1307" b="1" dirty="0">
+              <a:rPr lang="en-US" sz="1100" b="1" dirty="0">
                 <a:solidFill>
                   <a:schemeClr val="tx1"/>
                 </a:solidFill>
@@ -3072,7 +3076,7 @@
               </a:rPr>
             </a:br>
             <a:r>
-              <a:rPr lang="en-US" sz="1307" b="1" dirty="0">
+              <a:rPr lang="en-US" sz="1100" b="1" dirty="0">
                 <a:solidFill>
                   <a:schemeClr val="tx1"/>
                 </a:solidFill>
@@ -3107,17 +3111,15 @@
         </p:nvSpPr>
         <p:spPr>
           <a:xfrm>
-            <a:off x="3539366" y="1502751"/>
-            <a:ext cx="3152036" cy="1718588"/>
+            <a:off x="3523766" y="1502751"/>
+            <a:ext cx="3167636" cy="1718588"/>
           </a:xfrm>
           <a:prstGeom prst="roundRect">
             <a:avLst/>
           </a:prstGeom>
           <a:ln w="38100">
             <a:solidFill>
-              <a:schemeClr val="accent1">
-                <a:lumMod val="75000"/>
-              </a:schemeClr>
+              <a:srgbClr val="995940"/>
             </a:solidFill>
           </a:ln>
         </p:spPr>
@@ -3203,13 +3205,17 @@
         </p:nvSpPr>
         <p:spPr>
           <a:xfrm>
-            <a:off x="166596" y="2803451"/>
-            <a:ext cx="2944178" cy="2189577"/>
+            <a:off x="155874" y="2927583"/>
+            <a:ext cx="2997640" cy="2063063"/>
           </a:xfrm>
           <a:prstGeom prst="roundRect">
             <a:avLst/>
           </a:prstGeom>
-          <a:ln w="38100"/>
+          <a:ln w="38100">
+            <a:solidFill>
+              <a:schemeClr val="tx1"/>
+            </a:solidFill>
+          </a:ln>
         </p:spPr>
         <p:style>
           <a:lnRef idx="2">
@@ -3226,7 +3232,7 @@
           </a:fontRef>
         </p:style>
         <p:txBody>
-          <a:bodyPr lIns="36000" tIns="0" rIns="36000" bIns="0" rtlCol="1" anchor="t"/>
+          <a:bodyPr lIns="0" tIns="0" rIns="36000" bIns="0" rtlCol="1" anchor="t"/>
           <a:lstStyle/>
           <a:p>
             <a:pPr algn="ctr">
@@ -3238,14 +3244,7 @@
             </a:r>
             <a:r>
               <a:rPr lang="en-US" sz="800" b="1" dirty="0"/>
-              <a:t>. Methods/algorithms/Alternatives or</a:t>
-            </a:r>
-            <a:br>
-              <a:rPr lang="en-US" sz="800" b="1" dirty="0"/>
-            </a:br>
-            <a:r>
-              <a:rPr lang="en-US" sz="800" b="1" dirty="0"/>
-              <a:t>     Design Considerations</a:t>
+              <a:t>. Methods &amp; Alternatives</a:t>
             </a:r>
           </a:p>
           <a:p>
@@ -3309,17 +3308,15 @@
         </p:nvSpPr>
         <p:spPr>
           <a:xfrm>
-            <a:off x="3586678" y="3439216"/>
-            <a:ext cx="3115448" cy="1511020"/>
+            <a:off x="3534490" y="3439216"/>
+            <a:ext cx="3167636" cy="1511020"/>
           </a:xfrm>
           <a:prstGeom prst="roundRect">
             <a:avLst/>
           </a:prstGeom>
           <a:ln w="38100">
             <a:solidFill>
-              <a:schemeClr val="accent1">
-                <a:lumMod val="75000"/>
-              </a:schemeClr>
+              <a:schemeClr val="tx1"/>
             </a:solidFill>
           </a:ln>
         </p:spPr>
@@ -3379,13 +3376,17 @@
         </p:nvSpPr>
         <p:spPr>
           <a:xfrm>
-            <a:off x="177321" y="5219733"/>
+            <a:off x="177321" y="5177705"/>
             <a:ext cx="6524805" cy="2971767"/>
           </a:xfrm>
           <a:prstGeom prst="roundRect">
             <a:avLst/>
           </a:prstGeom>
-          <a:ln w="38100"/>
+          <a:ln w="38100">
+            <a:solidFill>
+              <a:srgbClr val="995940"/>
+            </a:solidFill>
+          </a:ln>
         </p:spPr>
         <p:style>
           <a:lnRef idx="2">
@@ -3410,21 +3411,8 @@
             </a:pPr>
             <a:r>
               <a:rPr lang="en-US" sz="1000" b="1" dirty="0"/>
-              <a:t>6. Solution Description (Algorithms, Modulation, Patterns, Infrastructure, UI,   </a:t>
-            </a:r>
-            <a:br>
-              <a:rPr lang="en-US" sz="1000" b="1" dirty="0"/>
-            </a:br>
-            <a:r>
-              <a:rPr lang="en-US" sz="1000" b="1" dirty="0"/>
-              <a:t>     Functionality)</a:t>
-            </a:r>
-            <a:endParaRPr lang="he-IL" sz="1000" b="1" dirty="0"/>
-          </a:p>
-          <a:p>
-            <a:pPr rtl="1">
-              <a:defRPr/>
-            </a:pPr>
+              <a:t>6. Solution Description</a:t>
+            </a:r>
             <a:endParaRPr lang="en-IL" sz="1200" dirty="0">
               <a:effectLst/>
               <a:latin typeface="Calibri" panose="020F0502020204030204" pitchFamily="34" charset="0"/>
@@ -3449,159 +3437,6 @@
       </p:sp>
       <p:sp>
         <p:nvSpPr>
-          <p:cNvPr id="14" name="Arrow: Left 13">
-            <a:extLst>
-              <a:ext uri="{FF2B5EF4-FFF2-40B4-BE49-F238E27FC236}">
-                <a16:creationId xmlns:a16="http://schemas.microsoft.com/office/drawing/2014/main" id="{74739229-DA93-498A-93F3-E36AC736CA39}"/>
-              </a:ext>
-            </a:extLst>
-          </p:cNvPr>
-          <p:cNvSpPr/>
-          <p:nvPr/>
-        </p:nvSpPr>
-        <p:spPr>
-          <a:xfrm rot="10800000">
-            <a:off x="3141383" y="1911601"/>
-            <a:ext cx="397983" cy="241730"/>
-          </a:xfrm>
-          <a:prstGeom prst="leftArrow">
-            <a:avLst/>
-          </a:prstGeom>
-        </p:spPr>
-        <p:style>
-          <a:lnRef idx="2">
-            <a:schemeClr val="accent1">
-              <a:shade val="50000"/>
-            </a:schemeClr>
-          </a:lnRef>
-          <a:fillRef idx="1">
-            <a:schemeClr val="accent1"/>
-          </a:fillRef>
-          <a:effectRef idx="0">
-            <a:schemeClr val="accent1"/>
-          </a:effectRef>
-          <a:fontRef idx="minor">
-            <a:schemeClr val="lt1"/>
-          </a:fontRef>
-        </p:style>
-        <p:txBody>
-          <a:bodyPr rot="0" spcFirstLastPara="0" vertOverflow="overflow" horzOverflow="overflow" vert="horz" wrap="square" lIns="24882" tIns="12440" rIns="24882" bIns="12440" numCol="1" spcCol="0" rtlCol="0" fromWordArt="0" anchor="ctr" anchorCtr="0" forceAA="0" compatLnSpc="1">
-            <a:prstTxWarp prst="textNoShape">
-              <a:avLst/>
-            </a:prstTxWarp>
-            <a:noAutofit/>
-          </a:bodyPr>
-          <a:lstStyle/>
-          <a:p>
-            <a:pPr algn="r" rtl="1"/>
-            <a:endParaRPr lang="en-US" sz="490"/>
-          </a:p>
-        </p:txBody>
-      </p:sp>
-      <p:sp>
-        <p:nvSpPr>
-          <p:cNvPr id="15" name="Arrow: Right 14">
-            <a:extLst>
-              <a:ext uri="{FF2B5EF4-FFF2-40B4-BE49-F238E27FC236}">
-                <a16:creationId xmlns:a16="http://schemas.microsoft.com/office/drawing/2014/main" id="{B5ACDA5A-2EDD-4539-A5A7-1A7E2E4C029F}"/>
-              </a:ext>
-            </a:extLst>
-          </p:cNvPr>
-          <p:cNvSpPr/>
-          <p:nvPr/>
-        </p:nvSpPr>
-        <p:spPr>
-          <a:xfrm rot="10800000">
-            <a:off x="3110774" y="2817082"/>
-            <a:ext cx="397984" cy="241727"/>
-          </a:xfrm>
-          <a:prstGeom prst="rightArrow">
-            <a:avLst/>
-          </a:prstGeom>
-        </p:spPr>
-        <p:style>
-          <a:lnRef idx="2">
-            <a:schemeClr val="accent1">
-              <a:shade val="50000"/>
-            </a:schemeClr>
-          </a:lnRef>
-          <a:fillRef idx="1">
-            <a:schemeClr val="accent1"/>
-          </a:fillRef>
-          <a:effectRef idx="0">
-            <a:schemeClr val="accent1"/>
-          </a:effectRef>
-          <a:fontRef idx="minor">
-            <a:schemeClr val="lt1"/>
-          </a:fontRef>
-        </p:style>
-        <p:txBody>
-          <a:bodyPr rot="0" spcFirstLastPara="0" vertOverflow="overflow" horzOverflow="overflow" vert="horz" wrap="square" lIns="24882" tIns="12440" rIns="24882" bIns="12440" numCol="1" spcCol="0" rtlCol="0" fromWordArt="0" anchor="ctr" anchorCtr="0" forceAA="0" compatLnSpc="1">
-            <a:prstTxWarp prst="textNoShape">
-              <a:avLst/>
-            </a:prstTxWarp>
-            <a:noAutofit/>
-          </a:bodyPr>
-          <a:lstStyle/>
-          <a:p>
-            <a:pPr algn="r" rtl="1"/>
-            <a:endParaRPr lang="en-US" sz="490"/>
-          </a:p>
-        </p:txBody>
-      </p:sp>
-      <p:sp>
-        <p:nvSpPr>
-          <p:cNvPr id="52" name="Arrow: Left 51">
-            <a:extLst>
-              <a:ext uri="{FF2B5EF4-FFF2-40B4-BE49-F238E27FC236}">
-                <a16:creationId xmlns:a16="http://schemas.microsoft.com/office/drawing/2014/main" id="{B42B5E19-1352-4CD7-BA33-5F59FA87A388}"/>
-              </a:ext>
-            </a:extLst>
-          </p:cNvPr>
-          <p:cNvSpPr/>
-          <p:nvPr/>
-        </p:nvSpPr>
-        <p:spPr>
-          <a:xfrm rot="10800000">
-            <a:off x="3147732" y="3471806"/>
-            <a:ext cx="434574" cy="241728"/>
-          </a:xfrm>
-          <a:prstGeom prst="leftArrow">
-            <a:avLst/>
-          </a:prstGeom>
-        </p:spPr>
-        <p:style>
-          <a:lnRef idx="2">
-            <a:schemeClr val="accent1">
-              <a:shade val="50000"/>
-            </a:schemeClr>
-          </a:lnRef>
-          <a:fillRef idx="1">
-            <a:schemeClr val="accent1"/>
-          </a:fillRef>
-          <a:effectRef idx="0">
-            <a:schemeClr val="accent1"/>
-          </a:effectRef>
-          <a:fontRef idx="minor">
-            <a:schemeClr val="lt1"/>
-          </a:fontRef>
-        </p:style>
-        <p:txBody>
-          <a:bodyPr rot="0" spcFirstLastPara="0" vertOverflow="overflow" horzOverflow="overflow" vert="horz" wrap="square" lIns="24882" tIns="12440" rIns="24882" bIns="12440" numCol="1" spcCol="0" rtlCol="0" fromWordArt="0" anchor="ctr" anchorCtr="0" forceAA="0" compatLnSpc="1">
-            <a:prstTxWarp prst="textNoShape">
-              <a:avLst/>
-            </a:prstTxWarp>
-            <a:noAutofit/>
-          </a:bodyPr>
-          <a:lstStyle/>
-          <a:p>
-            <a:pPr algn="r" rtl="1"/>
-            <a:endParaRPr lang="en-US" sz="490"/>
-          </a:p>
-        </p:txBody>
-      </p:sp>
-      <p:sp>
-        <p:nvSpPr>
           <p:cNvPr id="18" name="Rounded Rectangle 6">
             <a:extLst>
               <a:ext uri="{FF2B5EF4-FFF2-40B4-BE49-F238E27FC236}">
@@ -3614,13 +3449,17 @@
         </p:nvSpPr>
         <p:spPr>
           <a:xfrm>
-            <a:off x="166597" y="1502750"/>
-            <a:ext cx="2944177" cy="1081700"/>
+            <a:off x="159026" y="1502749"/>
+            <a:ext cx="2997641" cy="1261072"/>
           </a:xfrm>
           <a:prstGeom prst="roundRect">
             <a:avLst/>
           </a:prstGeom>
-          <a:ln w="38100"/>
+          <a:ln w="38100">
+            <a:solidFill>
+              <a:srgbClr val="995940"/>
+            </a:solidFill>
+          </a:ln>
         </p:spPr>
         <p:style>
           <a:lnRef idx="2">
@@ -3637,17 +3476,17 @@
           </a:fontRef>
         </p:style>
         <p:txBody>
-          <a:bodyPr lIns="36000" tIns="0" rIns="36000" bIns="0" rtlCol="1" anchor="t"/>
-          <a:lstStyle/>
-          <a:p>
-            <a:pPr algn="ctr">
+          <a:bodyPr lIns="36000" tIns="18000" rIns="576000" bIns="18000" rtlCol="1" anchor="t"/>
+          <a:lstStyle/>
+          <a:p>
+            <a:pPr lvl="1" algn="ctr">
               <a:buFontTx/>
               <a:buAutoNum type="arabicPeriod"/>
               <a:defRPr/>
             </a:pPr>
             <a:r>
               <a:rPr lang="en-US" sz="800" b="1" dirty="0"/>
-              <a:t> Contribution/project goal</a:t>
+              <a:t> Contribution &amp; Project Goal</a:t>
             </a:r>
           </a:p>
           <a:p>
@@ -3665,16 +3504,6 @@
             <a:r>
               <a:rPr lang="en-US" sz="800" dirty="0"/>
               <a:t>It also seeks to evaluate the mosquito population measure more accurately since this measure in such models is fixed. We collaborated with the </a:t>
-            </a:r>
-            <a:r>
-              <a:rPr lang="en-US" sz="800" b="0" i="0" dirty="0" err="1">
-                <a:solidFill>
-                  <a:srgbClr val="333333"/>
-                </a:solidFill>
-                <a:effectLst/>
-                <a:latin typeface="Droid Serif"/>
-              </a:rPr>
-              <a:t>ZzappMalaria</a:t>
             </a:r>
             <a:r>
               <a:rPr lang="en-US" sz="800" b="0" i="0" dirty="0">
@@ -3684,7 +3513,7 @@
                 <a:effectLst/>
                 <a:latin typeface="Droid Serif"/>
               </a:rPr>
-              <a:t> company, the developer of a mobile-app and managerial dashboard that helps eliminate malaria that </a:t>
+              <a:t>ZzappMalaria company, the developer of a mobile-app and managerial dashboard that helps eliminate malaria that </a:t>
             </a:r>
             <a:r>
               <a:rPr lang="en-US" sz="800" dirty="0"/>
@@ -3767,36 +3596,6 @@
           </a:p>
         </p:txBody>
       </p:sp>
-      <p:pic>
-        <p:nvPicPr>
-          <p:cNvPr id="19" name="Picture 18">
-            <a:extLst>
-              <a:ext uri="{FF2B5EF4-FFF2-40B4-BE49-F238E27FC236}">
-                <a16:creationId xmlns:a16="http://schemas.microsoft.com/office/drawing/2014/main" id="{3C204745-1263-AF37-03A7-254E3B99EEA0}"/>
-              </a:ext>
-            </a:extLst>
-          </p:cNvPr>
-          <p:cNvPicPr>
-            <a:picLocks noChangeAspect="1"/>
-          </p:cNvPicPr>
-          <p:nvPr/>
-        </p:nvPicPr>
-        <p:blipFill>
-          <a:blip r:embed="rId2"/>
-          <a:stretch>
-            <a:fillRect/>
-          </a:stretch>
-        </p:blipFill>
-        <p:spPr>
-          <a:xfrm>
-            <a:off x="6159849" y="28159"/>
-            <a:ext cx="425549" cy="338007"/>
-          </a:xfrm>
-          <a:prstGeom prst="rect">
-            <a:avLst/>
-          </a:prstGeom>
-        </p:spPr>
-      </p:pic>
       <p:sp>
         <p:nvSpPr>
           <p:cNvPr id="4" name="Rectangle 1">
@@ -3914,7 +3713,7 @@
         </p:nvCxnSpPr>
         <p:spPr>
           <a:xfrm>
-            <a:off x="3652734" y="5738300"/>
+            <a:off x="3652734" y="5620072"/>
             <a:ext cx="0" cy="2211900"/>
           </a:xfrm>
           <a:prstGeom prst="line">
@@ -3936,8 +3735,8 @@
           </a:fontRef>
         </p:style>
       </p:cxnSp>
-      <mc:AlternateContent xmlns:mc="http://schemas.openxmlformats.org/markup-compatibility/2006">
-        <mc:Choice xmlns:a14="http://schemas.microsoft.com/office/drawing/2010/main" Requires="a14">
+      <mc:AlternateContent xmlns:mc="http://schemas.openxmlformats.org/markup-compatibility/2006" xmlns:a14="http://schemas.microsoft.com/office/drawing/2010/main">
+        <mc:Choice Requires="a14">
           <p:sp>
             <p:nvSpPr>
               <p:cNvPr id="37" name="TextBox 36">
@@ -3952,7 +3751,7 @@
             </p:nvSpPr>
             <p:spPr>
               <a:xfrm>
-                <a:off x="3763574" y="5639244"/>
+                <a:off x="3763574" y="5521016"/>
                 <a:ext cx="2669424" cy="2466829"/>
               </a:xfrm>
               <a:prstGeom prst="rect">
@@ -4940,7 +4739,7 @@
             </p:txBody>
           </p:sp>
         </mc:Choice>
-        <mc:Fallback>
+        <mc:Fallback xmlns="">
           <p:sp>
             <p:nvSpPr>
               <p:cNvPr id="37" name="TextBox 36">
@@ -4957,14 +4756,14 @@
             </p:nvSpPr>
             <p:spPr>
               <a:xfrm>
-                <a:off x="3763574" y="5639244"/>
+                <a:off x="3763574" y="5521016"/>
                 <a:ext cx="2669424" cy="2466829"/>
               </a:xfrm>
               <a:prstGeom prst="rect">
                 <a:avLst/>
               </a:prstGeom>
               <a:blipFill>
-                <a:blip r:embed="rId3"/>
+                <a:blip r:embed="rId2"/>
                 <a:stretch>
                   <a:fillRect/>
                 </a:stretch>
@@ -5000,14 +4799,14 @@
           <p:nvPr/>
         </p:nvPicPr>
         <p:blipFill>
-          <a:blip r:embed="rId4"/>
+          <a:blip r:embed="rId3"/>
           <a:stretch>
             <a:fillRect/>
           </a:stretch>
         </p:blipFill>
         <p:spPr>
           <a:xfrm>
-            <a:off x="452807" y="5774128"/>
+            <a:off x="452807" y="5579700"/>
             <a:ext cx="3070959" cy="2092007"/>
           </a:xfrm>
           <a:prstGeom prst="rect">
@@ -5029,17 +4828,15 @@
         </p:nvSpPr>
         <p:spPr>
           <a:xfrm>
-            <a:off x="196848" y="8351497"/>
-            <a:ext cx="3115448" cy="1511020"/>
+            <a:off x="196848" y="8336531"/>
+            <a:ext cx="3115448" cy="1525986"/>
           </a:xfrm>
           <a:prstGeom prst="roundRect">
             <a:avLst/>
           </a:prstGeom>
           <a:ln w="38100">
             <a:solidFill>
-              <a:schemeClr val="accent1">
-                <a:lumMod val="75000"/>
-              </a:schemeClr>
+              <a:schemeClr val="tx1"/>
             </a:solidFill>
           </a:ln>
         </p:spPr>
@@ -5058,7 +4855,7 @@
           </a:fontRef>
         </p:style>
         <p:txBody>
-          <a:bodyPr lIns="36000" tIns="0" rIns="36000" bIns="0" rtlCol="1" anchor="t"/>
+          <a:bodyPr lIns="0" tIns="0" rIns="0" bIns="0" rtlCol="1" anchor="t"/>
           <a:lstStyle/>
           <a:p>
             <a:pPr algn="ctr">
@@ -5087,14 +4884,14 @@
           <p:nvPr/>
         </p:nvPicPr>
         <p:blipFill>
-          <a:blip r:embed="rId5"/>
+          <a:blip r:embed="rId4"/>
           <a:stretch>
             <a:fillRect/>
           </a:stretch>
         </p:blipFill>
         <p:spPr>
           <a:xfrm>
-            <a:off x="889381" y="8525249"/>
+            <a:off x="888432" y="8526797"/>
             <a:ext cx="1732280" cy="1311867"/>
           </a:xfrm>
           <a:prstGeom prst="rect">
@@ -5124,9 +4921,7 @@
           </a:prstGeom>
           <a:ln w="38100">
             <a:solidFill>
-              <a:schemeClr val="accent1">
-                <a:lumMod val="75000"/>
-              </a:schemeClr>
+              <a:schemeClr val="tx1"/>
             </a:solidFill>
           </a:ln>
         </p:spPr>
@@ -5165,6 +4960,45 @@
             <a:extLst>
               <a:ext uri="{FF2B5EF4-FFF2-40B4-BE49-F238E27FC236}">
                 <a16:creationId xmlns:a16="http://schemas.microsoft.com/office/drawing/2014/main" id="{9EFAE8E0-3100-46D0-BEED-5162214438B6}"/>
+              </a:ext>
+            </a:extLst>
+          </p:cNvPr>
+          <p:cNvPicPr>
+            <a:picLocks noChangeAspect="1"/>
+          </p:cNvPicPr>
+          <p:nvPr/>
+        </p:nvPicPr>
+        <p:blipFill>
+          <a:blip r:embed="rId5">
+            <a:extLst>
+              <a:ext uri="{28A0092B-C50C-407E-A947-70E740481C1C}">
+                <a14:useLocalDpi xmlns:a14="http://schemas.microsoft.com/office/drawing/2010/main" val="0"/>
+              </a:ext>
+            </a:extLst>
+          </a:blip>
+          <a:stretch>
+            <a:fillRect/>
+          </a:stretch>
+        </p:blipFill>
+        <p:spPr>
+          <a:xfrm>
+            <a:off x="239819" y="218108"/>
+            <a:ext cx="839681" cy="839681"/>
+          </a:xfrm>
+          <a:prstGeom prst="rect">
+            <a:avLst/>
+          </a:prstGeom>
+          <a:ln w="12700">
+            <a:noFill/>
+          </a:ln>
+        </p:spPr>
+      </p:pic>
+      <p:pic>
+        <p:nvPicPr>
+          <p:cNvPr id="9" name="תמונה 8">
+            <a:extLst>
+              <a:ext uri="{FF2B5EF4-FFF2-40B4-BE49-F238E27FC236}">
+                <a16:creationId xmlns:a16="http://schemas.microsoft.com/office/drawing/2014/main" id="{30A6679F-A62B-45F4-946D-5410B0B0F7FF}"/>
               </a:ext>
             </a:extLst>
           </p:cNvPr>
@@ -5187,20 +5021,48 @@
         </p:blipFill>
         <p:spPr>
           <a:xfrm>
-            <a:off x="239819" y="218108"/>
-            <a:ext cx="839681" cy="839681"/>
+            <a:off x="2485697" y="7132968"/>
+            <a:ext cx="1106426" cy="993650"/>
           </a:xfrm>
           <a:prstGeom prst="rect">
             <a:avLst/>
           </a:prstGeom>
-          <a:ln w="12700">
-            <a:solidFill>
-              <a:schemeClr val="accent1">
-                <a:shade val="50000"/>
-                <a:alpha val="46000"/>
-              </a:schemeClr>
-            </a:solidFill>
-          </a:ln>
+        </p:spPr>
+      </p:pic>
+      <p:pic>
+        <p:nvPicPr>
+          <p:cNvPr id="13" name="תמונה 12">
+            <a:extLst>
+              <a:ext uri="{FF2B5EF4-FFF2-40B4-BE49-F238E27FC236}">
+                <a16:creationId xmlns:a16="http://schemas.microsoft.com/office/drawing/2014/main" id="{103065CE-8228-4A7D-8869-C220B1169079}"/>
+              </a:ext>
+            </a:extLst>
+          </p:cNvPr>
+          <p:cNvPicPr>
+            <a:picLocks noChangeAspect="1"/>
+          </p:cNvPicPr>
+          <p:nvPr/>
+        </p:nvPicPr>
+        <p:blipFill>
+          <a:blip r:embed="rId7">
+            <a:extLst>
+              <a:ext uri="{28A0092B-C50C-407E-A947-70E740481C1C}">
+                <a14:useLocalDpi xmlns:a14="http://schemas.microsoft.com/office/drawing/2010/main" val="0"/>
+              </a:ext>
+            </a:extLst>
+          </a:blip>
+          <a:stretch>
+            <a:fillRect/>
+          </a:stretch>
+        </p:blipFill>
+        <p:spPr>
+          <a:xfrm>
+            <a:off x="2580957" y="1852720"/>
+            <a:ext cx="387097" cy="838202"/>
+          </a:xfrm>
+          <a:prstGeom prst="rect">
+            <a:avLst/>
+          </a:prstGeom>
         </p:spPr>
       </p:pic>
     </p:spTree>

--- a/poster.pptx
+++ b/poster.pptx
@@ -3410,10 +3410,10 @@
               <a:defRPr/>
             </a:pPr>
             <a:r>
-              <a:rPr lang="en-US" sz="1000" b="1" dirty="0"/>
+              <a:rPr lang="en-US" sz="900" b="1" dirty="0"/>
               <a:t>6. Solution Description</a:t>
             </a:r>
-            <a:endParaRPr lang="en-IL" sz="1200" dirty="0">
+            <a:endParaRPr lang="en-IL" sz="900" dirty="0">
               <a:effectLst/>
               <a:latin typeface="Calibri" panose="020F0502020204030204" pitchFamily="34" charset="0"/>
               <a:ea typeface="Calibri" panose="020F0502020204030204" pitchFamily="34" charset="0"/>
@@ -3713,8 +3713,8 @@
         </p:nvCxnSpPr>
         <p:spPr>
           <a:xfrm>
-            <a:off x="3652734" y="5620072"/>
-            <a:ext cx="0" cy="2211900"/>
+            <a:off x="3652734" y="5544869"/>
+            <a:ext cx="0" cy="2310956"/>
           </a:xfrm>
           <a:prstGeom prst="line">
             <a:avLst/>
@@ -3735,8 +3735,8 @@
           </a:fontRef>
         </p:style>
       </p:cxnSp>
-      <mc:AlternateContent xmlns:mc="http://schemas.openxmlformats.org/markup-compatibility/2006" xmlns:a14="http://schemas.microsoft.com/office/drawing/2010/main">
-        <mc:Choice Requires="a14">
+      <mc:AlternateContent xmlns:mc="http://schemas.openxmlformats.org/markup-compatibility/2006">
+        <mc:Choice xmlns:a14="http://schemas.microsoft.com/office/drawing/2010/main" Requires="a14">
           <p:sp>
             <p:nvSpPr>
               <p:cNvPr id="37" name="TextBox 36">
@@ -3779,7 +3779,7 @@
                             <a:solidFill>
                               <a:srgbClr val="92D050"/>
                             </a:solidFill>
-                            <a:latin typeface="Cambria Math" panose="02040503050406030204" pitchFamily="18" charset="0"/>
+                            <a:latin typeface="Calibri (גוף)"/>
                             <a:ea typeface="Times New Roman" panose="02020603050405020304" pitchFamily="18" charset="0"/>
                             <a:cs typeface="David" panose="020E0502060401010101" pitchFamily="34" charset="-79"/>
                           </a:rPr>
@@ -3791,7 +3791,7 @@
                             <a:solidFill>
                               <a:srgbClr val="92D050"/>
                             </a:solidFill>
-                            <a:latin typeface="Cambria Math" panose="02040503050406030204" pitchFamily="18" charset="0"/>
+                            <a:latin typeface="Calibri (גוף)"/>
                             <a:ea typeface="Times New Roman" panose="02020603050405020304" pitchFamily="18" charset="0"/>
                             <a:cs typeface="David" panose="020E0502060401010101" pitchFamily="34" charset="-79"/>
                           </a:rPr>
@@ -3804,7 +3804,7 @@
                             <a:solidFill>
                               <a:srgbClr val="92D050"/>
                             </a:solidFill>
-                            <a:latin typeface="Cambria Math" panose="02040503050406030204" pitchFamily="18" charset="0"/>
+                            <a:latin typeface="Calibri (גוף)"/>
                             <a:ea typeface="Times New Roman" panose="02020603050405020304" pitchFamily="18" charset="0"/>
                             <a:cs typeface="David" panose="020E0502060401010101" pitchFamily="34" charset="-79"/>
                           </a:rPr>
@@ -3819,14 +3819,14 @@
                     <a:solidFill>
                       <a:srgbClr val="2E2E2E"/>
                     </a:solidFill>
-                    <a:latin typeface="Georgia" panose="02040502050405020303" pitchFamily="18" charset="0"/>
+                    <a:latin typeface="Calibri (גוף)"/>
                     <a:ea typeface="Times New Roman" panose="02020603050405020304" pitchFamily="18" charset="0"/>
                     <a:cs typeface="Arial" panose="020B0604020202020204" pitchFamily="34" charset="0"/>
                   </a:rPr>
                   <a:t> - Probability of a mosquito death on a given day.</a:t>
                 </a:r>
                 <a:endParaRPr lang="en-IL" sz="800" dirty="0">
-                  <a:latin typeface="Calibri" panose="020F0502020204030204" pitchFamily="34" charset="0"/>
+                  <a:latin typeface="Calibri (גוף)"/>
                   <a:ea typeface="Calibri" panose="020F0502020204030204" pitchFamily="34" charset="0"/>
                   <a:cs typeface="Arial" panose="020B0604020202020204" pitchFamily="34" charset="0"/>
                 </a:endParaRPr>
@@ -3846,7 +3846,7 @@
                             <a:solidFill>
                               <a:srgbClr val="0070C0"/>
                             </a:solidFill>
-                            <a:latin typeface="Cambria Math" panose="02040503050406030204" pitchFamily="18" charset="0"/>
+                            <a:latin typeface="Calibri (גוף)"/>
                             <a:ea typeface="Times New Roman" panose="02020603050405020304" pitchFamily="18" charset="0"/>
                             <a:cs typeface="David" panose="020E0502060401010101" pitchFamily="34" charset="-79"/>
                           </a:rPr>
@@ -3858,7 +3858,7 @@
                             <a:solidFill>
                               <a:srgbClr val="0070C0"/>
                             </a:solidFill>
-                            <a:latin typeface="Cambria Math" panose="02040503050406030204" pitchFamily="18" charset="0"/>
+                            <a:latin typeface="Calibri (גוף)"/>
                             <a:ea typeface="Times New Roman" panose="02020603050405020304" pitchFamily="18" charset="0"/>
                             <a:cs typeface="David" panose="020E0502060401010101" pitchFamily="34" charset="-79"/>
                           </a:rPr>
@@ -3871,7 +3871,7 @@
                             <a:solidFill>
                               <a:srgbClr val="0070C0"/>
                             </a:solidFill>
-                            <a:latin typeface="Cambria Math" panose="02040503050406030204" pitchFamily="18" charset="0"/>
+                            <a:latin typeface="Calibri (גוף)"/>
                             <a:ea typeface="Times New Roman" panose="02020603050405020304" pitchFamily="18" charset="0"/>
                             <a:cs typeface="David" panose="020E0502060401010101" pitchFamily="34" charset="-79"/>
                           </a:rPr>
@@ -3886,7 +3886,7 @@
                     <a:solidFill>
                       <a:srgbClr val="2E2E2E"/>
                     </a:solidFill>
-                    <a:latin typeface="Georgia" panose="02040502050405020303" pitchFamily="18" charset="0"/>
+                    <a:latin typeface="Calibri (גוף)"/>
                     <a:ea typeface="Times New Roman" panose="02020603050405020304" pitchFamily="18" charset="0"/>
                     <a:cs typeface="Arial" panose="020B0604020202020204" pitchFamily="34" charset="0"/>
                   </a:rPr>
@@ -3897,14 +3897,14 @@
                     <a:solidFill>
                       <a:srgbClr val="2E2E2E"/>
                     </a:solidFill>
-                    <a:latin typeface="Georgia" panose="02040502050405020303" pitchFamily="18" charset="0"/>
+                    <a:latin typeface="Calibri (גוף)"/>
                     <a:ea typeface="Calibri" panose="020F0502020204030204" pitchFamily="34" charset="0"/>
                     <a:cs typeface="Arial" panose="020B0604020202020204" pitchFamily="34" charset="0"/>
                   </a:rPr>
                   <a:t> egg to become an adult.</a:t>
                 </a:r>
                 <a:endParaRPr lang="en-IL" sz="800" dirty="0">
-                  <a:latin typeface="Calibri" panose="020F0502020204030204" pitchFamily="34" charset="0"/>
+                  <a:latin typeface="Calibri (גוף)"/>
                   <a:ea typeface="Calibri" panose="020F0502020204030204" pitchFamily="34" charset="0"/>
                   <a:cs typeface="Arial" panose="020B0604020202020204" pitchFamily="34" charset="0"/>
                 </a:endParaRPr>
@@ -3924,7 +3924,7 @@
                             <a:solidFill>
                               <a:srgbClr val="1F4E79"/>
                             </a:solidFill>
-                            <a:latin typeface="Cambria Math" panose="02040503050406030204" pitchFamily="18" charset="0"/>
+                            <a:latin typeface="Calibri (גוף)"/>
                             <a:ea typeface="Times New Roman" panose="02020603050405020304" pitchFamily="18" charset="0"/>
                             <a:cs typeface="David" panose="020E0502060401010101" pitchFamily="34" charset="-79"/>
                           </a:rPr>
@@ -3936,7 +3936,7 @@
                             <a:solidFill>
                               <a:srgbClr val="1F4E79"/>
                             </a:solidFill>
-                            <a:latin typeface="Cambria Math" panose="02040503050406030204" pitchFamily="18" charset="0"/>
+                            <a:latin typeface="Calibri (גוף)"/>
                             <a:ea typeface="Times New Roman" panose="02020603050405020304" pitchFamily="18" charset="0"/>
                             <a:cs typeface="David" panose="020E0502060401010101" pitchFamily="34" charset="-79"/>
                           </a:rPr>
@@ -3949,7 +3949,7 @@
                             <a:solidFill>
                               <a:srgbClr val="1F4E79"/>
                             </a:solidFill>
-                            <a:latin typeface="Cambria Math" panose="02040503050406030204" pitchFamily="18" charset="0"/>
+                            <a:latin typeface="Calibri (גוף)"/>
                             <a:ea typeface="Times New Roman" panose="02020603050405020304" pitchFamily="18" charset="0"/>
                             <a:cs typeface="David" panose="020E0502060401010101" pitchFamily="34" charset="-79"/>
                           </a:rPr>
@@ -3964,14 +3964,14 @@
                     <a:solidFill>
                       <a:srgbClr val="2E2E2E"/>
                     </a:solidFill>
-                    <a:latin typeface="Georgia" panose="02040502050405020303" pitchFamily="18" charset="0"/>
+                    <a:latin typeface="Calibri (גוף)"/>
                     <a:ea typeface="Times New Roman" panose="02020603050405020304" pitchFamily="18" charset="0"/>
                     <a:cs typeface="Arial" panose="020B0604020202020204" pitchFamily="34" charset="0"/>
                   </a:rPr>
                   <a:t> - Pregnancy duration.</a:t>
                 </a:r>
                 <a:endParaRPr lang="en-IL" sz="800" dirty="0">
-                  <a:latin typeface="Calibri" panose="020F0502020204030204" pitchFamily="34" charset="0"/>
+                  <a:latin typeface="Calibri (גוף)"/>
                   <a:ea typeface="Calibri" panose="020F0502020204030204" pitchFamily="34" charset="0"/>
                   <a:cs typeface="Arial" panose="020B0604020202020204" pitchFamily="34" charset="0"/>
                 </a:endParaRPr>
@@ -3991,7 +3991,7 @@
                             <a:solidFill>
                               <a:srgbClr val="00FF99"/>
                             </a:solidFill>
-                            <a:latin typeface="Cambria Math" panose="02040503050406030204" pitchFamily="18" charset="0"/>
+                            <a:latin typeface="Calibri (גוף)"/>
                             <a:ea typeface="Times New Roman" panose="02020603050405020304" pitchFamily="18" charset="0"/>
                             <a:cs typeface="David" panose="020E0502060401010101" pitchFamily="34" charset="-79"/>
                           </a:rPr>
@@ -4003,7 +4003,7 @@
                             <a:solidFill>
                               <a:srgbClr val="00FF99"/>
                             </a:solidFill>
-                            <a:latin typeface="Cambria Math" panose="02040503050406030204" pitchFamily="18" charset="0"/>
+                            <a:latin typeface="Calibri (גוף)"/>
                             <a:ea typeface="Times New Roman" panose="02020603050405020304" pitchFamily="18" charset="0"/>
                             <a:cs typeface="David" panose="020E0502060401010101" pitchFamily="34" charset="-79"/>
                           </a:rPr>
@@ -4016,7 +4016,7 @@
                             <a:solidFill>
                               <a:srgbClr val="00FF99"/>
                             </a:solidFill>
-                            <a:latin typeface="Cambria Math" panose="02040503050406030204" pitchFamily="18" charset="0"/>
+                            <a:latin typeface="Calibri (גוף)"/>
                             <a:ea typeface="Times New Roman" panose="02020603050405020304" pitchFamily="18" charset="0"/>
                             <a:cs typeface="David" panose="020E0502060401010101" pitchFamily="34" charset="-79"/>
                           </a:rPr>
@@ -4031,7 +4031,7 @@
                     <a:solidFill>
                       <a:srgbClr val="2E2E2E"/>
                     </a:solidFill>
-                    <a:latin typeface="Georgia" panose="02040502050405020303" pitchFamily="18" charset="0"/>
+                    <a:latin typeface="Calibri (גוף)"/>
                     <a:ea typeface="Times New Roman" panose="02020603050405020304" pitchFamily="18" charset="0"/>
                     <a:cs typeface="Arial" panose="020B0604020202020204" pitchFamily="34" charset="0"/>
                   </a:rPr>
@@ -4042,14 +4042,14 @@
                     <a:solidFill>
                       <a:srgbClr val="2E2E2E"/>
                     </a:solidFill>
-                    <a:latin typeface="Georgia" panose="02040502050405020303" pitchFamily="18" charset="0"/>
+                    <a:latin typeface="Calibri (גוף)"/>
                     <a:ea typeface="Calibri" panose="020F0502020204030204" pitchFamily="34" charset="0"/>
                     <a:cs typeface="Arial" panose="020B0604020202020204" pitchFamily="34" charset="0"/>
                   </a:rPr>
                   <a:t>per pregnancy</a:t>
                 </a:r>
                 <a:endParaRPr lang="en-IL" sz="800" dirty="0">
-                  <a:latin typeface="Calibri" panose="020F0502020204030204" pitchFamily="34" charset="0"/>
+                  <a:latin typeface="Calibri (גוף)"/>
                   <a:ea typeface="Calibri" panose="020F0502020204030204" pitchFamily="34" charset="0"/>
                   <a:cs typeface="Arial" panose="020B0604020202020204" pitchFamily="34" charset="0"/>
                 </a:endParaRPr>
@@ -4067,7 +4067,7 @@
                         <a:solidFill>
                           <a:srgbClr val="008080"/>
                         </a:solidFill>
-                        <a:latin typeface="Cambria Math" panose="02040503050406030204" pitchFamily="18" charset="0"/>
+                        <a:latin typeface="Calibri (גוף)"/>
                         <a:ea typeface="Times New Roman" panose="02020603050405020304" pitchFamily="18" charset="0"/>
                         <a:cs typeface="Arial" panose="020B0604020202020204" pitchFamily="34" charset="0"/>
                       </a:rPr>
@@ -4078,7 +4078,7 @@
                         <a:solidFill>
                           <a:srgbClr val="008080"/>
                         </a:solidFill>
-                        <a:latin typeface="Cambria Math" panose="02040503050406030204" pitchFamily="18" charset="0"/>
+                        <a:latin typeface="Calibri (גוף)"/>
                         <a:ea typeface="Times New Roman" panose="02020603050405020304" pitchFamily="18" charset="0"/>
                         <a:cs typeface="Arial" panose="020B0604020202020204" pitchFamily="34" charset="0"/>
                       </a:rPr>
@@ -4091,14 +4091,14 @@
                     <a:solidFill>
                       <a:srgbClr val="2E2E2E"/>
                     </a:solidFill>
-                    <a:latin typeface="Georgia" panose="02040502050405020303" pitchFamily="18" charset="0"/>
+                    <a:latin typeface="Calibri (גוף)"/>
                     <a:ea typeface="Times New Roman" panose="02020603050405020304" pitchFamily="18" charset="0"/>
                     <a:cs typeface="Arial" panose="020B0604020202020204" pitchFamily="34" charset="0"/>
                   </a:rPr>
                   <a:t>- Number of swamps.</a:t>
                 </a:r>
                 <a:endParaRPr lang="en-IL" sz="800" dirty="0">
-                  <a:latin typeface="Calibri" panose="020F0502020204030204" pitchFamily="34" charset="0"/>
+                  <a:latin typeface="Calibri (גוף)"/>
                   <a:ea typeface="Calibri" panose="020F0502020204030204" pitchFamily="34" charset="0"/>
                   <a:cs typeface="Arial" panose="020B0604020202020204" pitchFamily="34" charset="0"/>
                 </a:endParaRPr>
@@ -4118,7 +4118,7 @@
                             <a:solidFill>
                               <a:srgbClr val="FF6699"/>
                             </a:solidFill>
-                            <a:latin typeface="Cambria Math" panose="02040503050406030204" pitchFamily="18" charset="0"/>
+                            <a:latin typeface="Calibri (גוף)"/>
                             <a:ea typeface="Times New Roman" panose="02020603050405020304" pitchFamily="18" charset="0"/>
                             <a:cs typeface="Arial" panose="020B0604020202020204" pitchFamily="34" charset="0"/>
                           </a:rPr>
@@ -4130,7 +4130,7 @@
                             <a:solidFill>
                               <a:srgbClr val="FF6699"/>
                             </a:solidFill>
-                            <a:latin typeface="Cambria Math" panose="02040503050406030204" pitchFamily="18" charset="0"/>
+                            <a:latin typeface="Calibri (גוף)"/>
                             <a:ea typeface="Times New Roman" panose="02020603050405020304" pitchFamily="18" charset="0"/>
                             <a:cs typeface="Arial" panose="020B0604020202020204" pitchFamily="34" charset="0"/>
                           </a:rPr>
@@ -4143,7 +4143,7 @@
                             <a:solidFill>
                               <a:srgbClr val="FF6699"/>
                             </a:solidFill>
-                            <a:latin typeface="Cambria Math" panose="02040503050406030204" pitchFamily="18" charset="0"/>
+                            <a:latin typeface="Calibri (גוף)"/>
                             <a:ea typeface="Times New Roman" panose="02020603050405020304" pitchFamily="18" charset="0"/>
                             <a:cs typeface="Arial" panose="020B0604020202020204" pitchFamily="34" charset="0"/>
                           </a:rPr>
@@ -4158,14 +4158,14 @@
                     <a:solidFill>
                       <a:srgbClr val="2E2E2E"/>
                     </a:solidFill>
-                    <a:latin typeface="Georgia" panose="02040502050405020303" pitchFamily="18" charset="0"/>
+                    <a:latin typeface="Calibri (גוף)"/>
                     <a:ea typeface="Times New Roman" panose="02020603050405020304" pitchFamily="18" charset="0"/>
                     <a:cs typeface="Arial" panose="020B0604020202020204" pitchFamily="34" charset="0"/>
                   </a:rPr>
                   <a:t> - Capacity of mosquitoes per swamp.</a:t>
                 </a:r>
                 <a:endParaRPr lang="en-IL" sz="800" dirty="0">
-                  <a:latin typeface="Calibri" panose="020F0502020204030204" pitchFamily="34" charset="0"/>
+                  <a:latin typeface="Calibri (גוף)"/>
                   <a:ea typeface="Calibri" panose="020F0502020204030204" pitchFamily="34" charset="0"/>
                   <a:cs typeface="Arial" panose="020B0604020202020204" pitchFamily="34" charset="0"/>
                 </a:endParaRPr>
@@ -4185,7 +4185,7 @@
                             <a:solidFill>
                               <a:srgbClr val="0000FF"/>
                             </a:solidFill>
-                            <a:latin typeface="Cambria Math" panose="02040503050406030204" pitchFamily="18" charset="0"/>
+                            <a:latin typeface="Calibri (גוף)"/>
                             <a:ea typeface="Times New Roman" panose="02020603050405020304" pitchFamily="18" charset="0"/>
                             <a:cs typeface="Arial" panose="020B0604020202020204" pitchFamily="34" charset="0"/>
                           </a:rPr>
@@ -4197,7 +4197,7 @@
                             <a:solidFill>
                               <a:srgbClr val="0000FF"/>
                             </a:solidFill>
-                            <a:latin typeface="Cambria Math" panose="02040503050406030204" pitchFamily="18" charset="0"/>
+                            <a:latin typeface="Calibri (גוף)"/>
                             <a:ea typeface="Times New Roman" panose="02020603050405020304" pitchFamily="18" charset="0"/>
                             <a:cs typeface="Arial" panose="020B0604020202020204" pitchFamily="34" charset="0"/>
                           </a:rPr>
@@ -4210,7 +4210,7 @@
                             <a:solidFill>
                               <a:srgbClr val="0000FF"/>
                             </a:solidFill>
-                            <a:latin typeface="Cambria Math" panose="02040503050406030204" pitchFamily="18" charset="0"/>
+                            <a:latin typeface="Calibri (גוף)"/>
                             <a:ea typeface="Times New Roman" panose="02020603050405020304" pitchFamily="18" charset="0"/>
                             <a:cs typeface="Arial" panose="020B0604020202020204" pitchFamily="34" charset="0"/>
                           </a:rPr>
@@ -4225,14 +4225,14 @@
                     <a:solidFill>
                       <a:srgbClr val="2E2E2E"/>
                     </a:solidFill>
-                    <a:latin typeface="Georgia" panose="02040502050405020303" pitchFamily="18" charset="0"/>
+                    <a:latin typeface="Calibri (גוף)"/>
                     <a:ea typeface="Times New Roman" panose="02020603050405020304" pitchFamily="18" charset="0"/>
                     <a:cs typeface="Arial" panose="020B0604020202020204" pitchFamily="34" charset="0"/>
                   </a:rPr>
                   <a:t> - Capacity of all mosquitoes at all swamps.</a:t>
                 </a:r>
                 <a:endParaRPr lang="en-IL" sz="800" dirty="0">
-                  <a:latin typeface="Calibri" panose="020F0502020204030204" pitchFamily="34" charset="0"/>
+                  <a:latin typeface="Calibri (גוף)"/>
                   <a:ea typeface="Calibri" panose="020F0502020204030204" pitchFamily="34" charset="0"/>
                   <a:cs typeface="Arial" panose="020B0604020202020204" pitchFamily="34" charset="0"/>
                 </a:endParaRPr>
@@ -4250,7 +4250,7 @@
                         <a:solidFill>
                           <a:srgbClr val="FF00FF"/>
                         </a:solidFill>
-                        <a:latin typeface="Cambria Math" panose="02040503050406030204" pitchFamily="18" charset="0"/>
+                        <a:latin typeface="Calibri (גוף)"/>
                         <a:ea typeface="Times New Roman" panose="02020603050405020304" pitchFamily="18" charset="0"/>
                         <a:cs typeface="David" panose="020E0502060401010101" pitchFamily="34" charset="-79"/>
                       </a:rPr>
@@ -4263,7 +4263,7 @@
                     <a:solidFill>
                       <a:srgbClr val="2E2E2E"/>
                     </a:solidFill>
-                    <a:latin typeface="Georgia" panose="02040502050405020303" pitchFamily="18" charset="0"/>
+                    <a:latin typeface="Calibri (גוף)"/>
                     <a:ea typeface="Times New Roman" panose="02020603050405020304" pitchFamily="18" charset="0"/>
                     <a:cs typeface="Arial" panose="020B0604020202020204" pitchFamily="34" charset="0"/>
                   </a:rPr>
@@ -4281,7 +4281,7 @@
                     <a:solidFill>
                       <a:srgbClr val="2E2E2E"/>
                     </a:solidFill>
-                    <a:latin typeface="Georgia" panose="02040502050405020303" pitchFamily="18" charset="0"/>
+                    <a:latin typeface="Calibri (גוף)"/>
                     <a:ea typeface="Times New Roman" panose="02020603050405020304" pitchFamily="18" charset="0"/>
                     <a:cs typeface="Arial" panose="020B0604020202020204" pitchFamily="34" charset="0"/>
                   </a:rPr>
@@ -4292,7 +4292,7 @@
                     <a:solidFill>
                       <a:srgbClr val="2E2E2E"/>
                     </a:solidFill>
-                    <a:latin typeface="Georgia" panose="02040502050405020303" pitchFamily="18" charset="0"/>
+                    <a:latin typeface="Calibri (גוף)"/>
                     <a:ea typeface="Calibri" panose="020F0502020204030204" pitchFamily="34" charset="0"/>
                     <a:cs typeface="Arial" panose="020B0604020202020204" pitchFamily="34" charset="0"/>
                   </a:rPr>
@@ -4303,14 +4303,14 @@
                     <a:solidFill>
                       <a:srgbClr val="2E2E2E"/>
                     </a:solidFill>
-                    <a:latin typeface="Georgia" panose="02040502050405020303" pitchFamily="18" charset="0"/>
+                    <a:latin typeface="Calibri (גוף)"/>
                     <a:ea typeface="Calibri" panose="020F0502020204030204" pitchFamily="34" charset="0"/>
                     <a:cs typeface="Arial" panose="020B0604020202020204" pitchFamily="34" charset="0"/>
                   </a:rPr>
                   <a:t>.</a:t>
                 </a:r>
                 <a:endParaRPr lang="en-IL" sz="800" dirty="0">
-                  <a:latin typeface="Calibri" panose="020F0502020204030204" pitchFamily="34" charset="0"/>
+                  <a:latin typeface="Calibri (גוף)"/>
                   <a:ea typeface="Calibri" panose="020F0502020204030204" pitchFamily="34" charset="0"/>
                   <a:cs typeface="Arial" panose="020B0604020202020204" pitchFamily="34" charset="0"/>
                 </a:endParaRPr>
@@ -4328,7 +4328,7 @@
                         <a:solidFill>
                           <a:srgbClr val="538135"/>
                         </a:solidFill>
-                        <a:latin typeface="Cambria Math" panose="02040503050406030204" pitchFamily="18" charset="0"/>
+                        <a:latin typeface="Calibri (גוף)"/>
                         <a:ea typeface="Times New Roman" panose="02020603050405020304" pitchFamily="18" charset="0"/>
                         <a:cs typeface="David" panose="020E0502060401010101" pitchFamily="34" charset="-79"/>
                       </a:rPr>
@@ -4341,7 +4341,7 @@
                             <a:solidFill>
                               <a:srgbClr val="538135"/>
                             </a:solidFill>
-                            <a:latin typeface="Cambria Math" panose="02040503050406030204" pitchFamily="18" charset="0"/>
+                            <a:latin typeface="Calibri (גוף)"/>
                             <a:ea typeface="Times New Roman" panose="02020603050405020304" pitchFamily="18" charset="0"/>
                             <a:cs typeface="David" panose="020E0502060401010101" pitchFamily="34" charset="-79"/>
                           </a:rPr>
@@ -4353,7 +4353,7 @@
                             <a:solidFill>
                               <a:srgbClr val="538135"/>
                             </a:solidFill>
-                            <a:latin typeface="Cambria Math" panose="02040503050406030204" pitchFamily="18" charset="0"/>
+                            <a:latin typeface="Calibri (גוף)"/>
                             <a:ea typeface="Times New Roman" panose="02020603050405020304" pitchFamily="18" charset="0"/>
                             <a:cs typeface="David" panose="020E0502060401010101" pitchFamily="34" charset="-79"/>
                           </a:rPr>
@@ -4366,7 +4366,7 @@
                         <a:solidFill>
                           <a:srgbClr val="538135"/>
                         </a:solidFill>
-                        <a:latin typeface="Cambria Math" panose="02040503050406030204" pitchFamily="18" charset="0"/>
+                        <a:latin typeface="Calibri (גוף)"/>
                         <a:ea typeface="Times New Roman" panose="02020603050405020304" pitchFamily="18" charset="0"/>
                         <a:cs typeface="David" panose="020E0502060401010101" pitchFamily="34" charset="-79"/>
                       </a:rPr>
@@ -4379,7 +4379,7 @@
                     <a:solidFill>
                       <a:srgbClr val="2E2E2E"/>
                     </a:solidFill>
-                    <a:latin typeface="Georgia" panose="02040502050405020303" pitchFamily="18" charset="0"/>
+                    <a:latin typeface="Calibri (גוף)"/>
                     <a:ea typeface="Times New Roman" panose="02020603050405020304" pitchFamily="18" charset="0"/>
                     <a:cs typeface="Arial" panose="020B0604020202020204" pitchFamily="34" charset="0"/>
                   </a:rPr>
@@ -4397,14 +4397,14 @@
                     <a:solidFill>
                       <a:srgbClr val="2E2E2E"/>
                     </a:solidFill>
-                    <a:latin typeface="Georgia" panose="02040502050405020303" pitchFamily="18" charset="0"/>
+                    <a:latin typeface="Calibri (גוף)"/>
                     <a:ea typeface="Times New Roman" panose="02020603050405020304" pitchFamily="18" charset="0"/>
                     <a:cs typeface="Arial" panose="020B0604020202020204" pitchFamily="34" charset="0"/>
                   </a:rPr>
                   <a:t>            swamp on a given day before dilution.</a:t>
                 </a:r>
                 <a:endParaRPr lang="en-IL" sz="800" dirty="0">
-                  <a:latin typeface="Calibri" panose="020F0502020204030204" pitchFamily="34" charset="0"/>
+                  <a:latin typeface="Calibri (גוף)"/>
                   <a:ea typeface="Calibri" panose="020F0502020204030204" pitchFamily="34" charset="0"/>
                   <a:cs typeface="Arial" panose="020B0604020202020204" pitchFamily="34" charset="0"/>
                 </a:endParaRPr>
@@ -4422,7 +4422,7 @@
                         <a:solidFill>
                           <a:srgbClr val="BF8F00"/>
                         </a:solidFill>
-                        <a:latin typeface="Cambria Math" panose="02040503050406030204" pitchFamily="18" charset="0"/>
+                        <a:latin typeface="Calibri (גוף)"/>
                         <a:ea typeface="Times New Roman" panose="02020603050405020304" pitchFamily="18" charset="0"/>
                         <a:cs typeface="David" panose="020E0502060401010101" pitchFamily="34" charset="-79"/>
                       </a:rPr>
@@ -4433,7 +4433,7 @@
                         <a:solidFill>
                           <a:srgbClr val="BF8F00"/>
                         </a:solidFill>
-                        <a:latin typeface="Cambria Math" panose="02040503050406030204" pitchFamily="18" charset="0"/>
+                        <a:latin typeface="Calibri (גוף)"/>
                         <a:ea typeface="Times New Roman" panose="02020603050405020304" pitchFamily="18" charset="0"/>
                         <a:cs typeface="David" panose="020E0502060401010101" pitchFamily="34" charset="-79"/>
                       </a:rPr>
@@ -4446,7 +4446,7 @@
                     <a:solidFill>
                       <a:srgbClr val="2E2E2E"/>
                     </a:solidFill>
-                    <a:latin typeface="Georgia" panose="02040502050405020303" pitchFamily="18" charset="0"/>
+                    <a:latin typeface="Calibri (גוף)"/>
                     <a:ea typeface="Times New Roman" panose="02020603050405020304" pitchFamily="18" charset="0"/>
                     <a:cs typeface="Arial" panose="020B0604020202020204" pitchFamily="34" charset="0"/>
                   </a:rPr>
@@ -4464,14 +4464,14 @@
                     <a:solidFill>
                       <a:srgbClr val="2E2E2E"/>
                     </a:solidFill>
-                    <a:latin typeface="Georgia" panose="02040502050405020303" pitchFamily="18" charset="0"/>
+                    <a:latin typeface="Calibri (גוף)"/>
                     <a:ea typeface="Times New Roman" panose="02020603050405020304" pitchFamily="18" charset="0"/>
                     <a:cs typeface="Arial" panose="020B0604020202020204" pitchFamily="34" charset="0"/>
                   </a:rPr>
                   <a:t>          before dilution.</a:t>
                 </a:r>
                 <a:endParaRPr lang="en-IL" sz="800" dirty="0">
-                  <a:latin typeface="Calibri" panose="020F0502020204030204" pitchFamily="34" charset="0"/>
+                  <a:latin typeface="Calibri (גוף)"/>
                   <a:ea typeface="Calibri" panose="020F0502020204030204" pitchFamily="34" charset="0"/>
                   <a:cs typeface="Arial" panose="020B0604020202020204" pitchFamily="34" charset="0"/>
                 </a:endParaRPr>
@@ -4489,7 +4489,7 @@
                         <a:solidFill>
                           <a:srgbClr val="C45911"/>
                         </a:solidFill>
-                        <a:latin typeface="Cambria Math" panose="02040503050406030204" pitchFamily="18" charset="0"/>
+                        <a:latin typeface="Calibri (גוף)"/>
                         <a:ea typeface="Times New Roman" panose="02020603050405020304" pitchFamily="18" charset="0"/>
                         <a:cs typeface="David" panose="020E0502060401010101" pitchFamily="34" charset="-79"/>
                       </a:rPr>
@@ -4502,33 +4502,11 @@
                     <a:solidFill>
                       <a:srgbClr val="2E2E2E"/>
                     </a:solidFill>
-                    <a:latin typeface="Georgia" panose="02040502050405020303" pitchFamily="18" charset="0"/>
+                    <a:latin typeface="Calibri (גוף)"/>
                     <a:ea typeface="Times New Roman" panose="02020603050405020304" pitchFamily="18" charset="0"/>
                     <a:cs typeface="Arial" panose="020B0604020202020204" pitchFamily="34" charset="0"/>
                   </a:rPr>
-                  <a:t> - Number of female mosquitoes that</a:t>
-                </a:r>
-                <a:r>
-                  <a:rPr lang="en-US" sz="800" dirty="0">
-                    <a:solidFill>
-                      <a:srgbClr val="2E2E2E"/>
-                    </a:solidFill>
-                    <a:latin typeface="Arial" panose="020B0604020202020204" pitchFamily="34" charset="0"/>
-                    <a:ea typeface="Times New Roman" panose="02020603050405020304" pitchFamily="18" charset="0"/>
-                    <a:cs typeface="Arial" panose="020B0604020202020204" pitchFamily="34" charset="0"/>
-                  </a:rPr>
-                  <a:t> </a:t>
-                </a:r>
-                <a:r>
-                  <a:rPr lang="en-US" sz="800" dirty="0">
-                    <a:solidFill>
-                      <a:srgbClr val="2E2E2E"/>
-                    </a:solidFill>
-                    <a:latin typeface="Georgia" panose="02040502050405020303" pitchFamily="18" charset="0"/>
-                    <a:ea typeface="Times New Roman" panose="02020603050405020304" pitchFamily="18" charset="0"/>
-                    <a:cs typeface="Arial" panose="020B0604020202020204" pitchFamily="34" charset="0"/>
-                  </a:rPr>
-                  <a:t>needed to be </a:t>
+                  <a:t> - Number of female mosquitoes that needed to be </a:t>
                 </a:r>
               </a:p>
               <a:p>
@@ -4542,14 +4520,14 @@
                     <a:solidFill>
                       <a:srgbClr val="2E2E2E"/>
                     </a:solidFill>
-                    <a:latin typeface="Georgia" panose="02040502050405020303" pitchFamily="18" charset="0"/>
+                    <a:latin typeface="Calibri (גוף)"/>
                     <a:ea typeface="Times New Roman" panose="02020603050405020304" pitchFamily="18" charset="0"/>
                     <a:cs typeface="Arial" panose="020B0604020202020204" pitchFamily="34" charset="0"/>
                   </a:rPr>
                   <a:t>      diluted in each day.</a:t>
                 </a:r>
                 <a:endParaRPr lang="en-IL" sz="800" dirty="0">
-                  <a:latin typeface="Calibri" panose="020F0502020204030204" pitchFamily="34" charset="0"/>
+                  <a:latin typeface="Calibri (גוף)"/>
                   <a:ea typeface="Calibri" panose="020F0502020204030204" pitchFamily="34" charset="0"/>
                   <a:cs typeface="Arial" panose="020B0604020202020204" pitchFamily="34" charset="0"/>
                 </a:endParaRPr>
@@ -4567,7 +4545,7 @@
                         <a:solidFill>
                           <a:srgbClr val="7030A0"/>
                         </a:solidFill>
-                        <a:latin typeface="Cambria Math" panose="02040503050406030204" pitchFamily="18" charset="0"/>
+                        <a:latin typeface="Calibri (גוף)"/>
                         <a:ea typeface="Times New Roman" panose="02020603050405020304" pitchFamily="18" charset="0"/>
                         <a:cs typeface="David" panose="020E0502060401010101" pitchFamily="34" charset="-79"/>
                       </a:rPr>
@@ -4578,7 +4556,7 @@
                         <a:solidFill>
                           <a:srgbClr val="7030A0"/>
                         </a:solidFill>
-                        <a:latin typeface="Cambria Math" panose="02040503050406030204" pitchFamily="18" charset="0"/>
+                        <a:latin typeface="Calibri (גוף)"/>
                         <a:ea typeface="Times New Roman" panose="02020603050405020304" pitchFamily="18" charset="0"/>
                         <a:cs typeface="David" panose="020E0502060401010101" pitchFamily="34" charset="-79"/>
                       </a:rPr>
@@ -4589,7 +4567,7 @@
                         <a:solidFill>
                           <a:srgbClr val="7030A0"/>
                         </a:solidFill>
-                        <a:latin typeface="Cambria Math" panose="02040503050406030204" pitchFamily="18" charset="0"/>
+                        <a:latin typeface="Calibri (גוף)"/>
                         <a:ea typeface="Times New Roman" panose="02020603050405020304" pitchFamily="18" charset="0"/>
                         <a:cs typeface="David" panose="020E0502060401010101" pitchFamily="34" charset="-79"/>
                       </a:rPr>
@@ -4600,7 +4578,7 @@
                         <a:solidFill>
                           <a:srgbClr val="7030A0"/>
                         </a:solidFill>
-                        <a:latin typeface="Cambria Math" panose="02040503050406030204" pitchFamily="18" charset="0"/>
+                        <a:latin typeface="Calibri (גוף)"/>
                         <a:ea typeface="Times New Roman" panose="02020603050405020304" pitchFamily="18" charset="0"/>
                         <a:cs typeface="David" panose="020E0502060401010101" pitchFamily="34" charset="-79"/>
                       </a:rPr>
@@ -4613,7 +4591,7 @@
                     <a:solidFill>
                       <a:srgbClr val="2E2E2E"/>
                     </a:solidFill>
-                    <a:latin typeface="Georgia" panose="02040502050405020303" pitchFamily="18" charset="0"/>
+                    <a:latin typeface="Calibri (גוף)"/>
                     <a:ea typeface="Times New Roman" panose="02020603050405020304" pitchFamily="18" charset="0"/>
                     <a:cs typeface="Arial" panose="020B0604020202020204" pitchFamily="34" charset="0"/>
                   </a:rPr>
@@ -4631,14 +4609,14 @@
                     <a:solidFill>
                       <a:srgbClr val="2E2E2E"/>
                     </a:solidFill>
-                    <a:latin typeface="Georgia" panose="02040502050405020303" pitchFamily="18" charset="0"/>
+                    <a:latin typeface="Calibri (גוף)"/>
                     <a:ea typeface="Times New Roman" panose="02020603050405020304" pitchFamily="18" charset="0"/>
                     <a:cs typeface="Arial" panose="020B0604020202020204" pitchFamily="34" charset="0"/>
                   </a:rPr>
                   <a:t>            swamp on a given day after dilution.</a:t>
                 </a:r>
                 <a:endParaRPr lang="en-IL" sz="800" dirty="0">
-                  <a:latin typeface="Calibri" panose="020F0502020204030204" pitchFamily="34" charset="0"/>
+                  <a:latin typeface="Calibri (גוף)"/>
                   <a:ea typeface="Calibri" panose="020F0502020204030204" pitchFamily="34" charset="0"/>
                   <a:cs typeface="Arial" panose="020B0604020202020204" pitchFamily="34" charset="0"/>
                 </a:endParaRPr>
@@ -4656,7 +4634,7 @@
                         <a:solidFill>
                           <a:srgbClr val="C00000"/>
                         </a:solidFill>
-                        <a:latin typeface="Cambria Math" panose="02040503050406030204" pitchFamily="18" charset="0"/>
+                        <a:latin typeface="Calibri (גוף)"/>
                         <a:ea typeface="Times New Roman" panose="02020603050405020304" pitchFamily="18" charset="0"/>
                         <a:cs typeface="David" panose="020E0502060401010101" pitchFamily="34" charset="-79"/>
                       </a:rPr>
@@ -4667,7 +4645,7 @@
                         <a:solidFill>
                           <a:srgbClr val="C00000"/>
                         </a:solidFill>
-                        <a:latin typeface="Cambria Math" panose="02040503050406030204" pitchFamily="18" charset="0"/>
+                        <a:latin typeface="Calibri (גוף)"/>
                         <a:ea typeface="Times New Roman" panose="02020603050405020304" pitchFamily="18" charset="0"/>
                         <a:cs typeface="David" panose="020E0502060401010101" pitchFamily="34" charset="-79"/>
                       </a:rPr>
@@ -4678,7 +4656,7 @@
                         <a:solidFill>
                           <a:srgbClr val="C00000"/>
                         </a:solidFill>
-                        <a:latin typeface="Cambria Math" panose="02040503050406030204" pitchFamily="18" charset="0"/>
+                        <a:latin typeface="Calibri (גוף)"/>
                         <a:ea typeface="Times New Roman" panose="02020603050405020304" pitchFamily="18" charset="0"/>
                         <a:cs typeface="David" panose="020E0502060401010101" pitchFamily="34" charset="-79"/>
                       </a:rPr>
@@ -4689,7 +4667,7 @@
                         <a:solidFill>
                           <a:srgbClr val="C00000"/>
                         </a:solidFill>
-                        <a:latin typeface="Cambria Math" panose="02040503050406030204" pitchFamily="18" charset="0"/>
+                        <a:latin typeface="Calibri (גוף)"/>
                         <a:ea typeface="Times New Roman" panose="02020603050405020304" pitchFamily="18" charset="0"/>
                         <a:cs typeface="David" panose="020E0502060401010101" pitchFamily="34" charset="-79"/>
                       </a:rPr>
@@ -4702,36 +4680,14 @@
                     <a:solidFill>
                       <a:srgbClr val="2E2E2E"/>
                     </a:solidFill>
-                    <a:latin typeface="Georgia" panose="02040502050405020303" pitchFamily="18" charset="0"/>
+                    <a:latin typeface="Calibri (גוף)"/>
                     <a:ea typeface="Times New Roman" panose="02020603050405020304" pitchFamily="18" charset="0"/>
                     <a:cs typeface="Arial" panose="020B0604020202020204" pitchFamily="34" charset="0"/>
                   </a:rPr>
-                  <a:t>- </a:t>
-                </a:r>
-                <a:r>
-                  <a:rPr lang="en-US" sz="800" b="1" dirty="0">
-                    <a:solidFill>
-                      <a:srgbClr val="2E2E2E"/>
-                    </a:solidFill>
-                    <a:latin typeface="Georgia" panose="02040502050405020303" pitchFamily="18" charset="0"/>
-                    <a:ea typeface="Times New Roman" panose="02020603050405020304" pitchFamily="18" charset="0"/>
-                    <a:cs typeface="Arial" panose="020B0604020202020204" pitchFamily="34" charset="0"/>
-                  </a:rPr>
-                  <a:t>Number</a:t>
-                </a:r>
-                <a:r>
-                  <a:rPr lang="en-US" sz="800" dirty="0">
-                    <a:solidFill>
-                      <a:srgbClr val="2E2E2E"/>
-                    </a:solidFill>
-                    <a:latin typeface="Georgia" panose="02040502050405020303" pitchFamily="18" charset="0"/>
-                    <a:ea typeface="Times New Roman" panose="02020603050405020304" pitchFamily="18" charset="0"/>
-                    <a:cs typeface="Arial" panose="020B0604020202020204" pitchFamily="34" charset="0"/>
-                  </a:rPr>
-                  <a:t> of mosquitoes on a given day.</a:t>
+                  <a:t> - Number of mosquitoes on a given day.</a:t>
                 </a:r>
                 <a:endParaRPr lang="en-IL" sz="800" dirty="0">
-                  <a:latin typeface="Calibri" panose="020F0502020204030204" pitchFamily="34" charset="0"/>
+                  <a:latin typeface="Calibri (גוף)"/>
                   <a:ea typeface="Calibri" panose="020F0502020204030204" pitchFamily="34" charset="0"/>
                   <a:cs typeface="Arial" panose="020B0604020202020204" pitchFamily="34" charset="0"/>
                 </a:endParaRPr>
@@ -4739,7 +4695,7 @@
             </p:txBody>
           </p:sp>
         </mc:Choice>
-        <mc:Fallback xmlns="">
+        <mc:Fallback>
           <p:sp>
             <p:nvSpPr>
               <p:cNvPr id="37" name="TextBox 36">
@@ -5021,7 +4977,7 @@
         </p:blipFill>
         <p:spPr>
           <a:xfrm>
-            <a:off x="2485697" y="7132968"/>
+            <a:off x="2453798" y="7122335"/>
             <a:ext cx="1106426" cy="993650"/>
           </a:xfrm>
           <a:prstGeom prst="rect">

--- a/poster.pptx
+++ b/poster.pptx
@@ -2988,7 +2988,7 @@
           </a:xfrm>
           <a:ln>
             <a:solidFill>
-              <a:srgbClr val="FF0000"/>
+              <a:schemeClr val="tx1"/>
             </a:solidFill>
           </a:ln>
         </p:spPr>
@@ -3013,27 +3013,8 @@
           <a:lstStyle/>
           <a:p>
             <a:pPr defTabSz="951583"/>
-            <a:r>
-              <a:rPr lang="en-US" sz="1307" b="1" dirty="0">
-                <a:solidFill>
-                  <a:srgbClr val="FF0000"/>
-                </a:solidFill>
-                <a:latin typeface="Calibri"/>
-                <a:cs typeface="Arial"/>
-              </a:rPr>
-              <a:t> [Poster Describe Research or Software Development Project]</a:t>
-            </a:r>
             <a:br>
-              <a:rPr lang="en-US" sz="1307" b="1" dirty="0">
-                <a:solidFill>
-                  <a:srgbClr val="FF0000"/>
-                </a:solidFill>
-                <a:latin typeface="Calibri"/>
-                <a:cs typeface="Arial"/>
-              </a:rPr>
-            </a:br>
-            <a:br>
-              <a:rPr lang="en-US" sz="1000" b="1" dirty="0">
+              <a:rPr lang="en-US" b="1" dirty="0">
                 <a:solidFill>
                   <a:schemeClr val="tx1"/>
                 </a:solidFill>
@@ -3548,7 +3529,7 @@
         </p:nvSpPr>
         <p:spPr>
           <a:xfrm>
-            <a:off x="5906531" y="223953"/>
+            <a:off x="5906531" y="278545"/>
             <a:ext cx="838800" cy="838800"/>
           </a:xfrm>
           <a:prstGeom prst="rect">
@@ -3735,8 +3716,8 @@
           </a:fontRef>
         </p:style>
       </p:cxnSp>
-      <mc:AlternateContent xmlns:mc="http://schemas.openxmlformats.org/markup-compatibility/2006">
-        <mc:Choice xmlns:a14="http://schemas.microsoft.com/office/drawing/2010/main" Requires="a14">
+      <mc:AlternateContent xmlns:mc="http://schemas.openxmlformats.org/markup-compatibility/2006" xmlns:a14="http://schemas.microsoft.com/office/drawing/2010/main">
+        <mc:Choice Requires="a14">
           <p:sp>
             <p:nvSpPr>
               <p:cNvPr id="37" name="TextBox 36">
@@ -3779,7 +3760,7 @@
                             <a:solidFill>
                               <a:srgbClr val="92D050"/>
                             </a:solidFill>
-                            <a:latin typeface="Calibri (גוף)"/>
+                            <a:latin typeface="Cambria Math" panose="02040503050406030204" pitchFamily="18" charset="0"/>
                             <a:ea typeface="Times New Roman" panose="02020603050405020304" pitchFamily="18" charset="0"/>
                             <a:cs typeface="David" panose="020E0502060401010101" pitchFamily="34" charset="-79"/>
                           </a:rPr>
@@ -3791,7 +3772,7 @@
                             <a:solidFill>
                               <a:srgbClr val="92D050"/>
                             </a:solidFill>
-                            <a:latin typeface="Calibri (גוף)"/>
+                            <a:latin typeface="Cambria Math" panose="02040503050406030204" pitchFamily="18" charset="0"/>
                             <a:ea typeface="Times New Roman" panose="02020603050405020304" pitchFamily="18" charset="0"/>
                             <a:cs typeface="David" panose="020E0502060401010101" pitchFamily="34" charset="-79"/>
                           </a:rPr>
@@ -3804,7 +3785,7 @@
                             <a:solidFill>
                               <a:srgbClr val="92D050"/>
                             </a:solidFill>
-                            <a:latin typeface="Calibri (גוף)"/>
+                            <a:latin typeface="Cambria Math" panose="02040503050406030204" pitchFamily="18" charset="0"/>
                             <a:ea typeface="Times New Roman" panose="02020603050405020304" pitchFamily="18" charset="0"/>
                             <a:cs typeface="David" panose="020E0502060401010101" pitchFamily="34" charset="-79"/>
                           </a:rPr>
@@ -3846,7 +3827,7 @@
                             <a:solidFill>
                               <a:srgbClr val="0070C0"/>
                             </a:solidFill>
-                            <a:latin typeface="Calibri (גוף)"/>
+                            <a:latin typeface="Cambria Math" panose="02040503050406030204" pitchFamily="18" charset="0"/>
                             <a:ea typeface="Times New Roman" panose="02020603050405020304" pitchFamily="18" charset="0"/>
                             <a:cs typeface="David" panose="020E0502060401010101" pitchFamily="34" charset="-79"/>
                           </a:rPr>
@@ -3858,7 +3839,7 @@
                             <a:solidFill>
                               <a:srgbClr val="0070C0"/>
                             </a:solidFill>
-                            <a:latin typeface="Calibri (גוף)"/>
+                            <a:latin typeface="Cambria Math" panose="02040503050406030204" pitchFamily="18" charset="0"/>
                             <a:ea typeface="Times New Roman" panose="02020603050405020304" pitchFamily="18" charset="0"/>
                             <a:cs typeface="David" panose="020E0502060401010101" pitchFamily="34" charset="-79"/>
                           </a:rPr>
@@ -3871,7 +3852,7 @@
                             <a:solidFill>
                               <a:srgbClr val="0070C0"/>
                             </a:solidFill>
-                            <a:latin typeface="Calibri (גוף)"/>
+                            <a:latin typeface="Cambria Math" panose="02040503050406030204" pitchFamily="18" charset="0"/>
                             <a:ea typeface="Times New Roman" panose="02020603050405020304" pitchFamily="18" charset="0"/>
                             <a:cs typeface="David" panose="020E0502060401010101" pitchFamily="34" charset="-79"/>
                           </a:rPr>
@@ -3924,7 +3905,7 @@
                             <a:solidFill>
                               <a:srgbClr val="1F4E79"/>
                             </a:solidFill>
-                            <a:latin typeface="Calibri (גוף)"/>
+                            <a:latin typeface="Cambria Math" panose="02040503050406030204" pitchFamily="18" charset="0"/>
                             <a:ea typeface="Times New Roman" panose="02020603050405020304" pitchFamily="18" charset="0"/>
                             <a:cs typeface="David" panose="020E0502060401010101" pitchFamily="34" charset="-79"/>
                           </a:rPr>
@@ -3936,7 +3917,7 @@
                             <a:solidFill>
                               <a:srgbClr val="1F4E79"/>
                             </a:solidFill>
-                            <a:latin typeface="Calibri (גוף)"/>
+                            <a:latin typeface="Cambria Math" panose="02040503050406030204" pitchFamily="18" charset="0"/>
                             <a:ea typeface="Times New Roman" panose="02020603050405020304" pitchFamily="18" charset="0"/>
                             <a:cs typeface="David" panose="020E0502060401010101" pitchFamily="34" charset="-79"/>
                           </a:rPr>
@@ -3949,7 +3930,7 @@
                             <a:solidFill>
                               <a:srgbClr val="1F4E79"/>
                             </a:solidFill>
-                            <a:latin typeface="Calibri (גוף)"/>
+                            <a:latin typeface="Cambria Math" panose="02040503050406030204" pitchFamily="18" charset="0"/>
                             <a:ea typeface="Times New Roman" panose="02020603050405020304" pitchFamily="18" charset="0"/>
                             <a:cs typeface="David" panose="020E0502060401010101" pitchFamily="34" charset="-79"/>
                           </a:rPr>
@@ -3991,7 +3972,7 @@
                             <a:solidFill>
                               <a:srgbClr val="00FF99"/>
                             </a:solidFill>
-                            <a:latin typeface="Calibri (גוף)"/>
+                            <a:latin typeface="Cambria Math" panose="02040503050406030204" pitchFamily="18" charset="0"/>
                             <a:ea typeface="Times New Roman" panose="02020603050405020304" pitchFamily="18" charset="0"/>
                             <a:cs typeface="David" panose="020E0502060401010101" pitchFamily="34" charset="-79"/>
                           </a:rPr>
@@ -4003,7 +3984,7 @@
                             <a:solidFill>
                               <a:srgbClr val="00FF99"/>
                             </a:solidFill>
-                            <a:latin typeface="Calibri (גוף)"/>
+                            <a:latin typeface="Cambria Math" panose="02040503050406030204" pitchFamily="18" charset="0"/>
                             <a:ea typeface="Times New Roman" panose="02020603050405020304" pitchFamily="18" charset="0"/>
                             <a:cs typeface="David" panose="020E0502060401010101" pitchFamily="34" charset="-79"/>
                           </a:rPr>
@@ -4016,7 +3997,7 @@
                             <a:solidFill>
                               <a:srgbClr val="00FF99"/>
                             </a:solidFill>
-                            <a:latin typeface="Calibri (גוף)"/>
+                            <a:latin typeface="Cambria Math" panose="02040503050406030204" pitchFamily="18" charset="0"/>
                             <a:ea typeface="Times New Roman" panose="02020603050405020304" pitchFamily="18" charset="0"/>
                             <a:cs typeface="David" panose="020E0502060401010101" pitchFamily="34" charset="-79"/>
                           </a:rPr>
@@ -4067,7 +4048,7 @@
                         <a:solidFill>
                           <a:srgbClr val="008080"/>
                         </a:solidFill>
-                        <a:latin typeface="Calibri (גוף)"/>
+                        <a:latin typeface="Cambria Math" panose="02040503050406030204" pitchFamily="18" charset="0"/>
                         <a:ea typeface="Times New Roman" panose="02020603050405020304" pitchFamily="18" charset="0"/>
                         <a:cs typeface="Arial" panose="020B0604020202020204" pitchFamily="34" charset="0"/>
                       </a:rPr>
@@ -4078,7 +4059,7 @@
                         <a:solidFill>
                           <a:srgbClr val="008080"/>
                         </a:solidFill>
-                        <a:latin typeface="Calibri (גוף)"/>
+                        <a:latin typeface="Cambria Math" panose="02040503050406030204" pitchFamily="18" charset="0"/>
                         <a:ea typeface="Times New Roman" panose="02020603050405020304" pitchFamily="18" charset="0"/>
                         <a:cs typeface="Arial" panose="020B0604020202020204" pitchFamily="34" charset="0"/>
                       </a:rPr>
@@ -4118,7 +4099,7 @@
                             <a:solidFill>
                               <a:srgbClr val="FF6699"/>
                             </a:solidFill>
-                            <a:latin typeface="Calibri (גוף)"/>
+                            <a:latin typeface="Cambria Math" panose="02040503050406030204" pitchFamily="18" charset="0"/>
                             <a:ea typeface="Times New Roman" panose="02020603050405020304" pitchFamily="18" charset="0"/>
                             <a:cs typeface="Arial" panose="020B0604020202020204" pitchFamily="34" charset="0"/>
                           </a:rPr>
@@ -4130,7 +4111,7 @@
                             <a:solidFill>
                               <a:srgbClr val="FF6699"/>
                             </a:solidFill>
-                            <a:latin typeface="Calibri (גוף)"/>
+                            <a:latin typeface="Cambria Math" panose="02040503050406030204" pitchFamily="18" charset="0"/>
                             <a:ea typeface="Times New Roman" panose="02020603050405020304" pitchFamily="18" charset="0"/>
                             <a:cs typeface="Arial" panose="020B0604020202020204" pitchFamily="34" charset="0"/>
                           </a:rPr>
@@ -4143,7 +4124,7 @@
                             <a:solidFill>
                               <a:srgbClr val="FF6699"/>
                             </a:solidFill>
-                            <a:latin typeface="Calibri (גוף)"/>
+                            <a:latin typeface="Cambria Math" panose="02040503050406030204" pitchFamily="18" charset="0"/>
                             <a:ea typeface="Times New Roman" panose="02020603050405020304" pitchFamily="18" charset="0"/>
                             <a:cs typeface="Arial" panose="020B0604020202020204" pitchFamily="34" charset="0"/>
                           </a:rPr>
@@ -4185,7 +4166,7 @@
                             <a:solidFill>
                               <a:srgbClr val="0000FF"/>
                             </a:solidFill>
-                            <a:latin typeface="Calibri (גוף)"/>
+                            <a:latin typeface="Cambria Math" panose="02040503050406030204" pitchFamily="18" charset="0"/>
                             <a:ea typeface="Times New Roman" panose="02020603050405020304" pitchFamily="18" charset="0"/>
                             <a:cs typeface="Arial" panose="020B0604020202020204" pitchFamily="34" charset="0"/>
                           </a:rPr>
@@ -4197,7 +4178,7 @@
                             <a:solidFill>
                               <a:srgbClr val="0000FF"/>
                             </a:solidFill>
-                            <a:latin typeface="Calibri (גוף)"/>
+                            <a:latin typeface="Cambria Math" panose="02040503050406030204" pitchFamily="18" charset="0"/>
                             <a:ea typeface="Times New Roman" panose="02020603050405020304" pitchFamily="18" charset="0"/>
                             <a:cs typeface="Arial" panose="020B0604020202020204" pitchFamily="34" charset="0"/>
                           </a:rPr>
@@ -4210,7 +4191,7 @@
                             <a:solidFill>
                               <a:srgbClr val="0000FF"/>
                             </a:solidFill>
-                            <a:latin typeface="Calibri (גוף)"/>
+                            <a:latin typeface="Cambria Math" panose="02040503050406030204" pitchFamily="18" charset="0"/>
                             <a:ea typeface="Times New Roman" panose="02020603050405020304" pitchFamily="18" charset="0"/>
                             <a:cs typeface="Arial" panose="020B0604020202020204" pitchFamily="34" charset="0"/>
                           </a:rPr>
@@ -4250,7 +4231,7 @@
                         <a:solidFill>
                           <a:srgbClr val="FF00FF"/>
                         </a:solidFill>
-                        <a:latin typeface="Calibri (גוף)"/>
+                        <a:latin typeface="Cambria Math" panose="02040503050406030204" pitchFamily="18" charset="0"/>
                         <a:ea typeface="Times New Roman" panose="02020603050405020304" pitchFamily="18" charset="0"/>
                         <a:cs typeface="David" panose="020E0502060401010101" pitchFamily="34" charset="-79"/>
                       </a:rPr>
@@ -4328,7 +4309,7 @@
                         <a:solidFill>
                           <a:srgbClr val="538135"/>
                         </a:solidFill>
-                        <a:latin typeface="Calibri (גוף)"/>
+                        <a:latin typeface="Cambria Math" panose="02040503050406030204" pitchFamily="18" charset="0"/>
                         <a:ea typeface="Times New Roman" panose="02020603050405020304" pitchFamily="18" charset="0"/>
                         <a:cs typeface="David" panose="020E0502060401010101" pitchFamily="34" charset="-79"/>
                       </a:rPr>
@@ -4341,7 +4322,7 @@
                             <a:solidFill>
                               <a:srgbClr val="538135"/>
                             </a:solidFill>
-                            <a:latin typeface="Calibri (גוף)"/>
+                            <a:latin typeface="Cambria Math" panose="02040503050406030204" pitchFamily="18" charset="0"/>
                             <a:ea typeface="Times New Roman" panose="02020603050405020304" pitchFamily="18" charset="0"/>
                             <a:cs typeface="David" panose="020E0502060401010101" pitchFamily="34" charset="-79"/>
                           </a:rPr>
@@ -4353,7 +4334,7 @@
                             <a:solidFill>
                               <a:srgbClr val="538135"/>
                             </a:solidFill>
-                            <a:latin typeface="Calibri (גוף)"/>
+                            <a:latin typeface="Cambria Math" panose="02040503050406030204" pitchFamily="18" charset="0"/>
                             <a:ea typeface="Times New Roman" panose="02020603050405020304" pitchFamily="18" charset="0"/>
                             <a:cs typeface="David" panose="020E0502060401010101" pitchFamily="34" charset="-79"/>
                           </a:rPr>
@@ -4366,7 +4347,7 @@
                         <a:solidFill>
                           <a:srgbClr val="538135"/>
                         </a:solidFill>
-                        <a:latin typeface="Calibri (גוף)"/>
+                        <a:latin typeface="Cambria Math" panose="02040503050406030204" pitchFamily="18" charset="0"/>
                         <a:ea typeface="Times New Roman" panose="02020603050405020304" pitchFamily="18" charset="0"/>
                         <a:cs typeface="David" panose="020E0502060401010101" pitchFamily="34" charset="-79"/>
                       </a:rPr>
@@ -4422,7 +4403,7 @@
                         <a:solidFill>
                           <a:srgbClr val="BF8F00"/>
                         </a:solidFill>
-                        <a:latin typeface="Calibri (גוף)"/>
+                        <a:latin typeface="Cambria Math" panose="02040503050406030204" pitchFamily="18" charset="0"/>
                         <a:ea typeface="Times New Roman" panose="02020603050405020304" pitchFamily="18" charset="0"/>
                         <a:cs typeface="David" panose="020E0502060401010101" pitchFamily="34" charset="-79"/>
                       </a:rPr>
@@ -4433,7 +4414,7 @@
                         <a:solidFill>
                           <a:srgbClr val="BF8F00"/>
                         </a:solidFill>
-                        <a:latin typeface="Calibri (גוף)"/>
+                        <a:latin typeface="Cambria Math" panose="02040503050406030204" pitchFamily="18" charset="0"/>
                         <a:ea typeface="Times New Roman" panose="02020603050405020304" pitchFamily="18" charset="0"/>
                         <a:cs typeface="David" panose="020E0502060401010101" pitchFamily="34" charset="-79"/>
                       </a:rPr>
@@ -4489,7 +4470,7 @@
                         <a:solidFill>
                           <a:srgbClr val="C45911"/>
                         </a:solidFill>
-                        <a:latin typeface="Calibri (גוף)"/>
+                        <a:latin typeface="Cambria Math" panose="02040503050406030204" pitchFamily="18" charset="0"/>
                         <a:ea typeface="Times New Roman" panose="02020603050405020304" pitchFamily="18" charset="0"/>
                         <a:cs typeface="David" panose="020E0502060401010101" pitchFamily="34" charset="-79"/>
                       </a:rPr>
@@ -4545,7 +4526,7 @@
                         <a:solidFill>
                           <a:srgbClr val="7030A0"/>
                         </a:solidFill>
-                        <a:latin typeface="Calibri (גוף)"/>
+                        <a:latin typeface="Cambria Math" panose="02040503050406030204" pitchFamily="18" charset="0"/>
                         <a:ea typeface="Times New Roman" panose="02020603050405020304" pitchFamily="18" charset="0"/>
                         <a:cs typeface="David" panose="020E0502060401010101" pitchFamily="34" charset="-79"/>
                       </a:rPr>
@@ -4556,7 +4537,7 @@
                         <a:solidFill>
                           <a:srgbClr val="7030A0"/>
                         </a:solidFill>
-                        <a:latin typeface="Calibri (גוף)"/>
+                        <a:latin typeface="Cambria Math" panose="02040503050406030204" pitchFamily="18" charset="0"/>
                         <a:ea typeface="Times New Roman" panose="02020603050405020304" pitchFamily="18" charset="0"/>
                         <a:cs typeface="David" panose="020E0502060401010101" pitchFamily="34" charset="-79"/>
                       </a:rPr>
@@ -4567,7 +4548,7 @@
                         <a:solidFill>
                           <a:srgbClr val="7030A0"/>
                         </a:solidFill>
-                        <a:latin typeface="Calibri (גוף)"/>
+                        <a:latin typeface="Cambria Math" panose="02040503050406030204" pitchFamily="18" charset="0"/>
                         <a:ea typeface="Times New Roman" panose="02020603050405020304" pitchFamily="18" charset="0"/>
                         <a:cs typeface="David" panose="020E0502060401010101" pitchFamily="34" charset="-79"/>
                       </a:rPr>
@@ -4578,7 +4559,7 @@
                         <a:solidFill>
                           <a:srgbClr val="7030A0"/>
                         </a:solidFill>
-                        <a:latin typeface="Calibri (גוף)"/>
+                        <a:latin typeface="Cambria Math" panose="02040503050406030204" pitchFamily="18" charset="0"/>
                         <a:ea typeface="Times New Roman" panose="02020603050405020304" pitchFamily="18" charset="0"/>
                         <a:cs typeface="David" panose="020E0502060401010101" pitchFamily="34" charset="-79"/>
                       </a:rPr>
@@ -4634,7 +4615,7 @@
                         <a:solidFill>
                           <a:srgbClr val="C00000"/>
                         </a:solidFill>
-                        <a:latin typeface="Calibri (גוף)"/>
+                        <a:latin typeface="Cambria Math" panose="02040503050406030204" pitchFamily="18" charset="0"/>
                         <a:ea typeface="Times New Roman" panose="02020603050405020304" pitchFamily="18" charset="0"/>
                         <a:cs typeface="David" panose="020E0502060401010101" pitchFamily="34" charset="-79"/>
                       </a:rPr>
@@ -4645,7 +4626,7 @@
                         <a:solidFill>
                           <a:srgbClr val="C00000"/>
                         </a:solidFill>
-                        <a:latin typeface="Calibri (גוף)"/>
+                        <a:latin typeface="Cambria Math" panose="02040503050406030204" pitchFamily="18" charset="0"/>
                         <a:ea typeface="Times New Roman" panose="02020603050405020304" pitchFamily="18" charset="0"/>
                         <a:cs typeface="David" panose="020E0502060401010101" pitchFamily="34" charset="-79"/>
                       </a:rPr>
@@ -4656,7 +4637,7 @@
                         <a:solidFill>
                           <a:srgbClr val="C00000"/>
                         </a:solidFill>
-                        <a:latin typeface="Calibri (גוף)"/>
+                        <a:latin typeface="Cambria Math" panose="02040503050406030204" pitchFamily="18" charset="0"/>
                         <a:ea typeface="Times New Roman" panose="02020603050405020304" pitchFamily="18" charset="0"/>
                         <a:cs typeface="David" panose="020E0502060401010101" pitchFamily="34" charset="-79"/>
                       </a:rPr>
@@ -4667,7 +4648,7 @@
                         <a:solidFill>
                           <a:srgbClr val="C00000"/>
                         </a:solidFill>
-                        <a:latin typeface="Calibri (גוף)"/>
+                        <a:latin typeface="Cambria Math" panose="02040503050406030204" pitchFamily="18" charset="0"/>
                         <a:ea typeface="Times New Roman" panose="02020603050405020304" pitchFamily="18" charset="0"/>
                         <a:cs typeface="David" panose="020E0502060401010101" pitchFamily="34" charset="-79"/>
                       </a:rPr>
@@ -4695,7 +4676,7 @@
             </p:txBody>
           </p:sp>
         </mc:Choice>
-        <mc:Fallback>
+        <mc:Fallback xmlns="">
           <p:sp>
             <p:nvSpPr>
               <p:cNvPr id="37" name="TextBox 36">
@@ -4817,44 +4798,10 @@
             <a:pPr algn="ctr">
               <a:defRPr/>
             </a:pPr>
-            <a:r>
-              <a:rPr lang="en-US" sz="800" b="1" dirty="0"/>
-              <a:t>7. Plotted Graph</a:t>
-            </a:r>
             <a:endParaRPr lang="he-IL" sz="800" b="1" dirty="0"/>
           </a:p>
         </p:txBody>
       </p:sp>
-      <p:pic>
-        <p:nvPicPr>
-          <p:cNvPr id="27" name="Picture 7">
-            <a:extLst>
-              <a:ext uri="{FF2B5EF4-FFF2-40B4-BE49-F238E27FC236}">
-                <a16:creationId xmlns:a16="http://schemas.microsoft.com/office/drawing/2014/main" id="{61E79949-44D5-41AB-97C4-4CE3D01A80C3}"/>
-              </a:ext>
-            </a:extLst>
-          </p:cNvPr>
-          <p:cNvPicPr>
-            <a:picLocks noChangeAspect="1"/>
-          </p:cNvPicPr>
-          <p:nvPr/>
-        </p:nvPicPr>
-        <p:blipFill>
-          <a:blip r:embed="rId4"/>
-          <a:stretch>
-            <a:fillRect/>
-          </a:stretch>
-        </p:blipFill>
-        <p:spPr>
-          <a:xfrm>
-            <a:off x="888432" y="8526797"/>
-            <a:ext cx="1732280" cy="1311867"/>
-          </a:xfrm>
-          <a:prstGeom prst="rect">
-            <a:avLst/>
-          </a:prstGeom>
-        </p:spPr>
-      </p:pic>
       <p:sp>
         <p:nvSpPr>
           <p:cNvPr id="28" name="Rounded Rectangle 6">
@@ -4904,7 +4851,7 @@
             </a:pPr>
             <a:r>
               <a:rPr lang="en-US" sz="800" b="1" dirty="0"/>
-              <a:t>8. GitHub</a:t>
+              <a:t>More Info</a:t>
             </a:r>
             <a:endParaRPr lang="he-IL" sz="800" b="1" dirty="0"/>
           </a:p>
@@ -4925,7 +4872,7 @@
           <p:nvPr/>
         </p:nvPicPr>
         <p:blipFill>
-          <a:blip r:embed="rId5">
+          <a:blip r:embed="rId4">
             <a:extLst>
               <a:ext uri="{28A0092B-C50C-407E-A947-70E740481C1C}">
                 <a14:useLocalDpi xmlns:a14="http://schemas.microsoft.com/office/drawing/2010/main" val="0"/>
@@ -4938,7 +4885,7 @@
         </p:blipFill>
         <p:spPr>
           <a:xfrm>
-            <a:off x="239819" y="218108"/>
+            <a:off x="239819" y="286348"/>
             <a:ext cx="839681" cy="839681"/>
           </a:xfrm>
           <a:prstGeom prst="rect">
@@ -4964,7 +4911,7 @@
           <p:nvPr/>
         </p:nvPicPr>
         <p:blipFill>
-          <a:blip r:embed="rId6">
+          <a:blip r:embed="rId5">
             <a:extLst>
               <a:ext uri="{28A0092B-C50C-407E-A947-70E740481C1C}">
                 <a14:useLocalDpi xmlns:a14="http://schemas.microsoft.com/office/drawing/2010/main" val="0"/>
@@ -5000,7 +4947,7 @@
           <p:nvPr/>
         </p:nvPicPr>
         <p:blipFill>
-          <a:blip r:embed="rId7">
+          <a:blip r:embed="rId6">
             <a:extLst>
               <a:ext uri="{28A0092B-C50C-407E-A947-70E740481C1C}">
                 <a14:useLocalDpi xmlns:a14="http://schemas.microsoft.com/office/drawing/2010/main" val="0"/>
@@ -5015,6 +4962,175 @@
           <a:xfrm>
             <a:off x="2580957" y="1852720"/>
             <a:ext cx="387097" cy="838202"/>
+          </a:xfrm>
+          <a:prstGeom prst="rect">
+            <a:avLst/>
+          </a:prstGeom>
+        </p:spPr>
+      </p:pic>
+      <p:pic>
+        <p:nvPicPr>
+          <p:cNvPr id="8" name="תמונה 7">
+            <a:extLst>
+              <a:ext uri="{FF2B5EF4-FFF2-40B4-BE49-F238E27FC236}">
+                <a16:creationId xmlns:a16="http://schemas.microsoft.com/office/drawing/2014/main" id="{BCDAB4EE-3D02-4131-AFB9-CEC13013A68C}"/>
+              </a:ext>
+            </a:extLst>
+          </p:cNvPr>
+          <p:cNvPicPr>
+            <a:picLocks noChangeAspect="1"/>
+          </p:cNvPicPr>
+          <p:nvPr/>
+        </p:nvPicPr>
+        <p:blipFill>
+          <a:blip r:embed="rId7">
+            <a:extLst>
+              <a:ext uri="{28A0092B-C50C-407E-A947-70E740481C1C}">
+                <a14:useLocalDpi xmlns:a14="http://schemas.microsoft.com/office/drawing/2010/main" val="0"/>
+              </a:ext>
+            </a:extLst>
+          </a:blip>
+          <a:stretch>
+            <a:fillRect/>
+          </a:stretch>
+        </p:blipFill>
+        <p:spPr>
+          <a:xfrm>
+            <a:off x="5372006" y="8721717"/>
+            <a:ext cx="922026" cy="922026"/>
+          </a:xfrm>
+          <a:prstGeom prst="rect">
+            <a:avLst/>
+          </a:prstGeom>
+          <a:ln w="12700">
+            <a:solidFill>
+              <a:schemeClr val="tx1"/>
+            </a:solidFill>
+          </a:ln>
+        </p:spPr>
+      </p:pic>
+      <p:pic>
+        <p:nvPicPr>
+          <p:cNvPr id="14" name="תמונה 13">
+            <a:extLst>
+              <a:ext uri="{FF2B5EF4-FFF2-40B4-BE49-F238E27FC236}">
+                <a16:creationId xmlns:a16="http://schemas.microsoft.com/office/drawing/2014/main" id="{E5E0C994-192A-473D-8A9A-5CC51774F512}"/>
+              </a:ext>
+            </a:extLst>
+          </p:cNvPr>
+          <p:cNvPicPr>
+            <a:picLocks noChangeAspect="1"/>
+          </p:cNvPicPr>
+          <p:nvPr/>
+        </p:nvPicPr>
+        <p:blipFill>
+          <a:blip r:embed="rId8">
+            <a:extLst>
+              <a:ext uri="{BEBA8EAE-BF5A-486C-A8C5-ECC9F3942E4B}">
+                <a14:imgProps xmlns:a14="http://schemas.microsoft.com/office/drawing/2010/main">
+                  <a14:imgLayer r:embed="rId9">
+                    <a14:imgEffect>
+                      <a14:saturation sat="85000"/>
+                    </a14:imgEffect>
+                  </a14:imgLayer>
+                </a14:imgProps>
+              </a:ext>
+              <a:ext uri="{28A0092B-C50C-407E-A947-70E740481C1C}">
+                <a14:useLocalDpi xmlns:a14="http://schemas.microsoft.com/office/drawing/2010/main" val="0"/>
+              </a:ext>
+            </a:extLst>
+          </a:blip>
+          <a:stretch>
+            <a:fillRect/>
+          </a:stretch>
+        </p:blipFill>
+        <p:spPr>
+          <a:xfrm>
+            <a:off x="3946848" y="8721718"/>
+            <a:ext cx="1121178" cy="942395"/>
+          </a:xfrm>
+          <a:prstGeom prst="rect">
+            <a:avLst/>
+          </a:prstGeom>
+          <a:ln w="3175">
+            <a:solidFill>
+              <a:schemeClr val="tx1"/>
+            </a:solidFill>
+          </a:ln>
+          <a:effectLst>
+            <a:reflection blurRad="88900" stA="75000" endPos="7000" dir="5400000" sy="-100000" algn="bl" rotWithShape="0"/>
+            <a:softEdge rad="12700"/>
+          </a:effectLst>
+        </p:spPr>
+      </p:pic>
+      <p:cxnSp>
+        <p:nvCxnSpPr>
+          <p:cNvPr id="25" name="Straight Connector 32">
+            <a:extLst>
+              <a:ext uri="{FF2B5EF4-FFF2-40B4-BE49-F238E27FC236}">
+                <a16:creationId xmlns:a16="http://schemas.microsoft.com/office/drawing/2014/main" id="{A7611768-9138-4D9B-987C-5128BB5310E6}"/>
+              </a:ext>
+            </a:extLst>
+          </p:cNvPr>
+          <p:cNvCxnSpPr>
+            <a:cxnSpLocks/>
+          </p:cNvCxnSpPr>
+          <p:nvPr/>
+        </p:nvCxnSpPr>
+        <p:spPr>
+          <a:xfrm>
+            <a:off x="5212829" y="8721717"/>
+            <a:ext cx="0" cy="922026"/>
+          </a:xfrm>
+          <a:prstGeom prst="line">
+            <a:avLst/>
+          </a:prstGeom>
+        </p:spPr>
+        <p:style>
+          <a:lnRef idx="1">
+            <a:schemeClr val="dk1"/>
+          </a:lnRef>
+          <a:fillRef idx="0">
+            <a:schemeClr val="dk1"/>
+          </a:fillRef>
+          <a:effectRef idx="0">
+            <a:schemeClr val="dk1"/>
+          </a:effectRef>
+          <a:fontRef idx="minor">
+            <a:schemeClr val="tx1"/>
+          </a:fontRef>
+        </p:style>
+      </p:cxnSp>
+      <p:pic>
+        <p:nvPicPr>
+          <p:cNvPr id="22" name="תמונה 21">
+            <a:extLst>
+              <a:ext uri="{FF2B5EF4-FFF2-40B4-BE49-F238E27FC236}">
+                <a16:creationId xmlns:a16="http://schemas.microsoft.com/office/drawing/2014/main" id="{86CA3171-D34D-4ECD-8ED3-BBE5B9BF30E0}"/>
+              </a:ext>
+            </a:extLst>
+          </p:cNvPr>
+          <p:cNvPicPr>
+            <a:picLocks noChangeAspect="1"/>
+          </p:cNvPicPr>
+          <p:nvPr/>
+        </p:nvPicPr>
+        <p:blipFill>
+          <a:blip r:embed="rId10">
+            <a:extLst>
+              <a:ext uri="{28A0092B-C50C-407E-A947-70E740481C1C}">
+                <a14:useLocalDpi xmlns:a14="http://schemas.microsoft.com/office/drawing/2010/main" val="0"/>
+              </a:ext>
+            </a:extLst>
+          </a:blip>
+          <a:stretch>
+            <a:fillRect/>
+          </a:stretch>
+        </p:blipFill>
+        <p:spPr>
+          <a:xfrm>
+            <a:off x="819325" y="8450825"/>
+            <a:ext cx="1866709" cy="1329672"/>
           </a:xfrm>
           <a:prstGeom prst="rect">
             <a:avLst/>

--- a/poster.pptx
+++ b/poster.pptx
@@ -5058,7 +5058,6 @@
             </a:solidFill>
           </a:ln>
           <a:effectLst>
-            <a:reflection blurRad="88900" stA="75000" endPos="7000" dir="5400000" sy="-100000" algn="bl" rotWithShape="0"/>
             <a:softEdge rad="12700"/>
           </a:effectLst>
         </p:spPr>

--- a/poster.pptx
+++ b/poster.pptx
@@ -2984,12 +2984,13 @@
         <p:spPr>
           <a:xfrm>
             <a:off x="1" y="0"/>
-            <a:ext cx="6857999" cy="1283749"/>
+            <a:ext cx="6858000" cy="1261074"/>
           </a:xfrm>
-          <a:ln>
-            <a:solidFill>
-              <a:schemeClr val="tx1"/>
-            </a:solidFill>
+          <a:solidFill>
+            <a:srgbClr val="AE6548"/>
+          </a:solidFill>
+          <a:ln w="9525">
+            <a:noFill/>
           </a:ln>
         </p:spPr>
         <p:style>
@@ -3008,76 +3009,115 @@
         </p:style>
         <p:txBody>
           <a:bodyPr>
-            <a:normAutofit/>
+            <a:normAutofit fontScale="92500" lnSpcReduction="10000"/>
           </a:bodyPr>
           <a:lstStyle/>
           <a:p>
             <a:pPr defTabSz="951583"/>
             <a:br>
-              <a:rPr lang="en-US" b="1" dirty="0">
+              <a:rPr lang="en-US" sz="2400" b="1" dirty="0">
                 <a:solidFill>
-                  <a:schemeClr val="tx1"/>
+                  <a:schemeClr val="bg1"/>
                 </a:solidFill>
                 <a:latin typeface="Calibri"/>
                 <a:cs typeface="Arial"/>
               </a:rPr>
             </a:br>
             <a:r>
-              <a:rPr lang="en-US" b="1" u="sng" dirty="0">
+              <a:rPr lang="en-US" sz="2400" b="1" u="sng" dirty="0">
                 <a:solidFill>
-                  <a:schemeClr val="tx1"/>
+                  <a:schemeClr val="bg1"/>
                 </a:solidFill>
+                <a:effectLst>
+                  <a:outerShdw blurRad="38100" dist="38100" dir="2700000" algn="tl">
+                    <a:srgbClr val="000000">
+                      <a:alpha val="43137"/>
+                    </a:srgbClr>
+                  </a:outerShdw>
+                </a:effectLst>
                 <a:cs typeface="Arial"/>
               </a:rPr>
               <a:t>Malaria Prediction Model</a:t>
             </a:r>
-            <a:br>
-              <a:rPr lang="en-US" sz="100" b="1" dirty="0">
+          </a:p>
+          <a:p>
+            <a:pPr defTabSz="951583">
+              <a:spcBef>
+                <a:spcPts val="200"/>
+              </a:spcBef>
+              <a:spcAft>
+                <a:spcPts val="200"/>
+              </a:spcAft>
+            </a:pPr>
+            <a:r>
+              <a:rPr lang="en-US" sz="1400" b="1" dirty="0">
                 <a:solidFill>
-                  <a:schemeClr val="tx1"/>
+                  <a:schemeClr val="bg1"/>
                 </a:solidFill>
-                <a:cs typeface="Arial"/>
-              </a:rPr>
-            </a:br>
-            <a:r>
-              <a:rPr lang="en-US" sz="1100" b="1" dirty="0">
-                <a:solidFill>
-                  <a:schemeClr val="tx1"/>
-                </a:solidFill>
+                <a:effectLst>
+                  <a:outerShdw blurRad="38100" dist="38100" dir="2700000" algn="tl">
+                    <a:srgbClr val="000000">
+                      <a:alpha val="43137"/>
+                    </a:srgbClr>
+                  </a:outerShdw>
+                </a:effectLst>
                 <a:cs typeface="Arial"/>
               </a:rPr>
               <a:t>Almog Jakov, Itay Rafee and Neta Roth</a:t>
             </a:r>
-            <a:br>
-              <a:rPr lang="en-US" sz="1100" b="1" dirty="0">
+          </a:p>
+          <a:p>
+            <a:pPr defTabSz="951583">
+              <a:spcBef>
+                <a:spcPts val="200"/>
+              </a:spcBef>
+              <a:spcAft>
+                <a:spcPts val="200"/>
+              </a:spcAft>
+            </a:pPr>
+            <a:r>
+              <a:rPr lang="en-US" sz="1400" b="1" dirty="0">
                 <a:solidFill>
-                  <a:schemeClr val="tx1"/>
+                  <a:schemeClr val="bg1"/>
                 </a:solidFill>
-                <a:cs typeface="Arial"/>
-              </a:rPr>
-            </a:br>
-            <a:r>
-              <a:rPr lang="en-US" sz="1100" b="1" dirty="0">
-                <a:solidFill>
-                  <a:schemeClr val="tx1"/>
-                </a:solidFill>
+                <a:effectLst>
+                  <a:outerShdw blurRad="38100" dist="38100" dir="2700000" algn="tl">
+                    <a:srgbClr val="000000">
+                      <a:alpha val="43137"/>
+                    </a:srgbClr>
+                  </a:outerShdw>
+                </a:effectLst>
                 <a:cs typeface="Arial"/>
               </a:rPr>
               <a:t>Elizabeth Itzkovich</a:t>
             </a:r>
             <a:br>
-              <a:rPr lang="en-US" sz="1307" b="1" dirty="0">
+              <a:rPr lang="en-US" sz="1600" b="1" dirty="0">
                 <a:solidFill>
-                  <a:srgbClr val="FF0000"/>
+                  <a:schemeClr val="bg1"/>
                 </a:solidFill>
+                <a:effectLst>
+                  <a:outerShdw blurRad="38100" dist="38100" dir="2700000" algn="tl">
+                    <a:srgbClr val="000000">
+                      <a:alpha val="43137"/>
+                    </a:srgbClr>
+                  </a:outerShdw>
+                </a:effectLst>
                 <a:latin typeface="Calibri"/>
                 <a:cs typeface="Arial"/>
               </a:rPr>
             </a:br>
-            <a:endParaRPr lang="he-IL" sz="1307" b="1" dirty="0">
+            <a:endParaRPr lang="he-IL" sz="1600" b="1" dirty="0">
               <a:solidFill>
-                <a:srgbClr val="FF0000"/>
+                <a:schemeClr val="bg1"/>
               </a:solidFill>
+              <a:effectLst>
+                <a:outerShdw blurRad="38100" dist="38100" dir="2700000" algn="tl">
+                  <a:srgbClr val="000000">
+                    <a:alpha val="43137"/>
+                  </a:srgbClr>
+                </a:outerShdw>
+              </a:effectLst>
               <a:latin typeface="Calibri"/>
               <a:cs typeface="Arial"/>
             </a:endParaRPr>
@@ -3570,110 +3610,25 @@
           <a:p>
             <a:pPr algn="ctr"/>
             <a:r>
-              <a:rPr lang="he-IL" sz="2400" dirty="0"/>
-              <a:t>42</a:t>
-            </a:r>
-            <a:endParaRPr lang="en-US" sz="2400" dirty="0"/>
-          </a:p>
-        </p:txBody>
-      </p:sp>
-      <p:sp>
-        <p:nvSpPr>
-          <p:cNvPr id="4" name="Rectangle 1">
-            <a:extLst>
-              <a:ext uri="{FF2B5EF4-FFF2-40B4-BE49-F238E27FC236}">
-                <a16:creationId xmlns:a16="http://schemas.microsoft.com/office/drawing/2014/main" id="{9E8AFAD1-9C8E-AA66-1E90-8E0F2038E740}"/>
-              </a:ext>
-            </a:extLst>
-          </p:cNvPr>
-          <p:cNvSpPr>
-            <a:spLocks noChangeArrowheads="1"/>
-          </p:cNvSpPr>
-          <p:nvPr/>
-        </p:nvSpPr>
-        <p:spPr bwMode="auto">
-          <a:xfrm>
-            <a:off x="0" y="217052"/>
-            <a:ext cx="11222" cy="23095"/>
-          </a:xfrm>
-          <a:prstGeom prst="rect">
-            <a:avLst/>
-          </a:prstGeom>
-          <a:solidFill>
-            <a:srgbClr val="303134"/>
-          </a:solidFill>
-          <a:ln>
-            <a:noFill/>
-          </a:ln>
-          <a:effectLst/>
-          <a:extLst>
-            <a:ext uri="{91240B29-F687-4F45-9708-019B960494DF}">
-              <a14:hiddenLine xmlns:a14="http://schemas.microsoft.com/office/drawing/2010/main" w="9525">
-                <a:solidFill>
-                  <a:schemeClr val="tx1"/>
-                </a:solidFill>
-                <a:miter lim="800000"/>
-                <a:headEnd/>
-                <a:tailEnd/>
-              </a14:hiddenLine>
-            </a:ext>
-            <a:ext uri="{AF507438-7753-43E0-B8FC-AC1667EBCBE1}">
-              <a14:hiddenEffects xmlns:a14="http://schemas.microsoft.com/office/drawing/2010/main">
+              <a:rPr lang="he-IL" sz="2400" dirty="0">
                 <a:effectLst>
-                  <a:outerShdw dist="35921" dir="2700000" algn="ctr" rotWithShape="0">
-                    <a:schemeClr val="bg2"/>
+                  <a:outerShdw blurRad="38100" dist="38100" dir="2700000" algn="tl">
+                    <a:srgbClr val="000000">
+                      <a:alpha val="43137"/>
+                    </a:srgbClr>
                   </a:outerShdw>
                 </a:effectLst>
-              </a14:hiddenEffects>
-            </a:ext>
-          </a:extLst>
-        </p:spPr>
-        <p:txBody>
-          <a:bodyPr vert="horz" wrap="none" lIns="0" tIns="-19044" rIns="0" bIns="-19044" numCol="1" anchor="ctr" anchorCtr="0" compatLnSpc="1">
-            <a:prstTxWarp prst="textNoShape">
-              <a:avLst/>
-            </a:prstTxWarp>
-            <a:spAutoFit/>
-          </a:bodyPr>
-          <a:lstStyle/>
-          <a:p>
-            <a:pPr marL="0" marR="0" lvl="0" indent="0" algn="l" defTabSz="914400" rtl="0" eaLnBrk="0" fontAlgn="base" latinLnBrk="0" hangingPunct="0">
-              <a:lnSpc>
-                <a:spcPct val="100000"/>
-              </a:lnSpc>
-              <a:spcBef>
-                <a:spcPct val="0"/>
-              </a:spcBef>
-              <a:spcAft>
-                <a:spcPct val="0"/>
-              </a:spcAft>
-              <a:buClrTx/>
-              <a:buSzTx/>
-              <a:buFontTx/>
-              <a:buNone/>
-              <a:tabLst/>
-            </a:pPr>
-            <a:r>
-              <a:rPr kumimoji="0" lang="LID4096" altLang="LID4096" sz="400" b="0" i="0" u="none" strike="noStrike" cap="none" normalizeH="0" baseline="0" dirty="0">
-                <a:ln>
-                  <a:noFill/>
-                </a:ln>
-                <a:solidFill>
-                  <a:schemeClr val="tx1"/>
-                </a:solidFill>
-                <a:effectLst/>
               </a:rPr>
-              <a:t> </a:t>
-            </a:r>
-            <a:endParaRPr kumimoji="0" lang="LID4096" altLang="LID4096" sz="1800" b="0" i="0" u="none" strike="noStrike" cap="none" normalizeH="0" baseline="0" dirty="0">
-              <a:ln>
-                <a:noFill/>
-              </a:ln>
-              <a:solidFill>
-                <a:schemeClr val="tx1"/>
-              </a:solidFill>
-              <a:effectLst/>
-              <a:latin typeface="Arial" panose="020B0604020202020204" pitchFamily="34" charset="0"/>
+              <a:t>42</a:t>
+            </a:r>
+            <a:endParaRPr lang="en-US" sz="2400" dirty="0">
+              <a:effectLst>
+                <a:outerShdw blurRad="38100" dist="38100" dir="2700000" algn="tl">
+                  <a:srgbClr val="000000">
+                    <a:alpha val="43137"/>
+                  </a:srgbClr>
+                </a:outerShdw>
+              </a:effectLst>
             </a:endParaRPr>
           </a:p>
         </p:txBody>
@@ -4859,45 +4814,6 @@
       </p:sp>
       <p:pic>
         <p:nvPicPr>
-          <p:cNvPr id="11" name="תמונה 10">
-            <a:extLst>
-              <a:ext uri="{FF2B5EF4-FFF2-40B4-BE49-F238E27FC236}">
-                <a16:creationId xmlns:a16="http://schemas.microsoft.com/office/drawing/2014/main" id="{9EFAE8E0-3100-46D0-BEED-5162214438B6}"/>
-              </a:ext>
-            </a:extLst>
-          </p:cNvPr>
-          <p:cNvPicPr>
-            <a:picLocks noChangeAspect="1"/>
-          </p:cNvPicPr>
-          <p:nvPr/>
-        </p:nvPicPr>
-        <p:blipFill>
-          <a:blip r:embed="rId4">
-            <a:extLst>
-              <a:ext uri="{28A0092B-C50C-407E-A947-70E740481C1C}">
-                <a14:useLocalDpi xmlns:a14="http://schemas.microsoft.com/office/drawing/2010/main" val="0"/>
-              </a:ext>
-            </a:extLst>
-          </a:blip>
-          <a:stretch>
-            <a:fillRect/>
-          </a:stretch>
-        </p:blipFill>
-        <p:spPr>
-          <a:xfrm>
-            <a:off x="239819" y="286348"/>
-            <a:ext cx="839681" cy="839681"/>
-          </a:xfrm>
-          <a:prstGeom prst="rect">
-            <a:avLst/>
-          </a:prstGeom>
-          <a:ln w="12700">
-            <a:noFill/>
-          </a:ln>
-        </p:spPr>
-      </p:pic>
-      <p:pic>
-        <p:nvPicPr>
           <p:cNvPr id="9" name="תמונה 8">
             <a:extLst>
               <a:ext uri="{FF2B5EF4-FFF2-40B4-BE49-F238E27FC236}">
@@ -4911,7 +4827,7 @@
           <p:nvPr/>
         </p:nvPicPr>
         <p:blipFill>
-          <a:blip r:embed="rId5">
+          <a:blip r:embed="rId4">
             <a:extLst>
               <a:ext uri="{28A0092B-C50C-407E-A947-70E740481C1C}">
                 <a14:useLocalDpi xmlns:a14="http://schemas.microsoft.com/office/drawing/2010/main" val="0"/>
@@ -4947,7 +4863,7 @@
           <p:nvPr/>
         </p:nvPicPr>
         <p:blipFill>
-          <a:blip r:embed="rId6">
+          <a:blip r:embed="rId5">
             <a:extLst>
               <a:ext uri="{28A0092B-C50C-407E-A947-70E740481C1C}">
                 <a14:useLocalDpi xmlns:a14="http://schemas.microsoft.com/office/drawing/2010/main" val="0"/>
@@ -4983,7 +4899,7 @@
           <p:nvPr/>
         </p:nvPicPr>
         <p:blipFill>
-          <a:blip r:embed="rId7">
+          <a:blip r:embed="rId6">
             <a:extLst>
               <a:ext uri="{28A0092B-C50C-407E-A947-70E740481C1C}">
                 <a14:useLocalDpi xmlns:a14="http://schemas.microsoft.com/office/drawing/2010/main" val="0"/>
@@ -5024,11 +4940,11 @@
           <p:nvPr/>
         </p:nvPicPr>
         <p:blipFill>
-          <a:blip r:embed="rId8">
+          <a:blip r:embed="rId7">
             <a:extLst>
               <a:ext uri="{BEBA8EAE-BF5A-486C-A8C5-ECC9F3942E4B}">
                 <a14:imgProps xmlns:a14="http://schemas.microsoft.com/office/drawing/2010/main">
-                  <a14:imgLayer r:embed="rId9">
+                  <a14:imgLayer r:embed="rId8">
                     <a14:imgEffect>
                       <a14:saturation sat="85000"/>
                     </a14:imgEffect>
@@ -5115,7 +5031,7 @@
           <p:nvPr/>
         </p:nvPicPr>
         <p:blipFill>
-          <a:blip r:embed="rId10">
+          <a:blip r:embed="rId9">
             <a:extLst>
               <a:ext uri="{28A0092B-C50C-407E-A947-70E740481C1C}">
                 <a14:useLocalDpi xmlns:a14="http://schemas.microsoft.com/office/drawing/2010/main" val="0"/>
@@ -5130,6 +5046,54 @@
           <a:xfrm>
             <a:off x="819325" y="8450825"/>
             <a:ext cx="1866709" cy="1329672"/>
+          </a:xfrm>
+          <a:prstGeom prst="rect">
+            <a:avLst/>
+          </a:prstGeom>
+        </p:spPr>
+      </p:pic>
+      <p:pic>
+        <p:nvPicPr>
+          <p:cNvPr id="6" name="תמונה 5">
+            <a:extLst>
+              <a:ext uri="{FF2B5EF4-FFF2-40B4-BE49-F238E27FC236}">
+                <a16:creationId xmlns:a16="http://schemas.microsoft.com/office/drawing/2014/main" id="{75A6D906-E040-42C9-B805-5737C7A70C6E}"/>
+              </a:ext>
+            </a:extLst>
+          </p:cNvPr>
+          <p:cNvPicPr>
+            <a:picLocks noChangeAspect="1"/>
+          </p:cNvPicPr>
+          <p:nvPr/>
+        </p:nvPicPr>
+        <p:blipFill>
+          <a:blip r:embed="rId10">
+            <a:extLst>
+              <a:ext uri="{BEBA8EAE-BF5A-486C-A8C5-ECC9F3942E4B}">
+                <a14:imgProps xmlns:a14="http://schemas.microsoft.com/office/drawing/2010/main">
+                  <a14:imgLayer r:embed="rId11">
+                    <a14:imgEffect>
+                      <a14:sharpenSoften amount="27000"/>
+                    </a14:imgEffect>
+                    <a14:imgEffect>
+                      <a14:brightnessContrast contrast="30000"/>
+                    </a14:imgEffect>
+                  </a14:imgLayer>
+                </a14:imgProps>
+              </a:ext>
+              <a:ext uri="{28A0092B-C50C-407E-A947-70E740481C1C}">
+                <a14:useLocalDpi xmlns:a14="http://schemas.microsoft.com/office/drawing/2010/main" val="0"/>
+              </a:ext>
+            </a:extLst>
+          </a:blip>
+          <a:stretch>
+            <a:fillRect/>
+          </a:stretch>
+        </p:blipFill>
+        <p:spPr>
+          <a:xfrm>
+            <a:off x="239819" y="290269"/>
+            <a:ext cx="839681" cy="839681"/>
           </a:xfrm>
           <a:prstGeom prst="rect">
             <a:avLst/>

--- a/poster.pptx
+++ b/poster.pptx
@@ -2987,7 +2987,7 @@
             <a:ext cx="6858000" cy="1261074"/>
           </a:xfrm>
           <a:solidFill>
-            <a:srgbClr val="AE6548"/>
+            <a:srgbClr val="AE614C"/>
           </a:solidFill>
           <a:ln w="9525">
             <a:noFill/>
@@ -5054,10 +5054,10 @@
       </p:pic>
       <p:pic>
         <p:nvPicPr>
-          <p:cNvPr id="6" name="תמונה 5">
+          <p:cNvPr id="5" name="תמונה 4">
             <a:extLst>
               <a:ext uri="{FF2B5EF4-FFF2-40B4-BE49-F238E27FC236}">
-                <a16:creationId xmlns:a16="http://schemas.microsoft.com/office/drawing/2014/main" id="{75A6D906-E040-42C9-B805-5737C7A70C6E}"/>
+                <a16:creationId xmlns:a16="http://schemas.microsoft.com/office/drawing/2014/main" id="{66491D34-D74D-4DB2-8C9D-128EBBD2C5F5}"/>
               </a:ext>
             </a:extLst>
           </p:cNvPr>
@@ -5069,18 +5069,6 @@
         <p:blipFill>
           <a:blip r:embed="rId10">
             <a:extLst>
-              <a:ext uri="{BEBA8EAE-BF5A-486C-A8C5-ECC9F3942E4B}">
-                <a14:imgProps xmlns:a14="http://schemas.microsoft.com/office/drawing/2010/main">
-                  <a14:imgLayer r:embed="rId11">
-                    <a14:imgEffect>
-                      <a14:sharpenSoften amount="27000"/>
-                    </a14:imgEffect>
-                    <a14:imgEffect>
-                      <a14:brightnessContrast contrast="30000"/>
-                    </a14:imgEffect>
-                  </a14:imgLayer>
-                </a14:imgProps>
-              </a:ext>
               <a:ext uri="{28A0092B-C50C-407E-A947-70E740481C1C}">
                 <a14:useLocalDpi xmlns:a14="http://schemas.microsoft.com/office/drawing/2010/main" val="0"/>
               </a:ext>
@@ -5092,7 +5080,7 @@
         </p:blipFill>
         <p:spPr>
           <a:xfrm>
-            <a:off x="239819" y="290269"/>
+            <a:off x="239819" y="290268"/>
             <a:ext cx="839681" cy="839681"/>
           </a:xfrm>
           <a:prstGeom prst="rect">

--- a/poster.pptx
+++ b/poster.pptx
@@ -243,7 +243,7 @@
           <a:p>
             <a:fld id="{73EE89F4-C31D-45E3-BFAA-D8E8790DFB86}" type="datetimeFigureOut">
               <a:rPr lang="en-US" smtClean="0"/>
-              <a:t>5/25/2022</a:t>
+              <a:t>5/26/2022</a:t>
             </a:fld>
             <a:endParaRPr lang="en-US"/>
           </a:p>
@@ -413,7 +413,7 @@
           <a:p>
             <a:fld id="{73EE89F4-C31D-45E3-BFAA-D8E8790DFB86}" type="datetimeFigureOut">
               <a:rPr lang="en-US" smtClean="0"/>
-              <a:t>5/25/2022</a:t>
+              <a:t>5/26/2022</a:t>
             </a:fld>
             <a:endParaRPr lang="en-US"/>
           </a:p>
@@ -593,7 +593,7 @@
           <a:p>
             <a:fld id="{73EE89F4-C31D-45E3-BFAA-D8E8790DFB86}" type="datetimeFigureOut">
               <a:rPr lang="en-US" smtClean="0"/>
-              <a:t>5/25/2022</a:t>
+              <a:t>5/26/2022</a:t>
             </a:fld>
             <a:endParaRPr lang="en-US"/>
           </a:p>
@@ -763,7 +763,7 @@
           <a:p>
             <a:fld id="{73EE89F4-C31D-45E3-BFAA-D8E8790DFB86}" type="datetimeFigureOut">
               <a:rPr lang="en-US" smtClean="0"/>
-              <a:t>5/25/2022</a:t>
+              <a:t>5/26/2022</a:t>
             </a:fld>
             <a:endParaRPr lang="en-US"/>
           </a:p>
@@ -1007,7 +1007,7 @@
           <a:p>
             <a:fld id="{73EE89F4-C31D-45E3-BFAA-D8E8790DFB86}" type="datetimeFigureOut">
               <a:rPr lang="en-US" smtClean="0"/>
-              <a:t>5/25/2022</a:t>
+              <a:t>5/26/2022</a:t>
             </a:fld>
             <a:endParaRPr lang="en-US"/>
           </a:p>
@@ -1239,7 +1239,7 @@
           <a:p>
             <a:fld id="{73EE89F4-C31D-45E3-BFAA-D8E8790DFB86}" type="datetimeFigureOut">
               <a:rPr lang="en-US" smtClean="0"/>
-              <a:t>5/25/2022</a:t>
+              <a:t>5/26/2022</a:t>
             </a:fld>
             <a:endParaRPr lang="en-US"/>
           </a:p>
@@ -1606,7 +1606,7 @@
           <a:p>
             <a:fld id="{73EE89F4-C31D-45E3-BFAA-D8E8790DFB86}" type="datetimeFigureOut">
               <a:rPr lang="en-US" smtClean="0"/>
-              <a:t>5/25/2022</a:t>
+              <a:t>5/26/2022</a:t>
             </a:fld>
             <a:endParaRPr lang="en-US"/>
           </a:p>
@@ -1724,7 +1724,7 @@
           <a:p>
             <a:fld id="{73EE89F4-C31D-45E3-BFAA-D8E8790DFB86}" type="datetimeFigureOut">
               <a:rPr lang="en-US" smtClean="0"/>
-              <a:t>5/25/2022</a:t>
+              <a:t>5/26/2022</a:t>
             </a:fld>
             <a:endParaRPr lang="en-US"/>
           </a:p>
@@ -1819,7 +1819,7 @@
           <a:p>
             <a:fld id="{73EE89F4-C31D-45E3-BFAA-D8E8790DFB86}" type="datetimeFigureOut">
               <a:rPr lang="en-US" smtClean="0"/>
-              <a:t>5/25/2022</a:t>
+              <a:t>5/26/2022</a:t>
             </a:fld>
             <a:endParaRPr lang="en-US"/>
           </a:p>
@@ -2096,7 +2096,7 @@
           <a:p>
             <a:fld id="{73EE89F4-C31D-45E3-BFAA-D8E8790DFB86}" type="datetimeFigureOut">
               <a:rPr lang="en-US" smtClean="0"/>
-              <a:t>5/25/2022</a:t>
+              <a:t>5/26/2022</a:t>
             </a:fld>
             <a:endParaRPr lang="en-US"/>
           </a:p>
@@ -2353,7 +2353,7 @@
           <a:p>
             <a:fld id="{73EE89F4-C31D-45E3-BFAA-D8E8790DFB86}" type="datetimeFigureOut">
               <a:rPr lang="en-US" smtClean="0"/>
-              <a:t>5/25/2022</a:t>
+              <a:t>5/26/2022</a:t>
             </a:fld>
             <a:endParaRPr lang="en-US"/>
           </a:p>
@@ -2566,7 +2566,7 @@
           <a:p>
             <a:fld id="{73EE89F4-C31D-45E3-BFAA-D8E8790DFB86}" type="datetimeFigureOut">
               <a:rPr lang="en-US" smtClean="0"/>
-              <a:t>5/25/2022</a:t>
+              <a:t>5/26/2022</a:t>
             </a:fld>
             <a:endParaRPr lang="en-US"/>
           </a:p>
@@ -2987,7 +2987,7 @@
             <a:ext cx="6858000" cy="1261074"/>
           </a:xfrm>
           <a:solidFill>
-            <a:srgbClr val="AE614C"/>
+            <a:srgbClr val="3762AF"/>
           </a:solidFill>
           <a:ln w="9525">
             <a:noFill/>
@@ -3015,7 +3015,7 @@
           <a:p>
             <a:pPr defTabSz="951583"/>
             <a:br>
-              <a:rPr lang="en-US" sz="2400" b="1" dirty="0">
+              <a:rPr lang="en-US" sz="2500" b="1" dirty="0">
                 <a:solidFill>
                   <a:schemeClr val="bg1"/>
                 </a:solidFill>
@@ -3024,7 +3024,7 @@
               </a:rPr>
             </a:br>
             <a:r>
-              <a:rPr lang="en-US" sz="2400" b="1" u="sng" dirty="0">
+              <a:rPr lang="en-US" sz="2200" b="1" u="sng" dirty="0">
                 <a:solidFill>
                   <a:schemeClr val="bg1"/>
                 </a:solidFill>
@@ -3035,7 +3035,8 @@
                     </a:srgbClr>
                   </a:outerShdw>
                 </a:effectLst>
-                <a:cs typeface="Arial"/>
+                <a:latin typeface="Rubik" panose="02000604000000020004" pitchFamily="2" charset="-79"/>
+                <a:cs typeface="Rubik" panose="02000604000000020004" pitchFamily="2" charset="-79"/>
               </a:rPr>
               <a:t>Malaria Prediction Model</a:t>
             </a:r>
@@ -3050,7 +3051,7 @@
               </a:spcAft>
             </a:pPr>
             <a:r>
-              <a:rPr lang="en-US" sz="1400" b="1" dirty="0">
+              <a:rPr lang="en-US" sz="1300" b="1" dirty="0">
                 <a:solidFill>
                   <a:schemeClr val="bg1"/>
                 </a:solidFill>
@@ -3061,7 +3062,8 @@
                     </a:srgbClr>
                   </a:outerShdw>
                 </a:effectLst>
-                <a:cs typeface="Arial"/>
+                <a:latin typeface="Rubik" panose="02000604000000020004" pitchFamily="2" charset="-79"/>
+                <a:cs typeface="Rubik" panose="02000604000000020004" pitchFamily="2" charset="-79"/>
               </a:rPr>
               <a:t>Almog Jakov, Itay Rafee and Neta Roth</a:t>
             </a:r>
@@ -3076,7 +3078,7 @@
               </a:spcAft>
             </a:pPr>
             <a:r>
-              <a:rPr lang="en-US" sz="1400" b="1" dirty="0">
+              <a:rPr lang="en-US" sz="1300" b="1" dirty="0">
                 <a:solidFill>
                   <a:schemeClr val="bg1"/>
                 </a:solidFill>
@@ -3087,7 +3089,8 @@
                     </a:srgbClr>
                   </a:outerShdw>
                 </a:effectLst>
-                <a:cs typeface="Arial"/>
+                <a:latin typeface="Rubik" panose="02000604000000020004" pitchFamily="2" charset="-79"/>
+                <a:cs typeface="Rubik" panose="02000604000000020004" pitchFamily="2" charset="-79"/>
               </a:rPr>
               <a:t>Elizabeth Itzkovich</a:t>
             </a:r>
@@ -3140,7 +3143,7 @@
           </a:prstGeom>
           <a:ln w="38100">
             <a:solidFill>
-              <a:srgbClr val="995940"/>
+              <a:srgbClr val="3762AF"/>
             </a:solidFill>
           </a:ln>
         </p:spPr>
@@ -3405,7 +3408,7 @@
           </a:prstGeom>
           <a:ln w="38100">
             <a:solidFill>
-              <a:srgbClr val="995940"/>
+              <a:srgbClr val="3762AF"/>
             </a:solidFill>
           </a:ln>
         </p:spPr>
@@ -3478,7 +3481,7 @@
           </a:prstGeom>
           <a:ln w="38100">
             <a:solidFill>
-              <a:srgbClr val="995940"/>
+              <a:srgbClr val="3762AF"/>
             </a:solidFill>
           </a:ln>
         </p:spPr>
@@ -3569,8 +3572,8 @@
         </p:nvSpPr>
         <p:spPr>
           <a:xfrm>
-            <a:off x="5906531" y="278545"/>
-            <a:ext cx="838800" cy="838800"/>
+            <a:off x="5864576" y="290268"/>
+            <a:ext cx="753605" cy="683981"/>
           </a:xfrm>
           <a:prstGeom prst="rect">
             <a:avLst/>
@@ -4814,78 +4817,6 @@
       </p:sp>
       <p:pic>
         <p:nvPicPr>
-          <p:cNvPr id="9" name="תמונה 8">
-            <a:extLst>
-              <a:ext uri="{FF2B5EF4-FFF2-40B4-BE49-F238E27FC236}">
-                <a16:creationId xmlns:a16="http://schemas.microsoft.com/office/drawing/2014/main" id="{30A6679F-A62B-45F4-946D-5410B0B0F7FF}"/>
-              </a:ext>
-            </a:extLst>
-          </p:cNvPr>
-          <p:cNvPicPr>
-            <a:picLocks noChangeAspect="1"/>
-          </p:cNvPicPr>
-          <p:nvPr/>
-        </p:nvPicPr>
-        <p:blipFill>
-          <a:blip r:embed="rId4">
-            <a:extLst>
-              <a:ext uri="{28A0092B-C50C-407E-A947-70E740481C1C}">
-                <a14:useLocalDpi xmlns:a14="http://schemas.microsoft.com/office/drawing/2010/main" val="0"/>
-              </a:ext>
-            </a:extLst>
-          </a:blip>
-          <a:stretch>
-            <a:fillRect/>
-          </a:stretch>
-        </p:blipFill>
-        <p:spPr>
-          <a:xfrm>
-            <a:off x="2453798" y="7122335"/>
-            <a:ext cx="1106426" cy="993650"/>
-          </a:xfrm>
-          <a:prstGeom prst="rect">
-            <a:avLst/>
-          </a:prstGeom>
-        </p:spPr>
-      </p:pic>
-      <p:pic>
-        <p:nvPicPr>
-          <p:cNvPr id="13" name="תמונה 12">
-            <a:extLst>
-              <a:ext uri="{FF2B5EF4-FFF2-40B4-BE49-F238E27FC236}">
-                <a16:creationId xmlns:a16="http://schemas.microsoft.com/office/drawing/2014/main" id="{103065CE-8228-4A7D-8869-C220B1169079}"/>
-              </a:ext>
-            </a:extLst>
-          </p:cNvPr>
-          <p:cNvPicPr>
-            <a:picLocks noChangeAspect="1"/>
-          </p:cNvPicPr>
-          <p:nvPr/>
-        </p:nvPicPr>
-        <p:blipFill>
-          <a:blip r:embed="rId5">
-            <a:extLst>
-              <a:ext uri="{28A0092B-C50C-407E-A947-70E740481C1C}">
-                <a14:useLocalDpi xmlns:a14="http://schemas.microsoft.com/office/drawing/2010/main" val="0"/>
-              </a:ext>
-            </a:extLst>
-          </a:blip>
-          <a:stretch>
-            <a:fillRect/>
-          </a:stretch>
-        </p:blipFill>
-        <p:spPr>
-          <a:xfrm>
-            <a:off x="2580957" y="1852720"/>
-            <a:ext cx="387097" cy="838202"/>
-          </a:xfrm>
-          <a:prstGeom prst="rect">
-            <a:avLst/>
-          </a:prstGeom>
-        </p:spPr>
-      </p:pic>
-      <p:pic>
-        <p:nvPicPr>
           <p:cNvPr id="8" name="תמונה 7">
             <a:extLst>
               <a:ext uri="{FF2B5EF4-FFF2-40B4-BE49-F238E27FC236}">
@@ -4899,7 +4830,7 @@
           <p:nvPr/>
         </p:nvPicPr>
         <p:blipFill>
-          <a:blip r:embed="rId6">
+          <a:blip r:embed="rId4">
             <a:extLst>
               <a:ext uri="{28A0092B-C50C-407E-A947-70E740481C1C}">
                 <a14:useLocalDpi xmlns:a14="http://schemas.microsoft.com/office/drawing/2010/main" val="0"/>
@@ -4923,59 +4854,6 @@
               <a:schemeClr val="tx1"/>
             </a:solidFill>
           </a:ln>
-        </p:spPr>
-      </p:pic>
-      <p:pic>
-        <p:nvPicPr>
-          <p:cNvPr id="14" name="תמונה 13">
-            <a:extLst>
-              <a:ext uri="{FF2B5EF4-FFF2-40B4-BE49-F238E27FC236}">
-                <a16:creationId xmlns:a16="http://schemas.microsoft.com/office/drawing/2014/main" id="{E5E0C994-192A-473D-8A9A-5CC51774F512}"/>
-              </a:ext>
-            </a:extLst>
-          </p:cNvPr>
-          <p:cNvPicPr>
-            <a:picLocks noChangeAspect="1"/>
-          </p:cNvPicPr>
-          <p:nvPr/>
-        </p:nvPicPr>
-        <p:blipFill>
-          <a:blip r:embed="rId7">
-            <a:extLst>
-              <a:ext uri="{BEBA8EAE-BF5A-486C-A8C5-ECC9F3942E4B}">
-                <a14:imgProps xmlns:a14="http://schemas.microsoft.com/office/drawing/2010/main">
-                  <a14:imgLayer r:embed="rId8">
-                    <a14:imgEffect>
-                      <a14:saturation sat="85000"/>
-                    </a14:imgEffect>
-                  </a14:imgLayer>
-                </a14:imgProps>
-              </a:ext>
-              <a:ext uri="{28A0092B-C50C-407E-A947-70E740481C1C}">
-                <a14:useLocalDpi xmlns:a14="http://schemas.microsoft.com/office/drawing/2010/main" val="0"/>
-              </a:ext>
-            </a:extLst>
-          </a:blip>
-          <a:stretch>
-            <a:fillRect/>
-          </a:stretch>
-        </p:blipFill>
-        <p:spPr>
-          <a:xfrm>
-            <a:off x="3946848" y="8721718"/>
-            <a:ext cx="1121178" cy="942395"/>
-          </a:xfrm>
-          <a:prstGeom prst="rect">
-            <a:avLst/>
-          </a:prstGeom>
-          <a:ln w="3175">
-            <a:solidFill>
-              <a:schemeClr val="tx1"/>
-            </a:solidFill>
-          </a:ln>
-          <a:effectLst>
-            <a:softEdge rad="12700"/>
-          </a:effectLst>
         </p:spPr>
       </p:pic>
       <p:cxnSp>
@@ -5031,7 +4909,7 @@
           <p:nvPr/>
         </p:nvPicPr>
         <p:blipFill>
-          <a:blip r:embed="rId9">
+          <a:blip r:embed="rId5">
             <a:extLst>
               <a:ext uri="{28A0092B-C50C-407E-A947-70E740481C1C}">
                 <a14:useLocalDpi xmlns:a14="http://schemas.microsoft.com/office/drawing/2010/main" val="0"/>
@@ -5054,10 +4932,138 @@
       </p:pic>
       <p:pic>
         <p:nvPicPr>
-          <p:cNvPr id="5" name="תמונה 4">
+          <p:cNvPr id="15" name="תמונה 14">
             <a:extLst>
               <a:ext uri="{FF2B5EF4-FFF2-40B4-BE49-F238E27FC236}">
-                <a16:creationId xmlns:a16="http://schemas.microsoft.com/office/drawing/2014/main" id="{66491D34-D74D-4DB2-8C9D-128EBBD2C5F5}"/>
+                <a16:creationId xmlns:a16="http://schemas.microsoft.com/office/drawing/2014/main" id="{F9892843-9017-4890-9F96-A812103A7E8B}"/>
+              </a:ext>
+            </a:extLst>
+          </p:cNvPr>
+          <p:cNvPicPr>
+            <a:picLocks noChangeAspect="1"/>
+          </p:cNvPicPr>
+          <p:nvPr/>
+        </p:nvPicPr>
+        <p:blipFill>
+          <a:blip r:embed="rId6">
+            <a:extLst>
+              <a:ext uri="{BEBA8EAE-BF5A-486C-A8C5-ECC9F3942E4B}">
+                <a14:imgProps xmlns:a14="http://schemas.microsoft.com/office/drawing/2010/main">
+                  <a14:imgLayer r:embed="rId7">
+                    <a14:imgEffect>
+                      <a14:colorTemperature colorTemp="5590"/>
+                    </a14:imgEffect>
+                    <a14:imgEffect>
+                      <a14:saturation sat="78000"/>
+                    </a14:imgEffect>
+                  </a14:imgLayer>
+                </a14:imgProps>
+              </a:ext>
+              <a:ext uri="{28A0092B-C50C-407E-A947-70E740481C1C}">
+                <a14:useLocalDpi xmlns:a14="http://schemas.microsoft.com/office/drawing/2010/main" val="0"/>
+              </a:ext>
+            </a:extLst>
+          </a:blip>
+          <a:stretch>
+            <a:fillRect/>
+          </a:stretch>
+        </p:blipFill>
+        <p:spPr>
+          <a:xfrm>
+            <a:off x="3935939" y="8721717"/>
+            <a:ext cx="1121178" cy="942396"/>
+          </a:xfrm>
+          <a:prstGeom prst="rect">
+            <a:avLst/>
+          </a:prstGeom>
+          <a:ln w="3175">
+            <a:solidFill>
+              <a:schemeClr val="tx1"/>
+            </a:solidFill>
+          </a:ln>
+          <a:effectLst>
+            <a:softEdge rad="12700"/>
+          </a:effectLst>
+        </p:spPr>
+      </p:pic>
+      <p:pic>
+        <p:nvPicPr>
+          <p:cNvPr id="19" name="תמונה 18">
+            <a:extLst>
+              <a:ext uri="{FF2B5EF4-FFF2-40B4-BE49-F238E27FC236}">
+                <a16:creationId xmlns:a16="http://schemas.microsoft.com/office/drawing/2014/main" id="{A82F5DE4-0AE8-4C41-900B-D140573F2923}"/>
+              </a:ext>
+            </a:extLst>
+          </p:cNvPr>
+          <p:cNvPicPr>
+            <a:picLocks noChangeAspect="1"/>
+          </p:cNvPicPr>
+          <p:nvPr/>
+        </p:nvPicPr>
+        <p:blipFill>
+          <a:blip r:embed="rId8">
+            <a:extLst>
+              <a:ext uri="{28A0092B-C50C-407E-A947-70E740481C1C}">
+                <a14:useLocalDpi xmlns:a14="http://schemas.microsoft.com/office/drawing/2010/main" val="0"/>
+              </a:ext>
+            </a:extLst>
+          </a:blip>
+          <a:stretch>
+            <a:fillRect/>
+          </a:stretch>
+        </p:blipFill>
+        <p:spPr>
+          <a:xfrm>
+            <a:off x="2374060" y="7084902"/>
+            <a:ext cx="1106426" cy="993650"/>
+          </a:xfrm>
+          <a:prstGeom prst="rect">
+            <a:avLst/>
+          </a:prstGeom>
+        </p:spPr>
+      </p:pic>
+      <p:pic>
+        <p:nvPicPr>
+          <p:cNvPr id="21" name="תמונה 20">
+            <a:extLst>
+              <a:ext uri="{FF2B5EF4-FFF2-40B4-BE49-F238E27FC236}">
+                <a16:creationId xmlns:a16="http://schemas.microsoft.com/office/drawing/2014/main" id="{6A9EB6AD-47E6-4A11-A947-41F36810E281}"/>
+              </a:ext>
+            </a:extLst>
+          </p:cNvPr>
+          <p:cNvPicPr>
+            <a:picLocks noChangeAspect="1"/>
+          </p:cNvPicPr>
+          <p:nvPr/>
+        </p:nvPicPr>
+        <p:blipFill>
+          <a:blip r:embed="rId9">
+            <a:extLst>
+              <a:ext uri="{28A0092B-C50C-407E-A947-70E740481C1C}">
+                <a14:useLocalDpi xmlns:a14="http://schemas.microsoft.com/office/drawing/2010/main" val="0"/>
+              </a:ext>
+            </a:extLst>
+          </a:blip>
+          <a:stretch>
+            <a:fillRect/>
+          </a:stretch>
+        </p:blipFill>
+        <p:spPr>
+          <a:xfrm>
+            <a:off x="2575361" y="1851523"/>
+            <a:ext cx="387097" cy="838202"/>
+          </a:xfrm>
+          <a:prstGeom prst="rect">
+            <a:avLst/>
+          </a:prstGeom>
+        </p:spPr>
+      </p:pic>
+      <p:pic>
+        <p:nvPicPr>
+          <p:cNvPr id="9" name="תמונה 8">
+            <a:extLst>
+              <a:ext uri="{FF2B5EF4-FFF2-40B4-BE49-F238E27FC236}">
+                <a16:creationId xmlns:a16="http://schemas.microsoft.com/office/drawing/2014/main" id="{F9CC2E12-3AFC-4D11-AA91-08522DE1C9AA}"/>
               </a:ext>
             </a:extLst>
           </p:cNvPr>
@@ -5080,8 +5086,8 @@
         </p:blipFill>
         <p:spPr>
           <a:xfrm>
-            <a:off x="239819" y="290268"/>
-            <a:ext cx="839681" cy="839681"/>
+            <a:off x="343267" y="364260"/>
+            <a:ext cx="753689" cy="753689"/>
           </a:xfrm>
           <a:prstGeom prst="rect">
             <a:avLst/>

--- a/poster.pptx
+++ b/poster.pptx
@@ -2,12 +2,15 @@
 <file path=ppt/presentation.xml><?xml version="1.0" encoding="utf-8"?>
 <p:presentation xmlns:a="http://schemas.openxmlformats.org/drawingml/2006/main" xmlns:r="http://schemas.openxmlformats.org/officeDocument/2006/relationships" xmlns:p="http://schemas.openxmlformats.org/presentationml/2006/main" saveSubsetFonts="1">
   <p:sldMasterIdLst>
-    <p:sldMasterId id="2147483696" r:id="rId1"/>
+    <p:sldMasterId id="2147483708" r:id="rId1"/>
   </p:sldMasterIdLst>
+  <p:notesMasterIdLst>
+    <p:notesMasterId r:id="rId3"/>
+  </p:notesMasterIdLst>
   <p:sldIdLst>
     <p:sldId id="257" r:id="rId2"/>
   </p:sldIdLst>
-  <p:sldSz cx="6858000" cy="10080625"/>
+  <p:sldSz cx="19799300" cy="32399288"/>
   <p:notesSz cx="6858000" cy="9144000"/>
   <p:defaultTextStyle>
     <a:defPPr>
@@ -112,9 +115,14 @@
 </p:presentation>
 </file>
 
-<file path=ppt/slideLayouts/slideLayout1.xml><?xml version="1.0" encoding="utf-8"?>
-<p:sldLayout xmlns:a="http://schemas.openxmlformats.org/drawingml/2006/main" xmlns:r="http://schemas.openxmlformats.org/officeDocument/2006/relationships" xmlns:p="http://schemas.openxmlformats.org/presentationml/2006/main" type="title" preserve="1">
-  <p:cSld name="Title Slide">
+<file path=ppt/notesMasters/notesMaster1.xml><?xml version="1.0" encoding="utf-8"?>
+<p:notesMaster xmlns:a="http://schemas.openxmlformats.org/drawingml/2006/main" xmlns:r="http://schemas.openxmlformats.org/officeDocument/2006/relationships" xmlns:p="http://schemas.openxmlformats.org/presentationml/2006/main">
+  <p:cSld>
+    <p:bg>
+      <p:bgRef idx="1001">
+        <a:schemeClr val="bg1"/>
+      </p:bgRef>
+    </p:bg>
     <p:spTree>
       <p:nvGrpSpPr>
         <p:cNvPr id="1" name=""/>
@@ -131,182 +139,334 @@
       </p:grpSpPr>
       <p:sp>
         <p:nvSpPr>
-          <p:cNvPr id="2" name="Title 1"/>
-          <p:cNvSpPr>
-            <a:spLocks noGrp="1"/>
-          </p:cNvSpPr>
-          <p:nvPr>
-            <p:ph type="ctrTitle"/>
+          <p:cNvPr id="2" name="מציין מיקום של כותרת עליונה 1"/>
+          <p:cNvSpPr>
+            <a:spLocks noGrp="1"/>
+          </p:cNvSpPr>
+          <p:nvPr>
+            <p:ph type="hdr" sz="quarter"/>
           </p:nvPr>
         </p:nvSpPr>
         <p:spPr>
           <a:xfrm>
-            <a:off x="514350" y="1649770"/>
-            <a:ext cx="5829300" cy="3509551"/>
+            <a:off x="3886200" y="0"/>
+            <a:ext cx="2971800" cy="458788"/>
           </a:xfrm>
+          <a:prstGeom prst="rect">
+            <a:avLst/>
+          </a:prstGeom>
         </p:spPr>
         <p:txBody>
-          <a:bodyPr anchor="b"/>
+          <a:bodyPr vert="horz" lIns="91440" tIns="45720" rIns="91440" bIns="45720" rtlCol="1"/>
           <a:lstStyle>
-            <a:lvl1pPr algn="ctr">
-              <a:defRPr sz="4500"/>
+            <a:lvl1pPr algn="r">
+              <a:defRPr sz="1200"/>
             </a:lvl1pPr>
           </a:lstStyle>
           <a:p>
-            <a:r>
-              <a:rPr lang="en-US"/>
-              <a:t>Click to edit Master title style</a:t>
-            </a:r>
-            <a:endParaRPr lang="en-US" dirty="0"/>
-          </a:p>
-        </p:txBody>
-      </p:sp>
-      <p:sp>
-        <p:nvSpPr>
-          <p:cNvPr id="3" name="Subtitle 2"/>
-          <p:cNvSpPr>
-            <a:spLocks noGrp="1"/>
-          </p:cNvSpPr>
-          <p:nvPr>
-            <p:ph type="subTitle" idx="1"/>
+            <a:endParaRPr lang="he-IL"/>
+          </a:p>
+        </p:txBody>
+      </p:sp>
+      <p:sp>
+        <p:nvSpPr>
+          <p:cNvPr id="3" name="מציין מיקום של תאריך 2"/>
+          <p:cNvSpPr>
+            <a:spLocks noGrp="1"/>
+          </p:cNvSpPr>
+          <p:nvPr>
+            <p:ph type="dt" idx="1"/>
           </p:nvPr>
         </p:nvSpPr>
         <p:spPr>
           <a:xfrm>
-            <a:off x="857250" y="5294662"/>
-            <a:ext cx="5143500" cy="2433817"/>
+            <a:off x="1588" y="0"/>
+            <a:ext cx="2971800" cy="458788"/>
           </a:xfrm>
+          <a:prstGeom prst="rect">
+            <a:avLst/>
+          </a:prstGeom>
         </p:spPr>
         <p:txBody>
-          <a:bodyPr/>
+          <a:bodyPr vert="horz" lIns="91440" tIns="45720" rIns="91440" bIns="45720" rtlCol="1"/>
           <a:lstStyle>
-            <a:lvl1pPr marL="0" indent="0" algn="ctr">
-              <a:buNone/>
-              <a:defRPr sz="1800"/>
+            <a:lvl1pPr algn="l">
+              <a:defRPr sz="1200"/>
             </a:lvl1pPr>
-            <a:lvl2pPr marL="342900" indent="0" algn="ctr">
-              <a:buNone/>
-              <a:defRPr sz="1500"/>
-            </a:lvl2pPr>
-            <a:lvl3pPr marL="685800" indent="0" algn="ctr">
-              <a:buNone/>
-              <a:defRPr sz="1350"/>
-            </a:lvl3pPr>
-            <a:lvl4pPr marL="1028700" indent="0" algn="ctr">
-              <a:buNone/>
+          </a:lstStyle>
+          <a:p>
+            <a:fld id="{1561E046-8CEF-4758-B838-AB2B2AC5A088}" type="datetimeFigureOut">
+              <a:rPr lang="he-IL" smtClean="0"/>
+              <a:t>כ"ה/אייר/תשפ"ב</a:t>
+            </a:fld>
+            <a:endParaRPr lang="he-IL"/>
+          </a:p>
+        </p:txBody>
+      </p:sp>
+      <p:sp>
+        <p:nvSpPr>
+          <p:cNvPr id="4" name="מציין מיקום של תמונת שקופית 3"/>
+          <p:cNvSpPr>
+            <a:spLocks noGrp="1" noRot="1" noChangeAspect="1"/>
+          </p:cNvSpPr>
+          <p:nvPr>
+            <p:ph type="sldImg" idx="2"/>
+          </p:nvPr>
+        </p:nvSpPr>
+        <p:spPr>
+          <a:xfrm>
+            <a:off x="2486025" y="1143000"/>
+            <a:ext cx="1885950" cy="3086100"/>
+          </a:xfrm>
+          <a:prstGeom prst="rect">
+            <a:avLst/>
+          </a:prstGeom>
+          <a:noFill/>
+          <a:ln w="12700">
+            <a:solidFill>
+              <a:prstClr val="black"/>
+            </a:solidFill>
+          </a:ln>
+        </p:spPr>
+        <p:txBody>
+          <a:bodyPr vert="horz" lIns="91440" tIns="45720" rIns="91440" bIns="45720" rtlCol="1" anchor="ctr"/>
+          <a:lstStyle/>
+          <a:p>
+            <a:endParaRPr lang="he-IL"/>
+          </a:p>
+        </p:txBody>
+      </p:sp>
+      <p:sp>
+        <p:nvSpPr>
+          <p:cNvPr id="5" name="מציין מיקום של הערות 4"/>
+          <p:cNvSpPr>
+            <a:spLocks noGrp="1"/>
+          </p:cNvSpPr>
+          <p:nvPr>
+            <p:ph type="body" sz="quarter" idx="3"/>
+          </p:nvPr>
+        </p:nvSpPr>
+        <p:spPr>
+          <a:xfrm>
+            <a:off x="685800" y="4400550"/>
+            <a:ext cx="5486400" cy="3600450"/>
+          </a:xfrm>
+          <a:prstGeom prst="rect">
+            <a:avLst/>
+          </a:prstGeom>
+        </p:spPr>
+        <p:txBody>
+          <a:bodyPr vert="horz" lIns="91440" tIns="45720" rIns="91440" bIns="45720" rtlCol="1"/>
+          <a:lstStyle/>
+          <a:p>
+            <a:pPr lvl="0"/>
+            <a:r>
+              <a:rPr lang="he-IL"/>
+              <a:t>לחץ כדי לערוך סגנונות טקסט של תבנית בסיס</a:t>
+            </a:r>
+          </a:p>
+          <a:p>
+            <a:pPr lvl="1"/>
+            <a:r>
+              <a:rPr lang="he-IL"/>
+              <a:t>רמה שנייה</a:t>
+            </a:r>
+          </a:p>
+          <a:p>
+            <a:pPr lvl="2"/>
+            <a:r>
+              <a:rPr lang="he-IL"/>
+              <a:t>רמה שלישית</a:t>
+            </a:r>
+          </a:p>
+          <a:p>
+            <a:pPr lvl="3"/>
+            <a:r>
+              <a:rPr lang="he-IL"/>
+              <a:t>רמה רביעית</a:t>
+            </a:r>
+          </a:p>
+          <a:p>
+            <a:pPr lvl="4"/>
+            <a:r>
+              <a:rPr lang="he-IL"/>
+              <a:t>רמה חמישית</a:t>
+            </a:r>
+          </a:p>
+        </p:txBody>
+      </p:sp>
+      <p:sp>
+        <p:nvSpPr>
+          <p:cNvPr id="6" name="מציין מיקום של כותרת תחתונה 5"/>
+          <p:cNvSpPr>
+            <a:spLocks noGrp="1"/>
+          </p:cNvSpPr>
+          <p:nvPr>
+            <p:ph type="ftr" sz="quarter" idx="4"/>
+          </p:nvPr>
+        </p:nvSpPr>
+        <p:spPr>
+          <a:xfrm>
+            <a:off x="3886200" y="8685213"/>
+            <a:ext cx="2971800" cy="458787"/>
+          </a:xfrm>
+          <a:prstGeom prst="rect">
+            <a:avLst/>
+          </a:prstGeom>
+        </p:spPr>
+        <p:txBody>
+          <a:bodyPr vert="horz" lIns="91440" tIns="45720" rIns="91440" bIns="45720" rtlCol="1" anchor="b"/>
+          <a:lstStyle>
+            <a:lvl1pPr algn="r">
               <a:defRPr sz="1200"/>
-            </a:lvl4pPr>
-            <a:lvl5pPr marL="1371600" indent="0" algn="ctr">
-              <a:buNone/>
+            </a:lvl1pPr>
+          </a:lstStyle>
+          <a:p>
+            <a:endParaRPr lang="he-IL"/>
+          </a:p>
+        </p:txBody>
+      </p:sp>
+      <p:sp>
+        <p:nvSpPr>
+          <p:cNvPr id="7" name="מציין מיקום של מספר שקופית 6"/>
+          <p:cNvSpPr>
+            <a:spLocks noGrp="1"/>
+          </p:cNvSpPr>
+          <p:nvPr>
+            <p:ph type="sldNum" sz="quarter" idx="5"/>
+          </p:nvPr>
+        </p:nvSpPr>
+        <p:spPr>
+          <a:xfrm>
+            <a:off x="1588" y="8685213"/>
+            <a:ext cx="2971800" cy="458787"/>
+          </a:xfrm>
+          <a:prstGeom prst="rect">
+            <a:avLst/>
+          </a:prstGeom>
+        </p:spPr>
+        <p:txBody>
+          <a:bodyPr vert="horz" lIns="91440" tIns="45720" rIns="91440" bIns="45720" rtlCol="1" anchor="b"/>
+          <a:lstStyle>
+            <a:lvl1pPr algn="l">
               <a:defRPr sz="1200"/>
-            </a:lvl5pPr>
-            <a:lvl6pPr marL="1714500" indent="0" algn="ctr">
-              <a:buNone/>
-              <a:defRPr sz="1200"/>
-            </a:lvl6pPr>
-            <a:lvl7pPr marL="2057400" indent="0" algn="ctr">
-              <a:buNone/>
-              <a:defRPr sz="1200"/>
-            </a:lvl7pPr>
-            <a:lvl8pPr marL="2400300" indent="0" algn="ctr">
-              <a:buNone/>
-              <a:defRPr sz="1200"/>
-            </a:lvl8pPr>
-            <a:lvl9pPr marL="2743200" indent="0" algn="ctr">
-              <a:buNone/>
-              <a:defRPr sz="1200"/>
-            </a:lvl9pPr>
+            </a:lvl1pPr>
           </a:lstStyle>
           <a:p>
-            <a:r>
-              <a:rPr lang="en-US"/>
-              <a:t>Click to edit Master subtitle style</a:t>
-            </a:r>
-            <a:endParaRPr lang="en-US" dirty="0"/>
-          </a:p>
-        </p:txBody>
-      </p:sp>
-      <p:sp>
-        <p:nvSpPr>
-          <p:cNvPr id="4" name="Date Placeholder 3"/>
-          <p:cNvSpPr>
-            <a:spLocks noGrp="1"/>
-          </p:cNvSpPr>
-          <p:nvPr>
-            <p:ph type="dt" sz="half" idx="10"/>
-          </p:nvPr>
-        </p:nvSpPr>
-        <p:spPr/>
-        <p:txBody>
-          <a:bodyPr/>
-          <a:lstStyle/>
-          <a:p>
-            <a:fld id="{73EE89F4-C31D-45E3-BFAA-D8E8790DFB86}" type="datetimeFigureOut">
-              <a:rPr lang="en-US" smtClean="0"/>
-              <a:t>5/26/2022</a:t>
-            </a:fld>
-            <a:endParaRPr lang="en-US"/>
-          </a:p>
-        </p:txBody>
-      </p:sp>
-      <p:sp>
-        <p:nvSpPr>
-          <p:cNvPr id="5" name="Footer Placeholder 4"/>
-          <p:cNvSpPr>
-            <a:spLocks noGrp="1"/>
-          </p:cNvSpPr>
-          <p:nvPr>
-            <p:ph type="ftr" sz="quarter" idx="11"/>
-          </p:nvPr>
-        </p:nvSpPr>
-        <p:spPr/>
-        <p:txBody>
-          <a:bodyPr/>
-          <a:lstStyle/>
-          <a:p>
-            <a:endParaRPr lang="en-US"/>
-          </a:p>
-        </p:txBody>
-      </p:sp>
-      <p:sp>
-        <p:nvSpPr>
-          <p:cNvPr id="6" name="Slide Number Placeholder 5"/>
-          <p:cNvSpPr>
-            <a:spLocks noGrp="1"/>
-          </p:cNvSpPr>
-          <p:nvPr>
-            <p:ph type="sldNum" sz="quarter" idx="12"/>
-          </p:nvPr>
-        </p:nvSpPr>
-        <p:spPr/>
-        <p:txBody>
-          <a:bodyPr/>
-          <a:lstStyle/>
-          <a:p>
-            <a:fld id="{2FAEA510-ADDF-4DBA-8516-F528B7CFC467}" type="slidenum">
-              <a:rPr lang="en-US" smtClean="0"/>
+            <a:fld id="{E75C87CE-D3FA-41A7-9114-3D4086D66189}" type="slidenum">
+              <a:rPr lang="he-IL" smtClean="0"/>
               <a:t>‹#›</a:t>
             </a:fld>
-            <a:endParaRPr lang="en-US"/>
+            <a:endParaRPr lang="he-IL"/>
           </a:p>
         </p:txBody>
       </p:sp>
     </p:spTree>
     <p:extLst>
       <p:ext uri="{BB962C8B-B14F-4D97-AF65-F5344CB8AC3E}">
-        <p14:creationId xmlns:p14="http://schemas.microsoft.com/office/powerpoint/2010/main" val="1318713073"/>
+        <p14:creationId xmlns:p14="http://schemas.microsoft.com/office/powerpoint/2010/main" val="3678363165"/>
       </p:ext>
     </p:extLst>
   </p:cSld>
-  <p:clrMapOvr>
-    <a:masterClrMapping/>
-  </p:clrMapOvr>
-</p:sldLayout>
+  <p:clrMap bg1="lt1" tx1="dk1" bg2="lt2" tx2="dk2" accent1="accent1" accent2="accent2" accent3="accent3" accent4="accent4" accent5="accent5" accent6="accent6" hlink="hlink" folHlink="folHlink"/>
+  <p:notesStyle>
+    <a:lvl1pPr marL="0" algn="r" defTabSz="914400" rtl="1" eaLnBrk="1" latinLnBrk="0" hangingPunct="1">
+      <a:defRPr sz="1200" kern="1200">
+        <a:solidFill>
+          <a:schemeClr val="tx1"/>
+        </a:solidFill>
+        <a:latin typeface="+mn-lt"/>
+        <a:ea typeface="+mn-ea"/>
+        <a:cs typeface="+mn-cs"/>
+      </a:defRPr>
+    </a:lvl1pPr>
+    <a:lvl2pPr marL="457200" algn="r" defTabSz="914400" rtl="1" eaLnBrk="1" latinLnBrk="0" hangingPunct="1">
+      <a:defRPr sz="1200" kern="1200">
+        <a:solidFill>
+          <a:schemeClr val="tx1"/>
+        </a:solidFill>
+        <a:latin typeface="+mn-lt"/>
+        <a:ea typeface="+mn-ea"/>
+        <a:cs typeface="+mn-cs"/>
+      </a:defRPr>
+    </a:lvl2pPr>
+    <a:lvl3pPr marL="914400" algn="r" defTabSz="914400" rtl="1" eaLnBrk="1" latinLnBrk="0" hangingPunct="1">
+      <a:defRPr sz="1200" kern="1200">
+        <a:solidFill>
+          <a:schemeClr val="tx1"/>
+        </a:solidFill>
+        <a:latin typeface="+mn-lt"/>
+        <a:ea typeface="+mn-ea"/>
+        <a:cs typeface="+mn-cs"/>
+      </a:defRPr>
+    </a:lvl3pPr>
+    <a:lvl4pPr marL="1371600" algn="r" defTabSz="914400" rtl="1" eaLnBrk="1" latinLnBrk="0" hangingPunct="1">
+      <a:defRPr sz="1200" kern="1200">
+        <a:solidFill>
+          <a:schemeClr val="tx1"/>
+        </a:solidFill>
+        <a:latin typeface="+mn-lt"/>
+        <a:ea typeface="+mn-ea"/>
+        <a:cs typeface="+mn-cs"/>
+      </a:defRPr>
+    </a:lvl4pPr>
+    <a:lvl5pPr marL="1828800" algn="r" defTabSz="914400" rtl="1" eaLnBrk="1" latinLnBrk="0" hangingPunct="1">
+      <a:defRPr sz="1200" kern="1200">
+        <a:solidFill>
+          <a:schemeClr val="tx1"/>
+        </a:solidFill>
+        <a:latin typeface="+mn-lt"/>
+        <a:ea typeface="+mn-ea"/>
+        <a:cs typeface="+mn-cs"/>
+      </a:defRPr>
+    </a:lvl5pPr>
+    <a:lvl6pPr marL="2286000" algn="r" defTabSz="914400" rtl="1" eaLnBrk="1" latinLnBrk="0" hangingPunct="1">
+      <a:defRPr sz="1200" kern="1200">
+        <a:solidFill>
+          <a:schemeClr val="tx1"/>
+        </a:solidFill>
+        <a:latin typeface="+mn-lt"/>
+        <a:ea typeface="+mn-ea"/>
+        <a:cs typeface="+mn-cs"/>
+      </a:defRPr>
+    </a:lvl6pPr>
+    <a:lvl7pPr marL="2743200" algn="r" defTabSz="914400" rtl="1" eaLnBrk="1" latinLnBrk="0" hangingPunct="1">
+      <a:defRPr sz="1200" kern="1200">
+        <a:solidFill>
+          <a:schemeClr val="tx1"/>
+        </a:solidFill>
+        <a:latin typeface="+mn-lt"/>
+        <a:ea typeface="+mn-ea"/>
+        <a:cs typeface="+mn-cs"/>
+      </a:defRPr>
+    </a:lvl7pPr>
+    <a:lvl8pPr marL="3200400" algn="r" defTabSz="914400" rtl="1" eaLnBrk="1" latinLnBrk="0" hangingPunct="1">
+      <a:defRPr sz="1200" kern="1200">
+        <a:solidFill>
+          <a:schemeClr val="tx1"/>
+        </a:solidFill>
+        <a:latin typeface="+mn-lt"/>
+        <a:ea typeface="+mn-ea"/>
+        <a:cs typeface="+mn-cs"/>
+      </a:defRPr>
+    </a:lvl8pPr>
+    <a:lvl9pPr marL="3657600" algn="r" defTabSz="914400" rtl="1" eaLnBrk="1" latinLnBrk="0" hangingPunct="1">
+      <a:defRPr sz="1200" kern="1200">
+        <a:solidFill>
+          <a:schemeClr val="tx1"/>
+        </a:solidFill>
+        <a:latin typeface="+mn-lt"/>
+        <a:ea typeface="+mn-ea"/>
+        <a:cs typeface="+mn-cs"/>
+      </a:defRPr>
+    </a:lvl9pPr>
+  </p:notesStyle>
+</p:notesMaster>
 </file>
 
-<file path=ppt/slideLayouts/slideLayout10.xml><?xml version="1.0" encoding="utf-8"?>
-<p:sldLayout xmlns:a="http://schemas.openxmlformats.org/drawingml/2006/main" xmlns:r="http://schemas.openxmlformats.org/officeDocument/2006/relationships" xmlns:p="http://schemas.openxmlformats.org/presentationml/2006/main" type="vertTx" preserve="1">
-  <p:cSld name="Title and Vertical Text">
+<file path=ppt/notesSlides/notesSlide1.xml><?xml version="1.0" encoding="utf-8"?>
+<p:notes xmlns:a="http://schemas.openxmlformats.org/drawingml/2006/main" xmlns:r="http://schemas.openxmlformats.org/officeDocument/2006/relationships" xmlns:p="http://schemas.openxmlformats.org/presentationml/2006/main">
+  <p:cSld>
     <p:spTree>
       <p:nvGrpSpPr>
         <p:cNvPr id="1" name=""/>
@@ -323,12 +483,24 @@
       </p:grpSpPr>
       <p:sp>
         <p:nvSpPr>
-          <p:cNvPr id="2" name="Title 1"/>
-          <p:cNvSpPr>
-            <a:spLocks noGrp="1"/>
-          </p:cNvSpPr>
-          <p:nvPr>
-            <p:ph type="title"/>
+          <p:cNvPr id="2" name="מציין מיקום של תמונת שקופית 1"/>
+          <p:cNvSpPr>
+            <a:spLocks noGrp="1" noRot="1" noChangeAspect="1"/>
+          </p:cNvSpPr>
+          <p:nvPr>
+            <p:ph type="sldImg"/>
+          </p:nvPr>
+        </p:nvSpPr>
+        <p:spPr/>
+      </p:sp>
+      <p:sp>
+        <p:nvSpPr>
+          <p:cNvPr id="3" name="מציין מיקום של הערות 2"/>
+          <p:cNvSpPr>
+            <a:spLocks noGrp="1"/>
+          </p:cNvSpPr>
+          <p:nvPr>
+            <p:ph type="body" idx="1"/>
           </p:nvPr>
         </p:nvSpPr>
         <p:spPr/>
@@ -336,74 +508,18 @@
           <a:bodyPr/>
           <a:lstStyle/>
           <a:p>
-            <a:r>
-              <a:rPr lang="en-US"/>
-              <a:t>Click to edit Master title style</a:t>
-            </a:r>
-            <a:endParaRPr lang="en-US" dirty="0"/>
-          </a:p>
-        </p:txBody>
-      </p:sp>
-      <p:sp>
-        <p:nvSpPr>
-          <p:cNvPr id="3" name="Vertical Text Placeholder 2"/>
-          <p:cNvSpPr>
-            <a:spLocks noGrp="1"/>
-          </p:cNvSpPr>
-          <p:nvPr>
-            <p:ph type="body" orient="vert" idx="1"/>
-          </p:nvPr>
-        </p:nvSpPr>
-        <p:spPr/>
-        <p:txBody>
-          <a:bodyPr vert="eaVert"/>
-          <a:lstStyle/>
-          <a:p>
-            <a:pPr lvl="0"/>
-            <a:r>
-              <a:rPr lang="en-US"/>
-              <a:t>Click to edit Master text styles</a:t>
-            </a:r>
-          </a:p>
-          <a:p>
-            <a:pPr lvl="1"/>
-            <a:r>
-              <a:rPr lang="en-US"/>
-              <a:t>Second level</a:t>
-            </a:r>
-          </a:p>
-          <a:p>
-            <a:pPr lvl="2"/>
-            <a:r>
-              <a:rPr lang="en-US"/>
-              <a:t>Third level</a:t>
-            </a:r>
-          </a:p>
-          <a:p>
-            <a:pPr lvl="3"/>
-            <a:r>
-              <a:rPr lang="en-US"/>
-              <a:t>Fourth level</a:t>
-            </a:r>
-          </a:p>
-          <a:p>
-            <a:pPr lvl="4"/>
-            <a:r>
-              <a:rPr lang="en-US"/>
-              <a:t>Fifth level</a:t>
-            </a:r>
-            <a:endParaRPr lang="en-US" dirty="0"/>
-          </a:p>
-        </p:txBody>
-      </p:sp>
-      <p:sp>
-        <p:nvSpPr>
-          <p:cNvPr id="4" name="Date Placeholder 3"/>
-          <p:cNvSpPr>
-            <a:spLocks noGrp="1"/>
-          </p:cNvSpPr>
-          <p:nvPr>
-            <p:ph type="dt" sz="half" idx="10"/>
+            <a:endParaRPr lang="he-IL"/>
+          </a:p>
+        </p:txBody>
+      </p:sp>
+      <p:sp>
+        <p:nvSpPr>
+          <p:cNvPr id="4" name="מציין מיקום של מספר שקופית 3"/>
+          <p:cNvSpPr>
+            <a:spLocks noGrp="1"/>
+          </p:cNvSpPr>
+          <p:nvPr>
+            <p:ph type="sldNum" sz="quarter" idx="5"/>
           </p:nvPr>
         </p:nvSpPr>
         <p:spPr/>
@@ -411,72 +527,30 @@
           <a:bodyPr/>
           <a:lstStyle/>
           <a:p>
-            <a:fld id="{73EE89F4-C31D-45E3-BFAA-D8E8790DFB86}" type="datetimeFigureOut">
-              <a:rPr lang="en-US" smtClean="0"/>
-              <a:t>5/26/2022</a:t>
+            <a:fld id="{E75C87CE-D3FA-41A7-9114-3D4086D66189}" type="slidenum">
+              <a:rPr lang="he-IL" smtClean="0"/>
+              <a:t>1</a:t>
             </a:fld>
-            <a:endParaRPr lang="en-US"/>
-          </a:p>
-        </p:txBody>
-      </p:sp>
-      <p:sp>
-        <p:nvSpPr>
-          <p:cNvPr id="5" name="Footer Placeholder 4"/>
-          <p:cNvSpPr>
-            <a:spLocks noGrp="1"/>
-          </p:cNvSpPr>
-          <p:nvPr>
-            <p:ph type="ftr" sz="quarter" idx="11"/>
-          </p:nvPr>
-        </p:nvSpPr>
-        <p:spPr/>
-        <p:txBody>
-          <a:bodyPr/>
-          <a:lstStyle/>
-          <a:p>
-            <a:endParaRPr lang="en-US"/>
-          </a:p>
-        </p:txBody>
-      </p:sp>
-      <p:sp>
-        <p:nvSpPr>
-          <p:cNvPr id="6" name="Slide Number Placeholder 5"/>
-          <p:cNvSpPr>
-            <a:spLocks noGrp="1"/>
-          </p:cNvSpPr>
-          <p:nvPr>
-            <p:ph type="sldNum" sz="quarter" idx="12"/>
-          </p:nvPr>
-        </p:nvSpPr>
-        <p:spPr/>
-        <p:txBody>
-          <a:bodyPr/>
-          <a:lstStyle/>
-          <a:p>
-            <a:fld id="{2FAEA510-ADDF-4DBA-8516-F528B7CFC467}" type="slidenum">
-              <a:rPr lang="en-US" smtClean="0"/>
-              <a:t>‹#›</a:t>
-            </a:fld>
-            <a:endParaRPr lang="en-US"/>
+            <a:endParaRPr lang="he-IL"/>
           </a:p>
         </p:txBody>
       </p:sp>
     </p:spTree>
     <p:extLst>
       <p:ext uri="{BB962C8B-B14F-4D97-AF65-F5344CB8AC3E}">
-        <p14:creationId xmlns:p14="http://schemas.microsoft.com/office/powerpoint/2010/main" val="2402523370"/>
+        <p14:creationId xmlns:p14="http://schemas.microsoft.com/office/powerpoint/2010/main" val="3664949759"/>
       </p:ext>
     </p:extLst>
   </p:cSld>
   <p:clrMapOvr>
     <a:masterClrMapping/>
   </p:clrMapOvr>
-</p:sldLayout>
+</p:notes>
 </file>
 
-<file path=ppt/slideLayouts/slideLayout11.xml><?xml version="1.0" encoding="utf-8"?>
-<p:sldLayout xmlns:a="http://schemas.openxmlformats.org/drawingml/2006/main" xmlns:r="http://schemas.openxmlformats.org/officeDocument/2006/relationships" xmlns:p="http://schemas.openxmlformats.org/presentationml/2006/main" type="vertTitleAndTx" preserve="1">
-  <p:cSld name="Vertical Title and Text">
+<file path=ppt/slideLayouts/slideLayout1.xml><?xml version="1.0" encoding="utf-8"?>
+<p:sldLayout xmlns:a="http://schemas.openxmlformats.org/drawingml/2006/main" xmlns:r="http://schemas.openxmlformats.org/officeDocument/2006/relationships" xmlns:p="http://schemas.openxmlformats.org/presentationml/2006/main" type="title" preserve="1">
+  <p:cSld name="שקופית כותרת">
     <p:spTree>
       <p:nvGrpSpPr>
         <p:cNvPr id="1" name=""/>
@@ -493,27 +567,31 @@
       </p:grpSpPr>
       <p:sp>
         <p:nvSpPr>
-          <p:cNvPr id="2" name="Vertical Title 1"/>
-          <p:cNvSpPr>
-            <a:spLocks noGrp="1"/>
-          </p:cNvSpPr>
-          <p:nvPr>
-            <p:ph type="title" orient="vert"/>
+          <p:cNvPr id="2" name="Title 1"/>
+          <p:cNvSpPr>
+            <a:spLocks noGrp="1"/>
+          </p:cNvSpPr>
+          <p:nvPr>
+            <p:ph type="ctrTitle"/>
           </p:nvPr>
         </p:nvSpPr>
         <p:spPr>
           <a:xfrm>
-            <a:off x="4907757" y="536700"/>
-            <a:ext cx="1478756" cy="8542864"/>
+            <a:off x="1484948" y="5302386"/>
+            <a:ext cx="16829405" cy="11279752"/>
           </a:xfrm>
         </p:spPr>
         <p:txBody>
-          <a:bodyPr vert="eaVert"/>
-          <a:lstStyle/>
-          <a:p>
-            <a:r>
-              <a:rPr lang="en-US"/>
-              <a:t>Click to edit Master title style</a:t>
+          <a:bodyPr anchor="b"/>
+          <a:lstStyle>
+            <a:lvl1pPr algn="ctr">
+              <a:defRPr sz="12992"/>
+            </a:lvl1pPr>
+          </a:lstStyle>
+          <a:p>
+            <a:r>
+              <a:rPr lang="he-IL"/>
+              <a:t>לחץ כדי לערוך סגנון כותרת של תבנית בסיס</a:t>
             </a:r>
             <a:endParaRPr lang="en-US" dirty="0"/>
           </a:p>
@@ -521,56 +599,64 @@
       </p:sp>
       <p:sp>
         <p:nvSpPr>
-          <p:cNvPr id="3" name="Vertical Text Placeholder 2"/>
-          <p:cNvSpPr>
-            <a:spLocks noGrp="1"/>
-          </p:cNvSpPr>
-          <p:nvPr>
-            <p:ph type="body" orient="vert" idx="1"/>
+          <p:cNvPr id="3" name="Subtitle 2"/>
+          <p:cNvSpPr>
+            <a:spLocks noGrp="1"/>
+          </p:cNvSpPr>
+          <p:nvPr>
+            <p:ph type="subTitle" idx="1"/>
           </p:nvPr>
         </p:nvSpPr>
         <p:spPr>
           <a:xfrm>
-            <a:off x="471488" y="536700"/>
-            <a:ext cx="4350544" cy="8542864"/>
+            <a:off x="2474913" y="17017128"/>
+            <a:ext cx="14849475" cy="7822326"/>
           </a:xfrm>
         </p:spPr>
         <p:txBody>
-          <a:bodyPr vert="eaVert"/>
-          <a:lstStyle/>
-          <a:p>
-            <a:pPr lvl="0"/>
-            <a:r>
-              <a:rPr lang="en-US"/>
-              <a:t>Click to edit Master text styles</a:t>
-            </a:r>
-          </a:p>
-          <a:p>
-            <a:pPr lvl="1"/>
-            <a:r>
-              <a:rPr lang="en-US"/>
-              <a:t>Second level</a:t>
-            </a:r>
-          </a:p>
-          <a:p>
-            <a:pPr lvl="2"/>
-            <a:r>
-              <a:rPr lang="en-US"/>
-              <a:t>Third level</a:t>
-            </a:r>
-          </a:p>
-          <a:p>
-            <a:pPr lvl="3"/>
-            <a:r>
-              <a:rPr lang="en-US"/>
-              <a:t>Fourth level</a:t>
-            </a:r>
-          </a:p>
-          <a:p>
-            <a:pPr lvl="4"/>
-            <a:r>
-              <a:rPr lang="en-US"/>
-              <a:t>Fifth level</a:t>
+          <a:bodyPr/>
+          <a:lstStyle>
+            <a:lvl1pPr marL="0" indent="0" algn="ctr">
+              <a:buNone/>
+              <a:defRPr sz="5197"/>
+            </a:lvl1pPr>
+            <a:lvl2pPr marL="989975" indent="0" algn="ctr">
+              <a:buNone/>
+              <a:defRPr sz="4331"/>
+            </a:lvl2pPr>
+            <a:lvl3pPr marL="1979950" indent="0" algn="ctr">
+              <a:buNone/>
+              <a:defRPr sz="3898"/>
+            </a:lvl3pPr>
+            <a:lvl4pPr marL="2969925" indent="0" algn="ctr">
+              <a:buNone/>
+              <a:defRPr sz="3464"/>
+            </a:lvl4pPr>
+            <a:lvl5pPr marL="3959901" indent="0" algn="ctr">
+              <a:buNone/>
+              <a:defRPr sz="3464"/>
+            </a:lvl5pPr>
+            <a:lvl6pPr marL="4949876" indent="0" algn="ctr">
+              <a:buNone/>
+              <a:defRPr sz="3464"/>
+            </a:lvl6pPr>
+            <a:lvl7pPr marL="5939851" indent="0" algn="ctr">
+              <a:buNone/>
+              <a:defRPr sz="3464"/>
+            </a:lvl7pPr>
+            <a:lvl8pPr marL="6929826" indent="0" algn="ctr">
+              <a:buNone/>
+              <a:defRPr sz="3464"/>
+            </a:lvl8pPr>
+            <a:lvl9pPr marL="7919801" indent="0" algn="ctr">
+              <a:buNone/>
+              <a:defRPr sz="3464"/>
+            </a:lvl9pPr>
+          </a:lstStyle>
+          <a:p>
+            <a:r>
+              <a:rPr lang="he-IL"/>
+              <a:t>לחץ כדי לערוך סגנון כותרת משנה של תבנית בסיס</a:t>
             </a:r>
             <a:endParaRPr lang="en-US" dirty="0"/>
           </a:p>
@@ -644,7 +730,7 @@
     </p:spTree>
     <p:extLst>
       <p:ext uri="{BB962C8B-B14F-4D97-AF65-F5344CB8AC3E}">
-        <p14:creationId xmlns:p14="http://schemas.microsoft.com/office/powerpoint/2010/main" val="1578248008"/>
+        <p14:creationId xmlns:p14="http://schemas.microsoft.com/office/powerpoint/2010/main" val="4191045155"/>
       </p:ext>
     </p:extLst>
   </p:cSld>
@@ -654,9 +740,9 @@
 </p:sldLayout>
 </file>
 
-<file path=ppt/slideLayouts/slideLayout2.xml><?xml version="1.0" encoding="utf-8"?>
-<p:sldLayout xmlns:a="http://schemas.openxmlformats.org/drawingml/2006/main" xmlns:r="http://schemas.openxmlformats.org/officeDocument/2006/relationships" xmlns:p="http://schemas.openxmlformats.org/presentationml/2006/main" type="obj" preserve="1">
-  <p:cSld name="Title and Content">
+<file path=ppt/slideLayouts/slideLayout10.xml><?xml version="1.0" encoding="utf-8"?>
+<p:sldLayout xmlns:a="http://schemas.openxmlformats.org/drawingml/2006/main" xmlns:r="http://schemas.openxmlformats.org/officeDocument/2006/relationships" xmlns:p="http://schemas.openxmlformats.org/presentationml/2006/main" type="vertTx" preserve="1">
+  <p:cSld name="כותרת וטקסט אנכי">
     <p:spTree>
       <p:nvGrpSpPr>
         <p:cNvPr id="1" name=""/>
@@ -687,8 +773,8 @@
           <a:lstStyle/>
           <a:p>
             <a:r>
-              <a:rPr lang="en-US"/>
-              <a:t>Click to edit Master title style</a:t>
+              <a:rPr lang="he-IL"/>
+              <a:t>לחץ כדי לערוך סגנון כותרת של תבנית בסיס</a:t>
             </a:r>
             <a:endParaRPr lang="en-US" dirty="0"/>
           </a:p>
@@ -696,51 +782,51 @@
       </p:sp>
       <p:sp>
         <p:nvSpPr>
-          <p:cNvPr id="3" name="Content Placeholder 2"/>
-          <p:cNvSpPr>
-            <a:spLocks noGrp="1"/>
-          </p:cNvSpPr>
-          <p:nvPr>
-            <p:ph idx="1"/>
+          <p:cNvPr id="3" name="Vertical Text Placeholder 2"/>
+          <p:cNvSpPr>
+            <a:spLocks noGrp="1"/>
+          </p:cNvSpPr>
+          <p:nvPr>
+            <p:ph type="body" orient="vert" idx="1"/>
           </p:nvPr>
         </p:nvSpPr>
         <p:spPr/>
         <p:txBody>
-          <a:bodyPr/>
+          <a:bodyPr vert="eaVert"/>
           <a:lstStyle/>
           <a:p>
             <a:pPr lvl="0"/>
             <a:r>
-              <a:rPr lang="en-US"/>
-              <a:t>Click to edit Master text styles</a:t>
+              <a:rPr lang="he-IL"/>
+              <a:t>לחץ כדי לערוך סגנונות טקסט של תבנית בסיס</a:t>
             </a:r>
           </a:p>
           <a:p>
             <a:pPr lvl="1"/>
             <a:r>
-              <a:rPr lang="en-US"/>
-              <a:t>Second level</a:t>
+              <a:rPr lang="he-IL"/>
+              <a:t>רמה שנייה</a:t>
             </a:r>
           </a:p>
           <a:p>
             <a:pPr lvl="2"/>
             <a:r>
-              <a:rPr lang="en-US"/>
-              <a:t>Third level</a:t>
+              <a:rPr lang="he-IL"/>
+              <a:t>רמה שלישית</a:t>
             </a:r>
           </a:p>
           <a:p>
             <a:pPr lvl="3"/>
             <a:r>
-              <a:rPr lang="en-US"/>
-              <a:t>Fourth level</a:t>
+              <a:rPr lang="he-IL"/>
+              <a:t>רמה רביעית</a:t>
             </a:r>
           </a:p>
           <a:p>
             <a:pPr lvl="4"/>
             <a:r>
-              <a:rPr lang="en-US"/>
-              <a:t>Fifth level</a:t>
+              <a:rPr lang="he-IL"/>
+              <a:t>רמה חמישית</a:t>
             </a:r>
             <a:endParaRPr lang="en-US" dirty="0"/>
           </a:p>
@@ -814,7 +900,7 @@
     </p:spTree>
     <p:extLst>
       <p:ext uri="{BB962C8B-B14F-4D97-AF65-F5344CB8AC3E}">
-        <p14:creationId xmlns:p14="http://schemas.microsoft.com/office/powerpoint/2010/main" val="3590503884"/>
+        <p14:creationId xmlns:p14="http://schemas.microsoft.com/office/powerpoint/2010/main" val="2623149569"/>
       </p:ext>
     </p:extLst>
   </p:cSld>
@@ -824,9 +910,9 @@
 </p:sldLayout>
 </file>
 
-<file path=ppt/slideLayouts/slideLayout3.xml><?xml version="1.0" encoding="utf-8"?>
-<p:sldLayout xmlns:a="http://schemas.openxmlformats.org/drawingml/2006/main" xmlns:r="http://schemas.openxmlformats.org/officeDocument/2006/relationships" xmlns:p="http://schemas.openxmlformats.org/presentationml/2006/main" type="secHead" preserve="1">
-  <p:cSld name="Section Header">
+<file path=ppt/slideLayouts/slideLayout11.xml><?xml version="1.0" encoding="utf-8"?>
+<p:sldLayout xmlns:a="http://schemas.openxmlformats.org/drawingml/2006/main" xmlns:r="http://schemas.openxmlformats.org/officeDocument/2006/relationships" xmlns:p="http://schemas.openxmlformats.org/presentationml/2006/main" type="vertTitleAndTx" preserve="1">
+  <p:cSld name="כותרת אנכית וטקסט">
     <p:spTree>
       <p:nvGrpSpPr>
         <p:cNvPr id="1" name=""/>
@@ -843,31 +929,27 @@
       </p:grpSpPr>
       <p:sp>
         <p:nvSpPr>
-          <p:cNvPr id="2" name="Title 1"/>
-          <p:cNvSpPr>
-            <a:spLocks noGrp="1"/>
-          </p:cNvSpPr>
-          <p:nvPr>
-            <p:ph type="title"/>
+          <p:cNvPr id="2" name="Vertical Title 1"/>
+          <p:cNvSpPr>
+            <a:spLocks noGrp="1"/>
+          </p:cNvSpPr>
+          <p:nvPr>
+            <p:ph type="title" orient="vert"/>
           </p:nvPr>
         </p:nvSpPr>
         <p:spPr>
           <a:xfrm>
-            <a:off x="467916" y="2513159"/>
-            <a:ext cx="5915025" cy="4193259"/>
+            <a:off x="14168875" y="1724962"/>
+            <a:ext cx="4269224" cy="27456899"/>
           </a:xfrm>
         </p:spPr>
         <p:txBody>
-          <a:bodyPr anchor="b"/>
-          <a:lstStyle>
-            <a:lvl1pPr>
-              <a:defRPr sz="4500"/>
-            </a:lvl1pPr>
-          </a:lstStyle>
-          <a:p>
-            <a:r>
-              <a:rPr lang="en-US"/>
-              <a:t>Click to edit Master title style</a:t>
+          <a:bodyPr vert="eaVert"/>
+          <a:lstStyle/>
+          <a:p>
+            <a:r>
+              <a:rPr lang="he-IL"/>
+              <a:t>לחץ כדי לערוך סגנון כותרת של תבנית בסיס</a:t>
             </a:r>
             <a:endParaRPr lang="en-US" dirty="0"/>
           </a:p>
@@ -875,118 +957,58 @@
       </p:sp>
       <p:sp>
         <p:nvSpPr>
-          <p:cNvPr id="3" name="Text Placeholder 2"/>
-          <p:cNvSpPr>
-            <a:spLocks noGrp="1"/>
-          </p:cNvSpPr>
-          <p:nvPr>
-            <p:ph type="body" idx="1"/>
+          <p:cNvPr id="3" name="Vertical Text Placeholder 2"/>
+          <p:cNvSpPr>
+            <a:spLocks noGrp="1"/>
+          </p:cNvSpPr>
+          <p:nvPr>
+            <p:ph type="body" orient="vert" idx="1"/>
           </p:nvPr>
         </p:nvSpPr>
         <p:spPr>
           <a:xfrm>
-            <a:off x="467916" y="6746088"/>
-            <a:ext cx="5915025" cy="2205136"/>
+            <a:off x="1361203" y="1724962"/>
+            <a:ext cx="12560181" cy="27456899"/>
           </a:xfrm>
         </p:spPr>
         <p:txBody>
-          <a:bodyPr/>
-          <a:lstStyle>
-            <a:lvl1pPr marL="0" indent="0">
-              <a:buNone/>
-              <a:defRPr sz="1800">
-                <a:solidFill>
-                  <a:schemeClr val="tx1"/>
-                </a:solidFill>
-              </a:defRPr>
-            </a:lvl1pPr>
-            <a:lvl2pPr marL="342900" indent="0">
-              <a:buNone/>
-              <a:defRPr sz="1500">
-                <a:solidFill>
-                  <a:schemeClr val="tx1">
-                    <a:tint val="75000"/>
-                  </a:schemeClr>
-                </a:solidFill>
-              </a:defRPr>
-            </a:lvl2pPr>
-            <a:lvl3pPr marL="685800" indent="0">
-              <a:buNone/>
-              <a:defRPr sz="1350">
-                <a:solidFill>
-                  <a:schemeClr val="tx1">
-                    <a:tint val="75000"/>
-                  </a:schemeClr>
-                </a:solidFill>
-              </a:defRPr>
-            </a:lvl3pPr>
-            <a:lvl4pPr marL="1028700" indent="0">
-              <a:buNone/>
-              <a:defRPr sz="1200">
-                <a:solidFill>
-                  <a:schemeClr val="tx1">
-                    <a:tint val="75000"/>
-                  </a:schemeClr>
-                </a:solidFill>
-              </a:defRPr>
-            </a:lvl4pPr>
-            <a:lvl5pPr marL="1371600" indent="0">
-              <a:buNone/>
-              <a:defRPr sz="1200">
-                <a:solidFill>
-                  <a:schemeClr val="tx1">
-                    <a:tint val="75000"/>
-                  </a:schemeClr>
-                </a:solidFill>
-              </a:defRPr>
-            </a:lvl5pPr>
-            <a:lvl6pPr marL="1714500" indent="0">
-              <a:buNone/>
-              <a:defRPr sz="1200">
-                <a:solidFill>
-                  <a:schemeClr val="tx1">
-                    <a:tint val="75000"/>
-                  </a:schemeClr>
-                </a:solidFill>
-              </a:defRPr>
-            </a:lvl6pPr>
-            <a:lvl7pPr marL="2057400" indent="0">
-              <a:buNone/>
-              <a:defRPr sz="1200">
-                <a:solidFill>
-                  <a:schemeClr val="tx1">
-                    <a:tint val="75000"/>
-                  </a:schemeClr>
-                </a:solidFill>
-              </a:defRPr>
-            </a:lvl7pPr>
-            <a:lvl8pPr marL="2400300" indent="0">
-              <a:buNone/>
-              <a:defRPr sz="1200">
-                <a:solidFill>
-                  <a:schemeClr val="tx1">
-                    <a:tint val="75000"/>
-                  </a:schemeClr>
-                </a:solidFill>
-              </a:defRPr>
-            </a:lvl8pPr>
-            <a:lvl9pPr marL="2743200" indent="0">
-              <a:buNone/>
-              <a:defRPr sz="1200">
-                <a:solidFill>
-                  <a:schemeClr val="tx1">
-                    <a:tint val="75000"/>
-                  </a:schemeClr>
-                </a:solidFill>
-              </a:defRPr>
-            </a:lvl9pPr>
-          </a:lstStyle>
+          <a:bodyPr vert="eaVert"/>
+          <a:lstStyle/>
           <a:p>
             <a:pPr lvl="0"/>
             <a:r>
-              <a:rPr lang="en-US"/>
-              <a:t>Click to edit Master text styles</a:t>
-            </a:r>
+              <a:rPr lang="he-IL"/>
+              <a:t>לחץ כדי לערוך סגנונות טקסט של תבנית בסיס</a:t>
+            </a:r>
+          </a:p>
+          <a:p>
+            <a:pPr lvl="1"/>
+            <a:r>
+              <a:rPr lang="he-IL"/>
+              <a:t>רמה שנייה</a:t>
+            </a:r>
+          </a:p>
+          <a:p>
+            <a:pPr lvl="2"/>
+            <a:r>
+              <a:rPr lang="he-IL"/>
+              <a:t>רמה שלישית</a:t>
+            </a:r>
+          </a:p>
+          <a:p>
+            <a:pPr lvl="3"/>
+            <a:r>
+              <a:rPr lang="he-IL"/>
+              <a:t>רמה רביעית</a:t>
+            </a:r>
+          </a:p>
+          <a:p>
+            <a:pPr lvl="4"/>
+            <a:r>
+              <a:rPr lang="he-IL"/>
+              <a:t>רמה חמישית</a:t>
+            </a:r>
+            <a:endParaRPr lang="en-US" dirty="0"/>
           </a:p>
         </p:txBody>
       </p:sp>
@@ -1058,7 +1080,7 @@
     </p:spTree>
     <p:extLst>
       <p:ext uri="{BB962C8B-B14F-4D97-AF65-F5344CB8AC3E}">
-        <p14:creationId xmlns:p14="http://schemas.microsoft.com/office/powerpoint/2010/main" val="765025980"/>
+        <p14:creationId xmlns:p14="http://schemas.microsoft.com/office/powerpoint/2010/main" val="3992526654"/>
       </p:ext>
     </p:extLst>
   </p:cSld>
@@ -1068,9 +1090,9 @@
 </p:sldLayout>
 </file>
 
-<file path=ppt/slideLayouts/slideLayout4.xml><?xml version="1.0" encoding="utf-8"?>
-<p:sldLayout xmlns:a="http://schemas.openxmlformats.org/drawingml/2006/main" xmlns:r="http://schemas.openxmlformats.org/officeDocument/2006/relationships" xmlns:p="http://schemas.openxmlformats.org/presentationml/2006/main" type="twoObj" preserve="1">
-  <p:cSld name="Two Content">
+<file path=ppt/slideLayouts/slideLayout2.xml><?xml version="1.0" encoding="utf-8"?>
+<p:sldLayout xmlns:a="http://schemas.openxmlformats.org/drawingml/2006/main" xmlns:r="http://schemas.openxmlformats.org/officeDocument/2006/relationships" xmlns:p="http://schemas.openxmlformats.org/presentationml/2006/main" type="obj" preserve="1">
+  <p:cSld name="כותרת ותוכן">
     <p:spTree>
       <p:nvGrpSpPr>
         <p:cNvPr id="1" name=""/>
@@ -1101,8 +1123,8 @@
           <a:lstStyle/>
           <a:p>
             <a:r>
-              <a:rPr lang="en-US"/>
-              <a:t>Click to edit Master title style</a:t>
+              <a:rPr lang="he-IL"/>
+              <a:t>לחץ כדי לערוך סגנון כותרת של תבנית בסיס</a:t>
             </a:r>
             <a:endParaRPr lang="en-US" dirty="0"/>
           </a:p>
@@ -1115,51 +1137,46 @@
             <a:spLocks noGrp="1"/>
           </p:cNvSpPr>
           <p:nvPr>
-            <p:ph sz="half" idx="1"/>
-          </p:nvPr>
-        </p:nvSpPr>
-        <p:spPr>
-          <a:xfrm>
-            <a:off x="471488" y="2683500"/>
-            <a:ext cx="2914650" cy="6396064"/>
-          </a:xfrm>
-        </p:spPr>
+            <p:ph idx="1"/>
+          </p:nvPr>
+        </p:nvSpPr>
+        <p:spPr/>
         <p:txBody>
           <a:bodyPr/>
           <a:lstStyle/>
           <a:p>
             <a:pPr lvl="0"/>
             <a:r>
-              <a:rPr lang="en-US"/>
-              <a:t>Click to edit Master text styles</a:t>
+              <a:rPr lang="he-IL"/>
+              <a:t>לחץ כדי לערוך סגנונות טקסט של תבנית בסיס</a:t>
             </a:r>
           </a:p>
           <a:p>
             <a:pPr lvl="1"/>
             <a:r>
-              <a:rPr lang="en-US"/>
-              <a:t>Second level</a:t>
+              <a:rPr lang="he-IL"/>
+              <a:t>רמה שנייה</a:t>
             </a:r>
           </a:p>
           <a:p>
             <a:pPr lvl="2"/>
             <a:r>
-              <a:rPr lang="en-US"/>
-              <a:t>Third level</a:t>
+              <a:rPr lang="he-IL"/>
+              <a:t>רמה שלישית</a:t>
             </a:r>
           </a:p>
           <a:p>
             <a:pPr lvl="3"/>
             <a:r>
-              <a:rPr lang="en-US"/>
-              <a:t>Fourth level</a:t>
+              <a:rPr lang="he-IL"/>
+              <a:t>רמה רביעית</a:t>
             </a:r>
           </a:p>
           <a:p>
             <a:pPr lvl="4"/>
             <a:r>
-              <a:rPr lang="en-US"/>
-              <a:t>Fifth level</a:t>
+              <a:rPr lang="he-IL"/>
+              <a:t>רמה חמישית</a:t>
             </a:r>
             <a:endParaRPr lang="en-US" dirty="0"/>
           </a:p>
@@ -1167,64 +1184,7 @@
       </p:sp>
       <p:sp>
         <p:nvSpPr>
-          <p:cNvPr id="4" name="Content Placeholder 3"/>
-          <p:cNvSpPr>
-            <a:spLocks noGrp="1"/>
-          </p:cNvSpPr>
-          <p:nvPr>
-            <p:ph sz="half" idx="2"/>
-          </p:nvPr>
-        </p:nvSpPr>
-        <p:spPr>
-          <a:xfrm>
-            <a:off x="3471863" y="2683500"/>
-            <a:ext cx="2914650" cy="6396064"/>
-          </a:xfrm>
-        </p:spPr>
-        <p:txBody>
-          <a:bodyPr/>
-          <a:lstStyle/>
-          <a:p>
-            <a:pPr lvl="0"/>
-            <a:r>
-              <a:rPr lang="en-US"/>
-              <a:t>Click to edit Master text styles</a:t>
-            </a:r>
-          </a:p>
-          <a:p>
-            <a:pPr lvl="1"/>
-            <a:r>
-              <a:rPr lang="en-US"/>
-              <a:t>Second level</a:t>
-            </a:r>
-          </a:p>
-          <a:p>
-            <a:pPr lvl="2"/>
-            <a:r>
-              <a:rPr lang="en-US"/>
-              <a:t>Third level</a:t>
-            </a:r>
-          </a:p>
-          <a:p>
-            <a:pPr lvl="3"/>
-            <a:r>
-              <a:rPr lang="en-US"/>
-              <a:t>Fourth level</a:t>
-            </a:r>
-          </a:p>
-          <a:p>
-            <a:pPr lvl="4"/>
-            <a:r>
-              <a:rPr lang="en-US"/>
-              <a:t>Fifth level</a:t>
-            </a:r>
-            <a:endParaRPr lang="en-US" dirty="0"/>
-          </a:p>
-        </p:txBody>
-      </p:sp>
-      <p:sp>
-        <p:nvSpPr>
-          <p:cNvPr id="5" name="Date Placeholder 4"/>
+          <p:cNvPr id="4" name="Date Placeholder 3"/>
           <p:cNvSpPr>
             <a:spLocks noGrp="1"/>
           </p:cNvSpPr>
@@ -1247,7 +1207,7 @@
       </p:sp>
       <p:sp>
         <p:nvSpPr>
-          <p:cNvPr id="6" name="Footer Placeholder 5"/>
+          <p:cNvPr id="5" name="Footer Placeholder 4"/>
           <p:cNvSpPr>
             <a:spLocks noGrp="1"/>
           </p:cNvSpPr>
@@ -1266,7 +1226,7 @@
       </p:sp>
       <p:sp>
         <p:nvSpPr>
-          <p:cNvPr id="7" name="Slide Number Placeholder 6"/>
+          <p:cNvPr id="6" name="Slide Number Placeholder 5"/>
           <p:cNvSpPr>
             <a:spLocks noGrp="1"/>
           </p:cNvSpPr>
@@ -1290,7 +1250,7 @@
     </p:spTree>
     <p:extLst>
       <p:ext uri="{BB962C8B-B14F-4D97-AF65-F5344CB8AC3E}">
-        <p14:creationId xmlns:p14="http://schemas.microsoft.com/office/powerpoint/2010/main" val="2333386593"/>
+        <p14:creationId xmlns:p14="http://schemas.microsoft.com/office/powerpoint/2010/main" val="164179220"/>
       </p:ext>
     </p:extLst>
   </p:cSld>
@@ -1300,9 +1260,9 @@
 </p:sldLayout>
 </file>
 
-<file path=ppt/slideLayouts/slideLayout5.xml><?xml version="1.0" encoding="utf-8"?>
-<p:sldLayout xmlns:a="http://schemas.openxmlformats.org/drawingml/2006/main" xmlns:r="http://schemas.openxmlformats.org/officeDocument/2006/relationships" xmlns:p="http://schemas.openxmlformats.org/presentationml/2006/main" type="twoTxTwoObj" preserve="1">
-  <p:cSld name="Comparison">
+<file path=ppt/slideLayouts/slideLayout3.xml><?xml version="1.0" encoding="utf-8"?>
+<p:sldLayout xmlns:a="http://schemas.openxmlformats.org/drawingml/2006/main" xmlns:r="http://schemas.openxmlformats.org/officeDocument/2006/relationships" xmlns:p="http://schemas.openxmlformats.org/presentationml/2006/main" type="secHead" preserve="1">
+  <p:cSld name="כותרת מקטע עליונה">
     <p:spTree>
       <p:nvGrpSpPr>
         <p:cNvPr id="1" name=""/>
@@ -1329,17 +1289,21 @@
         </p:nvSpPr>
         <p:spPr>
           <a:xfrm>
-            <a:off x="472381" y="536702"/>
-            <a:ext cx="5915025" cy="1948455"/>
+            <a:off x="1350891" y="8077332"/>
+            <a:ext cx="17076896" cy="13477201"/>
           </a:xfrm>
         </p:spPr>
         <p:txBody>
-          <a:bodyPr/>
-          <a:lstStyle/>
-          <a:p>
-            <a:r>
-              <a:rPr lang="en-US"/>
-              <a:t>Click to edit Master title style</a:t>
+          <a:bodyPr anchor="b"/>
+          <a:lstStyle>
+            <a:lvl1pPr>
+              <a:defRPr sz="12992"/>
+            </a:lvl1pPr>
+          </a:lstStyle>
+          <a:p>
+            <a:r>
+              <a:rPr lang="he-IL"/>
+              <a:t>לחץ כדי לערוך סגנון כותרת של תבנית בסיס</a:t>
             </a:r>
             <a:endParaRPr lang="en-US" dirty="0"/>
           </a:p>
@@ -1357,241 +1321,114 @@
         </p:nvSpPr>
         <p:spPr>
           <a:xfrm>
-            <a:off x="472381" y="2471154"/>
-            <a:ext cx="2901255" cy="1211074"/>
+            <a:off x="1350891" y="21682033"/>
+            <a:ext cx="17076896" cy="7087342"/>
           </a:xfrm>
         </p:spPr>
         <p:txBody>
-          <a:bodyPr anchor="b"/>
+          <a:bodyPr/>
           <a:lstStyle>
             <a:lvl1pPr marL="0" indent="0">
               <a:buNone/>
-              <a:defRPr sz="1800" b="1"/>
+              <a:defRPr sz="5197">
+                <a:solidFill>
+                  <a:schemeClr val="tx1"/>
+                </a:solidFill>
+              </a:defRPr>
             </a:lvl1pPr>
-            <a:lvl2pPr marL="342900" indent="0">
+            <a:lvl2pPr marL="989975" indent="0">
               <a:buNone/>
-              <a:defRPr sz="1500" b="1"/>
+              <a:defRPr sz="4331">
+                <a:solidFill>
+                  <a:schemeClr val="tx1">
+                    <a:tint val="75000"/>
+                  </a:schemeClr>
+                </a:solidFill>
+              </a:defRPr>
             </a:lvl2pPr>
-            <a:lvl3pPr marL="685800" indent="0">
+            <a:lvl3pPr marL="1979950" indent="0">
               <a:buNone/>
-              <a:defRPr sz="1350" b="1"/>
+              <a:defRPr sz="3898">
+                <a:solidFill>
+                  <a:schemeClr val="tx1">
+                    <a:tint val="75000"/>
+                  </a:schemeClr>
+                </a:solidFill>
+              </a:defRPr>
             </a:lvl3pPr>
-            <a:lvl4pPr marL="1028700" indent="0">
+            <a:lvl4pPr marL="2969925" indent="0">
               <a:buNone/>
-              <a:defRPr sz="1200" b="1"/>
+              <a:defRPr sz="3464">
+                <a:solidFill>
+                  <a:schemeClr val="tx1">
+                    <a:tint val="75000"/>
+                  </a:schemeClr>
+                </a:solidFill>
+              </a:defRPr>
             </a:lvl4pPr>
-            <a:lvl5pPr marL="1371600" indent="0">
+            <a:lvl5pPr marL="3959901" indent="0">
               <a:buNone/>
-              <a:defRPr sz="1200" b="1"/>
+              <a:defRPr sz="3464">
+                <a:solidFill>
+                  <a:schemeClr val="tx1">
+                    <a:tint val="75000"/>
+                  </a:schemeClr>
+                </a:solidFill>
+              </a:defRPr>
             </a:lvl5pPr>
-            <a:lvl6pPr marL="1714500" indent="0">
+            <a:lvl6pPr marL="4949876" indent="0">
               <a:buNone/>
-              <a:defRPr sz="1200" b="1"/>
+              <a:defRPr sz="3464">
+                <a:solidFill>
+                  <a:schemeClr val="tx1">
+                    <a:tint val="75000"/>
+                  </a:schemeClr>
+                </a:solidFill>
+              </a:defRPr>
             </a:lvl6pPr>
-            <a:lvl7pPr marL="2057400" indent="0">
+            <a:lvl7pPr marL="5939851" indent="0">
               <a:buNone/>
-              <a:defRPr sz="1200" b="1"/>
+              <a:defRPr sz="3464">
+                <a:solidFill>
+                  <a:schemeClr val="tx1">
+                    <a:tint val="75000"/>
+                  </a:schemeClr>
+                </a:solidFill>
+              </a:defRPr>
             </a:lvl7pPr>
-            <a:lvl8pPr marL="2400300" indent="0">
+            <a:lvl8pPr marL="6929826" indent="0">
               <a:buNone/>
-              <a:defRPr sz="1200" b="1"/>
+              <a:defRPr sz="3464">
+                <a:solidFill>
+                  <a:schemeClr val="tx1">
+                    <a:tint val="75000"/>
+                  </a:schemeClr>
+                </a:solidFill>
+              </a:defRPr>
             </a:lvl8pPr>
-            <a:lvl9pPr marL="2743200" indent="0">
+            <a:lvl9pPr marL="7919801" indent="0">
               <a:buNone/>
-              <a:defRPr sz="1200" b="1"/>
+              <a:defRPr sz="3464">
+                <a:solidFill>
+                  <a:schemeClr val="tx1">
+                    <a:tint val="75000"/>
+                  </a:schemeClr>
+                </a:solidFill>
+              </a:defRPr>
             </a:lvl9pPr>
           </a:lstStyle>
           <a:p>
             <a:pPr lvl="0"/>
             <a:r>
-              <a:rPr lang="en-US"/>
-              <a:t>Click to edit Master text styles</a:t>
-            </a:r>
-          </a:p>
-        </p:txBody>
-      </p:sp>
-      <p:sp>
-        <p:nvSpPr>
-          <p:cNvPr id="4" name="Content Placeholder 3"/>
-          <p:cNvSpPr>
-            <a:spLocks noGrp="1"/>
-          </p:cNvSpPr>
-          <p:nvPr>
-            <p:ph sz="half" idx="2"/>
-          </p:nvPr>
-        </p:nvSpPr>
-        <p:spPr>
-          <a:xfrm>
-            <a:off x="472381" y="3682228"/>
-            <a:ext cx="2901255" cy="5416003"/>
-          </a:xfrm>
-        </p:spPr>
-        <p:txBody>
-          <a:bodyPr/>
-          <a:lstStyle/>
-          <a:p>
-            <a:pPr lvl="0"/>
-            <a:r>
-              <a:rPr lang="en-US"/>
-              <a:t>Click to edit Master text styles</a:t>
-            </a:r>
-          </a:p>
-          <a:p>
-            <a:pPr lvl="1"/>
-            <a:r>
-              <a:rPr lang="en-US"/>
-              <a:t>Second level</a:t>
-            </a:r>
-          </a:p>
-          <a:p>
-            <a:pPr lvl="2"/>
-            <a:r>
-              <a:rPr lang="en-US"/>
-              <a:t>Third level</a:t>
-            </a:r>
-          </a:p>
-          <a:p>
-            <a:pPr lvl="3"/>
-            <a:r>
-              <a:rPr lang="en-US"/>
-              <a:t>Fourth level</a:t>
-            </a:r>
-          </a:p>
-          <a:p>
-            <a:pPr lvl="4"/>
-            <a:r>
-              <a:rPr lang="en-US"/>
-              <a:t>Fifth level</a:t>
-            </a:r>
-            <a:endParaRPr lang="en-US" dirty="0"/>
-          </a:p>
-        </p:txBody>
-      </p:sp>
-      <p:sp>
-        <p:nvSpPr>
-          <p:cNvPr id="5" name="Text Placeholder 4"/>
-          <p:cNvSpPr>
-            <a:spLocks noGrp="1"/>
-          </p:cNvSpPr>
-          <p:nvPr>
-            <p:ph type="body" sz="quarter" idx="3"/>
-          </p:nvPr>
-        </p:nvSpPr>
-        <p:spPr>
-          <a:xfrm>
-            <a:off x="3471863" y="2471154"/>
-            <a:ext cx="2915543" cy="1211074"/>
-          </a:xfrm>
-        </p:spPr>
-        <p:txBody>
-          <a:bodyPr anchor="b"/>
-          <a:lstStyle>
-            <a:lvl1pPr marL="0" indent="0">
-              <a:buNone/>
-              <a:defRPr sz="1800" b="1"/>
-            </a:lvl1pPr>
-            <a:lvl2pPr marL="342900" indent="0">
-              <a:buNone/>
-              <a:defRPr sz="1500" b="1"/>
-            </a:lvl2pPr>
-            <a:lvl3pPr marL="685800" indent="0">
-              <a:buNone/>
-              <a:defRPr sz="1350" b="1"/>
-            </a:lvl3pPr>
-            <a:lvl4pPr marL="1028700" indent="0">
-              <a:buNone/>
-              <a:defRPr sz="1200" b="1"/>
-            </a:lvl4pPr>
-            <a:lvl5pPr marL="1371600" indent="0">
-              <a:buNone/>
-              <a:defRPr sz="1200" b="1"/>
-            </a:lvl5pPr>
-            <a:lvl6pPr marL="1714500" indent="0">
-              <a:buNone/>
-              <a:defRPr sz="1200" b="1"/>
-            </a:lvl6pPr>
-            <a:lvl7pPr marL="2057400" indent="0">
-              <a:buNone/>
-              <a:defRPr sz="1200" b="1"/>
-            </a:lvl7pPr>
-            <a:lvl8pPr marL="2400300" indent="0">
-              <a:buNone/>
-              <a:defRPr sz="1200" b="1"/>
-            </a:lvl8pPr>
-            <a:lvl9pPr marL="2743200" indent="0">
-              <a:buNone/>
-              <a:defRPr sz="1200" b="1"/>
-            </a:lvl9pPr>
-          </a:lstStyle>
-          <a:p>
-            <a:pPr lvl="0"/>
-            <a:r>
-              <a:rPr lang="en-US"/>
-              <a:t>Click to edit Master text styles</a:t>
-            </a:r>
-          </a:p>
-        </p:txBody>
-      </p:sp>
-      <p:sp>
-        <p:nvSpPr>
-          <p:cNvPr id="6" name="Content Placeholder 5"/>
-          <p:cNvSpPr>
-            <a:spLocks noGrp="1"/>
-          </p:cNvSpPr>
-          <p:nvPr>
-            <p:ph sz="quarter" idx="4"/>
-          </p:nvPr>
-        </p:nvSpPr>
-        <p:spPr>
-          <a:xfrm>
-            <a:off x="3471863" y="3682228"/>
-            <a:ext cx="2915543" cy="5416003"/>
-          </a:xfrm>
-        </p:spPr>
-        <p:txBody>
-          <a:bodyPr/>
-          <a:lstStyle/>
-          <a:p>
-            <a:pPr lvl="0"/>
-            <a:r>
-              <a:rPr lang="en-US"/>
-              <a:t>Click to edit Master text styles</a:t>
-            </a:r>
-          </a:p>
-          <a:p>
-            <a:pPr lvl="1"/>
-            <a:r>
-              <a:rPr lang="en-US"/>
-              <a:t>Second level</a:t>
-            </a:r>
-          </a:p>
-          <a:p>
-            <a:pPr lvl="2"/>
-            <a:r>
-              <a:rPr lang="en-US"/>
-              <a:t>Third level</a:t>
-            </a:r>
-          </a:p>
-          <a:p>
-            <a:pPr lvl="3"/>
-            <a:r>
-              <a:rPr lang="en-US"/>
-              <a:t>Fourth level</a:t>
-            </a:r>
-          </a:p>
-          <a:p>
-            <a:pPr lvl="4"/>
-            <a:r>
-              <a:rPr lang="en-US"/>
-              <a:t>Fifth level</a:t>
-            </a:r>
-            <a:endParaRPr lang="en-US" dirty="0"/>
-          </a:p>
-        </p:txBody>
-      </p:sp>
-      <p:sp>
-        <p:nvSpPr>
-          <p:cNvPr id="7" name="Date Placeholder 6"/>
+              <a:rPr lang="he-IL"/>
+              <a:t>לחץ כדי לערוך סגנונות טקסט של תבנית בסיס</a:t>
+            </a:r>
+          </a:p>
+        </p:txBody>
+      </p:sp>
+      <p:sp>
+        <p:nvSpPr>
+          <p:cNvPr id="4" name="Date Placeholder 3"/>
           <p:cNvSpPr>
             <a:spLocks noGrp="1"/>
           </p:cNvSpPr>
@@ -1614,7 +1451,7 @@
       </p:sp>
       <p:sp>
         <p:nvSpPr>
-          <p:cNvPr id="8" name="Footer Placeholder 7"/>
+          <p:cNvPr id="5" name="Footer Placeholder 4"/>
           <p:cNvSpPr>
             <a:spLocks noGrp="1"/>
           </p:cNvSpPr>
@@ -1633,7 +1470,7 @@
       </p:sp>
       <p:sp>
         <p:nvSpPr>
-          <p:cNvPr id="9" name="Slide Number Placeholder 8"/>
+          <p:cNvPr id="6" name="Slide Number Placeholder 5"/>
           <p:cNvSpPr>
             <a:spLocks noGrp="1"/>
           </p:cNvSpPr>
@@ -1657,7 +1494,7 @@
     </p:spTree>
     <p:extLst>
       <p:ext uri="{BB962C8B-B14F-4D97-AF65-F5344CB8AC3E}">
-        <p14:creationId xmlns:p14="http://schemas.microsoft.com/office/powerpoint/2010/main" val="1535655424"/>
+        <p14:creationId xmlns:p14="http://schemas.microsoft.com/office/powerpoint/2010/main" val="3257377307"/>
       </p:ext>
     </p:extLst>
   </p:cSld>
@@ -1667,9 +1504,9 @@
 </p:sldLayout>
 </file>
 
-<file path=ppt/slideLayouts/slideLayout6.xml><?xml version="1.0" encoding="utf-8"?>
-<p:sldLayout xmlns:a="http://schemas.openxmlformats.org/drawingml/2006/main" xmlns:r="http://schemas.openxmlformats.org/officeDocument/2006/relationships" xmlns:p="http://schemas.openxmlformats.org/presentationml/2006/main" type="titleOnly" preserve="1">
-  <p:cSld name="Title Only">
+<file path=ppt/slideLayouts/slideLayout4.xml><?xml version="1.0" encoding="utf-8"?>
+<p:sldLayout xmlns:a="http://schemas.openxmlformats.org/drawingml/2006/main" xmlns:r="http://schemas.openxmlformats.org/officeDocument/2006/relationships" xmlns:p="http://schemas.openxmlformats.org/presentationml/2006/main" type="twoObj" preserve="1">
+  <p:cSld name="שני תכנים">
     <p:spTree>
       <p:nvGrpSpPr>
         <p:cNvPr id="1" name=""/>
@@ -1700,8 +1537,8 @@
           <a:lstStyle/>
           <a:p>
             <a:r>
-              <a:rPr lang="en-US"/>
-              <a:t>Click to edit Master title style</a:t>
+              <a:rPr lang="he-IL"/>
+              <a:t>לחץ כדי לערוך סגנון כותרת של תבנית בסיס</a:t>
             </a:r>
             <a:endParaRPr lang="en-US" dirty="0"/>
           </a:p>
@@ -1709,7 +1546,121 @@
       </p:sp>
       <p:sp>
         <p:nvSpPr>
-          <p:cNvPr id="3" name="Date Placeholder 2"/>
+          <p:cNvPr id="3" name="Content Placeholder 2"/>
+          <p:cNvSpPr>
+            <a:spLocks noGrp="1"/>
+          </p:cNvSpPr>
+          <p:nvPr>
+            <p:ph sz="half" idx="1"/>
+          </p:nvPr>
+        </p:nvSpPr>
+        <p:spPr>
+          <a:xfrm>
+            <a:off x="1361202" y="8624810"/>
+            <a:ext cx="8414703" cy="20557051"/>
+          </a:xfrm>
+        </p:spPr>
+        <p:txBody>
+          <a:bodyPr/>
+          <a:lstStyle/>
+          <a:p>
+            <a:pPr lvl="0"/>
+            <a:r>
+              <a:rPr lang="he-IL"/>
+              <a:t>לחץ כדי לערוך סגנונות טקסט של תבנית בסיס</a:t>
+            </a:r>
+          </a:p>
+          <a:p>
+            <a:pPr lvl="1"/>
+            <a:r>
+              <a:rPr lang="he-IL"/>
+              <a:t>רמה שנייה</a:t>
+            </a:r>
+          </a:p>
+          <a:p>
+            <a:pPr lvl="2"/>
+            <a:r>
+              <a:rPr lang="he-IL"/>
+              <a:t>רמה שלישית</a:t>
+            </a:r>
+          </a:p>
+          <a:p>
+            <a:pPr lvl="3"/>
+            <a:r>
+              <a:rPr lang="he-IL"/>
+              <a:t>רמה רביעית</a:t>
+            </a:r>
+          </a:p>
+          <a:p>
+            <a:pPr lvl="4"/>
+            <a:r>
+              <a:rPr lang="he-IL"/>
+              <a:t>רמה חמישית</a:t>
+            </a:r>
+            <a:endParaRPr lang="en-US" dirty="0"/>
+          </a:p>
+        </p:txBody>
+      </p:sp>
+      <p:sp>
+        <p:nvSpPr>
+          <p:cNvPr id="4" name="Content Placeholder 3"/>
+          <p:cNvSpPr>
+            <a:spLocks noGrp="1"/>
+          </p:cNvSpPr>
+          <p:nvPr>
+            <p:ph sz="half" idx="2"/>
+          </p:nvPr>
+        </p:nvSpPr>
+        <p:spPr>
+          <a:xfrm>
+            <a:off x="10023395" y="8624810"/>
+            <a:ext cx="8414703" cy="20557051"/>
+          </a:xfrm>
+        </p:spPr>
+        <p:txBody>
+          <a:bodyPr/>
+          <a:lstStyle/>
+          <a:p>
+            <a:pPr lvl="0"/>
+            <a:r>
+              <a:rPr lang="he-IL"/>
+              <a:t>לחץ כדי לערוך סגנונות טקסט של תבנית בסיס</a:t>
+            </a:r>
+          </a:p>
+          <a:p>
+            <a:pPr lvl="1"/>
+            <a:r>
+              <a:rPr lang="he-IL"/>
+              <a:t>רמה שנייה</a:t>
+            </a:r>
+          </a:p>
+          <a:p>
+            <a:pPr lvl="2"/>
+            <a:r>
+              <a:rPr lang="he-IL"/>
+              <a:t>רמה שלישית</a:t>
+            </a:r>
+          </a:p>
+          <a:p>
+            <a:pPr lvl="3"/>
+            <a:r>
+              <a:rPr lang="he-IL"/>
+              <a:t>רמה רביעית</a:t>
+            </a:r>
+          </a:p>
+          <a:p>
+            <a:pPr lvl="4"/>
+            <a:r>
+              <a:rPr lang="he-IL"/>
+              <a:t>רמה חמישית</a:t>
+            </a:r>
+            <a:endParaRPr lang="en-US" dirty="0"/>
+          </a:p>
+        </p:txBody>
+      </p:sp>
+      <p:sp>
+        <p:nvSpPr>
+          <p:cNvPr id="5" name="Date Placeholder 4"/>
           <p:cNvSpPr>
             <a:spLocks noGrp="1"/>
           </p:cNvSpPr>
@@ -1732,7 +1683,7 @@
       </p:sp>
       <p:sp>
         <p:nvSpPr>
-          <p:cNvPr id="4" name="Footer Placeholder 3"/>
+          <p:cNvPr id="6" name="Footer Placeholder 5"/>
           <p:cNvSpPr>
             <a:spLocks noGrp="1"/>
           </p:cNvSpPr>
@@ -1751,7 +1702,7 @@
       </p:sp>
       <p:sp>
         <p:nvSpPr>
-          <p:cNvPr id="5" name="Slide Number Placeholder 4"/>
+          <p:cNvPr id="7" name="Slide Number Placeholder 6"/>
           <p:cNvSpPr>
             <a:spLocks noGrp="1"/>
           </p:cNvSpPr>
@@ -1775,7 +1726,7 @@
     </p:spTree>
     <p:extLst>
       <p:ext uri="{BB962C8B-B14F-4D97-AF65-F5344CB8AC3E}">
-        <p14:creationId xmlns:p14="http://schemas.microsoft.com/office/powerpoint/2010/main" val="650088679"/>
+        <p14:creationId xmlns:p14="http://schemas.microsoft.com/office/powerpoint/2010/main" val="2753447745"/>
       </p:ext>
     </p:extLst>
   </p:cSld>
@@ -1785,9 +1736,9 @@
 </p:sldLayout>
 </file>
 
-<file path=ppt/slideLayouts/slideLayout7.xml><?xml version="1.0" encoding="utf-8"?>
-<p:sldLayout xmlns:a="http://schemas.openxmlformats.org/drawingml/2006/main" xmlns:r="http://schemas.openxmlformats.org/officeDocument/2006/relationships" xmlns:p="http://schemas.openxmlformats.org/presentationml/2006/main" type="blank" preserve="1">
-  <p:cSld name="Blank">
+<file path=ppt/slideLayouts/slideLayout5.xml><?xml version="1.0" encoding="utf-8"?>
+<p:sldLayout xmlns:a="http://schemas.openxmlformats.org/drawingml/2006/main" xmlns:r="http://schemas.openxmlformats.org/officeDocument/2006/relationships" xmlns:p="http://schemas.openxmlformats.org/presentationml/2006/main" type="twoTxTwoObj" preserve="1">
+  <p:cSld name="השוואה">
     <p:spTree>
       <p:nvGrpSpPr>
         <p:cNvPr id="1" name=""/>
@@ -1804,7 +1755,279 @@
       </p:grpSpPr>
       <p:sp>
         <p:nvSpPr>
-          <p:cNvPr id="2" name="Date Placeholder 1"/>
+          <p:cNvPr id="2" name="Title 1"/>
+          <p:cNvSpPr>
+            <a:spLocks noGrp="1"/>
+          </p:cNvSpPr>
+          <p:nvPr>
+            <p:ph type="title"/>
+          </p:nvPr>
+        </p:nvSpPr>
+        <p:spPr>
+          <a:xfrm>
+            <a:off x="1363781" y="1724969"/>
+            <a:ext cx="17076896" cy="6262365"/>
+          </a:xfrm>
+        </p:spPr>
+        <p:txBody>
+          <a:bodyPr/>
+          <a:lstStyle/>
+          <a:p>
+            <a:r>
+              <a:rPr lang="he-IL"/>
+              <a:t>לחץ כדי לערוך סגנון כותרת של תבנית בסיס</a:t>
+            </a:r>
+            <a:endParaRPr lang="en-US" dirty="0"/>
+          </a:p>
+        </p:txBody>
+      </p:sp>
+      <p:sp>
+        <p:nvSpPr>
+          <p:cNvPr id="3" name="Text Placeholder 2"/>
+          <p:cNvSpPr>
+            <a:spLocks noGrp="1"/>
+          </p:cNvSpPr>
+          <p:nvPr>
+            <p:ph type="body" idx="1"/>
+          </p:nvPr>
+        </p:nvSpPr>
+        <p:spPr>
+          <a:xfrm>
+            <a:off x="1363783" y="7942328"/>
+            <a:ext cx="8376031" cy="3892412"/>
+          </a:xfrm>
+        </p:spPr>
+        <p:txBody>
+          <a:bodyPr anchor="b"/>
+          <a:lstStyle>
+            <a:lvl1pPr marL="0" indent="0">
+              <a:buNone/>
+              <a:defRPr sz="5197" b="1"/>
+            </a:lvl1pPr>
+            <a:lvl2pPr marL="989975" indent="0">
+              <a:buNone/>
+              <a:defRPr sz="4331" b="1"/>
+            </a:lvl2pPr>
+            <a:lvl3pPr marL="1979950" indent="0">
+              <a:buNone/>
+              <a:defRPr sz="3898" b="1"/>
+            </a:lvl3pPr>
+            <a:lvl4pPr marL="2969925" indent="0">
+              <a:buNone/>
+              <a:defRPr sz="3464" b="1"/>
+            </a:lvl4pPr>
+            <a:lvl5pPr marL="3959901" indent="0">
+              <a:buNone/>
+              <a:defRPr sz="3464" b="1"/>
+            </a:lvl5pPr>
+            <a:lvl6pPr marL="4949876" indent="0">
+              <a:buNone/>
+              <a:defRPr sz="3464" b="1"/>
+            </a:lvl6pPr>
+            <a:lvl7pPr marL="5939851" indent="0">
+              <a:buNone/>
+              <a:defRPr sz="3464" b="1"/>
+            </a:lvl7pPr>
+            <a:lvl8pPr marL="6929826" indent="0">
+              <a:buNone/>
+              <a:defRPr sz="3464" b="1"/>
+            </a:lvl8pPr>
+            <a:lvl9pPr marL="7919801" indent="0">
+              <a:buNone/>
+              <a:defRPr sz="3464" b="1"/>
+            </a:lvl9pPr>
+          </a:lstStyle>
+          <a:p>
+            <a:pPr lvl="0"/>
+            <a:r>
+              <a:rPr lang="he-IL"/>
+              <a:t>לחץ כדי לערוך סגנונות טקסט של תבנית בסיס</a:t>
+            </a:r>
+          </a:p>
+        </p:txBody>
+      </p:sp>
+      <p:sp>
+        <p:nvSpPr>
+          <p:cNvPr id="4" name="Content Placeholder 3"/>
+          <p:cNvSpPr>
+            <a:spLocks noGrp="1"/>
+          </p:cNvSpPr>
+          <p:nvPr>
+            <p:ph sz="half" idx="2"/>
+          </p:nvPr>
+        </p:nvSpPr>
+        <p:spPr>
+          <a:xfrm>
+            <a:off x="1363783" y="11834740"/>
+            <a:ext cx="8376031" cy="17407120"/>
+          </a:xfrm>
+        </p:spPr>
+        <p:txBody>
+          <a:bodyPr/>
+          <a:lstStyle/>
+          <a:p>
+            <a:pPr lvl="0"/>
+            <a:r>
+              <a:rPr lang="he-IL"/>
+              <a:t>לחץ כדי לערוך סגנונות טקסט של תבנית בסיס</a:t>
+            </a:r>
+          </a:p>
+          <a:p>
+            <a:pPr lvl="1"/>
+            <a:r>
+              <a:rPr lang="he-IL"/>
+              <a:t>רמה שנייה</a:t>
+            </a:r>
+          </a:p>
+          <a:p>
+            <a:pPr lvl="2"/>
+            <a:r>
+              <a:rPr lang="he-IL"/>
+              <a:t>רמה שלישית</a:t>
+            </a:r>
+          </a:p>
+          <a:p>
+            <a:pPr lvl="3"/>
+            <a:r>
+              <a:rPr lang="he-IL"/>
+              <a:t>רמה רביעית</a:t>
+            </a:r>
+          </a:p>
+          <a:p>
+            <a:pPr lvl="4"/>
+            <a:r>
+              <a:rPr lang="he-IL"/>
+              <a:t>רמה חמישית</a:t>
+            </a:r>
+            <a:endParaRPr lang="en-US" dirty="0"/>
+          </a:p>
+        </p:txBody>
+      </p:sp>
+      <p:sp>
+        <p:nvSpPr>
+          <p:cNvPr id="5" name="Text Placeholder 4"/>
+          <p:cNvSpPr>
+            <a:spLocks noGrp="1"/>
+          </p:cNvSpPr>
+          <p:nvPr>
+            <p:ph type="body" sz="quarter" idx="3"/>
+          </p:nvPr>
+        </p:nvSpPr>
+        <p:spPr>
+          <a:xfrm>
+            <a:off x="10023397" y="7942328"/>
+            <a:ext cx="8417281" cy="3892412"/>
+          </a:xfrm>
+        </p:spPr>
+        <p:txBody>
+          <a:bodyPr anchor="b"/>
+          <a:lstStyle>
+            <a:lvl1pPr marL="0" indent="0">
+              <a:buNone/>
+              <a:defRPr sz="5197" b="1"/>
+            </a:lvl1pPr>
+            <a:lvl2pPr marL="989975" indent="0">
+              <a:buNone/>
+              <a:defRPr sz="4331" b="1"/>
+            </a:lvl2pPr>
+            <a:lvl3pPr marL="1979950" indent="0">
+              <a:buNone/>
+              <a:defRPr sz="3898" b="1"/>
+            </a:lvl3pPr>
+            <a:lvl4pPr marL="2969925" indent="0">
+              <a:buNone/>
+              <a:defRPr sz="3464" b="1"/>
+            </a:lvl4pPr>
+            <a:lvl5pPr marL="3959901" indent="0">
+              <a:buNone/>
+              <a:defRPr sz="3464" b="1"/>
+            </a:lvl5pPr>
+            <a:lvl6pPr marL="4949876" indent="0">
+              <a:buNone/>
+              <a:defRPr sz="3464" b="1"/>
+            </a:lvl6pPr>
+            <a:lvl7pPr marL="5939851" indent="0">
+              <a:buNone/>
+              <a:defRPr sz="3464" b="1"/>
+            </a:lvl7pPr>
+            <a:lvl8pPr marL="6929826" indent="0">
+              <a:buNone/>
+              <a:defRPr sz="3464" b="1"/>
+            </a:lvl8pPr>
+            <a:lvl9pPr marL="7919801" indent="0">
+              <a:buNone/>
+              <a:defRPr sz="3464" b="1"/>
+            </a:lvl9pPr>
+          </a:lstStyle>
+          <a:p>
+            <a:pPr lvl="0"/>
+            <a:r>
+              <a:rPr lang="he-IL"/>
+              <a:t>לחץ כדי לערוך סגנונות טקסט של תבנית בסיס</a:t>
+            </a:r>
+          </a:p>
+        </p:txBody>
+      </p:sp>
+      <p:sp>
+        <p:nvSpPr>
+          <p:cNvPr id="6" name="Content Placeholder 5"/>
+          <p:cNvSpPr>
+            <a:spLocks noGrp="1"/>
+          </p:cNvSpPr>
+          <p:nvPr>
+            <p:ph sz="quarter" idx="4"/>
+          </p:nvPr>
+        </p:nvSpPr>
+        <p:spPr>
+          <a:xfrm>
+            <a:off x="10023397" y="11834740"/>
+            <a:ext cx="8417281" cy="17407120"/>
+          </a:xfrm>
+        </p:spPr>
+        <p:txBody>
+          <a:bodyPr/>
+          <a:lstStyle/>
+          <a:p>
+            <a:pPr lvl="0"/>
+            <a:r>
+              <a:rPr lang="he-IL"/>
+              <a:t>לחץ כדי לערוך סגנונות טקסט של תבנית בסיס</a:t>
+            </a:r>
+          </a:p>
+          <a:p>
+            <a:pPr lvl="1"/>
+            <a:r>
+              <a:rPr lang="he-IL"/>
+              <a:t>רמה שנייה</a:t>
+            </a:r>
+          </a:p>
+          <a:p>
+            <a:pPr lvl="2"/>
+            <a:r>
+              <a:rPr lang="he-IL"/>
+              <a:t>רמה שלישית</a:t>
+            </a:r>
+          </a:p>
+          <a:p>
+            <a:pPr lvl="3"/>
+            <a:r>
+              <a:rPr lang="he-IL"/>
+              <a:t>רמה רביעית</a:t>
+            </a:r>
+          </a:p>
+          <a:p>
+            <a:pPr lvl="4"/>
+            <a:r>
+              <a:rPr lang="he-IL"/>
+              <a:t>רמה חמישית</a:t>
+            </a:r>
+            <a:endParaRPr lang="en-US" dirty="0"/>
+          </a:p>
+        </p:txBody>
+      </p:sp>
+      <p:sp>
+        <p:nvSpPr>
+          <p:cNvPr id="7" name="Date Placeholder 6"/>
           <p:cNvSpPr>
             <a:spLocks noGrp="1"/>
           </p:cNvSpPr>
@@ -1827,7 +2050,7 @@
       </p:sp>
       <p:sp>
         <p:nvSpPr>
-          <p:cNvPr id="3" name="Footer Placeholder 2"/>
+          <p:cNvPr id="8" name="Footer Placeholder 7"/>
           <p:cNvSpPr>
             <a:spLocks noGrp="1"/>
           </p:cNvSpPr>
@@ -1846,7 +2069,7 @@
       </p:sp>
       <p:sp>
         <p:nvSpPr>
-          <p:cNvPr id="4" name="Slide Number Placeholder 3"/>
+          <p:cNvPr id="9" name="Slide Number Placeholder 8"/>
           <p:cNvSpPr>
             <a:spLocks noGrp="1"/>
           </p:cNvSpPr>
@@ -1870,7 +2093,7 @@
     </p:spTree>
     <p:extLst>
       <p:ext uri="{BB962C8B-B14F-4D97-AF65-F5344CB8AC3E}">
-        <p14:creationId xmlns:p14="http://schemas.microsoft.com/office/powerpoint/2010/main" val="2184415739"/>
+        <p14:creationId xmlns:p14="http://schemas.microsoft.com/office/powerpoint/2010/main" val="3307386534"/>
       </p:ext>
     </p:extLst>
   </p:cSld>
@@ -1880,9 +2103,9 @@
 </p:sldLayout>
 </file>
 
-<file path=ppt/slideLayouts/slideLayout8.xml><?xml version="1.0" encoding="utf-8"?>
-<p:sldLayout xmlns:a="http://schemas.openxmlformats.org/drawingml/2006/main" xmlns:r="http://schemas.openxmlformats.org/officeDocument/2006/relationships" xmlns:p="http://schemas.openxmlformats.org/presentationml/2006/main" type="objTx" preserve="1">
-  <p:cSld name="Content with Caption">
+<file path=ppt/slideLayouts/slideLayout6.xml><?xml version="1.0" encoding="utf-8"?>
+<p:sldLayout xmlns:a="http://schemas.openxmlformats.org/drawingml/2006/main" xmlns:r="http://schemas.openxmlformats.org/officeDocument/2006/relationships" xmlns:p="http://schemas.openxmlformats.org/presentationml/2006/main" type="titleOnly" preserve="1">
+  <p:cSld name="כותרת בלבד">
     <p:spTree>
       <p:nvGrpSpPr>
         <p:cNvPr id="1" name=""/>
@@ -1907,23 +2130,14 @@
             <p:ph type="title"/>
           </p:nvPr>
         </p:nvSpPr>
-        <p:spPr>
-          <a:xfrm>
-            <a:off x="472381" y="672042"/>
-            <a:ext cx="2211884" cy="2352146"/>
-          </a:xfrm>
-        </p:spPr>
-        <p:txBody>
-          <a:bodyPr anchor="b"/>
-          <a:lstStyle>
-            <a:lvl1pPr>
-              <a:defRPr sz="2400"/>
-            </a:lvl1pPr>
-          </a:lstStyle>
-          <a:p>
-            <a:r>
-              <a:rPr lang="en-US"/>
-              <a:t>Click to edit Master title style</a:t>
+        <p:spPr/>
+        <p:txBody>
+          <a:bodyPr/>
+          <a:lstStyle/>
+          <a:p>
+            <a:r>
+              <a:rPr lang="he-IL"/>
+              <a:t>לחץ כדי לערוך סגנון כותרת של תבנית בסיס</a:t>
             </a:r>
             <a:endParaRPr lang="en-US" dirty="0"/>
           </a:p>
@@ -1931,157 +2145,7 @@
       </p:sp>
       <p:sp>
         <p:nvSpPr>
-          <p:cNvPr id="3" name="Content Placeholder 2"/>
-          <p:cNvSpPr>
-            <a:spLocks noGrp="1"/>
-          </p:cNvSpPr>
-          <p:nvPr>
-            <p:ph idx="1"/>
-          </p:nvPr>
-        </p:nvSpPr>
-        <p:spPr>
-          <a:xfrm>
-            <a:off x="2915543" y="1451426"/>
-            <a:ext cx="3471863" cy="7163777"/>
-          </a:xfrm>
-        </p:spPr>
-        <p:txBody>
-          <a:bodyPr/>
-          <a:lstStyle>
-            <a:lvl1pPr>
-              <a:defRPr sz="2400"/>
-            </a:lvl1pPr>
-            <a:lvl2pPr>
-              <a:defRPr sz="2100"/>
-            </a:lvl2pPr>
-            <a:lvl3pPr>
-              <a:defRPr sz="1800"/>
-            </a:lvl3pPr>
-            <a:lvl4pPr>
-              <a:defRPr sz="1500"/>
-            </a:lvl4pPr>
-            <a:lvl5pPr>
-              <a:defRPr sz="1500"/>
-            </a:lvl5pPr>
-            <a:lvl6pPr>
-              <a:defRPr sz="1500"/>
-            </a:lvl6pPr>
-            <a:lvl7pPr>
-              <a:defRPr sz="1500"/>
-            </a:lvl7pPr>
-            <a:lvl8pPr>
-              <a:defRPr sz="1500"/>
-            </a:lvl8pPr>
-            <a:lvl9pPr>
-              <a:defRPr sz="1500"/>
-            </a:lvl9pPr>
-          </a:lstStyle>
-          <a:p>
-            <a:pPr lvl="0"/>
-            <a:r>
-              <a:rPr lang="en-US"/>
-              <a:t>Click to edit Master text styles</a:t>
-            </a:r>
-          </a:p>
-          <a:p>
-            <a:pPr lvl="1"/>
-            <a:r>
-              <a:rPr lang="en-US"/>
-              <a:t>Second level</a:t>
-            </a:r>
-          </a:p>
-          <a:p>
-            <a:pPr lvl="2"/>
-            <a:r>
-              <a:rPr lang="en-US"/>
-              <a:t>Third level</a:t>
-            </a:r>
-          </a:p>
-          <a:p>
-            <a:pPr lvl="3"/>
-            <a:r>
-              <a:rPr lang="en-US"/>
-              <a:t>Fourth level</a:t>
-            </a:r>
-          </a:p>
-          <a:p>
-            <a:pPr lvl="4"/>
-            <a:r>
-              <a:rPr lang="en-US"/>
-              <a:t>Fifth level</a:t>
-            </a:r>
-            <a:endParaRPr lang="en-US" dirty="0"/>
-          </a:p>
-        </p:txBody>
-      </p:sp>
-      <p:sp>
-        <p:nvSpPr>
-          <p:cNvPr id="4" name="Text Placeholder 3"/>
-          <p:cNvSpPr>
-            <a:spLocks noGrp="1"/>
-          </p:cNvSpPr>
-          <p:nvPr>
-            <p:ph type="body" sz="half" idx="2"/>
-          </p:nvPr>
-        </p:nvSpPr>
-        <p:spPr>
-          <a:xfrm>
-            <a:off x="472381" y="3024188"/>
-            <a:ext cx="2211884" cy="5602681"/>
-          </a:xfrm>
-        </p:spPr>
-        <p:txBody>
-          <a:bodyPr/>
-          <a:lstStyle>
-            <a:lvl1pPr marL="0" indent="0">
-              <a:buNone/>
-              <a:defRPr sz="1200"/>
-            </a:lvl1pPr>
-            <a:lvl2pPr marL="342900" indent="0">
-              <a:buNone/>
-              <a:defRPr sz="1050"/>
-            </a:lvl2pPr>
-            <a:lvl3pPr marL="685800" indent="0">
-              <a:buNone/>
-              <a:defRPr sz="900"/>
-            </a:lvl3pPr>
-            <a:lvl4pPr marL="1028700" indent="0">
-              <a:buNone/>
-              <a:defRPr sz="750"/>
-            </a:lvl4pPr>
-            <a:lvl5pPr marL="1371600" indent="0">
-              <a:buNone/>
-              <a:defRPr sz="750"/>
-            </a:lvl5pPr>
-            <a:lvl6pPr marL="1714500" indent="0">
-              <a:buNone/>
-              <a:defRPr sz="750"/>
-            </a:lvl6pPr>
-            <a:lvl7pPr marL="2057400" indent="0">
-              <a:buNone/>
-              <a:defRPr sz="750"/>
-            </a:lvl7pPr>
-            <a:lvl8pPr marL="2400300" indent="0">
-              <a:buNone/>
-              <a:defRPr sz="750"/>
-            </a:lvl8pPr>
-            <a:lvl9pPr marL="2743200" indent="0">
-              <a:buNone/>
-              <a:defRPr sz="750"/>
-            </a:lvl9pPr>
-          </a:lstStyle>
-          <a:p>
-            <a:pPr lvl="0"/>
-            <a:r>
-              <a:rPr lang="en-US"/>
-              <a:t>Click to edit Master text styles</a:t>
-            </a:r>
-          </a:p>
-        </p:txBody>
-      </p:sp>
-      <p:sp>
-        <p:nvSpPr>
-          <p:cNvPr id="5" name="Date Placeholder 4"/>
+          <p:cNvPr id="3" name="Date Placeholder 2"/>
           <p:cNvSpPr>
             <a:spLocks noGrp="1"/>
           </p:cNvSpPr>
@@ -2104,7 +2168,7 @@
       </p:sp>
       <p:sp>
         <p:nvSpPr>
-          <p:cNvPr id="6" name="Footer Placeholder 5"/>
+          <p:cNvPr id="4" name="Footer Placeholder 3"/>
           <p:cNvSpPr>
             <a:spLocks noGrp="1"/>
           </p:cNvSpPr>
@@ -2123,7 +2187,7 @@
       </p:sp>
       <p:sp>
         <p:nvSpPr>
-          <p:cNvPr id="7" name="Slide Number Placeholder 6"/>
+          <p:cNvPr id="5" name="Slide Number Placeholder 4"/>
           <p:cNvSpPr>
             <a:spLocks noGrp="1"/>
           </p:cNvSpPr>
@@ -2147,7 +2211,7 @@
     </p:spTree>
     <p:extLst>
       <p:ext uri="{BB962C8B-B14F-4D97-AF65-F5344CB8AC3E}">
-        <p14:creationId xmlns:p14="http://schemas.microsoft.com/office/powerpoint/2010/main" val="1142121308"/>
+        <p14:creationId xmlns:p14="http://schemas.microsoft.com/office/powerpoint/2010/main" val="922832342"/>
       </p:ext>
     </p:extLst>
   </p:cSld>
@@ -2157,9 +2221,9 @@
 </p:sldLayout>
 </file>
 
-<file path=ppt/slideLayouts/slideLayout9.xml><?xml version="1.0" encoding="utf-8"?>
-<p:sldLayout xmlns:a="http://schemas.openxmlformats.org/drawingml/2006/main" xmlns:r="http://schemas.openxmlformats.org/officeDocument/2006/relationships" xmlns:p="http://schemas.openxmlformats.org/presentationml/2006/main" type="picTx" preserve="1">
-  <p:cSld name="Picture with Caption">
+<file path=ppt/slideLayouts/slideLayout7.xml><?xml version="1.0" encoding="utf-8"?>
+<p:sldLayout xmlns:a="http://schemas.openxmlformats.org/drawingml/2006/main" xmlns:r="http://schemas.openxmlformats.org/officeDocument/2006/relationships" xmlns:p="http://schemas.openxmlformats.org/presentationml/2006/main" type="blank" preserve="1">
+  <p:cSld name="ריק">
     <p:spTree>
       <p:nvGrpSpPr>
         <p:cNvPr id="1" name=""/>
@@ -2176,169 +2240,7 @@
       </p:grpSpPr>
       <p:sp>
         <p:nvSpPr>
-          <p:cNvPr id="2" name="Title 1"/>
-          <p:cNvSpPr>
-            <a:spLocks noGrp="1"/>
-          </p:cNvSpPr>
-          <p:nvPr>
-            <p:ph type="title"/>
-          </p:nvPr>
-        </p:nvSpPr>
-        <p:spPr>
-          <a:xfrm>
-            <a:off x="472381" y="672042"/>
-            <a:ext cx="2211884" cy="2352146"/>
-          </a:xfrm>
-        </p:spPr>
-        <p:txBody>
-          <a:bodyPr anchor="b"/>
-          <a:lstStyle>
-            <a:lvl1pPr>
-              <a:defRPr sz="2400"/>
-            </a:lvl1pPr>
-          </a:lstStyle>
-          <a:p>
-            <a:r>
-              <a:rPr lang="en-US"/>
-              <a:t>Click to edit Master title style</a:t>
-            </a:r>
-            <a:endParaRPr lang="en-US" dirty="0"/>
-          </a:p>
-        </p:txBody>
-      </p:sp>
-      <p:sp>
-        <p:nvSpPr>
-          <p:cNvPr id="3" name="Picture Placeholder 2"/>
-          <p:cNvSpPr>
-            <a:spLocks noGrp="1" noChangeAspect="1"/>
-          </p:cNvSpPr>
-          <p:nvPr>
-            <p:ph type="pic" idx="1"/>
-          </p:nvPr>
-        </p:nvSpPr>
-        <p:spPr>
-          <a:xfrm>
-            <a:off x="2915543" y="1451426"/>
-            <a:ext cx="3471863" cy="7163777"/>
-          </a:xfrm>
-        </p:spPr>
-        <p:txBody>
-          <a:bodyPr anchor="t"/>
-          <a:lstStyle>
-            <a:lvl1pPr marL="0" indent="0">
-              <a:buNone/>
-              <a:defRPr sz="2400"/>
-            </a:lvl1pPr>
-            <a:lvl2pPr marL="342900" indent="0">
-              <a:buNone/>
-              <a:defRPr sz="2100"/>
-            </a:lvl2pPr>
-            <a:lvl3pPr marL="685800" indent="0">
-              <a:buNone/>
-              <a:defRPr sz="1800"/>
-            </a:lvl3pPr>
-            <a:lvl4pPr marL="1028700" indent="0">
-              <a:buNone/>
-              <a:defRPr sz="1500"/>
-            </a:lvl4pPr>
-            <a:lvl5pPr marL="1371600" indent="0">
-              <a:buNone/>
-              <a:defRPr sz="1500"/>
-            </a:lvl5pPr>
-            <a:lvl6pPr marL="1714500" indent="0">
-              <a:buNone/>
-              <a:defRPr sz="1500"/>
-            </a:lvl6pPr>
-            <a:lvl7pPr marL="2057400" indent="0">
-              <a:buNone/>
-              <a:defRPr sz="1500"/>
-            </a:lvl7pPr>
-            <a:lvl8pPr marL="2400300" indent="0">
-              <a:buNone/>
-              <a:defRPr sz="1500"/>
-            </a:lvl8pPr>
-            <a:lvl9pPr marL="2743200" indent="0">
-              <a:buNone/>
-              <a:defRPr sz="1500"/>
-            </a:lvl9pPr>
-          </a:lstStyle>
-          <a:p>
-            <a:r>
-              <a:rPr lang="en-US"/>
-              <a:t>Click icon to add picture</a:t>
-            </a:r>
-            <a:endParaRPr lang="en-US" dirty="0"/>
-          </a:p>
-        </p:txBody>
-      </p:sp>
-      <p:sp>
-        <p:nvSpPr>
-          <p:cNvPr id="4" name="Text Placeholder 3"/>
-          <p:cNvSpPr>
-            <a:spLocks noGrp="1"/>
-          </p:cNvSpPr>
-          <p:nvPr>
-            <p:ph type="body" sz="half" idx="2"/>
-          </p:nvPr>
-        </p:nvSpPr>
-        <p:spPr>
-          <a:xfrm>
-            <a:off x="472381" y="3024188"/>
-            <a:ext cx="2211884" cy="5602681"/>
-          </a:xfrm>
-        </p:spPr>
-        <p:txBody>
-          <a:bodyPr/>
-          <a:lstStyle>
-            <a:lvl1pPr marL="0" indent="0">
-              <a:buNone/>
-              <a:defRPr sz="1200"/>
-            </a:lvl1pPr>
-            <a:lvl2pPr marL="342900" indent="0">
-              <a:buNone/>
-              <a:defRPr sz="1050"/>
-            </a:lvl2pPr>
-            <a:lvl3pPr marL="685800" indent="0">
-              <a:buNone/>
-              <a:defRPr sz="900"/>
-            </a:lvl3pPr>
-            <a:lvl4pPr marL="1028700" indent="0">
-              <a:buNone/>
-              <a:defRPr sz="750"/>
-            </a:lvl4pPr>
-            <a:lvl5pPr marL="1371600" indent="0">
-              <a:buNone/>
-              <a:defRPr sz="750"/>
-            </a:lvl5pPr>
-            <a:lvl6pPr marL="1714500" indent="0">
-              <a:buNone/>
-              <a:defRPr sz="750"/>
-            </a:lvl6pPr>
-            <a:lvl7pPr marL="2057400" indent="0">
-              <a:buNone/>
-              <a:defRPr sz="750"/>
-            </a:lvl7pPr>
-            <a:lvl8pPr marL="2400300" indent="0">
-              <a:buNone/>
-              <a:defRPr sz="750"/>
-            </a:lvl8pPr>
-            <a:lvl9pPr marL="2743200" indent="0">
-              <a:buNone/>
-              <a:defRPr sz="750"/>
-            </a:lvl9pPr>
-          </a:lstStyle>
-          <a:p>
-            <a:pPr lvl="0"/>
-            <a:r>
-              <a:rPr lang="en-US"/>
-              <a:t>Click to edit Master text styles</a:t>
-            </a:r>
-          </a:p>
-        </p:txBody>
-      </p:sp>
-      <p:sp>
-        <p:nvSpPr>
-          <p:cNvPr id="5" name="Date Placeholder 4"/>
+          <p:cNvPr id="2" name="Date Placeholder 1"/>
           <p:cNvSpPr>
             <a:spLocks noGrp="1"/>
           </p:cNvSpPr>
@@ -2361,7 +2263,7 @@
       </p:sp>
       <p:sp>
         <p:nvSpPr>
-          <p:cNvPr id="6" name="Footer Placeholder 5"/>
+          <p:cNvPr id="3" name="Footer Placeholder 2"/>
           <p:cNvSpPr>
             <a:spLocks noGrp="1"/>
           </p:cNvSpPr>
@@ -2380,7 +2282,7 @@
       </p:sp>
       <p:sp>
         <p:nvSpPr>
-          <p:cNvPr id="7" name="Slide Number Placeholder 6"/>
+          <p:cNvPr id="4" name="Slide Number Placeholder 3"/>
           <p:cNvSpPr>
             <a:spLocks noGrp="1"/>
           </p:cNvSpPr>
@@ -2404,7 +2306,541 @@
     </p:spTree>
     <p:extLst>
       <p:ext uri="{BB962C8B-B14F-4D97-AF65-F5344CB8AC3E}">
-        <p14:creationId xmlns:p14="http://schemas.microsoft.com/office/powerpoint/2010/main" val="1138269149"/>
+        <p14:creationId xmlns:p14="http://schemas.microsoft.com/office/powerpoint/2010/main" val="1474165713"/>
+      </p:ext>
+    </p:extLst>
+  </p:cSld>
+  <p:clrMapOvr>
+    <a:masterClrMapping/>
+  </p:clrMapOvr>
+</p:sldLayout>
+</file>
+
+<file path=ppt/slideLayouts/slideLayout8.xml><?xml version="1.0" encoding="utf-8"?>
+<p:sldLayout xmlns:a="http://schemas.openxmlformats.org/drawingml/2006/main" xmlns:r="http://schemas.openxmlformats.org/officeDocument/2006/relationships" xmlns:p="http://schemas.openxmlformats.org/presentationml/2006/main" type="objTx" preserve="1">
+  <p:cSld name="תוכן עם כיתוב">
+    <p:spTree>
+      <p:nvGrpSpPr>
+        <p:cNvPr id="1" name=""/>
+        <p:cNvGrpSpPr/>
+        <p:nvPr/>
+      </p:nvGrpSpPr>
+      <p:grpSpPr>
+        <a:xfrm>
+          <a:off x="0" y="0"/>
+          <a:ext cx="0" cy="0"/>
+          <a:chOff x="0" y="0"/>
+          <a:chExt cx="0" cy="0"/>
+        </a:xfrm>
+      </p:grpSpPr>
+      <p:sp>
+        <p:nvSpPr>
+          <p:cNvPr id="2" name="Title 1"/>
+          <p:cNvSpPr>
+            <a:spLocks noGrp="1"/>
+          </p:cNvSpPr>
+          <p:nvPr>
+            <p:ph type="title"/>
+          </p:nvPr>
+        </p:nvSpPr>
+        <p:spPr>
+          <a:xfrm>
+            <a:off x="1363781" y="2159952"/>
+            <a:ext cx="6385790" cy="7559834"/>
+          </a:xfrm>
+        </p:spPr>
+        <p:txBody>
+          <a:bodyPr anchor="b"/>
+          <a:lstStyle>
+            <a:lvl1pPr>
+              <a:defRPr sz="6929"/>
+            </a:lvl1pPr>
+          </a:lstStyle>
+          <a:p>
+            <a:r>
+              <a:rPr lang="he-IL"/>
+              <a:t>לחץ כדי לערוך סגנון כותרת של תבנית בסיס</a:t>
+            </a:r>
+            <a:endParaRPr lang="en-US" dirty="0"/>
+          </a:p>
+        </p:txBody>
+      </p:sp>
+      <p:sp>
+        <p:nvSpPr>
+          <p:cNvPr id="3" name="Content Placeholder 2"/>
+          <p:cNvSpPr>
+            <a:spLocks noGrp="1"/>
+          </p:cNvSpPr>
+          <p:nvPr>
+            <p:ph idx="1"/>
+          </p:nvPr>
+        </p:nvSpPr>
+        <p:spPr>
+          <a:xfrm>
+            <a:off x="8417281" y="4664905"/>
+            <a:ext cx="10023396" cy="23024494"/>
+          </a:xfrm>
+        </p:spPr>
+        <p:txBody>
+          <a:bodyPr/>
+          <a:lstStyle>
+            <a:lvl1pPr>
+              <a:defRPr sz="6929"/>
+            </a:lvl1pPr>
+            <a:lvl2pPr>
+              <a:defRPr sz="6063"/>
+            </a:lvl2pPr>
+            <a:lvl3pPr>
+              <a:defRPr sz="5197"/>
+            </a:lvl3pPr>
+            <a:lvl4pPr>
+              <a:defRPr sz="4331"/>
+            </a:lvl4pPr>
+            <a:lvl5pPr>
+              <a:defRPr sz="4331"/>
+            </a:lvl5pPr>
+            <a:lvl6pPr>
+              <a:defRPr sz="4331"/>
+            </a:lvl6pPr>
+            <a:lvl7pPr>
+              <a:defRPr sz="4331"/>
+            </a:lvl7pPr>
+            <a:lvl8pPr>
+              <a:defRPr sz="4331"/>
+            </a:lvl8pPr>
+            <a:lvl9pPr>
+              <a:defRPr sz="4331"/>
+            </a:lvl9pPr>
+          </a:lstStyle>
+          <a:p>
+            <a:pPr lvl="0"/>
+            <a:r>
+              <a:rPr lang="he-IL"/>
+              <a:t>לחץ כדי לערוך סגנונות טקסט של תבנית בסיס</a:t>
+            </a:r>
+          </a:p>
+          <a:p>
+            <a:pPr lvl="1"/>
+            <a:r>
+              <a:rPr lang="he-IL"/>
+              <a:t>רמה שנייה</a:t>
+            </a:r>
+          </a:p>
+          <a:p>
+            <a:pPr lvl="2"/>
+            <a:r>
+              <a:rPr lang="he-IL"/>
+              <a:t>רמה שלישית</a:t>
+            </a:r>
+          </a:p>
+          <a:p>
+            <a:pPr lvl="3"/>
+            <a:r>
+              <a:rPr lang="he-IL"/>
+              <a:t>רמה רביעית</a:t>
+            </a:r>
+          </a:p>
+          <a:p>
+            <a:pPr lvl="4"/>
+            <a:r>
+              <a:rPr lang="he-IL"/>
+              <a:t>רמה חמישית</a:t>
+            </a:r>
+            <a:endParaRPr lang="en-US" dirty="0"/>
+          </a:p>
+        </p:txBody>
+      </p:sp>
+      <p:sp>
+        <p:nvSpPr>
+          <p:cNvPr id="4" name="Text Placeholder 3"/>
+          <p:cNvSpPr>
+            <a:spLocks noGrp="1"/>
+          </p:cNvSpPr>
+          <p:nvPr>
+            <p:ph type="body" sz="half" idx="2"/>
+          </p:nvPr>
+        </p:nvSpPr>
+        <p:spPr>
+          <a:xfrm>
+            <a:off x="1363781" y="9719786"/>
+            <a:ext cx="6385790" cy="18007107"/>
+          </a:xfrm>
+        </p:spPr>
+        <p:txBody>
+          <a:bodyPr/>
+          <a:lstStyle>
+            <a:lvl1pPr marL="0" indent="0">
+              <a:buNone/>
+              <a:defRPr sz="3464"/>
+            </a:lvl1pPr>
+            <a:lvl2pPr marL="989975" indent="0">
+              <a:buNone/>
+              <a:defRPr sz="3031"/>
+            </a:lvl2pPr>
+            <a:lvl3pPr marL="1979950" indent="0">
+              <a:buNone/>
+              <a:defRPr sz="2598"/>
+            </a:lvl3pPr>
+            <a:lvl4pPr marL="2969925" indent="0">
+              <a:buNone/>
+              <a:defRPr sz="2165"/>
+            </a:lvl4pPr>
+            <a:lvl5pPr marL="3959901" indent="0">
+              <a:buNone/>
+              <a:defRPr sz="2165"/>
+            </a:lvl5pPr>
+            <a:lvl6pPr marL="4949876" indent="0">
+              <a:buNone/>
+              <a:defRPr sz="2165"/>
+            </a:lvl6pPr>
+            <a:lvl7pPr marL="5939851" indent="0">
+              <a:buNone/>
+              <a:defRPr sz="2165"/>
+            </a:lvl7pPr>
+            <a:lvl8pPr marL="6929826" indent="0">
+              <a:buNone/>
+              <a:defRPr sz="2165"/>
+            </a:lvl8pPr>
+            <a:lvl9pPr marL="7919801" indent="0">
+              <a:buNone/>
+              <a:defRPr sz="2165"/>
+            </a:lvl9pPr>
+          </a:lstStyle>
+          <a:p>
+            <a:pPr lvl="0"/>
+            <a:r>
+              <a:rPr lang="he-IL"/>
+              <a:t>לחץ כדי לערוך סגנונות טקסט של תבנית בסיס</a:t>
+            </a:r>
+          </a:p>
+        </p:txBody>
+      </p:sp>
+      <p:sp>
+        <p:nvSpPr>
+          <p:cNvPr id="5" name="Date Placeholder 4"/>
+          <p:cNvSpPr>
+            <a:spLocks noGrp="1"/>
+          </p:cNvSpPr>
+          <p:nvPr>
+            <p:ph type="dt" sz="half" idx="10"/>
+          </p:nvPr>
+        </p:nvSpPr>
+        <p:spPr/>
+        <p:txBody>
+          <a:bodyPr/>
+          <a:lstStyle/>
+          <a:p>
+            <a:fld id="{73EE89F4-C31D-45E3-BFAA-D8E8790DFB86}" type="datetimeFigureOut">
+              <a:rPr lang="en-US" smtClean="0"/>
+              <a:t>5/26/2022</a:t>
+            </a:fld>
+            <a:endParaRPr lang="en-US"/>
+          </a:p>
+        </p:txBody>
+      </p:sp>
+      <p:sp>
+        <p:nvSpPr>
+          <p:cNvPr id="6" name="Footer Placeholder 5"/>
+          <p:cNvSpPr>
+            <a:spLocks noGrp="1"/>
+          </p:cNvSpPr>
+          <p:nvPr>
+            <p:ph type="ftr" sz="quarter" idx="11"/>
+          </p:nvPr>
+        </p:nvSpPr>
+        <p:spPr/>
+        <p:txBody>
+          <a:bodyPr/>
+          <a:lstStyle/>
+          <a:p>
+            <a:endParaRPr lang="en-US"/>
+          </a:p>
+        </p:txBody>
+      </p:sp>
+      <p:sp>
+        <p:nvSpPr>
+          <p:cNvPr id="7" name="Slide Number Placeholder 6"/>
+          <p:cNvSpPr>
+            <a:spLocks noGrp="1"/>
+          </p:cNvSpPr>
+          <p:nvPr>
+            <p:ph type="sldNum" sz="quarter" idx="12"/>
+          </p:nvPr>
+        </p:nvSpPr>
+        <p:spPr/>
+        <p:txBody>
+          <a:bodyPr/>
+          <a:lstStyle/>
+          <a:p>
+            <a:fld id="{2FAEA510-ADDF-4DBA-8516-F528B7CFC467}" type="slidenum">
+              <a:rPr lang="en-US" smtClean="0"/>
+              <a:t>‹#›</a:t>
+            </a:fld>
+            <a:endParaRPr lang="en-US"/>
+          </a:p>
+        </p:txBody>
+      </p:sp>
+    </p:spTree>
+    <p:extLst>
+      <p:ext uri="{BB962C8B-B14F-4D97-AF65-F5344CB8AC3E}">
+        <p14:creationId xmlns:p14="http://schemas.microsoft.com/office/powerpoint/2010/main" val="1379585987"/>
+      </p:ext>
+    </p:extLst>
+  </p:cSld>
+  <p:clrMapOvr>
+    <a:masterClrMapping/>
+  </p:clrMapOvr>
+</p:sldLayout>
+</file>
+
+<file path=ppt/slideLayouts/slideLayout9.xml><?xml version="1.0" encoding="utf-8"?>
+<p:sldLayout xmlns:a="http://schemas.openxmlformats.org/drawingml/2006/main" xmlns:r="http://schemas.openxmlformats.org/officeDocument/2006/relationships" xmlns:p="http://schemas.openxmlformats.org/presentationml/2006/main" type="picTx" preserve="1">
+  <p:cSld name="תמונה עם כיתוב">
+    <p:spTree>
+      <p:nvGrpSpPr>
+        <p:cNvPr id="1" name=""/>
+        <p:cNvGrpSpPr/>
+        <p:nvPr/>
+      </p:nvGrpSpPr>
+      <p:grpSpPr>
+        <a:xfrm>
+          <a:off x="0" y="0"/>
+          <a:ext cx="0" cy="0"/>
+          <a:chOff x="0" y="0"/>
+          <a:chExt cx="0" cy="0"/>
+        </a:xfrm>
+      </p:grpSpPr>
+      <p:sp>
+        <p:nvSpPr>
+          <p:cNvPr id="2" name="Title 1"/>
+          <p:cNvSpPr>
+            <a:spLocks noGrp="1"/>
+          </p:cNvSpPr>
+          <p:nvPr>
+            <p:ph type="title"/>
+          </p:nvPr>
+        </p:nvSpPr>
+        <p:spPr>
+          <a:xfrm>
+            <a:off x="1363781" y="2159952"/>
+            <a:ext cx="6385790" cy="7559834"/>
+          </a:xfrm>
+        </p:spPr>
+        <p:txBody>
+          <a:bodyPr anchor="b"/>
+          <a:lstStyle>
+            <a:lvl1pPr>
+              <a:defRPr sz="6929"/>
+            </a:lvl1pPr>
+          </a:lstStyle>
+          <a:p>
+            <a:r>
+              <a:rPr lang="he-IL"/>
+              <a:t>לחץ כדי לערוך סגנון כותרת של תבנית בסיס</a:t>
+            </a:r>
+            <a:endParaRPr lang="en-US" dirty="0"/>
+          </a:p>
+        </p:txBody>
+      </p:sp>
+      <p:sp>
+        <p:nvSpPr>
+          <p:cNvPr id="3" name="Picture Placeholder 2"/>
+          <p:cNvSpPr>
+            <a:spLocks noGrp="1" noChangeAspect="1"/>
+          </p:cNvSpPr>
+          <p:nvPr>
+            <p:ph type="pic" idx="1"/>
+          </p:nvPr>
+        </p:nvSpPr>
+        <p:spPr>
+          <a:xfrm>
+            <a:off x="8417281" y="4664905"/>
+            <a:ext cx="10023396" cy="23024494"/>
+          </a:xfrm>
+        </p:spPr>
+        <p:txBody>
+          <a:bodyPr anchor="t"/>
+          <a:lstStyle>
+            <a:lvl1pPr marL="0" indent="0">
+              <a:buNone/>
+              <a:defRPr sz="6929"/>
+            </a:lvl1pPr>
+            <a:lvl2pPr marL="989975" indent="0">
+              <a:buNone/>
+              <a:defRPr sz="6063"/>
+            </a:lvl2pPr>
+            <a:lvl3pPr marL="1979950" indent="0">
+              <a:buNone/>
+              <a:defRPr sz="5197"/>
+            </a:lvl3pPr>
+            <a:lvl4pPr marL="2969925" indent="0">
+              <a:buNone/>
+              <a:defRPr sz="4331"/>
+            </a:lvl4pPr>
+            <a:lvl5pPr marL="3959901" indent="0">
+              <a:buNone/>
+              <a:defRPr sz="4331"/>
+            </a:lvl5pPr>
+            <a:lvl6pPr marL="4949876" indent="0">
+              <a:buNone/>
+              <a:defRPr sz="4331"/>
+            </a:lvl6pPr>
+            <a:lvl7pPr marL="5939851" indent="0">
+              <a:buNone/>
+              <a:defRPr sz="4331"/>
+            </a:lvl7pPr>
+            <a:lvl8pPr marL="6929826" indent="0">
+              <a:buNone/>
+              <a:defRPr sz="4331"/>
+            </a:lvl8pPr>
+            <a:lvl9pPr marL="7919801" indent="0">
+              <a:buNone/>
+              <a:defRPr sz="4331"/>
+            </a:lvl9pPr>
+          </a:lstStyle>
+          <a:p>
+            <a:r>
+              <a:rPr lang="he-IL"/>
+              <a:t>לחץ על הסמל כדי להוסיף תמונה</a:t>
+            </a:r>
+            <a:endParaRPr lang="en-US" dirty="0"/>
+          </a:p>
+        </p:txBody>
+      </p:sp>
+      <p:sp>
+        <p:nvSpPr>
+          <p:cNvPr id="4" name="Text Placeholder 3"/>
+          <p:cNvSpPr>
+            <a:spLocks noGrp="1"/>
+          </p:cNvSpPr>
+          <p:nvPr>
+            <p:ph type="body" sz="half" idx="2"/>
+          </p:nvPr>
+        </p:nvSpPr>
+        <p:spPr>
+          <a:xfrm>
+            <a:off x="1363781" y="9719786"/>
+            <a:ext cx="6385790" cy="18007107"/>
+          </a:xfrm>
+        </p:spPr>
+        <p:txBody>
+          <a:bodyPr/>
+          <a:lstStyle>
+            <a:lvl1pPr marL="0" indent="0">
+              <a:buNone/>
+              <a:defRPr sz="3464"/>
+            </a:lvl1pPr>
+            <a:lvl2pPr marL="989975" indent="0">
+              <a:buNone/>
+              <a:defRPr sz="3031"/>
+            </a:lvl2pPr>
+            <a:lvl3pPr marL="1979950" indent="0">
+              <a:buNone/>
+              <a:defRPr sz="2598"/>
+            </a:lvl3pPr>
+            <a:lvl4pPr marL="2969925" indent="0">
+              <a:buNone/>
+              <a:defRPr sz="2165"/>
+            </a:lvl4pPr>
+            <a:lvl5pPr marL="3959901" indent="0">
+              <a:buNone/>
+              <a:defRPr sz="2165"/>
+            </a:lvl5pPr>
+            <a:lvl6pPr marL="4949876" indent="0">
+              <a:buNone/>
+              <a:defRPr sz="2165"/>
+            </a:lvl6pPr>
+            <a:lvl7pPr marL="5939851" indent="0">
+              <a:buNone/>
+              <a:defRPr sz="2165"/>
+            </a:lvl7pPr>
+            <a:lvl8pPr marL="6929826" indent="0">
+              <a:buNone/>
+              <a:defRPr sz="2165"/>
+            </a:lvl8pPr>
+            <a:lvl9pPr marL="7919801" indent="0">
+              <a:buNone/>
+              <a:defRPr sz="2165"/>
+            </a:lvl9pPr>
+          </a:lstStyle>
+          <a:p>
+            <a:pPr lvl="0"/>
+            <a:r>
+              <a:rPr lang="he-IL"/>
+              <a:t>לחץ כדי לערוך סגנונות טקסט של תבנית בסיס</a:t>
+            </a:r>
+          </a:p>
+        </p:txBody>
+      </p:sp>
+      <p:sp>
+        <p:nvSpPr>
+          <p:cNvPr id="5" name="Date Placeholder 4"/>
+          <p:cNvSpPr>
+            <a:spLocks noGrp="1"/>
+          </p:cNvSpPr>
+          <p:nvPr>
+            <p:ph type="dt" sz="half" idx="10"/>
+          </p:nvPr>
+        </p:nvSpPr>
+        <p:spPr/>
+        <p:txBody>
+          <a:bodyPr/>
+          <a:lstStyle/>
+          <a:p>
+            <a:fld id="{73EE89F4-C31D-45E3-BFAA-D8E8790DFB86}" type="datetimeFigureOut">
+              <a:rPr lang="en-US" smtClean="0"/>
+              <a:t>5/26/2022</a:t>
+            </a:fld>
+            <a:endParaRPr lang="en-US"/>
+          </a:p>
+        </p:txBody>
+      </p:sp>
+      <p:sp>
+        <p:nvSpPr>
+          <p:cNvPr id="6" name="Footer Placeholder 5"/>
+          <p:cNvSpPr>
+            <a:spLocks noGrp="1"/>
+          </p:cNvSpPr>
+          <p:nvPr>
+            <p:ph type="ftr" sz="quarter" idx="11"/>
+          </p:nvPr>
+        </p:nvSpPr>
+        <p:spPr/>
+        <p:txBody>
+          <a:bodyPr/>
+          <a:lstStyle/>
+          <a:p>
+            <a:endParaRPr lang="en-US"/>
+          </a:p>
+        </p:txBody>
+      </p:sp>
+      <p:sp>
+        <p:nvSpPr>
+          <p:cNvPr id="7" name="Slide Number Placeholder 6"/>
+          <p:cNvSpPr>
+            <a:spLocks noGrp="1"/>
+          </p:cNvSpPr>
+          <p:nvPr>
+            <p:ph type="sldNum" sz="quarter" idx="12"/>
+          </p:nvPr>
+        </p:nvSpPr>
+        <p:spPr/>
+        <p:txBody>
+          <a:bodyPr/>
+          <a:lstStyle/>
+          <a:p>
+            <a:fld id="{2FAEA510-ADDF-4DBA-8516-F528B7CFC467}" type="slidenum">
+              <a:rPr lang="en-US" smtClean="0"/>
+              <a:t>‹#›</a:t>
+            </a:fld>
+            <a:endParaRPr lang="en-US"/>
+          </a:p>
+        </p:txBody>
+      </p:sp>
+    </p:spTree>
+    <p:extLst>
+      <p:ext uri="{BB962C8B-B14F-4D97-AF65-F5344CB8AC3E}">
+        <p14:creationId xmlns:p14="http://schemas.microsoft.com/office/powerpoint/2010/main" val="1736223565"/>
       </p:ext>
     </p:extLst>
   </p:cSld>
@@ -2448,8 +2884,8 @@
         </p:nvSpPr>
         <p:spPr>
           <a:xfrm>
-            <a:off x="471488" y="536702"/>
-            <a:ext cx="5915025" cy="1948455"/>
+            <a:off x="1361202" y="1724969"/>
+            <a:ext cx="17076896" cy="6262365"/>
           </a:xfrm>
           <a:prstGeom prst="rect">
             <a:avLst/>
@@ -2462,8 +2898,8 @@
           <a:lstStyle/>
           <a:p>
             <a:r>
-              <a:rPr lang="en-US"/>
-              <a:t>Click to edit Master title style</a:t>
+              <a:rPr lang="he-IL"/>
+              <a:t>לחץ כדי לערוך סגנון כותרת של תבנית בסיס</a:t>
             </a:r>
             <a:endParaRPr lang="en-US" dirty="0"/>
           </a:p>
@@ -2481,8 +2917,8 @@
         </p:nvSpPr>
         <p:spPr>
           <a:xfrm>
-            <a:off x="471488" y="2683500"/>
-            <a:ext cx="5915025" cy="6396064"/>
+            <a:off x="1361202" y="8624810"/>
+            <a:ext cx="17076896" cy="20557051"/>
           </a:xfrm>
           <a:prstGeom prst="rect">
             <a:avLst/>
@@ -2496,36 +2932,36 @@
           <a:p>
             <a:pPr lvl="0"/>
             <a:r>
-              <a:rPr lang="en-US"/>
-              <a:t>Click to edit Master text styles</a:t>
+              <a:rPr lang="he-IL"/>
+              <a:t>לחץ כדי לערוך סגנונות טקסט של תבנית בסיס</a:t>
             </a:r>
           </a:p>
           <a:p>
             <a:pPr lvl="1"/>
             <a:r>
-              <a:rPr lang="en-US"/>
-              <a:t>Second level</a:t>
+              <a:rPr lang="he-IL"/>
+              <a:t>רמה שנייה</a:t>
             </a:r>
           </a:p>
           <a:p>
             <a:pPr lvl="2"/>
             <a:r>
-              <a:rPr lang="en-US"/>
-              <a:t>Third level</a:t>
+              <a:rPr lang="he-IL"/>
+              <a:t>רמה שלישית</a:t>
             </a:r>
           </a:p>
           <a:p>
             <a:pPr lvl="3"/>
             <a:r>
-              <a:rPr lang="en-US"/>
-              <a:t>Fourth level</a:t>
+              <a:rPr lang="he-IL"/>
+              <a:t>רמה רביעית</a:t>
             </a:r>
           </a:p>
           <a:p>
             <a:pPr lvl="4"/>
             <a:r>
-              <a:rPr lang="en-US"/>
-              <a:t>Fifth level</a:t>
+              <a:rPr lang="he-IL"/>
+              <a:t>רמה חמישית</a:t>
             </a:r>
             <a:endParaRPr lang="en-US" dirty="0"/>
           </a:p>
@@ -2543,8 +2979,8 @@
         </p:nvSpPr>
         <p:spPr>
           <a:xfrm>
-            <a:off x="471488" y="9343248"/>
-            <a:ext cx="1543050" cy="536700"/>
+            <a:off x="1361202" y="30029347"/>
+            <a:ext cx="4454843" cy="1724962"/>
           </a:xfrm>
           <a:prstGeom prst="rect">
             <a:avLst/>
@@ -2554,7 +2990,7 @@
           <a:bodyPr vert="horz" lIns="91440" tIns="45720" rIns="91440" bIns="45720" rtlCol="0" anchor="ctr"/>
           <a:lstStyle>
             <a:lvl1pPr algn="l">
-              <a:defRPr sz="900">
+              <a:defRPr sz="2598">
                 <a:solidFill>
                   <a:schemeClr val="tx1">
                     <a:tint val="75000"/>
@@ -2584,8 +3020,8 @@
         </p:nvSpPr>
         <p:spPr>
           <a:xfrm>
-            <a:off x="2271713" y="9343248"/>
-            <a:ext cx="2314575" cy="536700"/>
+            <a:off x="6558518" y="30029347"/>
+            <a:ext cx="6682264" cy="1724962"/>
           </a:xfrm>
           <a:prstGeom prst="rect">
             <a:avLst/>
@@ -2595,7 +3031,7 @@
           <a:bodyPr vert="horz" lIns="91440" tIns="45720" rIns="91440" bIns="45720" rtlCol="0" anchor="ctr"/>
           <a:lstStyle>
             <a:lvl1pPr algn="ctr">
-              <a:defRPr sz="900">
+              <a:defRPr sz="2598">
                 <a:solidFill>
                   <a:schemeClr val="tx1">
                     <a:tint val="75000"/>
@@ -2621,8 +3057,8 @@
         </p:nvSpPr>
         <p:spPr>
           <a:xfrm>
-            <a:off x="4843463" y="9343248"/>
-            <a:ext cx="1543050" cy="536700"/>
+            <a:off x="13983255" y="30029347"/>
+            <a:ext cx="4454843" cy="1724962"/>
           </a:xfrm>
           <a:prstGeom prst="rect">
             <a:avLst/>
@@ -2632,7 +3068,7 @@
           <a:bodyPr vert="horz" lIns="91440" tIns="45720" rIns="91440" bIns="45720" rtlCol="0" anchor="ctr"/>
           <a:lstStyle>
             <a:lvl1pPr algn="r">
-              <a:defRPr sz="900">
+              <a:defRPr sz="2598">
                 <a:solidFill>
                   <a:schemeClr val="tx1">
                     <a:tint val="75000"/>
@@ -2653,27 +3089,27 @@
     </p:spTree>
     <p:extLst>
       <p:ext uri="{BB962C8B-B14F-4D97-AF65-F5344CB8AC3E}">
-        <p14:creationId xmlns:p14="http://schemas.microsoft.com/office/powerpoint/2010/main" val="2619737010"/>
+        <p14:creationId xmlns:p14="http://schemas.microsoft.com/office/powerpoint/2010/main" val="2113338730"/>
       </p:ext>
     </p:extLst>
   </p:cSld>
   <p:clrMap bg1="lt1" tx1="dk1" bg2="lt2" tx2="dk2" accent1="accent1" accent2="accent2" accent3="accent3" accent4="accent4" accent5="accent5" accent6="accent6" hlink="hlink" folHlink="folHlink"/>
   <p:sldLayoutIdLst>
-    <p:sldLayoutId id="2147483697" r:id="rId1"/>
-    <p:sldLayoutId id="2147483698" r:id="rId2"/>
-    <p:sldLayoutId id="2147483699" r:id="rId3"/>
-    <p:sldLayoutId id="2147483700" r:id="rId4"/>
-    <p:sldLayoutId id="2147483701" r:id="rId5"/>
-    <p:sldLayoutId id="2147483702" r:id="rId6"/>
-    <p:sldLayoutId id="2147483703" r:id="rId7"/>
-    <p:sldLayoutId id="2147483704" r:id="rId8"/>
-    <p:sldLayoutId id="2147483705" r:id="rId9"/>
-    <p:sldLayoutId id="2147483706" r:id="rId10"/>
-    <p:sldLayoutId id="2147483707" r:id="rId11"/>
+    <p:sldLayoutId id="2147483709" r:id="rId1"/>
+    <p:sldLayoutId id="2147483710" r:id="rId2"/>
+    <p:sldLayoutId id="2147483711" r:id="rId3"/>
+    <p:sldLayoutId id="2147483712" r:id="rId4"/>
+    <p:sldLayoutId id="2147483713" r:id="rId5"/>
+    <p:sldLayoutId id="2147483714" r:id="rId6"/>
+    <p:sldLayoutId id="2147483715" r:id="rId7"/>
+    <p:sldLayoutId id="2147483716" r:id="rId8"/>
+    <p:sldLayoutId id="2147483717" r:id="rId9"/>
+    <p:sldLayoutId id="2147483718" r:id="rId10"/>
+    <p:sldLayoutId id="2147483719" r:id="rId11"/>
   </p:sldLayoutIdLst>
   <p:txStyles>
     <p:titleStyle>
-      <a:lvl1pPr algn="l" defTabSz="685800" rtl="0" eaLnBrk="1" latinLnBrk="0" hangingPunct="1">
+      <a:lvl1pPr algn="l" defTabSz="1979950" rtl="1" eaLnBrk="1" latinLnBrk="0" hangingPunct="1">
         <a:lnSpc>
           <a:spcPct val="90000"/>
         </a:lnSpc>
@@ -2681,7 +3117,7 @@
           <a:spcPct val="0"/>
         </a:spcBef>
         <a:buNone/>
-        <a:defRPr sz="3300" kern="1200">
+        <a:defRPr sz="9527" kern="1200">
           <a:solidFill>
             <a:schemeClr val="tx1"/>
           </a:solidFill>
@@ -2692,16 +3128,16 @@
       </a:lvl1pPr>
     </p:titleStyle>
     <p:bodyStyle>
-      <a:lvl1pPr marL="171450" indent="-171450" algn="l" defTabSz="685800" rtl="0" eaLnBrk="1" latinLnBrk="0" hangingPunct="1">
+      <a:lvl1pPr marL="494988" indent="-494988" algn="r" defTabSz="1979950" rtl="1" eaLnBrk="1" latinLnBrk="0" hangingPunct="1">
         <a:lnSpc>
           <a:spcPct val="90000"/>
         </a:lnSpc>
         <a:spcBef>
-          <a:spcPts val="750"/>
+          <a:spcPts val="2165"/>
         </a:spcBef>
         <a:buFont typeface="Arial" panose="020B0604020202020204" pitchFamily="34" charset="0"/>
         <a:buChar char="•"/>
-        <a:defRPr sz="2100" kern="1200">
+        <a:defRPr sz="6063" kern="1200">
           <a:solidFill>
             <a:schemeClr val="tx1"/>
           </a:solidFill>
@@ -2710,16 +3146,16 @@
           <a:cs typeface="+mn-cs"/>
         </a:defRPr>
       </a:lvl1pPr>
-      <a:lvl2pPr marL="514350" indent="-171450" algn="l" defTabSz="685800" rtl="0" eaLnBrk="1" latinLnBrk="0" hangingPunct="1">
+      <a:lvl2pPr marL="1484963" indent="-494988" algn="r" defTabSz="1979950" rtl="1" eaLnBrk="1" latinLnBrk="0" hangingPunct="1">
         <a:lnSpc>
           <a:spcPct val="90000"/>
         </a:lnSpc>
         <a:spcBef>
-          <a:spcPts val="375"/>
+          <a:spcPts val="1083"/>
         </a:spcBef>
         <a:buFont typeface="Arial" panose="020B0604020202020204" pitchFamily="34" charset="0"/>
         <a:buChar char="•"/>
-        <a:defRPr sz="1800" kern="1200">
+        <a:defRPr sz="5197" kern="1200">
           <a:solidFill>
             <a:schemeClr val="tx1"/>
           </a:solidFill>
@@ -2728,16 +3164,16 @@
           <a:cs typeface="+mn-cs"/>
         </a:defRPr>
       </a:lvl2pPr>
-      <a:lvl3pPr marL="857250" indent="-171450" algn="l" defTabSz="685800" rtl="0" eaLnBrk="1" latinLnBrk="0" hangingPunct="1">
+      <a:lvl3pPr marL="2474938" indent="-494988" algn="r" defTabSz="1979950" rtl="1" eaLnBrk="1" latinLnBrk="0" hangingPunct="1">
         <a:lnSpc>
           <a:spcPct val="90000"/>
         </a:lnSpc>
         <a:spcBef>
-          <a:spcPts val="375"/>
+          <a:spcPts val="1083"/>
         </a:spcBef>
         <a:buFont typeface="Arial" panose="020B0604020202020204" pitchFamily="34" charset="0"/>
         <a:buChar char="•"/>
-        <a:defRPr sz="1500" kern="1200">
+        <a:defRPr sz="4331" kern="1200">
           <a:solidFill>
             <a:schemeClr val="tx1"/>
           </a:solidFill>
@@ -2746,16 +3182,16 @@
           <a:cs typeface="+mn-cs"/>
         </a:defRPr>
       </a:lvl3pPr>
-      <a:lvl4pPr marL="1200150" indent="-171450" algn="l" defTabSz="685800" rtl="0" eaLnBrk="1" latinLnBrk="0" hangingPunct="1">
+      <a:lvl4pPr marL="3464913" indent="-494988" algn="r" defTabSz="1979950" rtl="1" eaLnBrk="1" latinLnBrk="0" hangingPunct="1">
         <a:lnSpc>
           <a:spcPct val="90000"/>
         </a:lnSpc>
         <a:spcBef>
-          <a:spcPts val="375"/>
+          <a:spcPts val="1083"/>
         </a:spcBef>
         <a:buFont typeface="Arial" panose="020B0604020202020204" pitchFamily="34" charset="0"/>
         <a:buChar char="•"/>
-        <a:defRPr sz="1350" kern="1200">
+        <a:defRPr sz="3898" kern="1200">
           <a:solidFill>
             <a:schemeClr val="tx1"/>
           </a:solidFill>
@@ -2764,16 +3200,16 @@
           <a:cs typeface="+mn-cs"/>
         </a:defRPr>
       </a:lvl4pPr>
-      <a:lvl5pPr marL="1543050" indent="-171450" algn="l" defTabSz="685800" rtl="0" eaLnBrk="1" latinLnBrk="0" hangingPunct="1">
+      <a:lvl5pPr marL="4454888" indent="-494988" algn="r" defTabSz="1979950" rtl="1" eaLnBrk="1" latinLnBrk="0" hangingPunct="1">
         <a:lnSpc>
           <a:spcPct val="90000"/>
         </a:lnSpc>
         <a:spcBef>
-          <a:spcPts val="375"/>
+          <a:spcPts val="1083"/>
         </a:spcBef>
         <a:buFont typeface="Arial" panose="020B0604020202020204" pitchFamily="34" charset="0"/>
         <a:buChar char="•"/>
-        <a:defRPr sz="1350" kern="1200">
+        <a:defRPr sz="3898" kern="1200">
           <a:solidFill>
             <a:schemeClr val="tx1"/>
           </a:solidFill>
@@ -2782,16 +3218,16 @@
           <a:cs typeface="+mn-cs"/>
         </a:defRPr>
       </a:lvl5pPr>
-      <a:lvl6pPr marL="1885950" indent="-171450" algn="l" defTabSz="685800" rtl="0" eaLnBrk="1" latinLnBrk="0" hangingPunct="1">
+      <a:lvl6pPr marL="5444863" indent="-494988" algn="r" defTabSz="1979950" rtl="1" eaLnBrk="1" latinLnBrk="0" hangingPunct="1">
         <a:lnSpc>
           <a:spcPct val="90000"/>
         </a:lnSpc>
         <a:spcBef>
-          <a:spcPts val="375"/>
+          <a:spcPts val="1083"/>
         </a:spcBef>
         <a:buFont typeface="Arial" panose="020B0604020202020204" pitchFamily="34" charset="0"/>
         <a:buChar char="•"/>
-        <a:defRPr sz="1350" kern="1200">
+        <a:defRPr sz="3898" kern="1200">
           <a:solidFill>
             <a:schemeClr val="tx1"/>
           </a:solidFill>
@@ -2800,16 +3236,16 @@
           <a:cs typeface="+mn-cs"/>
         </a:defRPr>
       </a:lvl6pPr>
-      <a:lvl7pPr marL="2228850" indent="-171450" algn="l" defTabSz="685800" rtl="0" eaLnBrk="1" latinLnBrk="0" hangingPunct="1">
+      <a:lvl7pPr marL="6434839" indent="-494988" algn="r" defTabSz="1979950" rtl="1" eaLnBrk="1" latinLnBrk="0" hangingPunct="1">
         <a:lnSpc>
           <a:spcPct val="90000"/>
         </a:lnSpc>
         <a:spcBef>
-          <a:spcPts val="375"/>
+          <a:spcPts val="1083"/>
         </a:spcBef>
         <a:buFont typeface="Arial" panose="020B0604020202020204" pitchFamily="34" charset="0"/>
         <a:buChar char="•"/>
-        <a:defRPr sz="1350" kern="1200">
+        <a:defRPr sz="3898" kern="1200">
           <a:solidFill>
             <a:schemeClr val="tx1"/>
           </a:solidFill>
@@ -2818,16 +3254,16 @@
           <a:cs typeface="+mn-cs"/>
         </a:defRPr>
       </a:lvl7pPr>
-      <a:lvl8pPr marL="2571750" indent="-171450" algn="l" defTabSz="685800" rtl="0" eaLnBrk="1" latinLnBrk="0" hangingPunct="1">
+      <a:lvl8pPr marL="7424814" indent="-494988" algn="r" defTabSz="1979950" rtl="1" eaLnBrk="1" latinLnBrk="0" hangingPunct="1">
         <a:lnSpc>
           <a:spcPct val="90000"/>
         </a:lnSpc>
         <a:spcBef>
-          <a:spcPts val="375"/>
+          <a:spcPts val="1083"/>
         </a:spcBef>
         <a:buFont typeface="Arial" panose="020B0604020202020204" pitchFamily="34" charset="0"/>
         <a:buChar char="•"/>
-        <a:defRPr sz="1350" kern="1200">
+        <a:defRPr sz="3898" kern="1200">
           <a:solidFill>
             <a:schemeClr val="tx1"/>
           </a:solidFill>
@@ -2836,16 +3272,16 @@
           <a:cs typeface="+mn-cs"/>
         </a:defRPr>
       </a:lvl8pPr>
-      <a:lvl9pPr marL="2914650" indent="-171450" algn="l" defTabSz="685800" rtl="0" eaLnBrk="1" latinLnBrk="0" hangingPunct="1">
+      <a:lvl9pPr marL="8414789" indent="-494988" algn="r" defTabSz="1979950" rtl="1" eaLnBrk="1" latinLnBrk="0" hangingPunct="1">
         <a:lnSpc>
           <a:spcPct val="90000"/>
         </a:lnSpc>
         <a:spcBef>
-          <a:spcPts val="375"/>
+          <a:spcPts val="1083"/>
         </a:spcBef>
         <a:buFont typeface="Arial" panose="020B0604020202020204" pitchFamily="34" charset="0"/>
         <a:buChar char="•"/>
-        <a:defRPr sz="1350" kern="1200">
+        <a:defRPr sz="3898" kern="1200">
           <a:solidFill>
             <a:schemeClr val="tx1"/>
           </a:solidFill>
@@ -2859,8 +3295,8 @@
       <a:defPPr>
         <a:defRPr lang="en-US"/>
       </a:defPPr>
-      <a:lvl1pPr marL="0" algn="l" defTabSz="685800" rtl="0" eaLnBrk="1" latinLnBrk="0" hangingPunct="1">
-        <a:defRPr sz="1350" kern="1200">
+      <a:lvl1pPr marL="0" algn="r" defTabSz="1979950" rtl="1" eaLnBrk="1" latinLnBrk="0" hangingPunct="1">
+        <a:defRPr sz="3898" kern="1200">
           <a:solidFill>
             <a:schemeClr val="tx1"/>
           </a:solidFill>
@@ -2869,8 +3305,8 @@
           <a:cs typeface="+mn-cs"/>
         </a:defRPr>
       </a:lvl1pPr>
-      <a:lvl2pPr marL="342900" algn="l" defTabSz="685800" rtl="0" eaLnBrk="1" latinLnBrk="0" hangingPunct="1">
-        <a:defRPr sz="1350" kern="1200">
+      <a:lvl2pPr marL="989975" algn="r" defTabSz="1979950" rtl="1" eaLnBrk="1" latinLnBrk="0" hangingPunct="1">
+        <a:defRPr sz="3898" kern="1200">
           <a:solidFill>
             <a:schemeClr val="tx1"/>
           </a:solidFill>
@@ -2879,8 +3315,8 @@
           <a:cs typeface="+mn-cs"/>
         </a:defRPr>
       </a:lvl2pPr>
-      <a:lvl3pPr marL="685800" algn="l" defTabSz="685800" rtl="0" eaLnBrk="1" latinLnBrk="0" hangingPunct="1">
-        <a:defRPr sz="1350" kern="1200">
+      <a:lvl3pPr marL="1979950" algn="r" defTabSz="1979950" rtl="1" eaLnBrk="1" latinLnBrk="0" hangingPunct="1">
+        <a:defRPr sz="3898" kern="1200">
           <a:solidFill>
             <a:schemeClr val="tx1"/>
           </a:solidFill>
@@ -2889,8 +3325,8 @@
           <a:cs typeface="+mn-cs"/>
         </a:defRPr>
       </a:lvl3pPr>
-      <a:lvl4pPr marL="1028700" algn="l" defTabSz="685800" rtl="0" eaLnBrk="1" latinLnBrk="0" hangingPunct="1">
-        <a:defRPr sz="1350" kern="1200">
+      <a:lvl4pPr marL="2969925" algn="r" defTabSz="1979950" rtl="1" eaLnBrk="1" latinLnBrk="0" hangingPunct="1">
+        <a:defRPr sz="3898" kern="1200">
           <a:solidFill>
             <a:schemeClr val="tx1"/>
           </a:solidFill>
@@ -2899,8 +3335,8 @@
           <a:cs typeface="+mn-cs"/>
         </a:defRPr>
       </a:lvl4pPr>
-      <a:lvl5pPr marL="1371600" algn="l" defTabSz="685800" rtl="0" eaLnBrk="1" latinLnBrk="0" hangingPunct="1">
-        <a:defRPr sz="1350" kern="1200">
+      <a:lvl5pPr marL="3959901" algn="r" defTabSz="1979950" rtl="1" eaLnBrk="1" latinLnBrk="0" hangingPunct="1">
+        <a:defRPr sz="3898" kern="1200">
           <a:solidFill>
             <a:schemeClr val="tx1"/>
           </a:solidFill>
@@ -2909,8 +3345,8 @@
           <a:cs typeface="+mn-cs"/>
         </a:defRPr>
       </a:lvl5pPr>
-      <a:lvl6pPr marL="1714500" algn="l" defTabSz="685800" rtl="0" eaLnBrk="1" latinLnBrk="0" hangingPunct="1">
-        <a:defRPr sz="1350" kern="1200">
+      <a:lvl6pPr marL="4949876" algn="r" defTabSz="1979950" rtl="1" eaLnBrk="1" latinLnBrk="0" hangingPunct="1">
+        <a:defRPr sz="3898" kern="1200">
           <a:solidFill>
             <a:schemeClr val="tx1"/>
           </a:solidFill>
@@ -2919,8 +3355,8 @@
           <a:cs typeface="+mn-cs"/>
         </a:defRPr>
       </a:lvl6pPr>
-      <a:lvl7pPr marL="2057400" algn="l" defTabSz="685800" rtl="0" eaLnBrk="1" latinLnBrk="0" hangingPunct="1">
-        <a:defRPr sz="1350" kern="1200">
+      <a:lvl7pPr marL="5939851" algn="r" defTabSz="1979950" rtl="1" eaLnBrk="1" latinLnBrk="0" hangingPunct="1">
+        <a:defRPr sz="3898" kern="1200">
           <a:solidFill>
             <a:schemeClr val="tx1"/>
           </a:solidFill>
@@ -2929,8 +3365,8 @@
           <a:cs typeface="+mn-cs"/>
         </a:defRPr>
       </a:lvl7pPr>
-      <a:lvl8pPr marL="2400300" algn="l" defTabSz="685800" rtl="0" eaLnBrk="1" latinLnBrk="0" hangingPunct="1">
-        <a:defRPr sz="1350" kern="1200">
+      <a:lvl8pPr marL="6929826" algn="r" defTabSz="1979950" rtl="1" eaLnBrk="1" latinLnBrk="0" hangingPunct="1">
+        <a:defRPr sz="3898" kern="1200">
           <a:solidFill>
             <a:schemeClr val="tx1"/>
           </a:solidFill>
@@ -2939,8 +3375,8 @@
           <a:cs typeface="+mn-cs"/>
         </a:defRPr>
       </a:lvl8pPr>
-      <a:lvl9pPr marL="2743200" algn="l" defTabSz="685800" rtl="0" eaLnBrk="1" latinLnBrk="0" hangingPunct="1">
-        <a:defRPr sz="1350" kern="1200">
+      <a:lvl9pPr marL="7919801" algn="r" defTabSz="1979950" rtl="1" eaLnBrk="1" latinLnBrk="0" hangingPunct="1">
+        <a:defRPr sz="3898" kern="1200">
           <a:solidFill>
             <a:schemeClr val="tx1"/>
           </a:solidFill>
@@ -2971,20 +3407,77 @@
           <a:chExt cx="0" cy="0"/>
         </a:xfrm>
       </p:grpSpPr>
-      <p:sp>
-        <p:nvSpPr>
-          <p:cNvPr id="3" name="כותרת משנה 2"/>
-          <p:cNvSpPr>
-            <a:spLocks noGrp="1"/>
-          </p:cNvSpPr>
-          <p:nvPr>
-            <p:ph type="subTitle" idx="1"/>
-          </p:nvPr>
-        </p:nvSpPr>
+      <p:cxnSp>
+        <p:nvCxnSpPr>
+          <p:cNvPr id="4" name="מחבר ישר 3">
+            <a:extLst>
+              <a:ext uri="{FF2B5EF4-FFF2-40B4-BE49-F238E27FC236}">
+                <a16:creationId xmlns:a16="http://schemas.microsoft.com/office/drawing/2014/main" id="{B0F1EB15-02A0-4A54-AC1C-220B4EE13DEE}"/>
+              </a:ext>
+            </a:extLst>
+          </p:cNvPr>
+          <p:cNvCxnSpPr/>
+          <p:nvPr/>
+        </p:nvCxnSpPr>
         <p:spPr>
           <a:xfrm>
-            <a:off x="1" y="0"/>
-            <a:ext cx="6858000" cy="1261074"/>
+            <a:off x="0" y="0"/>
+            <a:ext cx="914400" cy="0"/>
+          </a:xfrm>
+          <a:prstGeom prst="line">
+            <a:avLst/>
+          </a:prstGeom>
+          <a:ln w="0" cap="flat" cmpd="sng" algn="ctr">
+            <a:solidFill>
+              <a:srgbClr val="FBFFFF"/>
+            </a:solidFill>
+            <a:prstDash val="solid"/>
+            <a:miter lim="800000"/>
+            <a:headEnd type="none" w="med" len="med"/>
+            <a:tailEnd type="none" w="med" len="med"/>
+          </a:ln>
+          <a:effectLst/>
+          <a:extLst>
+            <a:ext uri="{AF507438-7753-43E0-B8FC-AC1667EBCBE1}">
+              <a14:hiddenEffects xmlns:a14="http://schemas.microsoft.com/office/drawing/2010/main">
+                <a:effectLst>
+                  <a:outerShdw blurRad="63500" rotWithShape="0">
+                    <a:scrgbClr r="0" g="0" b="0"/>
+                  </a:outerShdw>
+                </a:effectLst>
+              </a14:hiddenEffects>
+            </a:ext>
+          </a:extLst>
+        </p:spPr>
+        <p:style>
+          <a:lnRef idx="1">
+            <a:schemeClr val="accent1"/>
+          </a:lnRef>
+          <a:fillRef idx="0">
+            <a:schemeClr val="accent1"/>
+          </a:fillRef>
+          <a:effectRef idx="0">
+            <a:schemeClr val="accent1"/>
+          </a:effectRef>
+          <a:fontRef idx="minor">
+            <a:schemeClr val="tx1"/>
+          </a:fontRef>
+        </p:style>
+      </p:cxnSp>
+      <p:sp>
+        <p:nvSpPr>
+          <p:cNvPr id="3" name="כותרת משנה 2"/>
+          <p:cNvSpPr>
+            <a:spLocks noGrp="1"/>
+          </p:cNvSpPr>
+          <p:nvPr>
+            <p:ph type="subTitle" idx="1"/>
+          </p:nvPr>
+        </p:nvSpPr>
+        <p:spPr>
+          <a:xfrm>
+            <a:off x="3" y="899"/>
+            <a:ext cx="19799300" cy="4330508"/>
           </a:xfrm>
           <a:solidFill>
             <a:srgbClr val="3762AF"/>
@@ -2992,6 +3485,18 @@
           <a:ln w="9525">
             <a:noFill/>
           </a:ln>
+          <a:effectLst>
+            <a:glow rad="76200">
+              <a:schemeClr val="accent1">
+                <a:alpha val="40000"/>
+              </a:schemeClr>
+            </a:glow>
+            <a:outerShdw blurRad="50800" dist="50800" dir="5400000" sx="1000" sy="1000" algn="ctr" rotWithShape="0">
+              <a:srgbClr val="000000">
+                <a:alpha val="43137"/>
+              </a:srgbClr>
+            </a:outerShdw>
+          </a:effectLst>
         </p:spPr>
         <p:style>
           <a:lnRef idx="2">
@@ -3009,13 +3514,13 @@
         </p:style>
         <p:txBody>
           <a:bodyPr>
-            <a:normAutofit fontScale="92500" lnSpcReduction="10000"/>
+            <a:normAutofit/>
           </a:bodyPr>
           <a:lstStyle/>
           <a:p>
-            <a:pPr defTabSz="951583"/>
+            <a:pPr defTabSz="2747220"/>
             <a:br>
-              <a:rPr lang="en-US" sz="2500" b="1" dirty="0">
+              <a:rPr lang="en-US" sz="7600" b="1" dirty="0">
                 <a:solidFill>
                   <a:schemeClr val="bg1"/>
                 </a:solidFill>
@@ -3024,7 +3529,7 @@
               </a:rPr>
             </a:br>
             <a:r>
-              <a:rPr lang="en-US" sz="2200" b="1" u="sng" dirty="0">
+              <a:rPr lang="en-US" sz="6600" b="1" u="sng" dirty="0">
                 <a:solidFill>
                   <a:schemeClr val="bg1"/>
                 </a:solidFill>
@@ -3042,16 +3547,16 @@
             </a:r>
           </a:p>
           <a:p>
-            <a:pPr defTabSz="951583">
+            <a:pPr defTabSz="2747220">
               <a:spcBef>
-                <a:spcPts val="200"/>
+                <a:spcPts val="577"/>
               </a:spcBef>
               <a:spcAft>
-                <a:spcPts val="200"/>
+                <a:spcPts val="577"/>
               </a:spcAft>
             </a:pPr>
             <a:r>
-              <a:rPr lang="en-US" sz="1300" b="1" dirty="0">
+              <a:rPr lang="en-US" sz="3753" b="1" dirty="0">
                 <a:solidFill>
                   <a:schemeClr val="bg1"/>
                 </a:solidFill>
@@ -3069,16 +3574,16 @@
             </a:r>
           </a:p>
           <a:p>
-            <a:pPr defTabSz="951583">
+            <a:pPr defTabSz="2747220">
               <a:spcBef>
-                <a:spcPts val="200"/>
+                <a:spcPts val="577"/>
               </a:spcBef>
               <a:spcAft>
-                <a:spcPts val="200"/>
+                <a:spcPts val="577"/>
               </a:spcAft>
             </a:pPr>
             <a:r>
-              <a:rPr lang="en-US" sz="1300" b="1" dirty="0">
+              <a:rPr lang="en-US" sz="3753" b="1" dirty="0">
                 <a:solidFill>
                   <a:schemeClr val="bg1"/>
                 </a:solidFill>
@@ -3095,7 +3600,7 @@
               <a:t>Elizabeth Itzkovich</a:t>
             </a:r>
             <a:br>
-              <a:rPr lang="en-US" sz="1600" b="1" dirty="0">
+              <a:rPr lang="en-US" sz="4619" b="1" dirty="0">
                 <a:solidFill>
                   <a:schemeClr val="bg1"/>
                 </a:solidFill>
@@ -3110,7 +3615,7 @@
                 <a:cs typeface="Arial"/>
               </a:rPr>
             </a:br>
-            <a:endParaRPr lang="he-IL" sz="1600" b="1" dirty="0">
+            <a:endParaRPr lang="he-IL" sz="4619" b="1" dirty="0">
               <a:solidFill>
                 <a:schemeClr val="bg1"/>
               </a:solidFill>
@@ -3135,8 +3640,8 @@
         </p:nvSpPr>
         <p:spPr>
           <a:xfrm>
-            <a:off x="3523766" y="1502751"/>
-            <a:ext cx="3167636" cy="1718588"/>
+            <a:off x="10173243" y="5185978"/>
+            <a:ext cx="9145082" cy="5062922"/>
           </a:xfrm>
           <a:prstGeom prst="roundRect">
             <a:avLst/>
@@ -3146,6 +3651,18 @@
               <a:srgbClr val="3762AF"/>
             </a:solidFill>
           </a:ln>
+          <a:effectLst>
+            <a:glow rad="76200">
+              <a:schemeClr val="accent1">
+                <a:alpha val="40000"/>
+              </a:schemeClr>
+            </a:glow>
+            <a:outerShdw blurRad="50800" dist="50800" dir="5400000" algn="ctr" rotWithShape="0">
+              <a:srgbClr val="000000">
+                <a:alpha val="43137"/>
+              </a:srgbClr>
+            </a:outerShdw>
+          </a:effectLst>
         </p:spPr>
         <p:style>
           <a:lnRef idx="2">
@@ -3162,15 +3679,15 @@
           </a:fontRef>
         </p:style>
         <p:txBody>
-          <a:bodyPr lIns="36000" tIns="0" rIns="36000" bIns="0" rtlCol="1" anchor="t"/>
+          <a:bodyPr lIns="103933" tIns="0" rIns="103933" bIns="0" rtlCol="1" anchor="t"/>
           <a:lstStyle/>
           <a:p>
             <a:pPr algn="ctr">
               <a:defRPr/>
             </a:pPr>
             <a:r>
-              <a:rPr lang="en-US" sz="900" b="1" dirty="0"/>
-              <a:t>2. Introduction</a:t>
+              <a:rPr lang="en-US" sz="2800" b="1" dirty="0"/>
+              <a:t>Introduction</a:t>
             </a:r>
           </a:p>
           <a:p>
@@ -3178,31 +3695,31 @@
               <a:defRPr/>
             </a:pPr>
             <a:r>
-              <a:rPr lang="en-US" sz="900" dirty="0"/>
+              <a:rPr lang="en-US" sz="2598" dirty="0"/>
               <a:t>Malaria is a tropical infectious disease caused by Plasmodium parasites. It is one of the leading causes of death in the world, especially among children.</a:t>
             </a:r>
             <a:r>
-              <a:rPr lang="he-IL" sz="900" dirty="0"/>
+              <a:rPr lang="he-IL" sz="2598" dirty="0"/>
               <a:t> </a:t>
             </a:r>
             <a:r>
-              <a:rPr lang="en-US" sz="900" dirty="0"/>
+              <a:rPr lang="en-US" sz="2598" dirty="0"/>
               <a:t>One of the treatment methods available today is an attempt to predict the spread of the disease using mathematical models.</a:t>
             </a:r>
             <a:r>
-              <a:rPr lang="he-IL" sz="900" dirty="0"/>
+              <a:rPr lang="he-IL" sz="2598" dirty="0"/>
               <a:t> </a:t>
             </a:r>
             <a:r>
-              <a:rPr lang="en-US" sz="900" dirty="0"/>
-              <a:t>The mathematical models that predict malaria today are among others the Ross model, the McDonald model, the Anderson-May model, and more.</a:t>
-            </a:r>
-            <a:r>
-              <a:rPr lang="he-IL" sz="900" dirty="0"/>
+              <a:rPr lang="en-US" sz="2598" dirty="0"/>
+              <a:t>Such models today include the Ross model, the McDonald model and the Anderson-May model among others.</a:t>
+            </a:r>
+            <a:r>
+              <a:rPr lang="he-IL" sz="2598" dirty="0"/>
               <a:t> </a:t>
             </a:r>
             <a:r>
-              <a:rPr lang="en-US" sz="900" dirty="0"/>
+              <a:rPr lang="en-US" sz="2598" dirty="0"/>
               <a:t>The main problem with such models is that they do not take into account the change in the Plasmodium parasite population whose growth rate is affected by many factors.</a:t>
             </a:r>
           </a:p>
@@ -3210,7 +3727,7 @@
             <a:pPr algn="ctr">
               <a:defRPr/>
             </a:pPr>
-            <a:endParaRPr lang="he-IL" sz="1000" dirty="0">
+            <a:endParaRPr lang="he-IL" sz="2887" dirty="0">
               <a:solidFill>
                 <a:prstClr val="black"/>
               </a:solidFill>
@@ -3229,8 +3746,8 @@
         </p:nvSpPr>
         <p:spPr>
           <a:xfrm>
-            <a:off x="155874" y="2927583"/>
-            <a:ext cx="2997640" cy="2063063"/>
+            <a:off x="450014" y="9888738"/>
+            <a:ext cx="8654298" cy="6248042"/>
           </a:xfrm>
           <a:prstGeom prst="roundRect">
             <a:avLst/>
@@ -3240,6 +3757,18 @@
               <a:schemeClr val="tx1"/>
             </a:solidFill>
           </a:ln>
+          <a:effectLst>
+            <a:glow rad="76200">
+              <a:schemeClr val="accent1">
+                <a:alpha val="40000"/>
+              </a:schemeClr>
+            </a:glow>
+            <a:outerShdw blurRad="50800" dist="50800" dir="5400000" algn="ctr" rotWithShape="0">
+              <a:srgbClr val="000000">
+                <a:alpha val="43137"/>
+              </a:srgbClr>
+            </a:outerShdw>
+          </a:effectLst>
         </p:spPr>
         <p:style>
           <a:lnRef idx="2">
@@ -3256,19 +3785,15 @@
           </a:fontRef>
         </p:style>
         <p:txBody>
-          <a:bodyPr lIns="0" tIns="0" rIns="36000" bIns="0" rtlCol="1" anchor="t"/>
+          <a:bodyPr lIns="0" tIns="0" rIns="103933" bIns="0" rtlCol="1" anchor="t"/>
           <a:lstStyle/>
           <a:p>
             <a:pPr algn="ctr">
               <a:defRPr/>
             </a:pPr>
             <a:r>
-              <a:rPr lang="he-IL" sz="800" b="1" dirty="0"/>
-              <a:t>3</a:t>
-            </a:r>
-            <a:r>
-              <a:rPr lang="en-US" sz="800" b="1" dirty="0"/>
-              <a:t>. Methods &amp; Alternatives</a:t>
+              <a:rPr lang="en-US" sz="2800" b="1" dirty="0"/>
+              <a:t>Methods &amp; Alternatives</a:t>
             </a:r>
           </a:p>
           <a:p>
@@ -3276,51 +3801,51 @@
               <a:defRPr/>
             </a:pPr>
             <a:r>
-              <a:rPr lang="en-US" sz="800" dirty="0"/>
+              <a:rPr lang="en-US" sz="2400" dirty="0"/>
               <a:t>In the project, we implemented 3 models: </a:t>
             </a:r>
           </a:p>
           <a:p>
-            <a:pPr marL="228600" indent="-228600" algn="ctr">
+            <a:pPr marL="659968" indent="-659968" algn="ctr">
               <a:buAutoNum type="arabicPeriod"/>
               <a:defRPr/>
             </a:pPr>
             <a:r>
-              <a:rPr lang="en-US" sz="800" dirty="0"/>
+              <a:rPr lang="en-US" sz="2400" dirty="0"/>
               <a:t>The Ross Model: Predicts the rate of infected humans using 2 primary parameters – newly infected humans and recovering. The model also predicts the rate of infected mosquitoes using 2 primary parameters - newly infected mosquitoes and mosquito mortality. </a:t>
             </a:r>
           </a:p>
           <a:p>
-            <a:pPr marL="228600" indent="-228600" algn="ctr">
+            <a:pPr marL="659968" indent="-659968" algn="ctr">
               <a:buAutoNum type="arabicPeriod"/>
               <a:defRPr/>
             </a:pPr>
             <a:r>
-              <a:rPr lang="en-US" sz="800" dirty="0"/>
-              <a:t>MacDonald model: Extends the Ross model to predict the proportion of infected humans and the proportion of infected mosquitoes using the mosquito incubation period parameter. It also adds an equation to predict the percentage of exposed mosquitoes.</a:t>
-            </a:r>
-          </a:p>
-          <a:p>
-            <a:pPr marL="228600" indent="-228600" algn="ctr">
+              <a:rPr lang="en-US" sz="2400" dirty="0"/>
+              <a:t>MacDonald model: Extends the Ross model to predicts the proportion of infected humans and the proportion of infected mosquitoes using the mosquito incubation period parameter. It also adds an equation to predict the percentage of exposed mosquitoes.</a:t>
+            </a:r>
+          </a:p>
+          <a:p>
+            <a:pPr marL="659968" indent="-659968" algn="ctr">
               <a:buAutoNum type="arabicPeriod"/>
               <a:defRPr/>
             </a:pPr>
             <a:r>
-              <a:rPr lang="en-US" sz="800" dirty="0"/>
+              <a:rPr lang="en-US" sz="2400" dirty="0"/>
               <a:t>Anderson-May model: Extends the McDonald model. It adds an equation to predict the percentage of exposed people given the human incubation period parameter</a:t>
             </a:r>
             <a:r>
-              <a:rPr lang="en-US" sz="900" dirty="0"/>
+              <a:rPr lang="en-US" sz="2800" dirty="0"/>
               <a:t>.</a:t>
             </a:r>
             <a:br>
-              <a:rPr lang="en-US" sz="900" dirty="0"/>
+              <a:rPr lang="en-US" sz="2598" dirty="0"/>
             </a:br>
             <a:r>
-              <a:rPr lang="he-IL" sz="900" dirty="0"/>
+              <a:rPr lang="he-IL" sz="2598" dirty="0"/>
               <a:t> </a:t>
             </a:r>
-            <a:endParaRPr lang="en-US" sz="900" dirty="0"/>
+            <a:endParaRPr lang="en-US" sz="2598" dirty="0"/>
           </a:p>
         </p:txBody>
       </p:sp>
@@ -3332,8 +3857,8 @@
         </p:nvSpPr>
         <p:spPr>
           <a:xfrm>
-            <a:off x="3534490" y="3439216"/>
-            <a:ext cx="3167636" cy="1511020"/>
+            <a:off x="10173243" y="10977915"/>
+            <a:ext cx="9145082" cy="5062922"/>
           </a:xfrm>
           <a:prstGeom prst="roundRect">
             <a:avLst/>
@@ -3343,6 +3868,18 @@
               <a:schemeClr val="tx1"/>
             </a:solidFill>
           </a:ln>
+          <a:effectLst>
+            <a:glow rad="76200">
+              <a:schemeClr val="accent1">
+                <a:alpha val="40000"/>
+              </a:schemeClr>
+            </a:glow>
+            <a:outerShdw blurRad="50800" dist="50800" dir="5400000" algn="ctr" rotWithShape="0">
+              <a:srgbClr val="000000">
+                <a:alpha val="43137"/>
+              </a:srgbClr>
+            </a:outerShdw>
+          </a:effectLst>
         </p:spPr>
         <p:style>
           <a:lnRef idx="2">
@@ -3359,35 +3896,35 @@
           </a:fontRef>
         </p:style>
         <p:txBody>
-          <a:bodyPr lIns="36000" tIns="0" rIns="36000" bIns="0" rtlCol="1" anchor="t"/>
+          <a:bodyPr lIns="176400" tIns="0" rIns="176400" bIns="0" rtlCol="1" anchor="t"/>
           <a:lstStyle/>
           <a:p>
             <a:pPr algn="ctr">
               <a:defRPr/>
             </a:pPr>
             <a:r>
-              <a:rPr lang="en-US" sz="800" b="1" dirty="0"/>
-              <a:t>4. Selected Approach</a:t>
-            </a:r>
-            <a:endParaRPr lang="he-IL" sz="800" b="1" dirty="0"/>
+              <a:rPr lang="en-US" sz="2800" b="1" dirty="0"/>
+              <a:t>Selected Approach</a:t>
+            </a:r>
+            <a:endParaRPr lang="he-IL" sz="2800" b="1" dirty="0"/>
           </a:p>
           <a:p>
             <a:pPr algn="ctr">
               <a:defRPr/>
             </a:pPr>
             <a:r>
-              <a:rPr lang="en-US" sz="800" dirty="0"/>
+              <a:rPr lang="en-US" sz="2500" dirty="0"/>
               <a:t>We have developed an equation for predicting the ratio of live mosquitoes with the help of several main parameters that affect their growth rate: Probability of death, Time of egg development for an adult mosquito, Duration of pregnancy, Number of swamps available, Possible capacity in each swamp.</a:t>
             </a:r>
-            <a:endParaRPr lang="he-IL" sz="800" dirty="0"/>
+            <a:endParaRPr lang="he-IL" sz="2500" dirty="0"/>
           </a:p>
           <a:p>
             <a:pPr algn="ctr">
               <a:defRPr/>
             </a:pPr>
             <a:r>
-              <a:rPr lang="en-US" sz="800" dirty="0"/>
-              <a:t>We assumed that when a mosquito completes the period of pregnancy it gets pregnant again immediately, in addition, we assumed that any mosquito that is into adulthood gets pregnant immediately. We "diluted" the number of mosquitoes in the swamps (if it bypassed the possible capacity) equally.</a:t>
+              <a:rPr lang="en-US" sz="2500" dirty="0"/>
+              <a:t>We assumed that when a mosquito completes the period of pregnancy it gets pregnant again immediately, in addition, we assumed that any female mosquito gets pregnant as soon as it becomes adult. We "diluted" the number of mosquitoes in the swamps (if it bypassed the possible capacity) equally.</a:t>
             </a:r>
           </a:p>
         </p:txBody>
@@ -3400,8 +3937,8 @@
         </p:nvSpPr>
         <p:spPr>
           <a:xfrm>
-            <a:off x="177321" y="5177705"/>
-            <a:ext cx="6524805" cy="2971767"/>
+            <a:off x="511934" y="16807215"/>
+            <a:ext cx="18837354" cy="8579601"/>
           </a:xfrm>
           <a:prstGeom prst="roundRect">
             <a:avLst/>
@@ -3411,6 +3948,18 @@
               <a:srgbClr val="3762AF"/>
             </a:solidFill>
           </a:ln>
+          <a:effectLst>
+            <a:glow rad="76200">
+              <a:schemeClr val="accent1">
+                <a:alpha val="40000"/>
+              </a:schemeClr>
+            </a:glow>
+            <a:outerShdw blurRad="50800" dist="50800" dir="5400000" algn="ctr" rotWithShape="0">
+              <a:srgbClr val="000000">
+                <a:alpha val="43137"/>
+              </a:srgbClr>
+            </a:outerShdw>
+          </a:effectLst>
         </p:spPr>
         <p:style>
           <a:lnRef idx="2">
@@ -3427,18 +3976,17 @@
           </a:fontRef>
         </p:style>
         <p:txBody>
-          <a:bodyPr lIns="36000" tIns="0" rIns="36000" bIns="0" rtlCol="1" anchor="t"/>
+          <a:bodyPr lIns="103933" tIns="0" rIns="103933" bIns="0" rtlCol="1" anchor="t"/>
           <a:lstStyle/>
           <a:p>
             <a:pPr algn="ctr">
               <a:defRPr/>
             </a:pPr>
             <a:r>
-              <a:rPr lang="en-US" sz="900" b="1" dirty="0"/>
-              <a:t>6. Solution Description</a:t>
-            </a:r>
-            <a:endParaRPr lang="en-IL" sz="900" dirty="0">
-              <a:effectLst/>
+              <a:rPr lang="en-US" sz="2800" b="1" dirty="0"/>
+              <a:t>Solution Description</a:t>
+            </a:r>
+            <a:endParaRPr lang="en-IL" sz="2800" dirty="0">
               <a:latin typeface="Calibri" panose="020F0502020204030204" pitchFamily="34" charset="0"/>
               <a:ea typeface="Calibri" panose="020F0502020204030204" pitchFamily="34" charset="0"/>
               <a:cs typeface="Arial" panose="020B0604020202020204" pitchFamily="34" charset="0"/>
@@ -3448,7 +3996,7 @@
             <a:pPr rtl="1">
               <a:defRPr/>
             </a:pPr>
-            <a:endParaRPr lang="he-IL" sz="1200" dirty="0">
+            <a:endParaRPr lang="he-IL" sz="3464" dirty="0">
               <a:solidFill>
                 <a:prstClr val="black"/>
               </a:solidFill>
@@ -3473,17 +4021,32 @@
         </p:nvSpPr>
         <p:spPr>
           <a:xfrm>
-            <a:off x="159026" y="1502749"/>
-            <a:ext cx="2997641" cy="1261072"/>
+            <a:off x="459115" y="5185971"/>
+            <a:ext cx="8654301" cy="3980742"/>
           </a:xfrm>
           <a:prstGeom prst="roundRect">
             <a:avLst/>
           </a:prstGeom>
+          <a:solidFill>
+            <a:schemeClr val="bg1"/>
+          </a:solidFill>
           <a:ln w="38100">
             <a:solidFill>
               <a:srgbClr val="3762AF"/>
             </a:solidFill>
           </a:ln>
+          <a:effectLst>
+            <a:glow rad="101600">
+              <a:schemeClr val="accent1">
+                <a:alpha val="40000"/>
+              </a:schemeClr>
+            </a:glow>
+            <a:outerShdw blurRad="50800" dist="50800" dir="5400000" algn="ctr" rotWithShape="0">
+              <a:srgbClr val="000000">
+                <a:alpha val="43137"/>
+              </a:srgbClr>
+            </a:outerShdw>
+          </a:effectLst>
         </p:spPr>
         <p:style>
           <a:lnRef idx="2">
@@ -3500,17 +4063,15 @@
           </a:fontRef>
         </p:style>
         <p:txBody>
-          <a:bodyPr lIns="36000" tIns="18000" rIns="576000" bIns="18000" rtlCol="1" anchor="t"/>
+          <a:bodyPr lIns="103933" tIns="51967" rIns="1662933" bIns="51967" rtlCol="1" anchor="t"/>
           <a:lstStyle/>
           <a:p>
             <a:pPr lvl="1" algn="ctr">
-              <a:buFontTx/>
-              <a:buAutoNum type="arabicPeriod"/>
               <a:defRPr/>
             </a:pPr>
             <a:r>
-              <a:rPr lang="en-US" sz="800" b="1" dirty="0"/>
-              <a:t> Contribution &amp; Project Goal</a:t>
+              <a:rPr lang="en-US" sz="2800" b="1" dirty="0"/>
+              <a:t>Contribution &amp; Project Goal</a:t>
             </a:r>
           </a:p>
           <a:p>
@@ -3518,43 +4079,54 @@
               <a:defRPr/>
             </a:pPr>
             <a:r>
-              <a:rPr lang="en-US" sz="800" dirty="0"/>
-              <a:t>The project aims to implement standard prediction models for malaria disease</a:t>
-            </a:r>
-            <a:r>
-              <a:rPr lang="he-IL" sz="800" dirty="0"/>
-              <a:t> .</a:t>
-            </a:r>
-            <a:r>
-              <a:rPr lang="en-US" sz="800" dirty="0"/>
-              <a:t>It also seeks to evaluate the mosquito population measure more accurately since this measure in such models is fixed. We collaborated with the </a:t>
-            </a:r>
-            <a:r>
-              <a:rPr lang="en-US" sz="800" b="0" i="0" dirty="0">
+              <a:rPr lang="en-US" sz="2400" dirty="0"/>
+              <a:t>The goal of the project is to implement standard prediction models for malaria, also to evaluate the mosquito population measure more accurately, since it is fixed in such models</a:t>
+            </a:r>
+            <a:r>
+              <a:rPr lang="en-US" sz="2400" dirty="0">
                 <a:solidFill>
-                  <a:srgbClr val="333333"/>
+                  <a:schemeClr val="tx1"/>
                 </a:solidFill>
-                <a:effectLst/>
+              </a:rPr>
+              <a:t>. We collaborated with the </a:t>
+            </a:r>
+            <a:r>
+              <a:rPr lang="en-US" sz="2400" dirty="0">
+                <a:solidFill>
+                  <a:schemeClr val="tx1"/>
+                </a:solidFill>
                 <a:latin typeface="Droid Serif"/>
               </a:rPr>
-              <a:t>ZzappMalaria company, the developer of a mobile-app and managerial dashboard that helps eliminate malaria that </a:t>
-            </a:r>
-            <a:r>
-              <a:rPr lang="en-US" sz="800" dirty="0"/>
-              <a:t>have won IBM Watson AI XPRIZE Competition in 2022.</a:t>
+              <a:t>ZzappMalaria company, the developer of a mobile-app and managerial dashboard that helps eliminate malaria and </a:t>
+            </a:r>
+            <a:r>
+              <a:rPr lang="en-US" sz="2400" dirty="0"/>
+              <a:t>has won IBM Watson AI XPRIZE </a:t>
+            </a:r>
+            <a:r>
+              <a:rPr lang="en-US" sz="2400" dirty="0">
+                <a:solidFill>
+                  <a:schemeClr val="tx1"/>
+                </a:solidFill>
+              </a:rPr>
+              <a:t>Competition</a:t>
+            </a:r>
+            <a:r>
+              <a:rPr lang="en-US" sz="2400" dirty="0"/>
+              <a:t> in 2022.</a:t>
             </a:r>
           </a:p>
           <a:p>
             <a:pPr algn="ctr">
               <a:defRPr/>
             </a:pPr>
-            <a:endParaRPr lang="en-US" sz="800" dirty="0"/>
+            <a:endParaRPr lang="en-US" sz="2310" dirty="0"/>
           </a:p>
           <a:p>
             <a:pPr algn="ctr">
               <a:defRPr/>
             </a:pPr>
-            <a:endParaRPr lang="he-IL" sz="800" dirty="0"/>
+            <a:endParaRPr lang="he-IL" sz="2310" dirty="0"/>
           </a:p>
         </p:txBody>
       </p:sp>
@@ -3572,8 +4144,8 @@
         </p:nvSpPr>
         <p:spPr>
           <a:xfrm>
-            <a:off x="5864576" y="290268"/>
-            <a:ext cx="753605" cy="683981"/>
+            <a:off x="16931249" y="963607"/>
+            <a:ext cx="2175686" cy="1974678"/>
           </a:xfrm>
           <a:prstGeom prst="rect">
             <a:avLst/>
@@ -3613,7 +4185,7 @@
           <a:p>
             <a:pPr algn="ctr"/>
             <a:r>
-              <a:rPr lang="he-IL" sz="2400" dirty="0">
+              <a:rPr lang="he-IL" sz="6929" dirty="0">
                 <a:effectLst>
                   <a:outerShdw blurRad="38100" dist="38100" dir="2700000" algn="tl">
                     <a:srgbClr val="000000">
@@ -3624,7 +4196,7 @@
               </a:rPr>
               <a:t>42</a:t>
             </a:r>
-            <a:endParaRPr lang="en-US" sz="2400" dirty="0">
+            <a:endParaRPr lang="en-US" sz="6929" dirty="0">
               <a:effectLst>
                 <a:outerShdw blurRad="38100" dist="38100" dir="2700000" algn="tl">
                   <a:srgbClr val="000000">
@@ -3652,8 +4224,8 @@
         </p:nvCxnSpPr>
         <p:spPr>
           <a:xfrm>
-            <a:off x="3652734" y="5544869"/>
-            <a:ext cx="0" cy="2310956"/>
+            <a:off x="10545578" y="17867230"/>
+            <a:ext cx="0" cy="6671816"/>
           </a:xfrm>
           <a:prstGeom prst="line">
             <a:avLst/>
@@ -3674,8 +4246,8 @@
           </a:fontRef>
         </p:style>
       </p:cxnSp>
-      <mc:AlternateContent xmlns:mc="http://schemas.openxmlformats.org/markup-compatibility/2006" xmlns:a14="http://schemas.microsoft.com/office/drawing/2010/main">
-        <mc:Choice Requires="a14">
+      <mc:AlternateContent xmlns:mc="http://schemas.openxmlformats.org/markup-compatibility/2006">
+        <mc:Choice xmlns:a14="http://schemas.microsoft.com/office/drawing/2010/main" Requires="a14">
           <p:sp>
             <p:nvSpPr>
               <p:cNvPr id="37" name="TextBox 36">
@@ -3690,8 +4262,8 @@
             </p:nvSpPr>
             <p:spPr>
               <a:xfrm>
-                <a:off x="3763574" y="5521016"/>
-                <a:ext cx="2669424" cy="2466829"/>
+                <a:off x="10865578" y="17798367"/>
+                <a:ext cx="7706726" cy="6950429"/>
               </a:xfrm>
               <a:prstGeom prst="rect">
                 <a:avLst/>
@@ -3714,7 +4286,7 @@
                     <m:sSub>
                       <m:sSubPr>
                         <m:ctrlPr>
-                          <a:rPr lang="en-IL" sz="800" i="1" smtClean="0">
+                          <a:rPr lang="en-IL" sz="2310" i="1">
                             <a:solidFill>
                               <a:srgbClr val="92D050"/>
                             </a:solidFill>
@@ -3726,7 +4298,7 @@
                       </m:sSubPr>
                       <m:e>
                         <m:r>
-                          <a:rPr lang="en-US" sz="800" i="1">
+                          <a:rPr lang="en-US" sz="2310" i="1">
                             <a:solidFill>
                               <a:srgbClr val="92D050"/>
                             </a:solidFill>
@@ -3739,7 +4311,7 @@
                       </m:e>
                       <m:sub>
                         <m:r>
-                          <a:rPr lang="en-US" sz="800" i="1">
+                          <a:rPr lang="en-US" sz="2310" i="1">
                             <a:solidFill>
                               <a:srgbClr val="92D050"/>
                             </a:solidFill>
@@ -3754,7 +4326,7 @@
                   </m:oMath>
                 </a14:m>
                 <a:r>
-                  <a:rPr lang="en-US" sz="800" dirty="0">
+                  <a:rPr lang="en-US" sz="2310" dirty="0">
                     <a:solidFill>
                       <a:srgbClr val="2E2E2E"/>
                     </a:solidFill>
@@ -3762,9 +4334,9 @@
                     <a:ea typeface="Times New Roman" panose="02020603050405020304" pitchFamily="18" charset="0"/>
                     <a:cs typeface="Arial" panose="020B0604020202020204" pitchFamily="34" charset="0"/>
                   </a:rPr>
-                  <a:t> - Probability of a mosquito death on a given day.</a:t>
+                  <a:t> - Mosquitoes death probability on a given day.</a:t>
                 </a:r>
-                <a:endParaRPr lang="en-IL" sz="800" dirty="0">
+                <a:endParaRPr lang="en-IL" sz="2310" dirty="0">
                   <a:latin typeface="Calibri (גוף)"/>
                   <a:ea typeface="Calibri" panose="020F0502020204030204" pitchFamily="34" charset="0"/>
                   <a:cs typeface="Arial" panose="020B0604020202020204" pitchFamily="34" charset="0"/>
@@ -3781,7 +4353,7 @@
                     <m:sSub>
                       <m:sSubPr>
                         <m:ctrlPr>
-                          <a:rPr lang="en-IL" sz="800" i="1">
+                          <a:rPr lang="en-IL" sz="2310" i="1">
                             <a:solidFill>
                               <a:srgbClr val="0070C0"/>
                             </a:solidFill>
@@ -3793,7 +4365,7 @@
                       </m:sSubPr>
                       <m:e>
                         <m:r>
-                          <a:rPr lang="en-US" sz="800" i="1">
+                          <a:rPr lang="en-US" sz="2310" i="1">
                             <a:solidFill>
                               <a:srgbClr val="0070C0"/>
                             </a:solidFill>
@@ -3806,7 +4378,7 @@
                       </m:e>
                       <m:sub>
                         <m:r>
-                          <a:rPr lang="en-US" sz="800" i="1">
+                          <a:rPr lang="en-US" sz="2310" i="1">
                             <a:solidFill>
                               <a:srgbClr val="0070C0"/>
                             </a:solidFill>
@@ -3821,7 +4393,7 @@
                   </m:oMath>
                 </a14:m>
                 <a:r>
-                  <a:rPr lang="en-US" sz="800" dirty="0">
+                  <a:rPr lang="en-US" sz="2310" dirty="0">
                     <a:solidFill>
                       <a:srgbClr val="2E2E2E"/>
                     </a:solidFill>
@@ -3832,7 +4404,7 @@
                   <a:t> - Period taken for an</a:t>
                 </a:r>
                 <a:r>
-                  <a:rPr lang="en-US" sz="800" dirty="0">
+                  <a:rPr lang="en-US" sz="2310" dirty="0">
                     <a:solidFill>
                       <a:srgbClr val="2E2E2E"/>
                     </a:solidFill>
@@ -3842,7 +4414,7 @@
                   </a:rPr>
                   <a:t> egg to become an adult.</a:t>
                 </a:r>
-                <a:endParaRPr lang="en-IL" sz="800" dirty="0">
+                <a:endParaRPr lang="en-IL" sz="2310" dirty="0">
                   <a:latin typeface="Calibri (גוף)"/>
                   <a:ea typeface="Calibri" panose="020F0502020204030204" pitchFamily="34" charset="0"/>
                   <a:cs typeface="Arial" panose="020B0604020202020204" pitchFamily="34" charset="0"/>
@@ -3859,7 +4431,7 @@
                     <m:sSub>
                       <m:sSubPr>
                         <m:ctrlPr>
-                          <a:rPr lang="en-IL" sz="800" i="1">
+                          <a:rPr lang="en-IL" sz="2310" i="1">
                             <a:solidFill>
                               <a:srgbClr val="1F4E79"/>
                             </a:solidFill>
@@ -3871,7 +4443,7 @@
                       </m:sSubPr>
                       <m:e>
                         <m:r>
-                          <a:rPr lang="en-US" sz="800" i="1">
+                          <a:rPr lang="en-US" sz="2310" i="1">
                             <a:solidFill>
                               <a:srgbClr val="1F4E79"/>
                             </a:solidFill>
@@ -3884,7 +4456,7 @@
                       </m:e>
                       <m:sub>
                         <m:r>
-                          <a:rPr lang="en-US" sz="800" i="1">
+                          <a:rPr lang="en-US" sz="2310" i="1">
                             <a:solidFill>
                               <a:srgbClr val="1F4E79"/>
                             </a:solidFill>
@@ -3899,7 +4471,7 @@
                   </m:oMath>
                 </a14:m>
                 <a:r>
-                  <a:rPr lang="fr-FR" sz="800" dirty="0">
+                  <a:rPr lang="fr-FR" sz="2310" dirty="0">
                     <a:solidFill>
                       <a:srgbClr val="2E2E2E"/>
                     </a:solidFill>
@@ -3907,9 +4479,31 @@
                     <a:ea typeface="Times New Roman" panose="02020603050405020304" pitchFamily="18" charset="0"/>
                     <a:cs typeface="Arial" panose="020B0604020202020204" pitchFamily="34" charset="0"/>
                   </a:rPr>
-                  <a:t> - Pregnancy duration.</a:t>
+                  <a:t> - Duration of </a:t>
                 </a:r>
-                <a:endParaRPr lang="en-IL" sz="800" dirty="0">
+                <a:r>
+                  <a:rPr lang="fr-FR" sz="2310" dirty="0" err="1">
+                    <a:solidFill>
+                      <a:srgbClr val="2E2E2E"/>
+                    </a:solidFill>
+                    <a:latin typeface="Calibri (גוף)"/>
+                    <a:ea typeface="Times New Roman" panose="02020603050405020304" pitchFamily="18" charset="0"/>
+                    <a:cs typeface="Arial" panose="020B0604020202020204" pitchFamily="34" charset="0"/>
+                  </a:rPr>
+                  <a:t>pregnancy</a:t>
+                </a:r>
+                <a:r>
+                  <a:rPr lang="fr-FR" sz="2310" dirty="0">
+                    <a:solidFill>
+                      <a:srgbClr val="2E2E2E"/>
+                    </a:solidFill>
+                    <a:latin typeface="Calibri (גוף)"/>
+                    <a:ea typeface="Times New Roman" panose="02020603050405020304" pitchFamily="18" charset="0"/>
+                    <a:cs typeface="Arial" panose="020B0604020202020204" pitchFamily="34" charset="0"/>
+                  </a:rPr>
+                  <a:t>.</a:t>
+                </a:r>
+                <a:endParaRPr lang="en-IL" sz="2310" dirty="0">
                   <a:latin typeface="Calibri (גוף)"/>
                   <a:ea typeface="Calibri" panose="020F0502020204030204" pitchFamily="34" charset="0"/>
                   <a:cs typeface="Arial" panose="020B0604020202020204" pitchFamily="34" charset="0"/>
@@ -3926,7 +4520,7 @@
                     <m:sSub>
                       <m:sSubPr>
                         <m:ctrlPr>
-                          <a:rPr lang="en-IL" sz="800" i="1">
+                          <a:rPr lang="en-IL" sz="2310" i="1">
                             <a:solidFill>
                               <a:srgbClr val="00FF99"/>
                             </a:solidFill>
@@ -3938,7 +4532,7 @@
                       </m:sSubPr>
                       <m:e>
                         <m:r>
-                          <a:rPr lang="en-US" sz="800" i="1">
+                          <a:rPr lang="en-US" sz="2310" i="1">
                             <a:solidFill>
                               <a:srgbClr val="00FF99"/>
                             </a:solidFill>
@@ -3951,7 +4545,7 @@
                       </m:e>
                       <m:sub>
                         <m:r>
-                          <a:rPr lang="en-US" sz="800" i="1">
+                          <a:rPr lang="en-US" sz="2310" i="1">
                             <a:solidFill>
                               <a:srgbClr val="00FF99"/>
                             </a:solidFill>
@@ -3966,7 +4560,7 @@
                   </m:oMath>
                 </a14:m>
                 <a:r>
-                  <a:rPr lang="en-US" sz="800" dirty="0">
+                  <a:rPr lang="en-US" sz="2310" dirty="0">
                     <a:solidFill>
                       <a:srgbClr val="2E2E2E"/>
                     </a:solidFill>
@@ -3977,7 +4571,7 @@
                   <a:t> - Number of female mosquitoes born </a:t>
                 </a:r>
                 <a:r>
-                  <a:rPr lang="en-US" sz="800" dirty="0">
+                  <a:rPr lang="en-US" sz="2310" dirty="0">
                     <a:solidFill>
                       <a:srgbClr val="2E2E2E"/>
                     </a:solidFill>
@@ -3985,9 +4579,9 @@
                     <a:ea typeface="Calibri" panose="020F0502020204030204" pitchFamily="34" charset="0"/>
                     <a:cs typeface="Arial" panose="020B0604020202020204" pitchFamily="34" charset="0"/>
                   </a:rPr>
-                  <a:t>per pregnancy</a:t>
+                  <a:t>per pregnancy.</a:t>
                 </a:r>
-                <a:endParaRPr lang="en-IL" sz="800" dirty="0">
+                <a:endParaRPr lang="en-IL" sz="2310" dirty="0">
                   <a:latin typeface="Calibri (גוף)"/>
                   <a:ea typeface="Calibri" panose="020F0502020204030204" pitchFamily="34" charset="0"/>
                   <a:cs typeface="Arial" panose="020B0604020202020204" pitchFamily="34" charset="0"/>
@@ -4002,7 +4596,7 @@
                 <a14:m>
                   <m:oMath xmlns:m="http://schemas.openxmlformats.org/officeDocument/2006/math">
                     <m:r>
-                      <a:rPr lang="en-US" sz="800" i="1">
+                      <a:rPr lang="en-US" sz="2310" i="1">
                         <a:solidFill>
                           <a:srgbClr val="008080"/>
                         </a:solidFill>
@@ -4013,7 +4607,7 @@
                       <m:t>𝑠</m:t>
                     </m:r>
                     <m:r>
-                      <a:rPr lang="en-US" sz="800" b="0" i="1" smtClean="0">
+                      <a:rPr lang="en-US" sz="2310" i="1">
                         <a:solidFill>
                           <a:srgbClr val="008080"/>
                         </a:solidFill>
@@ -4026,7 +4620,7 @@
                   </m:oMath>
                 </a14:m>
                 <a:r>
-                  <a:rPr lang="en-US" sz="800" dirty="0">
+                  <a:rPr lang="en-US" sz="2310" dirty="0">
                     <a:solidFill>
                       <a:srgbClr val="2E2E2E"/>
                     </a:solidFill>
@@ -4036,7 +4630,7 @@
                   </a:rPr>
                   <a:t>- Number of swamps.</a:t>
                 </a:r>
-                <a:endParaRPr lang="en-IL" sz="800" dirty="0">
+                <a:endParaRPr lang="en-IL" sz="2310" dirty="0">
                   <a:latin typeface="Calibri (גוף)"/>
                   <a:ea typeface="Calibri" panose="020F0502020204030204" pitchFamily="34" charset="0"/>
                   <a:cs typeface="Arial" panose="020B0604020202020204" pitchFamily="34" charset="0"/>
@@ -4053,7 +4647,7 @@
                     <m:sSub>
                       <m:sSubPr>
                         <m:ctrlPr>
-                          <a:rPr lang="en-IL" sz="800" i="1">
+                          <a:rPr lang="en-IL" sz="2310" i="1">
                             <a:solidFill>
                               <a:srgbClr val="FF6699"/>
                             </a:solidFill>
@@ -4065,7 +4659,7 @@
                       </m:sSubPr>
                       <m:e>
                         <m:r>
-                          <a:rPr lang="en-US" sz="800" i="1">
+                          <a:rPr lang="en-US" sz="2310" i="1">
                             <a:solidFill>
                               <a:srgbClr val="FF6699"/>
                             </a:solidFill>
@@ -4078,7 +4672,7 @@
                       </m:e>
                       <m:sub>
                         <m:r>
-                          <a:rPr lang="en-US" sz="800" i="1">
+                          <a:rPr lang="en-US" sz="2310" i="1">
                             <a:solidFill>
                               <a:srgbClr val="FF6699"/>
                             </a:solidFill>
@@ -4093,7 +4687,7 @@
                   </m:oMath>
                 </a14:m>
                 <a:r>
-                  <a:rPr lang="en-US" sz="800" dirty="0">
+                  <a:rPr lang="en-US" sz="2310" dirty="0">
                     <a:solidFill>
                       <a:srgbClr val="2E2E2E"/>
                     </a:solidFill>
@@ -4103,7 +4697,7 @@
                   </a:rPr>
                   <a:t> - Capacity of mosquitoes per swamp.</a:t>
                 </a:r>
-                <a:endParaRPr lang="en-IL" sz="800" dirty="0">
+                <a:endParaRPr lang="en-IL" sz="2310" dirty="0">
                   <a:latin typeface="Calibri (גוף)"/>
                   <a:ea typeface="Calibri" panose="020F0502020204030204" pitchFamily="34" charset="0"/>
                   <a:cs typeface="Arial" panose="020B0604020202020204" pitchFamily="34" charset="0"/>
@@ -4120,7 +4714,7 @@
                     <m:sSub>
                       <m:sSubPr>
                         <m:ctrlPr>
-                          <a:rPr lang="en-IL" sz="800" i="1">
+                          <a:rPr lang="en-IL" sz="2310" i="1">
                             <a:solidFill>
                               <a:srgbClr val="0000FF"/>
                             </a:solidFill>
@@ -4132,7 +4726,7 @@
                       </m:sSubPr>
                       <m:e>
                         <m:r>
-                          <a:rPr lang="en-US" sz="800" i="1">
+                          <a:rPr lang="en-US" sz="2310" i="1">
                             <a:solidFill>
                               <a:srgbClr val="0000FF"/>
                             </a:solidFill>
@@ -4145,7 +4739,7 @@
                       </m:e>
                       <m:sub>
                         <m:r>
-                          <a:rPr lang="en-US" sz="800" i="1">
+                          <a:rPr lang="en-US" sz="2310" i="1">
                             <a:solidFill>
                               <a:srgbClr val="0000FF"/>
                             </a:solidFill>
@@ -4160,7 +4754,7 @@
                   </m:oMath>
                 </a14:m>
                 <a:r>
-                  <a:rPr lang="en-US" sz="800" dirty="0">
+                  <a:rPr lang="en-US" sz="2310" dirty="0">
                     <a:solidFill>
                       <a:srgbClr val="2E2E2E"/>
                     </a:solidFill>
@@ -4170,7 +4764,7 @@
                   </a:rPr>
                   <a:t> - Capacity of all mosquitoes at all swamps.</a:t>
                 </a:r>
-                <a:endParaRPr lang="en-IL" sz="800" dirty="0">
+                <a:endParaRPr lang="en-IL" sz="2310" dirty="0">
                   <a:latin typeface="Calibri (גוף)"/>
                   <a:ea typeface="Calibri" panose="020F0502020204030204" pitchFamily="34" charset="0"/>
                   <a:cs typeface="Arial" panose="020B0604020202020204" pitchFamily="34" charset="0"/>
@@ -4185,7 +4779,7 @@
                 <a14:m>
                   <m:oMath xmlns:m="http://schemas.openxmlformats.org/officeDocument/2006/math">
                     <m:r>
-                      <a:rPr lang="en-US" sz="800" i="1">
+                      <a:rPr lang="en-US" sz="2310" i="1">
                         <a:solidFill>
                           <a:srgbClr val="FF00FF"/>
                         </a:solidFill>
@@ -4198,7 +4792,7 @@
                   </m:oMath>
                 </a14:m>
                 <a:r>
-                  <a:rPr lang="en-US" sz="800" dirty="0">
+                  <a:rPr lang="en-US" sz="2310" dirty="0">
                     <a:solidFill>
                       <a:srgbClr val="2E2E2E"/>
                     </a:solidFill>
@@ -4216,7 +4810,7 @@
                   </a:lnSpc>
                 </a:pPr>
                 <a:r>
-                  <a:rPr lang="en-US" sz="800" dirty="0">
+                  <a:rPr lang="en-US" sz="2310" dirty="0">
                     <a:solidFill>
                       <a:srgbClr val="2E2E2E"/>
                     </a:solidFill>
@@ -4227,7 +4821,7 @@
                   <a:t>      per female </a:t>
                 </a:r>
                 <a:r>
-                  <a:rPr lang="en-IL" sz="800" dirty="0">
+                  <a:rPr lang="en-IL" sz="2310" dirty="0">
                     <a:solidFill>
                       <a:srgbClr val="2E2E2E"/>
                     </a:solidFill>
@@ -4238,7 +4832,7 @@
                   <a:t>mosquito</a:t>
                 </a:r>
                 <a:r>
-                  <a:rPr lang="en-US" sz="800" dirty="0">
+                  <a:rPr lang="en-US" sz="2310" dirty="0">
                     <a:solidFill>
                       <a:srgbClr val="2E2E2E"/>
                     </a:solidFill>
@@ -4248,7 +4842,7 @@
                   </a:rPr>
                   <a:t>.</a:t>
                 </a:r>
-                <a:endParaRPr lang="en-IL" sz="800" dirty="0">
+                <a:endParaRPr lang="en-IL" sz="2310" dirty="0">
                   <a:latin typeface="Calibri (גוף)"/>
                   <a:ea typeface="Calibri" panose="020F0502020204030204" pitchFamily="34" charset="0"/>
                   <a:cs typeface="Arial" panose="020B0604020202020204" pitchFamily="34" charset="0"/>
@@ -4263,7 +4857,7 @@
                 <a14:m>
                   <m:oMath xmlns:m="http://schemas.openxmlformats.org/officeDocument/2006/math">
                     <m:r>
-                      <a:rPr lang="en-US" sz="800" i="1">
+                      <a:rPr lang="en-US" sz="2310" i="1">
                         <a:solidFill>
                           <a:srgbClr val="538135"/>
                         </a:solidFill>
@@ -4276,7 +4870,7 @@
                     <m:d>
                       <m:dPr>
                         <m:ctrlPr>
-                          <a:rPr lang="en-US" sz="800" i="1">
+                          <a:rPr lang="en-US" sz="2310" i="1">
                             <a:solidFill>
                               <a:srgbClr val="538135"/>
                             </a:solidFill>
@@ -4288,7 +4882,7 @@
                       </m:dPr>
                       <m:e>
                         <m:r>
-                          <a:rPr lang="en-US" sz="800" i="1">
+                          <a:rPr lang="en-US" sz="2310" i="1">
                             <a:solidFill>
                               <a:srgbClr val="538135"/>
                             </a:solidFill>
@@ -4301,7 +4895,7 @@
                       </m:e>
                     </m:d>
                     <m:r>
-                      <a:rPr lang="en-US" sz="800" b="0" i="1" smtClean="0">
+                      <a:rPr lang="en-US" sz="2310" i="1">
                         <a:solidFill>
                           <a:srgbClr val="538135"/>
                         </a:solidFill>
@@ -4314,7 +4908,7 @@
                   </m:oMath>
                 </a14:m>
                 <a:r>
-                  <a:rPr lang="en-US" sz="800" dirty="0">
+                  <a:rPr lang="en-US" sz="2310" dirty="0">
                     <a:solidFill>
                       <a:srgbClr val="2E2E2E"/>
                     </a:solidFill>
@@ -4332,7 +4926,7 @@
                   </a:lnSpc>
                 </a:pPr>
                 <a:r>
-                  <a:rPr lang="en-US" sz="800" dirty="0">
+                  <a:rPr lang="en-US" sz="2310" dirty="0">
                     <a:solidFill>
                       <a:srgbClr val="2E2E2E"/>
                     </a:solidFill>
@@ -4342,7 +4936,7 @@
                   </a:rPr>
                   <a:t>            swamp on a given day before dilution.</a:t>
                 </a:r>
-                <a:endParaRPr lang="en-IL" sz="800" dirty="0">
+                <a:endParaRPr lang="en-IL" sz="2310" dirty="0">
                   <a:latin typeface="Calibri (גוף)"/>
                   <a:ea typeface="Calibri" panose="020F0502020204030204" pitchFamily="34" charset="0"/>
                   <a:cs typeface="Arial" panose="020B0604020202020204" pitchFamily="34" charset="0"/>
@@ -4357,7 +4951,7 @@
                 <a14:m>
                   <m:oMath xmlns:m="http://schemas.openxmlformats.org/officeDocument/2006/math">
                     <m:r>
-                      <a:rPr lang="en-US" sz="800" i="1">
+                      <a:rPr lang="en-US" sz="2310" i="1">
                         <a:solidFill>
                           <a:srgbClr val="BF8F00"/>
                         </a:solidFill>
@@ -4368,7 +4962,7 @@
                       <m:t>𝑡𝑜𝑡</m:t>
                     </m:r>
                     <m:r>
-                      <a:rPr lang="en-US" sz="800" b="0" i="1" smtClean="0">
+                      <a:rPr lang="en-US" sz="2310" i="1">
                         <a:solidFill>
                           <a:srgbClr val="BF8F00"/>
                         </a:solidFill>
@@ -4381,7 +4975,7 @@
                   </m:oMath>
                 </a14:m>
                 <a:r>
-                  <a:rPr lang="en-US" sz="800" dirty="0">
+                  <a:rPr lang="en-US" sz="2310" dirty="0">
                     <a:solidFill>
                       <a:srgbClr val="2E2E2E"/>
                     </a:solidFill>
@@ -4399,7 +4993,7 @@
                   </a:lnSpc>
                 </a:pPr>
                 <a:r>
-                  <a:rPr lang="en-US" sz="800" dirty="0">
+                  <a:rPr lang="en-US" sz="2310" dirty="0">
                     <a:solidFill>
                       <a:srgbClr val="2E2E2E"/>
                     </a:solidFill>
@@ -4409,7 +5003,7 @@
                   </a:rPr>
                   <a:t>          before dilution.</a:t>
                 </a:r>
-                <a:endParaRPr lang="en-IL" sz="800" dirty="0">
+                <a:endParaRPr lang="en-IL" sz="2310" dirty="0">
                   <a:latin typeface="Calibri (גוף)"/>
                   <a:ea typeface="Calibri" panose="020F0502020204030204" pitchFamily="34" charset="0"/>
                   <a:cs typeface="Arial" panose="020B0604020202020204" pitchFamily="34" charset="0"/>
@@ -4424,7 +5018,7 @@
                 <a14:m>
                   <m:oMath xmlns:m="http://schemas.openxmlformats.org/officeDocument/2006/math">
                     <m:r>
-                      <a:rPr lang="en-US" sz="800" i="1">
+                      <a:rPr lang="en-US" sz="2310" i="1">
                         <a:solidFill>
                           <a:srgbClr val="C45911"/>
                         </a:solidFill>
@@ -4437,7 +5031,7 @@
                   </m:oMath>
                 </a14:m>
                 <a:r>
-                  <a:rPr lang="en-US" sz="800" dirty="0">
+                  <a:rPr lang="en-US" sz="2310" dirty="0">
                     <a:solidFill>
                       <a:srgbClr val="2E2E2E"/>
                     </a:solidFill>
@@ -4455,7 +5049,7 @@
                   </a:lnSpc>
                 </a:pPr>
                 <a:r>
-                  <a:rPr lang="en-US" sz="800" dirty="0">
+                  <a:rPr lang="en-US" sz="2310" dirty="0">
                     <a:solidFill>
                       <a:srgbClr val="2E2E2E"/>
                     </a:solidFill>
@@ -4465,7 +5059,7 @@
                   </a:rPr>
                   <a:t>      diluted in each day.</a:t>
                 </a:r>
-                <a:endParaRPr lang="en-IL" sz="800" dirty="0">
+                <a:endParaRPr lang="en-IL" sz="2310" dirty="0">
                   <a:latin typeface="Calibri (גוף)"/>
                   <a:ea typeface="Calibri" panose="020F0502020204030204" pitchFamily="34" charset="0"/>
                   <a:cs typeface="Arial" panose="020B0604020202020204" pitchFamily="34" charset="0"/>
@@ -4480,7 +5074,7 @@
                 <a14:m>
                   <m:oMath xmlns:m="http://schemas.openxmlformats.org/officeDocument/2006/math">
                     <m:r>
-                      <a:rPr lang="en-US" sz="800" i="1">
+                      <a:rPr lang="en-US" sz="2310" i="1">
                         <a:solidFill>
                           <a:srgbClr val="7030A0"/>
                         </a:solidFill>
@@ -4491,7 +5085,7 @@
                       <m:t>𝑓</m:t>
                     </m:r>
                     <m:r>
-                      <a:rPr lang="en-US" sz="800" i="1">
+                      <a:rPr lang="en-US" sz="2310" i="1">
                         <a:solidFill>
                           <a:srgbClr val="7030A0"/>
                         </a:solidFill>
@@ -4502,7 +5096,7 @@
                       <m:t>(</m:t>
                     </m:r>
                     <m:r>
-                      <a:rPr lang="en-US" sz="800" i="1">
+                      <a:rPr lang="en-US" sz="2310" i="1">
                         <a:solidFill>
                           <a:srgbClr val="7030A0"/>
                         </a:solidFill>
@@ -4513,7 +5107,7 @@
                       <m:t>𝑡</m:t>
                     </m:r>
                     <m:r>
-                      <a:rPr lang="en-US" sz="800" i="1">
+                      <a:rPr lang="en-US" sz="2310" i="1">
                         <a:solidFill>
                           <a:srgbClr val="7030A0"/>
                         </a:solidFill>
@@ -4526,7 +5120,7 @@
                   </m:oMath>
                 </a14:m>
                 <a:r>
-                  <a:rPr lang="en-US" sz="800" dirty="0">
+                  <a:rPr lang="en-US" sz="2310" dirty="0">
                     <a:solidFill>
                       <a:srgbClr val="2E2E2E"/>
                     </a:solidFill>
@@ -4544,7 +5138,7 @@
                   </a:lnSpc>
                 </a:pPr>
                 <a:r>
-                  <a:rPr lang="en-US" sz="800" dirty="0">
+                  <a:rPr lang="en-US" sz="2310" dirty="0">
                     <a:solidFill>
                       <a:srgbClr val="2E2E2E"/>
                     </a:solidFill>
@@ -4554,7 +5148,7 @@
                   </a:rPr>
                   <a:t>            swamp on a given day after dilution.</a:t>
                 </a:r>
-                <a:endParaRPr lang="en-IL" sz="800" dirty="0">
+                <a:endParaRPr lang="en-IL" sz="2310" dirty="0">
                   <a:latin typeface="Calibri (גוף)"/>
                   <a:ea typeface="Calibri" panose="020F0502020204030204" pitchFamily="34" charset="0"/>
                   <a:cs typeface="Arial" panose="020B0604020202020204" pitchFamily="34" charset="0"/>
@@ -4569,7 +5163,7 @@
                 <a14:m>
                   <m:oMath xmlns:m="http://schemas.openxmlformats.org/officeDocument/2006/math">
                     <m:r>
-                      <a:rPr lang="en-US" sz="800" i="1">
+                      <a:rPr lang="en-US" sz="2310" i="1">
                         <a:solidFill>
                           <a:srgbClr val="C00000"/>
                         </a:solidFill>
@@ -4580,7 +5174,7 @@
                       <m:t>𝑚</m:t>
                     </m:r>
                     <m:r>
-                      <a:rPr lang="en-US" sz="800" i="1">
+                      <a:rPr lang="en-US" sz="2310" i="1">
                         <a:solidFill>
                           <a:srgbClr val="C00000"/>
                         </a:solidFill>
@@ -4591,7 +5185,7 @@
                       <m:t>(</m:t>
                     </m:r>
                     <m:r>
-                      <a:rPr lang="en-US" sz="800" i="1">
+                      <a:rPr lang="en-US" sz="2310" i="1">
                         <a:solidFill>
                           <a:srgbClr val="C00000"/>
                         </a:solidFill>
@@ -4602,7 +5196,7 @@
                       <m:t>𝑡</m:t>
                     </m:r>
                     <m:r>
-                      <a:rPr lang="en-US" sz="800" i="1">
+                      <a:rPr lang="en-US" sz="2310" i="1">
                         <a:solidFill>
                           <a:srgbClr val="C00000"/>
                         </a:solidFill>
@@ -4615,7 +5209,7 @@
                   </m:oMath>
                 </a14:m>
                 <a:r>
-                  <a:rPr lang="en-US" sz="800" dirty="0">
+                  <a:rPr lang="en-US" sz="2310" dirty="0">
                     <a:solidFill>
                       <a:srgbClr val="2E2E2E"/>
                     </a:solidFill>
@@ -4625,7 +5219,7 @@
                   </a:rPr>
                   <a:t> - Number of mosquitoes on a given day.</a:t>
                 </a:r>
-                <a:endParaRPr lang="en-IL" sz="800" dirty="0">
+                <a:endParaRPr lang="en-IL" sz="2310" dirty="0">
                   <a:latin typeface="Calibri (גוף)"/>
                   <a:ea typeface="Calibri" panose="020F0502020204030204" pitchFamily="34" charset="0"/>
                   <a:cs typeface="Arial" panose="020B0604020202020204" pitchFamily="34" charset="0"/>
@@ -4634,7 +5228,7 @@
             </p:txBody>
           </p:sp>
         </mc:Choice>
-        <mc:Fallback xmlns="">
+        <mc:Fallback>
           <p:sp>
             <p:nvSpPr>
               <p:cNvPr id="37" name="TextBox 36">
@@ -4651,16 +5245,16 @@
             </p:nvSpPr>
             <p:spPr>
               <a:xfrm>
-                <a:off x="3763574" y="5521016"/>
-                <a:ext cx="2669424" cy="2466829"/>
+                <a:off x="10865578" y="17798367"/>
+                <a:ext cx="7706726" cy="6950429"/>
               </a:xfrm>
               <a:prstGeom prst="rect">
                 <a:avLst/>
               </a:prstGeom>
               <a:blipFill>
-                <a:blip r:embed="rId2"/>
+                <a:blip r:embed="rId3"/>
                 <a:stretch>
-                  <a:fillRect/>
+                  <a:fillRect l="-553" t="-614" b="-1053"/>
                 </a:stretch>
               </a:blipFill>
             </p:spPr>
@@ -4669,7 +5263,7 @@
               <a:lstStyle/>
               <a:p>
                 <a:r>
-                  <a:rPr lang="he-IL">
+                  <a:rPr lang="LID4096">
                     <a:noFill/>
                   </a:rPr>
                   <a:t> </a:t>
@@ -4694,15 +5288,15 @@
           <p:nvPr/>
         </p:nvPicPr>
         <p:blipFill>
-          <a:blip r:embed="rId3"/>
+          <a:blip r:embed="rId4"/>
           <a:stretch>
             <a:fillRect/>
           </a:stretch>
         </p:blipFill>
         <p:spPr>
           <a:xfrm>
-            <a:off x="452807" y="5579700"/>
-            <a:ext cx="3070959" cy="2092007"/>
+            <a:off x="1307272" y="17967789"/>
+            <a:ext cx="8865972" cy="6039702"/>
           </a:xfrm>
           <a:prstGeom prst="rect">
             <a:avLst/>
@@ -4723,8 +5317,8 @@
         </p:nvSpPr>
         <p:spPr>
           <a:xfrm>
-            <a:off x="196848" y="8336531"/>
-            <a:ext cx="3115448" cy="1525986"/>
+            <a:off x="568307" y="26029129"/>
+            <a:ext cx="8994414" cy="5327171"/>
           </a:xfrm>
           <a:prstGeom prst="roundRect">
             <a:avLst/>
@@ -4734,6 +5328,18 @@
               <a:schemeClr val="tx1"/>
             </a:solidFill>
           </a:ln>
+          <a:effectLst>
+            <a:glow rad="76200">
+              <a:schemeClr val="accent1">
+                <a:alpha val="40000"/>
+              </a:schemeClr>
+            </a:glow>
+            <a:outerShdw blurRad="50800" dist="50800" dir="5400000" algn="ctr" rotWithShape="0">
+              <a:srgbClr val="000000">
+                <a:alpha val="43137"/>
+              </a:srgbClr>
+            </a:outerShdw>
+          </a:effectLst>
         </p:spPr>
         <p:style>
           <a:lnRef idx="2">
@@ -4756,7 +5362,7 @@
             <a:pPr algn="ctr">
               <a:defRPr/>
             </a:pPr>
-            <a:endParaRPr lang="he-IL" sz="800" b="1" dirty="0"/>
+            <a:endParaRPr lang="he-IL" sz="2310" b="1" dirty="0"/>
           </a:p>
         </p:txBody>
       </p:sp>
@@ -4774,8 +5380,8 @@
         </p:nvSpPr>
         <p:spPr>
           <a:xfrm>
-            <a:off x="3567628" y="8351497"/>
-            <a:ext cx="3115448" cy="1511020"/>
+            <a:off x="10299874" y="26029129"/>
+            <a:ext cx="8994414" cy="5327171"/>
           </a:xfrm>
           <a:prstGeom prst="roundRect">
             <a:avLst/>
@@ -4785,6 +5391,18 @@
               <a:schemeClr val="tx1"/>
             </a:solidFill>
           </a:ln>
+          <a:effectLst>
+            <a:glow rad="76200">
+              <a:schemeClr val="accent1">
+                <a:alpha val="40000"/>
+              </a:schemeClr>
+            </a:glow>
+            <a:outerShdw blurRad="50800" dist="50800" dir="5400000" algn="ctr" rotWithShape="0">
+              <a:srgbClr val="000000">
+                <a:alpha val="43137"/>
+              </a:srgbClr>
+            </a:outerShdw>
+          </a:effectLst>
         </p:spPr>
         <p:style>
           <a:lnRef idx="2">
@@ -4801,17 +5419,29 @@
           </a:fontRef>
         </p:style>
         <p:txBody>
-          <a:bodyPr lIns="36000" tIns="0" rIns="36000" bIns="0" rtlCol="1" anchor="t"/>
+          <a:bodyPr lIns="103933" tIns="360000" rIns="103933" bIns="0" rtlCol="1" anchor="t"/>
           <a:lstStyle/>
           <a:p>
             <a:pPr algn="ctr">
               <a:defRPr/>
             </a:pPr>
             <a:r>
-              <a:rPr lang="en-US" sz="800" b="1" dirty="0"/>
+              <a:rPr lang="en-US" sz="2700" dirty="0">
+                <a:solidFill>
+                  <a:schemeClr val="bg2">
+                    <a:lumMod val="50000"/>
+                  </a:schemeClr>
+                </a:solidFill>
+              </a:rPr>
               <a:t>More Info</a:t>
             </a:r>
-            <a:endParaRPr lang="he-IL" sz="800" b="1" dirty="0"/>
+            <a:endParaRPr lang="he-IL" sz="2700" dirty="0">
+              <a:solidFill>
+                <a:schemeClr val="bg2">
+                  <a:lumMod val="50000"/>
+                </a:schemeClr>
+              </a:solidFill>
+            </a:endParaRPr>
           </a:p>
         </p:txBody>
       </p:sp>
@@ -4830,7 +5460,7 @@
           <p:nvPr/>
         </p:nvPicPr>
         <p:blipFill>
-          <a:blip r:embed="rId4">
+          <a:blip r:embed="rId5">
             <a:extLst>
               <a:ext uri="{28A0092B-C50C-407E-A947-70E740481C1C}">
                 <a14:useLocalDpi xmlns:a14="http://schemas.microsoft.com/office/drawing/2010/main" val="0"/>
@@ -4843,8 +5473,8 @@
         </p:blipFill>
         <p:spPr>
           <a:xfrm>
-            <a:off x="5372006" y="8721717"/>
-            <a:ext cx="922026" cy="922026"/>
+            <a:off x="15509180" y="27699637"/>
+            <a:ext cx="2661923" cy="2661923"/>
           </a:xfrm>
           <a:prstGeom prst="rect">
             <a:avLst/>
@@ -4872,8 +5502,8 @@
         </p:nvCxnSpPr>
         <p:spPr>
           <a:xfrm>
-            <a:off x="5212829" y="8721717"/>
-            <a:ext cx="0" cy="922026"/>
+            <a:off x="15049630" y="27699637"/>
+            <a:ext cx="0" cy="2661923"/>
           </a:xfrm>
           <a:prstGeom prst="line">
             <a:avLst/>
@@ -4909,7 +5539,7 @@
           <p:nvPr/>
         </p:nvPicPr>
         <p:blipFill>
-          <a:blip r:embed="rId5">
+          <a:blip r:embed="rId6">
             <a:extLst>
               <a:ext uri="{28A0092B-C50C-407E-A947-70E740481C1C}">
                 <a14:useLocalDpi xmlns:a14="http://schemas.microsoft.com/office/drawing/2010/main" val="0"/>
@@ -4922,8 +5552,8 @@
         </p:blipFill>
         <p:spPr>
           <a:xfrm>
-            <a:off x="819325" y="8450825"/>
-            <a:ext cx="1866709" cy="1329672"/>
+            <a:off x="2117560" y="26621815"/>
+            <a:ext cx="5961335" cy="4246307"/>
           </a:xfrm>
           <a:prstGeom prst="rect">
             <a:avLst/>
@@ -4945,11 +5575,11 @@
           <p:nvPr/>
         </p:nvPicPr>
         <p:blipFill>
-          <a:blip r:embed="rId6">
+          <a:blip r:embed="rId7">
             <a:extLst>
               <a:ext uri="{BEBA8EAE-BF5A-486C-A8C5-ECC9F3942E4B}">
                 <a14:imgProps xmlns:a14="http://schemas.microsoft.com/office/drawing/2010/main">
-                  <a14:imgLayer r:embed="rId7">
+                  <a14:imgLayer r:embed="rId8">
                     <a14:imgEffect>
                       <a14:colorTemperature colorTemp="5590"/>
                     </a14:imgEffect>
@@ -4970,8 +5600,8 @@
         </p:blipFill>
         <p:spPr>
           <a:xfrm>
-            <a:off x="3935939" y="8721717"/>
-            <a:ext cx="1121178" cy="942396"/>
+            <a:off x="11363202" y="27699637"/>
+            <a:ext cx="3236882" cy="2720732"/>
           </a:xfrm>
           <a:prstGeom prst="rect">
             <a:avLst/>
@@ -5001,42 +5631,6 @@
           <p:nvPr/>
         </p:nvPicPr>
         <p:blipFill>
-          <a:blip r:embed="rId8">
-            <a:extLst>
-              <a:ext uri="{28A0092B-C50C-407E-A947-70E740481C1C}">
-                <a14:useLocalDpi xmlns:a14="http://schemas.microsoft.com/office/drawing/2010/main" val="0"/>
-              </a:ext>
-            </a:extLst>
-          </a:blip>
-          <a:stretch>
-            <a:fillRect/>
-          </a:stretch>
-        </p:blipFill>
-        <p:spPr>
-          <a:xfrm>
-            <a:off x="2374060" y="7084902"/>
-            <a:ext cx="1106426" cy="993650"/>
-          </a:xfrm>
-          <a:prstGeom prst="rect">
-            <a:avLst/>
-          </a:prstGeom>
-        </p:spPr>
-      </p:pic>
-      <p:pic>
-        <p:nvPicPr>
-          <p:cNvPr id="21" name="תמונה 20">
-            <a:extLst>
-              <a:ext uri="{FF2B5EF4-FFF2-40B4-BE49-F238E27FC236}">
-                <a16:creationId xmlns:a16="http://schemas.microsoft.com/office/drawing/2014/main" id="{6A9EB6AD-47E6-4A11-A947-41F36810E281}"/>
-              </a:ext>
-            </a:extLst>
-          </p:cNvPr>
-          <p:cNvPicPr>
-            <a:picLocks noChangeAspect="1"/>
-          </p:cNvPicPr>
-          <p:nvPr/>
-        </p:nvPicPr>
-        <p:blipFill>
           <a:blip r:embed="rId9">
             <a:extLst>
               <a:ext uri="{28A0092B-C50C-407E-A947-70E740481C1C}">
@@ -5050,8 +5644,8 @@
         </p:blipFill>
         <p:spPr>
           <a:xfrm>
-            <a:off x="2575361" y="1851523"/>
-            <a:ext cx="387097" cy="838202"/>
+            <a:off x="6853999" y="22313362"/>
+            <a:ext cx="3194293" cy="2868704"/>
           </a:xfrm>
           <a:prstGeom prst="rect">
             <a:avLst/>
@@ -5060,10 +5654,10 @@
       </p:pic>
       <p:pic>
         <p:nvPicPr>
-          <p:cNvPr id="9" name="תמונה 8">
+          <p:cNvPr id="21" name="תמונה 20">
             <a:extLst>
               <a:ext uri="{FF2B5EF4-FFF2-40B4-BE49-F238E27FC236}">
-                <a16:creationId xmlns:a16="http://schemas.microsoft.com/office/drawing/2014/main" id="{F9CC2E12-3AFC-4D11-AA91-08522DE1C9AA}"/>
+                <a16:creationId xmlns:a16="http://schemas.microsoft.com/office/drawing/2014/main" id="{6A9EB6AD-47E6-4A11-A947-41F36810E281}"/>
               </a:ext>
             </a:extLst>
           </p:cNvPr>
@@ -5086,12 +5680,55 @@
         </p:blipFill>
         <p:spPr>
           <a:xfrm>
-            <a:off x="343267" y="364260"/>
-            <a:ext cx="753689" cy="753689"/>
+            <a:off x="7435164" y="6192896"/>
+            <a:ext cx="1117563" cy="2419920"/>
           </a:xfrm>
           <a:prstGeom prst="rect">
             <a:avLst/>
           </a:prstGeom>
+        </p:spPr>
+      </p:pic>
+      <p:pic>
+        <p:nvPicPr>
+          <p:cNvPr id="9" name="תמונה 8">
+            <a:extLst>
+              <a:ext uri="{FF2B5EF4-FFF2-40B4-BE49-F238E27FC236}">
+                <a16:creationId xmlns:a16="http://schemas.microsoft.com/office/drawing/2014/main" id="{F9CC2E12-3AFC-4D11-AA91-08522DE1C9AA}"/>
+              </a:ext>
+            </a:extLst>
+          </p:cNvPr>
+          <p:cNvPicPr>
+            <a:picLocks noChangeAspect="1"/>
+          </p:cNvPicPr>
+          <p:nvPr/>
+        </p:nvPicPr>
+        <p:blipFill>
+          <a:blip r:embed="rId11">
+            <a:extLst>
+              <a:ext uri="{28A0092B-C50C-407E-A947-70E740481C1C}">
+                <a14:useLocalDpi xmlns:a14="http://schemas.microsoft.com/office/drawing/2010/main" val="0"/>
+              </a:ext>
+            </a:extLst>
+          </a:blip>
+          <a:stretch>
+            <a:fillRect/>
+          </a:stretch>
+        </p:blipFill>
+        <p:spPr>
+          <a:xfrm>
+            <a:off x="991026" y="1177224"/>
+            <a:ext cx="2175928" cy="2175928"/>
+          </a:xfrm>
+          <a:prstGeom prst="rect">
+            <a:avLst/>
+          </a:prstGeom>
+          <a:effectLst>
+            <a:outerShdw blurRad="50800" dir="180000" algn="ctr" rotWithShape="0">
+              <a:srgbClr val="000000">
+                <a:alpha val="43137"/>
+              </a:srgbClr>
+            </a:outerShdw>
+          </a:effectLst>
         </p:spPr>
       </p:pic>
     </p:spTree>
@@ -5110,7 +5747,7 @@
 <file path=ppt/theme/theme1.xml><?xml version="1.0" encoding="utf-8"?>
 <a:theme xmlns:a="http://schemas.openxmlformats.org/drawingml/2006/main" name="Office Theme">
   <a:themeElements>
-    <a:clrScheme name="Office Theme">
+    <a:clrScheme name="ערכת נושא Office">
       <a:dk1>
         <a:sysClr val="windowText" lastClr="000000"/>
       </a:dk1>
@@ -5148,7 +5785,7 @@
         <a:srgbClr val="954F72"/>
       </a:folHlink>
     </a:clrScheme>
-    <a:fontScheme name="Office Theme">
+    <a:fontScheme name="ערכת נושא Office">
       <a:majorFont>
         <a:latin typeface="Calibri Light" panose="020F0302020204030204"/>
         <a:ea typeface=""/>
@@ -5220,7 +5857,302 @@
         <a:font script="Geor" typeface="Sylfaen"/>
       </a:minorFont>
     </a:fontScheme>
-    <a:fmtScheme name="Office Theme">
+    <a:fmtScheme name="ערכת נושא Office">
+      <a:fillStyleLst>
+        <a:solidFill>
+          <a:schemeClr val="phClr"/>
+        </a:solidFill>
+        <a:gradFill rotWithShape="1">
+          <a:gsLst>
+            <a:gs pos="0">
+              <a:schemeClr val="phClr">
+                <a:lumMod val="110000"/>
+                <a:satMod val="105000"/>
+                <a:tint val="67000"/>
+              </a:schemeClr>
+            </a:gs>
+            <a:gs pos="50000">
+              <a:schemeClr val="phClr">
+                <a:lumMod val="105000"/>
+                <a:satMod val="103000"/>
+                <a:tint val="73000"/>
+              </a:schemeClr>
+            </a:gs>
+            <a:gs pos="100000">
+              <a:schemeClr val="phClr">
+                <a:lumMod val="105000"/>
+                <a:satMod val="109000"/>
+                <a:tint val="81000"/>
+              </a:schemeClr>
+            </a:gs>
+          </a:gsLst>
+          <a:lin ang="5400000" scaled="0"/>
+        </a:gradFill>
+        <a:gradFill rotWithShape="1">
+          <a:gsLst>
+            <a:gs pos="0">
+              <a:schemeClr val="phClr">
+                <a:satMod val="103000"/>
+                <a:lumMod val="102000"/>
+                <a:tint val="94000"/>
+              </a:schemeClr>
+            </a:gs>
+            <a:gs pos="50000">
+              <a:schemeClr val="phClr">
+                <a:satMod val="110000"/>
+                <a:lumMod val="100000"/>
+                <a:shade val="100000"/>
+              </a:schemeClr>
+            </a:gs>
+            <a:gs pos="100000">
+              <a:schemeClr val="phClr">
+                <a:lumMod val="99000"/>
+                <a:satMod val="120000"/>
+                <a:shade val="78000"/>
+              </a:schemeClr>
+            </a:gs>
+          </a:gsLst>
+          <a:lin ang="5400000" scaled="0"/>
+        </a:gradFill>
+      </a:fillStyleLst>
+      <a:lnStyleLst>
+        <a:ln w="6350" cap="flat" cmpd="sng" algn="ctr">
+          <a:solidFill>
+            <a:schemeClr val="phClr"/>
+          </a:solidFill>
+          <a:prstDash val="solid"/>
+          <a:miter lim="800000"/>
+        </a:ln>
+        <a:ln w="12700" cap="flat" cmpd="sng" algn="ctr">
+          <a:solidFill>
+            <a:schemeClr val="phClr"/>
+          </a:solidFill>
+          <a:prstDash val="solid"/>
+          <a:miter lim="800000"/>
+        </a:ln>
+        <a:ln w="19050" cap="flat" cmpd="sng" algn="ctr">
+          <a:solidFill>
+            <a:schemeClr val="phClr"/>
+          </a:solidFill>
+          <a:prstDash val="solid"/>
+          <a:miter lim="800000"/>
+        </a:ln>
+      </a:lnStyleLst>
+      <a:effectStyleLst>
+        <a:effectStyle>
+          <a:effectLst/>
+        </a:effectStyle>
+        <a:effectStyle>
+          <a:effectLst/>
+        </a:effectStyle>
+        <a:effectStyle>
+          <a:effectLst>
+            <a:outerShdw blurRad="57150" dist="19050" dir="5400000" algn="ctr" rotWithShape="0">
+              <a:srgbClr val="000000">
+                <a:alpha val="63000"/>
+              </a:srgbClr>
+            </a:outerShdw>
+          </a:effectLst>
+        </a:effectStyle>
+      </a:effectStyleLst>
+      <a:bgFillStyleLst>
+        <a:solidFill>
+          <a:schemeClr val="phClr"/>
+        </a:solidFill>
+        <a:solidFill>
+          <a:schemeClr val="phClr">
+            <a:tint val="95000"/>
+            <a:satMod val="170000"/>
+          </a:schemeClr>
+        </a:solidFill>
+        <a:gradFill rotWithShape="1">
+          <a:gsLst>
+            <a:gs pos="0">
+              <a:schemeClr val="phClr">
+                <a:tint val="93000"/>
+                <a:satMod val="150000"/>
+                <a:shade val="98000"/>
+                <a:lumMod val="102000"/>
+              </a:schemeClr>
+            </a:gs>
+            <a:gs pos="50000">
+              <a:schemeClr val="phClr">
+                <a:tint val="98000"/>
+                <a:satMod val="130000"/>
+                <a:shade val="90000"/>
+                <a:lumMod val="103000"/>
+              </a:schemeClr>
+            </a:gs>
+            <a:gs pos="100000">
+              <a:schemeClr val="phClr">
+                <a:shade val="63000"/>
+                <a:satMod val="120000"/>
+              </a:schemeClr>
+            </a:gs>
+          </a:gsLst>
+          <a:lin ang="5400000" scaled="0"/>
+        </a:gradFill>
+      </a:bgFillStyleLst>
+    </a:fmtScheme>
+  </a:themeElements>
+  <a:objectDefaults/>
+  <a:extraClrSchemeLst/>
+  <a:extLst>
+    <a:ext uri="{05A4C25C-085E-4340-85A3-A5531E510DB2}">
+      <thm15:themeFamily xmlns:thm15="http://schemas.microsoft.com/office/thememl/2012/main" name="Office Theme" id="{62F939B6-93AF-4DB8-9C6B-D6C7DFDC589F}" vid="{4A3C46E8-61CC-4603-A589-7422A47A8E4A}"/>
+    </a:ext>
+  </a:extLst>
+</a:theme>
+</file>
+
+<file path=ppt/theme/theme2.xml><?xml version="1.0" encoding="utf-8"?>
+<a:theme xmlns:a="http://schemas.openxmlformats.org/drawingml/2006/main" name="ערכת נושא Office">
+  <a:themeElements>
+    <a:clrScheme name="Office">
+      <a:dk1>
+        <a:sysClr val="windowText" lastClr="000000"/>
+      </a:dk1>
+      <a:lt1>
+        <a:sysClr val="window" lastClr="FFFFFF"/>
+      </a:lt1>
+      <a:dk2>
+        <a:srgbClr val="44546A"/>
+      </a:dk2>
+      <a:lt2>
+        <a:srgbClr val="E7E6E6"/>
+      </a:lt2>
+      <a:accent1>
+        <a:srgbClr val="4472C4"/>
+      </a:accent1>
+      <a:accent2>
+        <a:srgbClr val="ED7D31"/>
+      </a:accent2>
+      <a:accent3>
+        <a:srgbClr val="A5A5A5"/>
+      </a:accent3>
+      <a:accent4>
+        <a:srgbClr val="FFC000"/>
+      </a:accent4>
+      <a:accent5>
+        <a:srgbClr val="5B9BD5"/>
+      </a:accent5>
+      <a:accent6>
+        <a:srgbClr val="70AD47"/>
+      </a:accent6>
+      <a:hlink>
+        <a:srgbClr val="0563C1"/>
+      </a:hlink>
+      <a:folHlink>
+        <a:srgbClr val="954F72"/>
+      </a:folHlink>
+    </a:clrScheme>
+    <a:fontScheme name="Office">
+      <a:majorFont>
+        <a:latin typeface="Calibri Light" panose="020F0302020204030204"/>
+        <a:ea typeface=""/>
+        <a:cs typeface=""/>
+        <a:font script="Jpan" typeface="游ゴシック Light"/>
+        <a:font script="Hang" typeface="맑은 고딕"/>
+        <a:font script="Hans" typeface="等线 Light"/>
+        <a:font script="Hant" typeface="新細明體"/>
+        <a:font script="Arab" typeface="Times New Roman"/>
+        <a:font script="Hebr" typeface="Times New Roman"/>
+        <a:font script="Thai" typeface="Angsana New"/>
+        <a:font script="Ethi" typeface="Nyala"/>
+        <a:font script="Beng" typeface="Vrinda"/>
+        <a:font script="Gujr" typeface="Shruti"/>
+        <a:font script="Khmr" typeface="MoolBoran"/>
+        <a:font script="Knda" typeface="Tunga"/>
+        <a:font script="Guru" typeface="Raavi"/>
+        <a:font script="Cans" typeface="Euphemia"/>
+        <a:font script="Cher" typeface="Plantagenet Cherokee"/>
+        <a:font script="Yiii" typeface="Microsoft Yi Baiti"/>
+        <a:font script="Tibt" typeface="Microsoft Himalaya"/>
+        <a:font script="Thaa" typeface="MV Boli"/>
+        <a:font script="Deva" typeface="Mangal"/>
+        <a:font script="Telu" typeface="Gautami"/>
+        <a:font script="Taml" typeface="Latha"/>
+        <a:font script="Syrc" typeface="Estrangelo Edessa"/>
+        <a:font script="Orya" typeface="Kalinga"/>
+        <a:font script="Mlym" typeface="Kartika"/>
+        <a:font script="Laoo" typeface="DokChampa"/>
+        <a:font script="Sinh" typeface="Iskoola Pota"/>
+        <a:font script="Mong" typeface="Mongolian Baiti"/>
+        <a:font script="Viet" typeface="Times New Roman"/>
+        <a:font script="Uigh" typeface="Microsoft Uighur"/>
+        <a:font script="Geor" typeface="Sylfaen"/>
+        <a:font script="Armn" typeface="Arial"/>
+        <a:font script="Bugi" typeface="Leelawadee UI"/>
+        <a:font script="Bopo" typeface="Microsoft JhengHei"/>
+        <a:font script="Java" typeface="Javanese Text"/>
+        <a:font script="Lisu" typeface="Segoe UI"/>
+        <a:font script="Mymr" typeface="Myanmar Text"/>
+        <a:font script="Nkoo" typeface="Ebrima"/>
+        <a:font script="Olck" typeface="Nirmala UI"/>
+        <a:font script="Osma" typeface="Ebrima"/>
+        <a:font script="Phag" typeface="Phagspa"/>
+        <a:font script="Syrn" typeface="Estrangelo Edessa"/>
+        <a:font script="Syrj" typeface="Estrangelo Edessa"/>
+        <a:font script="Syre" typeface="Estrangelo Edessa"/>
+        <a:font script="Sora" typeface="Nirmala UI"/>
+        <a:font script="Tale" typeface="Microsoft Tai Le"/>
+        <a:font script="Talu" typeface="Microsoft New Tai Lue"/>
+        <a:font script="Tfng" typeface="Ebrima"/>
+      </a:majorFont>
+      <a:minorFont>
+        <a:latin typeface="Calibri" panose="020F0502020204030204"/>
+        <a:ea typeface=""/>
+        <a:cs typeface=""/>
+        <a:font script="Jpan" typeface="游ゴシック"/>
+        <a:font script="Hang" typeface="맑은 고딕"/>
+        <a:font script="Hans" typeface="等线"/>
+        <a:font script="Hant" typeface="新細明體"/>
+        <a:font script="Arab" typeface="Arial"/>
+        <a:font script="Hebr" typeface="Arial"/>
+        <a:font script="Thai" typeface="Cordia New"/>
+        <a:font script="Ethi" typeface="Nyala"/>
+        <a:font script="Beng" typeface="Vrinda"/>
+        <a:font script="Gujr" typeface="Shruti"/>
+        <a:font script="Khmr" typeface="DaunPenh"/>
+        <a:font script="Knda" typeface="Tunga"/>
+        <a:font script="Guru" typeface="Raavi"/>
+        <a:font script="Cans" typeface="Euphemia"/>
+        <a:font script="Cher" typeface="Plantagenet Cherokee"/>
+        <a:font script="Yiii" typeface="Microsoft Yi Baiti"/>
+        <a:font script="Tibt" typeface="Microsoft Himalaya"/>
+        <a:font script="Thaa" typeface="MV Boli"/>
+        <a:font script="Deva" typeface="Mangal"/>
+        <a:font script="Telu" typeface="Gautami"/>
+        <a:font script="Taml" typeface="Latha"/>
+        <a:font script="Syrc" typeface="Estrangelo Edessa"/>
+        <a:font script="Orya" typeface="Kalinga"/>
+        <a:font script="Mlym" typeface="Kartika"/>
+        <a:font script="Laoo" typeface="DokChampa"/>
+        <a:font script="Sinh" typeface="Iskoola Pota"/>
+        <a:font script="Mong" typeface="Mongolian Baiti"/>
+        <a:font script="Viet" typeface="Arial"/>
+        <a:font script="Uigh" typeface="Microsoft Uighur"/>
+        <a:font script="Geor" typeface="Sylfaen"/>
+        <a:font script="Armn" typeface="Arial"/>
+        <a:font script="Bugi" typeface="Leelawadee UI"/>
+        <a:font script="Bopo" typeface="Microsoft JhengHei"/>
+        <a:font script="Java" typeface="Javanese Text"/>
+        <a:font script="Lisu" typeface="Segoe UI"/>
+        <a:font script="Mymr" typeface="Myanmar Text"/>
+        <a:font script="Nkoo" typeface="Ebrima"/>
+        <a:font script="Olck" typeface="Nirmala UI"/>
+        <a:font script="Osma" typeface="Ebrima"/>
+        <a:font script="Phag" typeface="Phagspa"/>
+        <a:font script="Syrn" typeface="Estrangelo Edessa"/>
+        <a:font script="Syrj" typeface="Estrangelo Edessa"/>
+        <a:font script="Syre" typeface="Estrangelo Edessa"/>
+        <a:font script="Sora" typeface="Nirmala UI"/>
+        <a:font script="Tale" typeface="Microsoft Tai Le"/>
+        <a:font script="Talu" typeface="Microsoft New Tai Lue"/>
+        <a:font script="Tfng" typeface="Ebrima"/>
+      </a:minorFont>
+    </a:fontScheme>
+    <a:fmtScheme name="Office">
       <a:fillStyleLst>
         <a:solidFill>
           <a:schemeClr val="phClr"/>
